--- a/content/docs/theory-analysis/kafka-connect/images/images.pptx
+++ b/content/docs/theory-analysis/kafka-connect/images/images.pptx
@@ -5,14 +5,16 @@
     <p:sldMasterId id="2147483648" r:id="rId1"/>
   </p:sldMasterIdLst>
   <p:notesMasterIdLst>
-    <p:notesMasterId r:id="rId7"/>
+    <p:notesMasterId r:id="rId9"/>
   </p:notesMasterIdLst>
   <p:sldIdLst>
     <p:sldId id="368" r:id="rId2"/>
-    <p:sldId id="363" r:id="rId3"/>
-    <p:sldId id="367" r:id="rId4"/>
-    <p:sldId id="370" r:id="rId5"/>
-    <p:sldId id="369" r:id="rId6"/>
+    <p:sldId id="372" r:id="rId3"/>
+    <p:sldId id="363" r:id="rId4"/>
+    <p:sldId id="367" r:id="rId5"/>
+    <p:sldId id="371" r:id="rId6"/>
+    <p:sldId id="370" r:id="rId7"/>
+    <p:sldId id="369" r:id="rId8"/>
   </p:sldIdLst>
   <p:sldSz cx="9144000" cy="5143500" type="screen16x9"/>
   <p:notesSz cx="6858000" cy="9144000"/>
@@ -229,7 +231,7 @@
           <a:p>
             <a:fld id="{6CD5550B-26C4-49A9-A5BA-636EF7BE6CE9}" type="datetimeFigureOut">
               <a:rPr lang="ko-KR" altLang="en-US" smtClean="0"/>
-              <a:t>2025. 10. 28.</a:t>
+              <a:t>2025. 10. 29.</a:t>
             </a:fld>
             <a:endParaRPr lang="ko-KR" altLang="en-US"/>
           </a:p>
@@ -609,6 +611,114 @@
   <p:cSld>
     <p:spTree>
       <p:nvGrpSpPr>
+        <p:cNvPr id="1" name="">
+          <a:extLst>
+            <a:ext uri="{FF2B5EF4-FFF2-40B4-BE49-F238E27FC236}">
+              <a16:creationId xmlns:a16="http://schemas.microsoft.com/office/drawing/2014/main" id="{DDFB684C-5C46-CF0D-DFB9-D52417147B59}"/>
+            </a:ext>
+          </a:extLst>
+        </p:cNvPr>
+        <p:cNvGrpSpPr/>
+        <p:nvPr/>
+      </p:nvGrpSpPr>
+      <p:grpSpPr>
+        <a:xfrm>
+          <a:off x="0" y="0"/>
+          <a:ext cx="0" cy="0"/>
+          <a:chOff x="0" y="0"/>
+          <a:chExt cx="0" cy="0"/>
+        </a:xfrm>
+      </p:grpSpPr>
+      <p:sp>
+        <p:nvSpPr>
+          <p:cNvPr id="2" name="Slide Image Placeholder 1">
+            <a:extLst>
+              <a:ext uri="{FF2B5EF4-FFF2-40B4-BE49-F238E27FC236}">
+                <a16:creationId xmlns:a16="http://schemas.microsoft.com/office/drawing/2014/main" id="{6D7FFEB3-B40E-B601-7336-A7155CE1D6E9}"/>
+              </a:ext>
+            </a:extLst>
+          </p:cNvPr>
+          <p:cNvSpPr>
+            <a:spLocks noGrp="1" noRot="1" noChangeAspect="1"/>
+          </p:cNvSpPr>
+          <p:nvPr>
+            <p:ph type="sldImg"/>
+          </p:nvPr>
+        </p:nvSpPr>
+        <p:spPr/>
+      </p:sp>
+      <p:sp>
+        <p:nvSpPr>
+          <p:cNvPr id="3" name="Notes Placeholder 2">
+            <a:extLst>
+              <a:ext uri="{FF2B5EF4-FFF2-40B4-BE49-F238E27FC236}">
+                <a16:creationId xmlns:a16="http://schemas.microsoft.com/office/drawing/2014/main" id="{A027CCA0-DC67-C6F2-B3D4-7DB76218E0BF}"/>
+              </a:ext>
+            </a:extLst>
+          </p:cNvPr>
+          <p:cNvSpPr>
+            <a:spLocks noGrp="1"/>
+          </p:cNvSpPr>
+          <p:nvPr>
+            <p:ph type="body" idx="1"/>
+          </p:nvPr>
+        </p:nvSpPr>
+        <p:spPr/>
+        <p:txBody>
+          <a:bodyPr/>
+          <a:lstStyle/>
+          <a:p>
+            <a:endParaRPr lang="en-KR"/>
+          </a:p>
+        </p:txBody>
+      </p:sp>
+      <p:sp>
+        <p:nvSpPr>
+          <p:cNvPr id="4" name="Slide Number Placeholder 3">
+            <a:extLst>
+              <a:ext uri="{FF2B5EF4-FFF2-40B4-BE49-F238E27FC236}">
+                <a16:creationId xmlns:a16="http://schemas.microsoft.com/office/drawing/2014/main" id="{6F606AFA-5806-ED53-4093-182B003C45BD}"/>
+              </a:ext>
+            </a:extLst>
+          </p:cNvPr>
+          <p:cNvSpPr>
+            <a:spLocks noGrp="1"/>
+          </p:cNvSpPr>
+          <p:nvPr>
+            <p:ph type="sldNum" sz="quarter" idx="5"/>
+          </p:nvPr>
+        </p:nvSpPr>
+        <p:spPr/>
+        <p:txBody>
+          <a:bodyPr/>
+          <a:lstStyle/>
+          <a:p>
+            <a:fld id="{BA5DFA43-8D57-47FB-BC46-057616015C3B}" type="slidenum">
+              <a:rPr lang="ko-KR" altLang="en-US" smtClean="0"/>
+              <a:t>2</a:t>
+            </a:fld>
+            <a:endParaRPr lang="ko-KR" altLang="en-US"/>
+          </a:p>
+        </p:txBody>
+      </p:sp>
+    </p:spTree>
+    <p:extLst>
+      <p:ext uri="{BB962C8B-B14F-4D97-AF65-F5344CB8AC3E}">
+        <p14:creationId xmlns:p14="http://schemas.microsoft.com/office/powerpoint/2010/main" val="3043652638"/>
+      </p:ext>
+    </p:extLst>
+  </p:cSld>
+  <p:clrMapOvr>
+    <a:masterClrMapping/>
+  </p:clrMapOvr>
+</p:notes>
+</file>
+
+<file path=ppt/notesSlides/notesSlide3.xml><?xml version="1.0" encoding="utf-8"?>
+<p:notes xmlns:a="http://schemas.openxmlformats.org/drawingml/2006/main" xmlns:r="http://schemas.openxmlformats.org/officeDocument/2006/relationships" xmlns:p="http://schemas.openxmlformats.org/presentationml/2006/main">
+  <p:cSld>
+    <p:spTree>
+      <p:nvGrpSpPr>
         <p:cNvPr id="1" name=""/>
         <p:cNvGrpSpPr/>
         <p:nvPr/>
@@ -669,7 +779,7 @@
           <a:p>
             <a:fld id="{BA5DFA43-8D57-47FB-BC46-057616015C3B}" type="slidenum">
               <a:rPr lang="ko-KR" altLang="en-US" smtClean="0"/>
-              <a:t>2</a:t>
+              <a:t>3</a:t>
             </a:fld>
             <a:endParaRPr lang="ko-KR" altLang="en-US"/>
           </a:p>
@@ -688,7 +798,115 @@
 </p:notes>
 </file>
 
-<file path=ppt/notesSlides/notesSlide3.xml><?xml version="1.0" encoding="utf-8"?>
+<file path=ppt/notesSlides/notesSlide4.xml><?xml version="1.0" encoding="utf-8"?>
+<p:notes xmlns:a="http://schemas.openxmlformats.org/drawingml/2006/main" xmlns:r="http://schemas.openxmlformats.org/officeDocument/2006/relationships" xmlns:p="http://schemas.openxmlformats.org/presentationml/2006/main">
+  <p:cSld>
+    <p:spTree>
+      <p:nvGrpSpPr>
+        <p:cNvPr id="1" name="">
+          <a:extLst>
+            <a:ext uri="{FF2B5EF4-FFF2-40B4-BE49-F238E27FC236}">
+              <a16:creationId xmlns:a16="http://schemas.microsoft.com/office/drawing/2014/main" id="{8D5529B5-1947-524A-1CA2-55459A0FFD4A}"/>
+            </a:ext>
+          </a:extLst>
+        </p:cNvPr>
+        <p:cNvGrpSpPr/>
+        <p:nvPr/>
+      </p:nvGrpSpPr>
+      <p:grpSpPr>
+        <a:xfrm>
+          <a:off x="0" y="0"/>
+          <a:ext cx="0" cy="0"/>
+          <a:chOff x="0" y="0"/>
+          <a:chExt cx="0" cy="0"/>
+        </a:xfrm>
+      </p:grpSpPr>
+      <p:sp>
+        <p:nvSpPr>
+          <p:cNvPr id="2" name="Slide Image Placeholder 1">
+            <a:extLst>
+              <a:ext uri="{FF2B5EF4-FFF2-40B4-BE49-F238E27FC236}">
+                <a16:creationId xmlns:a16="http://schemas.microsoft.com/office/drawing/2014/main" id="{0770243C-383E-47FA-7B37-38DF9BC18435}"/>
+              </a:ext>
+            </a:extLst>
+          </p:cNvPr>
+          <p:cNvSpPr>
+            <a:spLocks noGrp="1" noRot="1" noChangeAspect="1"/>
+          </p:cNvSpPr>
+          <p:nvPr>
+            <p:ph type="sldImg"/>
+          </p:nvPr>
+        </p:nvSpPr>
+        <p:spPr/>
+      </p:sp>
+      <p:sp>
+        <p:nvSpPr>
+          <p:cNvPr id="3" name="Notes Placeholder 2">
+            <a:extLst>
+              <a:ext uri="{FF2B5EF4-FFF2-40B4-BE49-F238E27FC236}">
+                <a16:creationId xmlns:a16="http://schemas.microsoft.com/office/drawing/2014/main" id="{1FF10740-1651-082C-1403-E5FFBAAA2B49}"/>
+              </a:ext>
+            </a:extLst>
+          </p:cNvPr>
+          <p:cNvSpPr>
+            <a:spLocks noGrp="1"/>
+          </p:cNvSpPr>
+          <p:nvPr>
+            <p:ph type="body" idx="1"/>
+          </p:nvPr>
+        </p:nvSpPr>
+        <p:spPr/>
+        <p:txBody>
+          <a:bodyPr/>
+          <a:lstStyle/>
+          <a:p>
+            <a:endParaRPr lang="en-KR"/>
+          </a:p>
+        </p:txBody>
+      </p:sp>
+      <p:sp>
+        <p:nvSpPr>
+          <p:cNvPr id="4" name="Slide Number Placeholder 3">
+            <a:extLst>
+              <a:ext uri="{FF2B5EF4-FFF2-40B4-BE49-F238E27FC236}">
+                <a16:creationId xmlns:a16="http://schemas.microsoft.com/office/drawing/2014/main" id="{B3D5BB48-B717-0823-BACC-32C9665EF151}"/>
+              </a:ext>
+            </a:extLst>
+          </p:cNvPr>
+          <p:cNvSpPr>
+            <a:spLocks noGrp="1"/>
+          </p:cNvSpPr>
+          <p:nvPr>
+            <p:ph type="sldNum" sz="quarter" idx="5"/>
+          </p:nvPr>
+        </p:nvSpPr>
+        <p:spPr/>
+        <p:txBody>
+          <a:bodyPr/>
+          <a:lstStyle/>
+          <a:p>
+            <a:fld id="{BA5DFA43-8D57-47FB-BC46-057616015C3B}" type="slidenum">
+              <a:rPr lang="ko-KR" altLang="en-US" smtClean="0"/>
+              <a:t>5</a:t>
+            </a:fld>
+            <a:endParaRPr lang="ko-KR" altLang="en-US"/>
+          </a:p>
+        </p:txBody>
+      </p:sp>
+    </p:spTree>
+    <p:extLst>
+      <p:ext uri="{BB962C8B-B14F-4D97-AF65-F5344CB8AC3E}">
+        <p14:creationId xmlns:p14="http://schemas.microsoft.com/office/powerpoint/2010/main" val="4234261432"/>
+      </p:ext>
+    </p:extLst>
+  </p:cSld>
+  <p:clrMapOvr>
+    <a:masterClrMapping/>
+  </p:clrMapOvr>
+</p:notes>
+</file>
+
+<file path=ppt/notesSlides/notesSlide5.xml><?xml version="1.0" encoding="utf-8"?>
 <p:notes xmlns:a="http://schemas.openxmlformats.org/drawingml/2006/main" xmlns:r="http://schemas.openxmlformats.org/officeDocument/2006/relationships" xmlns:p="http://schemas.openxmlformats.org/presentationml/2006/main">
   <p:cSld>
     <p:spTree>
@@ -777,7 +995,7 @@
           <a:p>
             <a:fld id="{BA5DFA43-8D57-47FB-BC46-057616015C3B}" type="slidenum">
               <a:rPr lang="ko-KR" altLang="en-US" smtClean="0"/>
-              <a:t>4</a:t>
+              <a:t>6</a:t>
             </a:fld>
             <a:endParaRPr lang="ko-KR" altLang="en-US"/>
           </a:p>
@@ -796,7 +1014,7 @@
 </p:notes>
 </file>
 
-<file path=ppt/notesSlides/notesSlide4.xml><?xml version="1.0" encoding="utf-8"?>
+<file path=ppt/notesSlides/notesSlide6.xml><?xml version="1.0" encoding="utf-8"?>
 <p:notes xmlns:a="http://schemas.openxmlformats.org/drawingml/2006/main" xmlns:r="http://schemas.openxmlformats.org/officeDocument/2006/relationships" xmlns:p="http://schemas.openxmlformats.org/presentationml/2006/main">
   <p:cSld>
     <p:spTree>
@@ -885,7 +1103,7 @@
           <a:p>
             <a:fld id="{BA5DFA43-8D57-47FB-BC46-057616015C3B}" type="slidenum">
               <a:rPr lang="ko-KR" altLang="en-US" smtClean="0"/>
-              <a:t>5</a:t>
+              <a:t>7</a:t>
             </a:fld>
             <a:endParaRPr lang="ko-KR" altLang="en-US"/>
           </a:p>
@@ -1083,7 +1301,7 @@
           <a:p>
             <a:fld id="{FB30EDBD-1C2D-4C1E-B459-B60219FAB484}" type="datetimeFigureOut">
               <a:rPr lang="ko-KR" altLang="en-US" smtClean="0"/>
-              <a:t>2025. 10. 28.</a:t>
+              <a:t>2025. 10. 29.</a:t>
             </a:fld>
             <a:endParaRPr lang="ko-KR" altLang="en-US"/>
           </a:p>
@@ -1246,7 +1464,7 @@
           <a:p>
             <a:fld id="{FB30EDBD-1C2D-4C1E-B459-B60219FAB484}" type="datetimeFigureOut">
               <a:rPr lang="ko-KR" altLang="en-US" smtClean="0"/>
-              <a:t>2025. 10. 28.</a:t>
+              <a:t>2025. 10. 29.</a:t>
             </a:fld>
             <a:endParaRPr lang="ko-KR" altLang="en-US"/>
           </a:p>
@@ -1419,7 +1637,7 @@
           <a:p>
             <a:fld id="{FB30EDBD-1C2D-4C1E-B459-B60219FAB484}" type="datetimeFigureOut">
               <a:rPr lang="ko-KR" altLang="en-US" smtClean="0"/>
-              <a:t>2025. 10. 28.</a:t>
+              <a:t>2025. 10. 29.</a:t>
             </a:fld>
             <a:endParaRPr lang="ko-KR" altLang="en-US"/>
           </a:p>
@@ -1582,7 +1800,7 @@
           <a:p>
             <a:fld id="{FB30EDBD-1C2D-4C1E-B459-B60219FAB484}" type="datetimeFigureOut">
               <a:rPr lang="ko-KR" altLang="en-US" smtClean="0"/>
-              <a:t>2025. 10. 28.</a:t>
+              <a:t>2025. 10. 29.</a:t>
             </a:fld>
             <a:endParaRPr lang="ko-KR" altLang="en-US"/>
           </a:p>
@@ -1822,7 +2040,7 @@
           <a:p>
             <a:fld id="{FB30EDBD-1C2D-4C1E-B459-B60219FAB484}" type="datetimeFigureOut">
               <a:rPr lang="ko-KR" altLang="en-US" smtClean="0"/>
-              <a:t>2025. 10. 28.</a:t>
+              <a:t>2025. 10. 29.</a:t>
             </a:fld>
             <a:endParaRPr lang="ko-KR" altLang="en-US"/>
           </a:p>
@@ -2102,7 +2320,7 @@
           <a:p>
             <a:fld id="{FB30EDBD-1C2D-4C1E-B459-B60219FAB484}" type="datetimeFigureOut">
               <a:rPr lang="ko-KR" altLang="en-US" smtClean="0"/>
-              <a:t>2025. 10. 28.</a:t>
+              <a:t>2025. 10. 29.</a:t>
             </a:fld>
             <a:endParaRPr lang="ko-KR" altLang="en-US"/>
           </a:p>
@@ -2516,7 +2734,7 @@
           <a:p>
             <a:fld id="{FB30EDBD-1C2D-4C1E-B459-B60219FAB484}" type="datetimeFigureOut">
               <a:rPr lang="ko-KR" altLang="en-US" smtClean="0"/>
-              <a:t>2025. 10. 28.</a:t>
+              <a:t>2025. 10. 29.</a:t>
             </a:fld>
             <a:endParaRPr lang="ko-KR" altLang="en-US"/>
           </a:p>
@@ -2628,7 +2846,7 @@
           <a:p>
             <a:fld id="{FB30EDBD-1C2D-4C1E-B459-B60219FAB484}" type="datetimeFigureOut">
               <a:rPr lang="ko-KR" altLang="en-US" smtClean="0"/>
-              <a:t>2025. 10. 28.</a:t>
+              <a:t>2025. 10. 29.</a:t>
             </a:fld>
             <a:endParaRPr lang="ko-KR" altLang="en-US"/>
           </a:p>
@@ -2718,7 +2936,7 @@
           <a:p>
             <a:fld id="{FB30EDBD-1C2D-4C1E-B459-B60219FAB484}" type="datetimeFigureOut">
               <a:rPr lang="ko-KR" altLang="en-US" smtClean="0"/>
-              <a:t>2025. 10. 28.</a:t>
+              <a:t>2025. 10. 29.</a:t>
             </a:fld>
             <a:endParaRPr lang="ko-KR" altLang="en-US"/>
           </a:p>
@@ -2988,7 +3206,7 @@
           <a:p>
             <a:fld id="{FB30EDBD-1C2D-4C1E-B459-B60219FAB484}" type="datetimeFigureOut">
               <a:rPr lang="ko-KR" altLang="en-US" smtClean="0"/>
-              <a:t>2025. 10. 28.</a:t>
+              <a:t>2025. 10. 29.</a:t>
             </a:fld>
             <a:endParaRPr lang="ko-KR" altLang="en-US"/>
           </a:p>
@@ -3235,7 +3453,7 @@
           <a:p>
             <a:fld id="{FB30EDBD-1C2D-4C1E-B459-B60219FAB484}" type="datetimeFigureOut">
               <a:rPr lang="ko-KR" altLang="en-US" smtClean="0"/>
-              <a:t>2025. 10. 28.</a:t>
+              <a:t>2025. 10. 29.</a:t>
             </a:fld>
             <a:endParaRPr lang="ko-KR" altLang="en-US"/>
           </a:p>
@@ -3441,7 +3659,7 @@
           <a:p>
             <a:fld id="{FB30EDBD-1C2D-4C1E-B459-B60219FAB484}" type="datetimeFigureOut">
               <a:rPr lang="ko-KR" altLang="en-US" smtClean="0"/>
-              <a:t>2025. 10. 28.</a:t>
+              <a:t>2025. 10. 29.</a:t>
             </a:fld>
             <a:endParaRPr lang="ko-KR" altLang="en-US"/>
           </a:p>
@@ -4094,6 +4312,14 @@
               <a:rPr lang="en-US" altLang="ko-KR" sz="1000" dirty="0"/>
               <a:t>Kafka Connect Cluster</a:t>
             </a:r>
+            <a:r>
+              <a:rPr lang="ko-KR" altLang="en-US" sz="1000" dirty="0"/>
+              <a:t> </a:t>
+            </a:r>
+            <a:r>
+              <a:rPr lang="en-US" altLang="ko-KR" sz="1000" dirty="0"/>
+              <a:t>(Worker)</a:t>
+            </a:r>
             <a:endParaRPr lang="ko-KR" altLang="en-US" sz="1000" dirty="0"/>
           </a:p>
         </p:txBody>
@@ -4196,7 +4422,7 @@
             <a:pPr algn="ctr"/>
             <a:r>
               <a:rPr lang="en-US" altLang="ko-KR" sz="1000" dirty="0"/>
-              <a:t>Transforms</a:t>
+              <a:t>Transform</a:t>
             </a:r>
           </a:p>
           <a:p>
@@ -4305,7 +4531,7 @@
             <a:pPr algn="ctr"/>
             <a:r>
               <a:rPr lang="en-US" altLang="ko-KR" sz="1000" dirty="0"/>
-              <a:t>Kafka Connect Cluster</a:t>
+              <a:t>Kafka Connect Cluster (Worker)</a:t>
             </a:r>
             <a:endParaRPr lang="ko-KR" altLang="en-US" sz="1000" dirty="0"/>
           </a:p>
@@ -4409,7 +4635,7 @@
             <a:pPr algn="ctr"/>
             <a:r>
               <a:rPr lang="en-US" altLang="ko-KR" sz="1000" dirty="0"/>
-              <a:t>Transforms</a:t>
+              <a:t>Transform</a:t>
             </a:r>
           </a:p>
           <a:p>
@@ -5029,7 +5255,13 @@
   <p:cSld>
     <p:spTree>
       <p:nvGrpSpPr>
-        <p:cNvPr id="1" name=""/>
+        <p:cNvPr id="1" name="">
+          <a:extLst>
+            <a:ext uri="{FF2B5EF4-FFF2-40B4-BE49-F238E27FC236}">
+              <a16:creationId xmlns:a16="http://schemas.microsoft.com/office/drawing/2014/main" id="{08FF5A3F-C249-057E-905A-0F5AAA90E47D}"/>
+            </a:ext>
+          </a:extLst>
+        </p:cNvPr>
         <p:cNvGrpSpPr/>
         <p:nvPr/>
       </p:nvGrpSpPr>
@@ -5046,7 +5278,7 @@
           <p:cNvPr id="12" name="사각형: 둥근 모서리 6">
             <a:extLst>
               <a:ext uri="{FF2B5EF4-FFF2-40B4-BE49-F238E27FC236}">
-                <a16:creationId xmlns:a16="http://schemas.microsoft.com/office/drawing/2014/main" id="{046BF7A6-45D1-3563-C922-9255D5CD0AF3}"/>
+                <a16:creationId xmlns:a16="http://schemas.microsoft.com/office/drawing/2014/main" id="{26090D9A-C4A0-330E-67FC-37BF9D457B7B}"/>
               </a:ext>
             </a:extLst>
           </p:cNvPr>
@@ -5055,8 +5287,8 @@
         </p:nvSpPr>
         <p:spPr>
           <a:xfrm>
-            <a:off x="2267744" y="864158"/>
-            <a:ext cx="4248472" cy="3147752"/>
+            <a:off x="2267744" y="411510"/>
+            <a:ext cx="4248472" cy="3946977"/>
           </a:xfrm>
           <a:prstGeom prst="roundRect">
             <a:avLst>
@@ -5099,7 +5331,7 @@
           <p:cNvPr id="2" name="사각형: 둥근 모서리 6">
             <a:extLst>
               <a:ext uri="{FF2B5EF4-FFF2-40B4-BE49-F238E27FC236}">
-                <a16:creationId xmlns:a16="http://schemas.microsoft.com/office/drawing/2014/main" id="{481C3A3B-68F2-F178-03A6-9BF6D28CB831}"/>
+                <a16:creationId xmlns:a16="http://schemas.microsoft.com/office/drawing/2014/main" id="{1E11535B-E178-90C4-C8EA-A77D5CE66AA7}"/>
               </a:ext>
             </a:extLst>
           </p:cNvPr>
@@ -5108,8 +5340,8 @@
         </p:nvSpPr>
         <p:spPr>
           <a:xfrm>
-            <a:off x="2411760" y="997968"/>
-            <a:ext cx="1224136" cy="2654544"/>
+            <a:off x="2411759" y="545320"/>
+            <a:ext cx="3960433" cy="3466591"/>
           </a:xfrm>
           <a:prstGeom prst="roundRect">
             <a:avLst>
@@ -5139,13 +5371,6 @@
             <a:pPr algn="ctr"/>
             <a:r>
               <a:rPr lang="en-US" altLang="ko-KR" sz="1000" dirty="0"/>
-              <a:t>Leader</a:t>
-            </a:r>
-          </a:p>
-          <a:p>
-            <a:pPr algn="ctr"/>
-            <a:r>
-              <a:rPr lang="en-US" altLang="ko-KR" sz="1000" dirty="0"/>
               <a:t>Worker</a:t>
             </a:r>
           </a:p>
@@ -5153,10 +5378,10 @@
       </p:sp>
       <p:sp>
         <p:nvSpPr>
-          <p:cNvPr id="3" name="사각형: 둥근 모서리 57">
-            <a:extLst>
-              <a:ext uri="{FF2B5EF4-FFF2-40B4-BE49-F238E27FC236}">
-                <a16:creationId xmlns:a16="http://schemas.microsoft.com/office/drawing/2014/main" id="{24563CEA-B301-B6DB-2269-EC9199A59181}"/>
+          <p:cNvPr id="8" name="사각형: 둥근 모서리 54">
+            <a:extLst>
+              <a:ext uri="{FF2B5EF4-FFF2-40B4-BE49-F238E27FC236}">
+                <a16:creationId xmlns:a16="http://schemas.microsoft.com/office/drawing/2014/main" id="{68C721E0-44A2-7EA2-D847-83BBBD05D91C}"/>
               </a:ext>
             </a:extLst>
           </p:cNvPr>
@@ -5165,109 +5390,7 @@
         </p:nvSpPr>
         <p:spPr>
           <a:xfrm>
-            <a:off x="3779912" y="987574"/>
-            <a:ext cx="1224136" cy="2664296"/>
-          </a:xfrm>
-          <a:prstGeom prst="roundRect">
-            <a:avLst>
-              <a:gd name="adj" fmla="val 5697"/>
-            </a:avLst>
-          </a:prstGeom>
-          <a:ln w="12700"/>
-        </p:spPr>
-        <p:style>
-          <a:lnRef idx="2">
-            <a:schemeClr val="dk1"/>
-          </a:lnRef>
-          <a:fillRef idx="1">
-            <a:schemeClr val="lt1"/>
-          </a:fillRef>
-          <a:effectRef idx="0">
-            <a:schemeClr val="dk1"/>
-          </a:effectRef>
-          <a:fontRef idx="minor">
-            <a:schemeClr val="dk1"/>
-          </a:fontRef>
-        </p:style>
-        <p:txBody>
-          <a:bodyPr rtlCol="0" anchor="b"/>
-          <a:lstStyle/>
-          <a:p>
-            <a:pPr algn="ctr"/>
-            <a:r>
-              <a:rPr lang="en-US" altLang="ko-KR" sz="1000" dirty="0"/>
-              <a:t>Worker</a:t>
-            </a:r>
-            <a:endParaRPr lang="ko-KR" altLang="en-US" sz="1000" dirty="0"/>
-          </a:p>
-        </p:txBody>
-      </p:sp>
-      <p:sp>
-        <p:nvSpPr>
-          <p:cNvPr id="7" name="사각형: 둥근 모서리 66">
-            <a:extLst>
-              <a:ext uri="{FF2B5EF4-FFF2-40B4-BE49-F238E27FC236}">
-                <a16:creationId xmlns:a16="http://schemas.microsoft.com/office/drawing/2014/main" id="{5660425F-502C-89B9-A0F3-706F37CE0830}"/>
-              </a:ext>
-            </a:extLst>
-          </p:cNvPr>
-          <p:cNvSpPr/>
-          <p:nvPr/>
-        </p:nvSpPr>
-        <p:spPr>
-          <a:xfrm>
-            <a:off x="5148064" y="987574"/>
-            <a:ext cx="1224136" cy="2664296"/>
-          </a:xfrm>
-          <a:prstGeom prst="roundRect">
-            <a:avLst>
-              <a:gd name="adj" fmla="val 5249"/>
-            </a:avLst>
-          </a:prstGeom>
-          <a:ln w="12700"/>
-        </p:spPr>
-        <p:style>
-          <a:lnRef idx="2">
-            <a:schemeClr val="dk1"/>
-          </a:lnRef>
-          <a:fillRef idx="1">
-            <a:schemeClr val="lt1"/>
-          </a:fillRef>
-          <a:effectRef idx="0">
-            <a:schemeClr val="dk1"/>
-          </a:effectRef>
-          <a:fontRef idx="minor">
-            <a:schemeClr val="dk1"/>
-          </a:fontRef>
-        </p:style>
-        <p:txBody>
-          <a:bodyPr rtlCol="0" anchor="b"/>
-          <a:lstStyle/>
-          <a:p>
-            <a:pPr algn="ctr"/>
-            <a:r>
-              <a:rPr lang="en-US" altLang="ko-KR" sz="1000" dirty="0"/>
-              <a:t>Worker</a:t>
-            </a:r>
-            <a:endParaRPr lang="ko-KR" altLang="en-US" sz="1000" dirty="0"/>
-          </a:p>
-        </p:txBody>
-      </p:sp>
-      <p:sp>
-        <p:nvSpPr>
-          <p:cNvPr id="8" name="사각형: 둥근 모서리 54">
-            <a:extLst>
-              <a:ext uri="{FF2B5EF4-FFF2-40B4-BE49-F238E27FC236}">
-                <a16:creationId xmlns:a16="http://schemas.microsoft.com/office/drawing/2014/main" id="{9C0F6AF8-EDC3-2F65-D154-04831689489A}"/>
-              </a:ext>
-            </a:extLst>
-          </p:cNvPr>
-          <p:cNvSpPr/>
-          <p:nvPr/>
-        </p:nvSpPr>
-        <p:spPr>
-          <a:xfrm>
-            <a:off x="2484672" y="1059582"/>
+            <a:off x="2484672" y="606935"/>
             <a:ext cx="1078312" cy="648072"/>
           </a:xfrm>
           <a:prstGeom prst="roundRect">
@@ -5319,7 +5442,7 @@
           <p:cNvPr id="14" name="사각형: 둥근 모서리 54">
             <a:extLst>
               <a:ext uri="{FF2B5EF4-FFF2-40B4-BE49-F238E27FC236}">
-                <a16:creationId xmlns:a16="http://schemas.microsoft.com/office/drawing/2014/main" id="{E46AD6D2-8AF4-37D9-1612-01A2D394F4BE}"/>
+                <a16:creationId xmlns:a16="http://schemas.microsoft.com/office/drawing/2014/main" id="{EE2F1AD3-3800-DCC4-ADA2-50BE099B3A95}"/>
               </a:ext>
             </a:extLst>
           </p:cNvPr>
@@ -5328,7 +5451,7 @@
         </p:nvSpPr>
         <p:spPr>
           <a:xfrm>
-            <a:off x="2484672" y="1795098"/>
+            <a:off x="2484672" y="1342451"/>
             <a:ext cx="1078312" cy="648072"/>
           </a:xfrm>
           <a:prstGeom prst="roundRect">
@@ -5386,7 +5509,7 @@
           <p:cNvPr id="15" name="사각형: 둥근 모서리 54">
             <a:extLst>
               <a:ext uri="{FF2B5EF4-FFF2-40B4-BE49-F238E27FC236}">
-                <a16:creationId xmlns:a16="http://schemas.microsoft.com/office/drawing/2014/main" id="{4E27D6CB-20CB-E1F6-DDFB-94B7BEA37A36}"/>
+                <a16:creationId xmlns:a16="http://schemas.microsoft.com/office/drawing/2014/main" id="{DC34621D-D4EF-8250-99F2-49369F4CE55A}"/>
               </a:ext>
             </a:extLst>
           </p:cNvPr>
@@ -5395,7 +5518,7 @@
         </p:nvSpPr>
         <p:spPr>
           <a:xfrm>
-            <a:off x="3852824" y="1059582"/>
+            <a:off x="3852824" y="606935"/>
             <a:ext cx="1078312" cy="648072"/>
           </a:xfrm>
           <a:prstGeom prst="roundRect">
@@ -5447,7 +5570,7 @@
           <p:cNvPr id="16" name="사각형: 둥근 모서리 54">
             <a:extLst>
               <a:ext uri="{FF2B5EF4-FFF2-40B4-BE49-F238E27FC236}">
-                <a16:creationId xmlns:a16="http://schemas.microsoft.com/office/drawing/2014/main" id="{4499BF71-8A1F-A786-AE39-B367DF37C4C0}"/>
+                <a16:creationId xmlns:a16="http://schemas.microsoft.com/office/drawing/2014/main" id="{EA9BCF48-7734-813E-93A9-555E52BDB450}"/>
               </a:ext>
             </a:extLst>
           </p:cNvPr>
@@ -5456,7 +5579,7 @@
         </p:nvSpPr>
         <p:spPr>
           <a:xfrm>
-            <a:off x="5220976" y="1059582"/>
+            <a:off x="5220976" y="606935"/>
             <a:ext cx="1078312" cy="648072"/>
           </a:xfrm>
           <a:prstGeom prst="roundRect">
@@ -5514,7 +5637,7 @@
           <p:cNvPr id="17" name="사각형: 둥근 모서리 54">
             <a:extLst>
               <a:ext uri="{FF2B5EF4-FFF2-40B4-BE49-F238E27FC236}">
-                <a16:creationId xmlns:a16="http://schemas.microsoft.com/office/drawing/2014/main" id="{C857A937-DFAA-BD72-87F2-F801CF24C4C5}"/>
+                <a16:creationId xmlns:a16="http://schemas.microsoft.com/office/drawing/2014/main" id="{E6F6301E-B2D5-1119-BF58-C44093BC163A}"/>
               </a:ext>
             </a:extLst>
           </p:cNvPr>
@@ -5523,7 +5646,7 @@
         </p:nvSpPr>
         <p:spPr>
           <a:xfrm>
-            <a:off x="2484672" y="2530614"/>
+            <a:off x="2484672" y="2077967"/>
             <a:ext cx="1078312" cy="648072"/>
           </a:xfrm>
           <a:prstGeom prst="roundRect">
@@ -5581,7 +5704,7 @@
           <p:cNvPr id="18" name="사각형: 둥근 모서리 54">
             <a:extLst>
               <a:ext uri="{FF2B5EF4-FFF2-40B4-BE49-F238E27FC236}">
-                <a16:creationId xmlns:a16="http://schemas.microsoft.com/office/drawing/2014/main" id="{31945EC1-FB82-CE99-2433-B97C80488223}"/>
+                <a16:creationId xmlns:a16="http://schemas.microsoft.com/office/drawing/2014/main" id="{7D22065C-E0E8-53B5-1A89-40CC1B8D9FE1}"/>
               </a:ext>
             </a:extLst>
           </p:cNvPr>
@@ -5590,7 +5713,7 @@
         </p:nvSpPr>
         <p:spPr>
           <a:xfrm>
-            <a:off x="3852824" y="1795098"/>
+            <a:off x="3852824" y="1342451"/>
             <a:ext cx="1078312" cy="648072"/>
           </a:xfrm>
           <a:prstGeom prst="roundRect">
@@ -5648,7 +5771,7 @@
           <p:cNvPr id="19" name="사각형: 둥근 모서리 54">
             <a:extLst>
               <a:ext uri="{FF2B5EF4-FFF2-40B4-BE49-F238E27FC236}">
-                <a16:creationId xmlns:a16="http://schemas.microsoft.com/office/drawing/2014/main" id="{B8B4E5D0-2F84-F942-CC16-51C4DDDAF26D}"/>
+                <a16:creationId xmlns:a16="http://schemas.microsoft.com/office/drawing/2014/main" id="{082547C6-E348-13C4-A8E1-8AD73F18230D}"/>
               </a:ext>
             </a:extLst>
           </p:cNvPr>
@@ -5657,7 +5780,7 @@
         </p:nvSpPr>
         <p:spPr>
           <a:xfrm>
-            <a:off x="5220976" y="1801230"/>
+            <a:off x="5220976" y="1348583"/>
             <a:ext cx="1078312" cy="648072"/>
           </a:xfrm>
           <a:prstGeom prst="roundRect">
@@ -5715,7 +5838,7 @@
           <p:cNvPr id="21" name="Straight Arrow Connector 20">
             <a:extLst>
               <a:ext uri="{FF2B5EF4-FFF2-40B4-BE49-F238E27FC236}">
-                <a16:creationId xmlns:a16="http://schemas.microsoft.com/office/drawing/2014/main" id="{352D0947-D377-ED98-3F8A-8C59E6C793BD}"/>
+                <a16:creationId xmlns:a16="http://schemas.microsoft.com/office/drawing/2014/main" id="{FF3A3A18-5A32-E4B7-29B0-D9FBD80A70D2}"/>
               </a:ext>
             </a:extLst>
           </p:cNvPr>
@@ -5727,8 +5850,8 @@
         </p:nvCxnSpPr>
         <p:spPr>
           <a:xfrm>
-            <a:off x="4391980" y="455593"/>
-            <a:ext cx="0" cy="408565"/>
+            <a:off x="4391980" y="102879"/>
+            <a:ext cx="0" cy="308631"/>
           </a:xfrm>
           <a:prstGeom prst="straightConnector1">
             <a:avLst/>
@@ -5760,7 +5883,7 @@
           <p:cNvPr id="22" name="TextBox 21">
             <a:extLst>
               <a:ext uri="{FF2B5EF4-FFF2-40B4-BE49-F238E27FC236}">
-                <a16:creationId xmlns:a16="http://schemas.microsoft.com/office/drawing/2014/main" id="{A69D1E93-60E7-179C-C83C-B8CFF19038F8}"/>
+                <a16:creationId xmlns:a16="http://schemas.microsoft.com/office/drawing/2014/main" id="{9A3C6451-0486-AA2C-66F1-6EE0B9465187}"/>
               </a:ext>
             </a:extLst>
           </p:cNvPr>
@@ -5769,7 +5892,7 @@
         </p:nvSpPr>
         <p:spPr>
           <a:xfrm>
-            <a:off x="4403643" y="511510"/>
+            <a:off x="4391980" y="121960"/>
             <a:ext cx="716863" cy="261610"/>
           </a:xfrm>
           <a:prstGeom prst="rect">
@@ -5787,6 +5910,1327 @@
               <a:rPr lang="en-KR" sz="1050" i="1"/>
               <a:t>Rest API</a:t>
             </a:r>
+          </a:p>
+        </p:txBody>
+      </p:sp>
+      <p:sp>
+        <p:nvSpPr>
+          <p:cNvPr id="4" name="사각형: 둥근 모서리 54">
+            <a:extLst>
+              <a:ext uri="{FF2B5EF4-FFF2-40B4-BE49-F238E27FC236}">
+                <a16:creationId xmlns:a16="http://schemas.microsoft.com/office/drawing/2014/main" id="{3F49E410-B621-7E38-6BDE-E7E7388AB7D9}"/>
+              </a:ext>
+            </a:extLst>
+          </p:cNvPr>
+          <p:cNvSpPr/>
+          <p:nvPr/>
+        </p:nvSpPr>
+        <p:spPr>
+          <a:xfrm>
+            <a:off x="2267744" y="4414827"/>
+            <a:ext cx="3816415" cy="527913"/>
+          </a:xfrm>
+          <a:prstGeom prst="roundRect">
+            <a:avLst/>
+          </a:prstGeom>
+          <a:noFill/>
+          <a:ln w="12700">
+            <a:noFill/>
+          </a:ln>
+        </p:spPr>
+        <p:style>
+          <a:lnRef idx="2">
+            <a:schemeClr val="dk1"/>
+          </a:lnRef>
+          <a:fillRef idx="1">
+            <a:schemeClr val="lt1"/>
+          </a:fillRef>
+          <a:effectRef idx="0">
+            <a:schemeClr val="dk1"/>
+          </a:effectRef>
+          <a:fontRef idx="minor">
+            <a:schemeClr val="dk1"/>
+          </a:fontRef>
+        </p:style>
+        <p:txBody>
+          <a:bodyPr rtlCol="0" anchor="ctr"/>
+          <a:lstStyle/>
+          <a:p>
+            <a:r>
+              <a:rPr lang="en-US" altLang="ko-KR" sz="1000" b="1" dirty="0"/>
+              <a:t>Worker</a:t>
+            </a:r>
+            <a:r>
+              <a:rPr lang="en-US" altLang="ko-KR" sz="1000" dirty="0"/>
+              <a:t> : Process</a:t>
+            </a:r>
+          </a:p>
+          <a:p>
+            <a:r>
+              <a:rPr lang="en-US" altLang="ko-KR" sz="1000" b="1" dirty="0"/>
+              <a:t>Connector Instance, Task </a:t>
+            </a:r>
+            <a:r>
+              <a:rPr lang="en-US" altLang="ko-KR" sz="1000" dirty="0"/>
+              <a:t>: Thread</a:t>
+            </a:r>
+          </a:p>
+          <a:p>
+            <a:r>
+              <a:rPr lang="en-US" altLang="ko-KR" sz="1000" b="1" dirty="0"/>
+              <a:t>Converter, Transforms </a:t>
+            </a:r>
+            <a:r>
+              <a:rPr lang="en-US" altLang="ko-KR" sz="1000" dirty="0"/>
+              <a:t>: Class</a:t>
+            </a:r>
+            <a:endParaRPr lang="ko-KR" altLang="en-US" sz="1000" dirty="0"/>
+          </a:p>
+        </p:txBody>
+      </p:sp>
+      <p:sp>
+        <p:nvSpPr>
+          <p:cNvPr id="23" name="사각형: 둥근 모서리 54">
+            <a:extLst>
+              <a:ext uri="{FF2B5EF4-FFF2-40B4-BE49-F238E27FC236}">
+                <a16:creationId xmlns:a16="http://schemas.microsoft.com/office/drawing/2014/main" id="{8E5F6799-584F-BD55-882A-2C9BF6231686}"/>
+              </a:ext>
+            </a:extLst>
+          </p:cNvPr>
+          <p:cNvSpPr/>
+          <p:nvPr/>
+        </p:nvSpPr>
+        <p:spPr>
+          <a:xfrm>
+            <a:off x="2484672" y="2813483"/>
+            <a:ext cx="3814616" cy="340933"/>
+          </a:xfrm>
+          <a:prstGeom prst="roundRect">
+            <a:avLst/>
+          </a:prstGeom>
+          <a:ln w="12700"/>
+        </p:spPr>
+        <p:style>
+          <a:lnRef idx="2">
+            <a:schemeClr val="dk1"/>
+          </a:lnRef>
+          <a:fillRef idx="1">
+            <a:schemeClr val="lt1"/>
+          </a:fillRef>
+          <a:effectRef idx="0">
+            <a:schemeClr val="dk1"/>
+          </a:effectRef>
+          <a:fontRef idx="minor">
+            <a:schemeClr val="dk1"/>
+          </a:fontRef>
+        </p:style>
+        <p:txBody>
+          <a:bodyPr rtlCol="0" anchor="ctr"/>
+          <a:lstStyle/>
+          <a:p>
+            <a:pPr algn="ctr"/>
+            <a:r>
+              <a:rPr lang="en-US" altLang="ko-KR" sz="1000" dirty="0"/>
+              <a:t>Converter</a:t>
+            </a:r>
+            <a:endParaRPr lang="ko-KR" altLang="en-US" sz="1000" dirty="0"/>
+          </a:p>
+        </p:txBody>
+      </p:sp>
+      <p:sp>
+        <p:nvSpPr>
+          <p:cNvPr id="25" name="사각형: 둥근 모서리 54">
+            <a:extLst>
+              <a:ext uri="{FF2B5EF4-FFF2-40B4-BE49-F238E27FC236}">
+                <a16:creationId xmlns:a16="http://schemas.microsoft.com/office/drawing/2014/main" id="{E21B8148-4064-C961-E330-B6236CA6B9A5}"/>
+              </a:ext>
+            </a:extLst>
+          </p:cNvPr>
+          <p:cNvSpPr/>
+          <p:nvPr/>
+        </p:nvSpPr>
+        <p:spPr>
+          <a:xfrm>
+            <a:off x="2484672" y="3241860"/>
+            <a:ext cx="3814616" cy="340933"/>
+          </a:xfrm>
+          <a:prstGeom prst="roundRect">
+            <a:avLst/>
+          </a:prstGeom>
+          <a:ln w="12700"/>
+        </p:spPr>
+        <p:style>
+          <a:lnRef idx="2">
+            <a:schemeClr val="dk1"/>
+          </a:lnRef>
+          <a:fillRef idx="1">
+            <a:schemeClr val="lt1"/>
+          </a:fillRef>
+          <a:effectRef idx="0">
+            <a:schemeClr val="dk1"/>
+          </a:effectRef>
+          <a:fontRef idx="minor">
+            <a:schemeClr val="dk1"/>
+          </a:fontRef>
+        </p:style>
+        <p:txBody>
+          <a:bodyPr rtlCol="0" anchor="ctr"/>
+          <a:lstStyle/>
+          <a:p>
+            <a:pPr algn="ctr"/>
+            <a:r>
+              <a:rPr lang="en-US" altLang="ko-KR" sz="1000" dirty="0"/>
+              <a:t>Transform</a:t>
+            </a:r>
+            <a:endParaRPr lang="ko-KR" altLang="en-US" sz="1000" dirty="0"/>
+          </a:p>
+        </p:txBody>
+      </p:sp>
+    </p:spTree>
+    <p:extLst>
+      <p:ext uri="{BB962C8B-B14F-4D97-AF65-F5344CB8AC3E}">
+        <p14:creationId xmlns:p14="http://schemas.microsoft.com/office/powerpoint/2010/main" val="3272640751"/>
+      </p:ext>
+    </p:extLst>
+  </p:cSld>
+  <p:clrMapOvr>
+    <a:masterClrMapping/>
+  </p:clrMapOvr>
+</p:sld>
+</file>
+
+<file path=ppt/slides/slide3.xml><?xml version="1.0" encoding="utf-8"?>
+<p:sld xmlns:a="http://schemas.openxmlformats.org/drawingml/2006/main" xmlns:r="http://schemas.openxmlformats.org/officeDocument/2006/relationships" xmlns:p="http://schemas.openxmlformats.org/presentationml/2006/main">
+  <p:cSld>
+    <p:spTree>
+      <p:nvGrpSpPr>
+        <p:cNvPr id="1" name=""/>
+        <p:cNvGrpSpPr/>
+        <p:nvPr/>
+      </p:nvGrpSpPr>
+      <p:grpSpPr>
+        <a:xfrm>
+          <a:off x="0" y="0"/>
+          <a:ext cx="0" cy="0"/>
+          <a:chOff x="0" y="0"/>
+          <a:chExt cx="0" cy="0"/>
+        </a:xfrm>
+      </p:grpSpPr>
+      <p:sp>
+        <p:nvSpPr>
+          <p:cNvPr id="12" name="사각형: 둥근 모서리 6">
+            <a:extLst>
+              <a:ext uri="{FF2B5EF4-FFF2-40B4-BE49-F238E27FC236}">
+                <a16:creationId xmlns:a16="http://schemas.microsoft.com/office/drawing/2014/main" id="{046BF7A6-45D1-3563-C922-9255D5CD0AF3}"/>
+              </a:ext>
+            </a:extLst>
+          </p:cNvPr>
+          <p:cNvSpPr/>
+          <p:nvPr/>
+        </p:nvSpPr>
+        <p:spPr>
+          <a:xfrm>
+            <a:off x="2267744" y="411510"/>
+            <a:ext cx="4248472" cy="3946977"/>
+          </a:xfrm>
+          <a:prstGeom prst="roundRect">
+            <a:avLst>
+              <a:gd name="adj" fmla="val 2699"/>
+            </a:avLst>
+          </a:prstGeom>
+          <a:ln w="12700">
+            <a:prstDash val="dash"/>
+          </a:ln>
+        </p:spPr>
+        <p:style>
+          <a:lnRef idx="2">
+            <a:schemeClr val="dk1"/>
+          </a:lnRef>
+          <a:fillRef idx="1">
+            <a:schemeClr val="lt1"/>
+          </a:fillRef>
+          <a:effectRef idx="0">
+            <a:schemeClr val="dk1"/>
+          </a:effectRef>
+          <a:fontRef idx="minor">
+            <a:schemeClr val="dk1"/>
+          </a:fontRef>
+        </p:style>
+        <p:txBody>
+          <a:bodyPr rtlCol="0" anchor="b"/>
+          <a:lstStyle/>
+          <a:p>
+            <a:pPr algn="ctr"/>
+            <a:r>
+              <a:rPr lang="en-US" altLang="ko-KR" sz="1000" dirty="0"/>
+              <a:t>Kafka Connect Cluster</a:t>
+            </a:r>
+            <a:endParaRPr lang="ko-KR" altLang="en-US" sz="1000" dirty="0"/>
+          </a:p>
+        </p:txBody>
+      </p:sp>
+      <p:sp>
+        <p:nvSpPr>
+          <p:cNvPr id="2" name="사각형: 둥근 모서리 6">
+            <a:extLst>
+              <a:ext uri="{FF2B5EF4-FFF2-40B4-BE49-F238E27FC236}">
+                <a16:creationId xmlns:a16="http://schemas.microsoft.com/office/drawing/2014/main" id="{481C3A3B-68F2-F178-03A6-9BF6D28CB831}"/>
+              </a:ext>
+            </a:extLst>
+          </p:cNvPr>
+          <p:cNvSpPr/>
+          <p:nvPr/>
+        </p:nvSpPr>
+        <p:spPr>
+          <a:xfrm>
+            <a:off x="2411760" y="545320"/>
+            <a:ext cx="1224136" cy="3466591"/>
+          </a:xfrm>
+          <a:prstGeom prst="roundRect">
+            <a:avLst>
+              <a:gd name="adj" fmla="val 4353"/>
+            </a:avLst>
+          </a:prstGeom>
+          <a:ln w="12700"/>
+        </p:spPr>
+        <p:style>
+          <a:lnRef idx="2">
+            <a:schemeClr val="dk1"/>
+          </a:lnRef>
+          <a:fillRef idx="1">
+            <a:schemeClr val="lt1"/>
+          </a:fillRef>
+          <a:effectRef idx="0">
+            <a:schemeClr val="dk1"/>
+          </a:effectRef>
+          <a:fontRef idx="minor">
+            <a:schemeClr val="dk1"/>
+          </a:fontRef>
+        </p:style>
+        <p:txBody>
+          <a:bodyPr rtlCol="0" anchor="b"/>
+          <a:lstStyle/>
+          <a:p>
+            <a:pPr algn="ctr"/>
+            <a:r>
+              <a:rPr lang="en-US" altLang="ko-KR" sz="1000" b="1" dirty="0"/>
+              <a:t>Leader</a:t>
+            </a:r>
+          </a:p>
+          <a:p>
+            <a:pPr algn="ctr"/>
+            <a:r>
+              <a:rPr lang="en-US" altLang="ko-KR" sz="1000" dirty="0"/>
+              <a:t>Worker</a:t>
+            </a:r>
+          </a:p>
+        </p:txBody>
+      </p:sp>
+      <p:sp>
+        <p:nvSpPr>
+          <p:cNvPr id="3" name="사각형: 둥근 모서리 57">
+            <a:extLst>
+              <a:ext uri="{FF2B5EF4-FFF2-40B4-BE49-F238E27FC236}">
+                <a16:creationId xmlns:a16="http://schemas.microsoft.com/office/drawing/2014/main" id="{24563CEA-B301-B6DB-2269-EC9199A59181}"/>
+              </a:ext>
+            </a:extLst>
+          </p:cNvPr>
+          <p:cNvSpPr/>
+          <p:nvPr/>
+        </p:nvSpPr>
+        <p:spPr>
+          <a:xfrm>
+            <a:off x="3779912" y="534927"/>
+            <a:ext cx="1224136" cy="3476984"/>
+          </a:xfrm>
+          <a:prstGeom prst="roundRect">
+            <a:avLst>
+              <a:gd name="adj" fmla="val 5697"/>
+            </a:avLst>
+          </a:prstGeom>
+          <a:ln w="12700"/>
+        </p:spPr>
+        <p:style>
+          <a:lnRef idx="2">
+            <a:schemeClr val="dk1"/>
+          </a:lnRef>
+          <a:fillRef idx="1">
+            <a:schemeClr val="lt1"/>
+          </a:fillRef>
+          <a:effectRef idx="0">
+            <a:schemeClr val="dk1"/>
+          </a:effectRef>
+          <a:fontRef idx="minor">
+            <a:schemeClr val="dk1"/>
+          </a:fontRef>
+        </p:style>
+        <p:txBody>
+          <a:bodyPr rtlCol="0" anchor="b"/>
+          <a:lstStyle/>
+          <a:p>
+            <a:pPr algn="ctr"/>
+            <a:r>
+              <a:rPr lang="en-US" altLang="ko-KR" sz="1000" dirty="0"/>
+              <a:t>Worker</a:t>
+            </a:r>
+            <a:endParaRPr lang="ko-KR" altLang="en-US" sz="1000" dirty="0"/>
+          </a:p>
+        </p:txBody>
+      </p:sp>
+      <p:sp>
+        <p:nvSpPr>
+          <p:cNvPr id="7" name="사각형: 둥근 모서리 66">
+            <a:extLst>
+              <a:ext uri="{FF2B5EF4-FFF2-40B4-BE49-F238E27FC236}">
+                <a16:creationId xmlns:a16="http://schemas.microsoft.com/office/drawing/2014/main" id="{5660425F-502C-89B9-A0F3-706F37CE0830}"/>
+              </a:ext>
+            </a:extLst>
+          </p:cNvPr>
+          <p:cNvSpPr/>
+          <p:nvPr/>
+        </p:nvSpPr>
+        <p:spPr>
+          <a:xfrm>
+            <a:off x="5148064" y="534927"/>
+            <a:ext cx="1224136" cy="3476984"/>
+          </a:xfrm>
+          <a:prstGeom prst="roundRect">
+            <a:avLst>
+              <a:gd name="adj" fmla="val 5249"/>
+            </a:avLst>
+          </a:prstGeom>
+          <a:ln w="12700"/>
+        </p:spPr>
+        <p:style>
+          <a:lnRef idx="2">
+            <a:schemeClr val="dk1"/>
+          </a:lnRef>
+          <a:fillRef idx="1">
+            <a:schemeClr val="lt1"/>
+          </a:fillRef>
+          <a:effectRef idx="0">
+            <a:schemeClr val="dk1"/>
+          </a:effectRef>
+          <a:fontRef idx="minor">
+            <a:schemeClr val="dk1"/>
+          </a:fontRef>
+        </p:style>
+        <p:txBody>
+          <a:bodyPr rtlCol="0" anchor="b"/>
+          <a:lstStyle/>
+          <a:p>
+            <a:pPr algn="ctr"/>
+            <a:r>
+              <a:rPr lang="en-US" altLang="ko-KR" sz="1000" dirty="0"/>
+              <a:t>Worker</a:t>
+            </a:r>
+            <a:endParaRPr lang="ko-KR" altLang="en-US" sz="1000" dirty="0"/>
+          </a:p>
+        </p:txBody>
+      </p:sp>
+      <p:sp>
+        <p:nvSpPr>
+          <p:cNvPr id="8" name="사각형: 둥근 모서리 54">
+            <a:extLst>
+              <a:ext uri="{FF2B5EF4-FFF2-40B4-BE49-F238E27FC236}">
+                <a16:creationId xmlns:a16="http://schemas.microsoft.com/office/drawing/2014/main" id="{9C0F6AF8-EDC3-2F65-D154-04831689489A}"/>
+              </a:ext>
+            </a:extLst>
+          </p:cNvPr>
+          <p:cNvSpPr/>
+          <p:nvPr/>
+        </p:nvSpPr>
+        <p:spPr>
+          <a:xfrm>
+            <a:off x="2484672" y="606935"/>
+            <a:ext cx="1078312" cy="648072"/>
+          </a:xfrm>
+          <a:prstGeom prst="roundRect">
+            <a:avLst>
+              <a:gd name="adj" fmla="val 11768"/>
+            </a:avLst>
+          </a:prstGeom>
+          <a:solidFill>
+            <a:schemeClr val="bg1">
+              <a:lumMod val="95000"/>
+            </a:schemeClr>
+          </a:solidFill>
+          <a:ln w="12700"/>
+        </p:spPr>
+        <p:style>
+          <a:lnRef idx="2">
+            <a:schemeClr val="dk1"/>
+          </a:lnRef>
+          <a:fillRef idx="1">
+            <a:schemeClr val="lt1"/>
+          </a:fillRef>
+          <a:effectRef idx="0">
+            <a:schemeClr val="dk1"/>
+          </a:effectRef>
+          <a:fontRef idx="minor">
+            <a:schemeClr val="dk1"/>
+          </a:fontRef>
+        </p:style>
+        <p:txBody>
+          <a:bodyPr rtlCol="0" anchor="t"/>
+          <a:lstStyle/>
+          <a:p>
+            <a:r>
+              <a:rPr lang="en-US" altLang="ko-KR" sz="1000"/>
+              <a:t>Connector A</a:t>
+            </a:r>
+          </a:p>
+          <a:p>
+            <a:r>
+              <a:rPr lang="en-US" altLang="ko-KR" sz="1000"/>
+              <a:t>Instance</a:t>
+            </a:r>
+            <a:endParaRPr lang="ko-KR" altLang="en-US" sz="1000" dirty="0"/>
+          </a:p>
+        </p:txBody>
+      </p:sp>
+      <p:sp>
+        <p:nvSpPr>
+          <p:cNvPr id="14" name="사각형: 둥근 모서리 54">
+            <a:extLst>
+              <a:ext uri="{FF2B5EF4-FFF2-40B4-BE49-F238E27FC236}">
+                <a16:creationId xmlns:a16="http://schemas.microsoft.com/office/drawing/2014/main" id="{E46AD6D2-8AF4-37D9-1612-01A2D394F4BE}"/>
+              </a:ext>
+            </a:extLst>
+          </p:cNvPr>
+          <p:cNvSpPr/>
+          <p:nvPr/>
+        </p:nvSpPr>
+        <p:spPr>
+          <a:xfrm>
+            <a:off x="2484672" y="1342451"/>
+            <a:ext cx="1078312" cy="648072"/>
+          </a:xfrm>
+          <a:prstGeom prst="roundRect">
+            <a:avLst>
+              <a:gd name="adj" fmla="val 11768"/>
+            </a:avLst>
+          </a:prstGeom>
+          <a:solidFill>
+            <a:schemeClr val="bg1">
+              <a:lumMod val="95000"/>
+            </a:schemeClr>
+          </a:solidFill>
+          <a:ln w="12700"/>
+        </p:spPr>
+        <p:style>
+          <a:lnRef idx="2">
+            <a:schemeClr val="dk1"/>
+          </a:lnRef>
+          <a:fillRef idx="1">
+            <a:schemeClr val="lt1"/>
+          </a:fillRef>
+          <a:effectRef idx="0">
+            <a:schemeClr val="dk1"/>
+          </a:effectRef>
+          <a:fontRef idx="minor">
+            <a:schemeClr val="dk1"/>
+          </a:fontRef>
+        </p:style>
+        <p:txBody>
+          <a:bodyPr rtlCol="0" anchor="t"/>
+          <a:lstStyle/>
+          <a:p>
+            <a:r>
+              <a:rPr lang="en-US" altLang="ko-KR" sz="1000"/>
+              <a:t>Connector A</a:t>
+            </a:r>
+          </a:p>
+          <a:p>
+            <a:r>
+              <a:rPr lang="en-US" altLang="ko-KR" sz="1000"/>
+              <a:t>Task 1</a:t>
+            </a:r>
+          </a:p>
+          <a:p>
+            <a:r>
+              <a:rPr lang="en-US" altLang="ko-KR" sz="1000" dirty="0"/>
+              <a:t>Partition 1,2</a:t>
+            </a:r>
+            <a:endParaRPr lang="ko-KR" altLang="en-US" sz="1000" dirty="0"/>
+          </a:p>
+        </p:txBody>
+      </p:sp>
+      <p:sp>
+        <p:nvSpPr>
+          <p:cNvPr id="15" name="사각형: 둥근 모서리 54">
+            <a:extLst>
+              <a:ext uri="{FF2B5EF4-FFF2-40B4-BE49-F238E27FC236}">
+                <a16:creationId xmlns:a16="http://schemas.microsoft.com/office/drawing/2014/main" id="{4E27D6CB-20CB-E1F6-DDFB-94B7BEA37A36}"/>
+              </a:ext>
+            </a:extLst>
+          </p:cNvPr>
+          <p:cNvSpPr/>
+          <p:nvPr/>
+        </p:nvSpPr>
+        <p:spPr>
+          <a:xfrm>
+            <a:off x="3852824" y="606935"/>
+            <a:ext cx="1078312" cy="648072"/>
+          </a:xfrm>
+          <a:prstGeom prst="roundRect">
+            <a:avLst>
+              <a:gd name="adj" fmla="val 11768"/>
+            </a:avLst>
+          </a:prstGeom>
+          <a:solidFill>
+            <a:schemeClr val="bg2">
+              <a:lumMod val="90000"/>
+            </a:schemeClr>
+          </a:solidFill>
+          <a:ln w="12700"/>
+        </p:spPr>
+        <p:style>
+          <a:lnRef idx="2">
+            <a:schemeClr val="dk1"/>
+          </a:lnRef>
+          <a:fillRef idx="1">
+            <a:schemeClr val="lt1"/>
+          </a:fillRef>
+          <a:effectRef idx="0">
+            <a:schemeClr val="dk1"/>
+          </a:effectRef>
+          <a:fontRef idx="minor">
+            <a:schemeClr val="dk1"/>
+          </a:fontRef>
+        </p:style>
+        <p:txBody>
+          <a:bodyPr rtlCol="0" anchor="t"/>
+          <a:lstStyle/>
+          <a:p>
+            <a:r>
+              <a:rPr lang="en-US" altLang="ko-KR" sz="1000"/>
+              <a:t>Connector B</a:t>
+            </a:r>
+          </a:p>
+          <a:p>
+            <a:r>
+              <a:rPr lang="en-US" altLang="ko-KR" sz="1000"/>
+              <a:t>Instance</a:t>
+            </a:r>
+            <a:endParaRPr lang="ko-KR" altLang="en-US" sz="1000" dirty="0"/>
+          </a:p>
+        </p:txBody>
+      </p:sp>
+      <p:sp>
+        <p:nvSpPr>
+          <p:cNvPr id="16" name="사각형: 둥근 모서리 54">
+            <a:extLst>
+              <a:ext uri="{FF2B5EF4-FFF2-40B4-BE49-F238E27FC236}">
+                <a16:creationId xmlns:a16="http://schemas.microsoft.com/office/drawing/2014/main" id="{4499BF71-8A1F-A786-AE39-B367DF37C4C0}"/>
+              </a:ext>
+            </a:extLst>
+          </p:cNvPr>
+          <p:cNvSpPr/>
+          <p:nvPr/>
+        </p:nvSpPr>
+        <p:spPr>
+          <a:xfrm>
+            <a:off x="5220976" y="606935"/>
+            <a:ext cx="1078312" cy="648072"/>
+          </a:xfrm>
+          <a:prstGeom prst="roundRect">
+            <a:avLst>
+              <a:gd name="adj" fmla="val 11768"/>
+            </a:avLst>
+          </a:prstGeom>
+          <a:solidFill>
+            <a:schemeClr val="bg1">
+              <a:lumMod val="95000"/>
+            </a:schemeClr>
+          </a:solidFill>
+          <a:ln w="12700"/>
+        </p:spPr>
+        <p:style>
+          <a:lnRef idx="2">
+            <a:schemeClr val="dk1"/>
+          </a:lnRef>
+          <a:fillRef idx="1">
+            <a:schemeClr val="lt1"/>
+          </a:fillRef>
+          <a:effectRef idx="0">
+            <a:schemeClr val="dk1"/>
+          </a:effectRef>
+          <a:fontRef idx="minor">
+            <a:schemeClr val="dk1"/>
+          </a:fontRef>
+        </p:style>
+        <p:txBody>
+          <a:bodyPr rtlCol="0" anchor="t"/>
+          <a:lstStyle/>
+          <a:p>
+            <a:r>
+              <a:rPr lang="en-US" altLang="ko-KR" sz="1000"/>
+              <a:t>Connector A</a:t>
+            </a:r>
+          </a:p>
+          <a:p>
+            <a:r>
+              <a:rPr lang="en-US" altLang="ko-KR" sz="1000"/>
+              <a:t>Task 3</a:t>
+            </a:r>
+          </a:p>
+          <a:p>
+            <a:r>
+              <a:rPr lang="en-US" altLang="ko-KR" sz="1000" dirty="0"/>
+              <a:t>Partition 5,6</a:t>
+            </a:r>
+            <a:endParaRPr lang="ko-KR" altLang="en-US" sz="1000" dirty="0"/>
+          </a:p>
+        </p:txBody>
+      </p:sp>
+      <p:sp>
+        <p:nvSpPr>
+          <p:cNvPr id="17" name="사각형: 둥근 모서리 54">
+            <a:extLst>
+              <a:ext uri="{FF2B5EF4-FFF2-40B4-BE49-F238E27FC236}">
+                <a16:creationId xmlns:a16="http://schemas.microsoft.com/office/drawing/2014/main" id="{C857A937-DFAA-BD72-87F2-F801CF24C4C5}"/>
+              </a:ext>
+            </a:extLst>
+          </p:cNvPr>
+          <p:cNvSpPr/>
+          <p:nvPr/>
+        </p:nvSpPr>
+        <p:spPr>
+          <a:xfrm>
+            <a:off x="2484672" y="2077967"/>
+            <a:ext cx="1078312" cy="648072"/>
+          </a:xfrm>
+          <a:prstGeom prst="roundRect">
+            <a:avLst>
+              <a:gd name="adj" fmla="val 11768"/>
+            </a:avLst>
+          </a:prstGeom>
+          <a:solidFill>
+            <a:schemeClr val="bg2">
+              <a:lumMod val="90000"/>
+            </a:schemeClr>
+          </a:solidFill>
+          <a:ln w="12700"/>
+        </p:spPr>
+        <p:style>
+          <a:lnRef idx="2">
+            <a:schemeClr val="dk1"/>
+          </a:lnRef>
+          <a:fillRef idx="1">
+            <a:schemeClr val="lt1"/>
+          </a:fillRef>
+          <a:effectRef idx="0">
+            <a:schemeClr val="dk1"/>
+          </a:effectRef>
+          <a:fontRef idx="minor">
+            <a:schemeClr val="dk1"/>
+          </a:fontRef>
+        </p:style>
+        <p:txBody>
+          <a:bodyPr rtlCol="0" anchor="t"/>
+          <a:lstStyle/>
+          <a:p>
+            <a:r>
+              <a:rPr lang="en-US" altLang="ko-KR" sz="1000"/>
+              <a:t>Connector B</a:t>
+            </a:r>
+          </a:p>
+          <a:p>
+            <a:r>
+              <a:rPr lang="en-US" altLang="ko-KR" sz="1000"/>
+              <a:t>Task 1</a:t>
+            </a:r>
+          </a:p>
+          <a:p>
+            <a:r>
+              <a:rPr lang="en-US" altLang="ko-KR" sz="1000" dirty="0"/>
+              <a:t>Partition 1,2,3</a:t>
+            </a:r>
+            <a:endParaRPr lang="ko-KR" altLang="en-US" sz="1000" dirty="0"/>
+          </a:p>
+        </p:txBody>
+      </p:sp>
+      <p:sp>
+        <p:nvSpPr>
+          <p:cNvPr id="18" name="사각형: 둥근 모서리 54">
+            <a:extLst>
+              <a:ext uri="{FF2B5EF4-FFF2-40B4-BE49-F238E27FC236}">
+                <a16:creationId xmlns:a16="http://schemas.microsoft.com/office/drawing/2014/main" id="{31945EC1-FB82-CE99-2433-B97C80488223}"/>
+              </a:ext>
+            </a:extLst>
+          </p:cNvPr>
+          <p:cNvSpPr/>
+          <p:nvPr/>
+        </p:nvSpPr>
+        <p:spPr>
+          <a:xfrm>
+            <a:off x="3852824" y="1342451"/>
+            <a:ext cx="1078312" cy="648072"/>
+          </a:xfrm>
+          <a:prstGeom prst="roundRect">
+            <a:avLst>
+              <a:gd name="adj" fmla="val 11768"/>
+            </a:avLst>
+          </a:prstGeom>
+          <a:solidFill>
+            <a:schemeClr val="bg1">
+              <a:lumMod val="95000"/>
+            </a:schemeClr>
+          </a:solidFill>
+          <a:ln w="12700"/>
+        </p:spPr>
+        <p:style>
+          <a:lnRef idx="2">
+            <a:schemeClr val="dk1"/>
+          </a:lnRef>
+          <a:fillRef idx="1">
+            <a:schemeClr val="lt1"/>
+          </a:fillRef>
+          <a:effectRef idx="0">
+            <a:schemeClr val="dk1"/>
+          </a:effectRef>
+          <a:fontRef idx="minor">
+            <a:schemeClr val="dk1"/>
+          </a:fontRef>
+        </p:style>
+        <p:txBody>
+          <a:bodyPr rtlCol="0" anchor="t"/>
+          <a:lstStyle/>
+          <a:p>
+            <a:r>
+              <a:rPr lang="en-US" altLang="ko-KR" sz="1000"/>
+              <a:t>Connector A</a:t>
+            </a:r>
+          </a:p>
+          <a:p>
+            <a:r>
+              <a:rPr lang="en-US" altLang="ko-KR" sz="1000"/>
+              <a:t>Task 2</a:t>
+            </a:r>
+          </a:p>
+          <a:p>
+            <a:r>
+              <a:rPr lang="en-US" altLang="ko-KR" sz="1000" dirty="0"/>
+              <a:t>Partition 3,4</a:t>
+            </a:r>
+            <a:endParaRPr lang="ko-KR" altLang="en-US" sz="1000" dirty="0"/>
+          </a:p>
+        </p:txBody>
+      </p:sp>
+      <p:sp>
+        <p:nvSpPr>
+          <p:cNvPr id="19" name="사각형: 둥근 모서리 54">
+            <a:extLst>
+              <a:ext uri="{FF2B5EF4-FFF2-40B4-BE49-F238E27FC236}">
+                <a16:creationId xmlns:a16="http://schemas.microsoft.com/office/drawing/2014/main" id="{B8B4E5D0-2F84-F942-CC16-51C4DDDAF26D}"/>
+              </a:ext>
+            </a:extLst>
+          </p:cNvPr>
+          <p:cNvSpPr/>
+          <p:nvPr/>
+        </p:nvSpPr>
+        <p:spPr>
+          <a:xfrm>
+            <a:off x="5220976" y="1348583"/>
+            <a:ext cx="1078312" cy="648072"/>
+          </a:xfrm>
+          <a:prstGeom prst="roundRect">
+            <a:avLst>
+              <a:gd name="adj" fmla="val 11768"/>
+            </a:avLst>
+          </a:prstGeom>
+          <a:solidFill>
+            <a:schemeClr val="bg2">
+              <a:lumMod val="90000"/>
+            </a:schemeClr>
+          </a:solidFill>
+          <a:ln w="12700"/>
+        </p:spPr>
+        <p:style>
+          <a:lnRef idx="2">
+            <a:schemeClr val="dk1"/>
+          </a:lnRef>
+          <a:fillRef idx="1">
+            <a:schemeClr val="lt1"/>
+          </a:fillRef>
+          <a:effectRef idx="0">
+            <a:schemeClr val="dk1"/>
+          </a:effectRef>
+          <a:fontRef idx="minor">
+            <a:schemeClr val="dk1"/>
+          </a:fontRef>
+        </p:style>
+        <p:txBody>
+          <a:bodyPr rtlCol="0" anchor="t"/>
+          <a:lstStyle/>
+          <a:p>
+            <a:r>
+              <a:rPr lang="en-US" altLang="ko-KR" sz="1000"/>
+              <a:t>Connector B</a:t>
+            </a:r>
+          </a:p>
+          <a:p>
+            <a:r>
+              <a:rPr lang="en-US" altLang="ko-KR" sz="1000"/>
+              <a:t>Task 2</a:t>
+            </a:r>
+          </a:p>
+          <a:p>
+            <a:r>
+              <a:rPr lang="en-US" altLang="ko-KR" sz="1000" dirty="0"/>
+              <a:t>Partition 5,6,7</a:t>
+            </a:r>
+            <a:endParaRPr lang="ko-KR" altLang="en-US" sz="1000" dirty="0"/>
+          </a:p>
+        </p:txBody>
+      </p:sp>
+      <p:cxnSp>
+        <p:nvCxnSpPr>
+          <p:cNvPr id="21" name="Straight Arrow Connector 20">
+            <a:extLst>
+              <a:ext uri="{FF2B5EF4-FFF2-40B4-BE49-F238E27FC236}">
+                <a16:creationId xmlns:a16="http://schemas.microsoft.com/office/drawing/2014/main" id="{352D0947-D377-ED98-3F8A-8C59E6C793BD}"/>
+              </a:ext>
+            </a:extLst>
+          </p:cNvPr>
+          <p:cNvCxnSpPr>
+            <a:cxnSpLocks/>
+            <a:endCxn id="12" idx="0"/>
+          </p:cNvCxnSpPr>
+          <p:nvPr/>
+        </p:nvCxnSpPr>
+        <p:spPr>
+          <a:xfrm>
+            <a:off x="4391980" y="102879"/>
+            <a:ext cx="0" cy="308631"/>
+          </a:xfrm>
+          <a:prstGeom prst="straightConnector1">
+            <a:avLst/>
+          </a:prstGeom>
+          <a:ln>
+            <a:solidFill>
+              <a:schemeClr val="tx1"/>
+            </a:solidFill>
+            <a:tailEnd type="triangle"/>
+          </a:ln>
+        </p:spPr>
+        <p:style>
+          <a:lnRef idx="1">
+            <a:schemeClr val="accent1"/>
+          </a:lnRef>
+          <a:fillRef idx="0">
+            <a:schemeClr val="accent1"/>
+          </a:fillRef>
+          <a:effectRef idx="0">
+            <a:schemeClr val="accent1"/>
+          </a:effectRef>
+          <a:fontRef idx="minor">
+            <a:schemeClr val="tx1"/>
+          </a:fontRef>
+        </p:style>
+      </p:cxnSp>
+      <p:sp>
+        <p:nvSpPr>
+          <p:cNvPr id="22" name="TextBox 21">
+            <a:extLst>
+              <a:ext uri="{FF2B5EF4-FFF2-40B4-BE49-F238E27FC236}">
+                <a16:creationId xmlns:a16="http://schemas.microsoft.com/office/drawing/2014/main" id="{A69D1E93-60E7-179C-C83C-B8CFF19038F8}"/>
+              </a:ext>
+            </a:extLst>
+          </p:cNvPr>
+          <p:cNvSpPr txBox="1"/>
+          <p:nvPr/>
+        </p:nvSpPr>
+        <p:spPr>
+          <a:xfrm>
+            <a:off x="4391980" y="121960"/>
+            <a:ext cx="716863" cy="261610"/>
+          </a:xfrm>
+          <a:prstGeom prst="rect">
+            <a:avLst/>
+          </a:prstGeom>
+          <a:noFill/>
+        </p:spPr>
+        <p:txBody>
+          <a:bodyPr wrap="none" rtlCol="0">
+            <a:spAutoFit/>
+          </a:bodyPr>
+          <a:lstStyle/>
+          <a:p>
+            <a:r>
+              <a:rPr lang="en-KR" sz="1050" i="1"/>
+              <a:t>Rest API</a:t>
+            </a:r>
+          </a:p>
+        </p:txBody>
+      </p:sp>
+      <p:sp>
+        <p:nvSpPr>
+          <p:cNvPr id="4" name="사각형: 둥근 모서리 54">
+            <a:extLst>
+              <a:ext uri="{FF2B5EF4-FFF2-40B4-BE49-F238E27FC236}">
+                <a16:creationId xmlns:a16="http://schemas.microsoft.com/office/drawing/2014/main" id="{A4A85E7C-B790-820A-84F2-849275BD0886}"/>
+              </a:ext>
+            </a:extLst>
+          </p:cNvPr>
+          <p:cNvSpPr/>
+          <p:nvPr/>
+        </p:nvSpPr>
+        <p:spPr>
+          <a:xfrm>
+            <a:off x="2267744" y="4414827"/>
+            <a:ext cx="3816415" cy="527913"/>
+          </a:xfrm>
+          <a:prstGeom prst="roundRect">
+            <a:avLst/>
+          </a:prstGeom>
+          <a:noFill/>
+          <a:ln w="12700">
+            <a:noFill/>
+          </a:ln>
+        </p:spPr>
+        <p:style>
+          <a:lnRef idx="2">
+            <a:schemeClr val="dk1"/>
+          </a:lnRef>
+          <a:fillRef idx="1">
+            <a:schemeClr val="lt1"/>
+          </a:fillRef>
+          <a:effectRef idx="0">
+            <a:schemeClr val="dk1"/>
+          </a:effectRef>
+          <a:fontRef idx="minor">
+            <a:schemeClr val="dk1"/>
+          </a:fontRef>
+        </p:style>
+        <p:txBody>
+          <a:bodyPr rtlCol="0" anchor="ctr"/>
+          <a:lstStyle/>
+          <a:p>
+            <a:r>
+              <a:rPr lang="en-US" altLang="ko-KR" sz="1000" b="1" dirty="0"/>
+              <a:t>Worker</a:t>
+            </a:r>
+            <a:r>
+              <a:rPr lang="en-US" altLang="ko-KR" sz="1000" dirty="0"/>
+              <a:t> : Process</a:t>
+            </a:r>
+          </a:p>
+          <a:p>
+            <a:r>
+              <a:rPr lang="en-US" altLang="ko-KR" sz="1000" b="1" dirty="0"/>
+              <a:t>Connector Instance, Task </a:t>
+            </a:r>
+            <a:r>
+              <a:rPr lang="en-US" altLang="ko-KR" sz="1000" dirty="0"/>
+              <a:t>: Thread</a:t>
+            </a:r>
+          </a:p>
+          <a:p>
+            <a:r>
+              <a:rPr lang="en-US" altLang="ko-KR" sz="1000" b="1" dirty="0"/>
+              <a:t>Converter, Transforms </a:t>
+            </a:r>
+            <a:r>
+              <a:rPr lang="en-US" altLang="ko-KR" sz="1000" dirty="0"/>
+              <a:t>: Class</a:t>
+            </a:r>
+            <a:endParaRPr lang="ko-KR" altLang="en-US" sz="1000" dirty="0"/>
+          </a:p>
+        </p:txBody>
+      </p:sp>
+      <p:sp>
+        <p:nvSpPr>
+          <p:cNvPr id="23" name="사각형: 둥근 모서리 54">
+            <a:extLst>
+              <a:ext uri="{FF2B5EF4-FFF2-40B4-BE49-F238E27FC236}">
+                <a16:creationId xmlns:a16="http://schemas.microsoft.com/office/drawing/2014/main" id="{84663C21-747E-EAE8-2B65-546D28FACD6B}"/>
+              </a:ext>
+            </a:extLst>
+          </p:cNvPr>
+          <p:cNvSpPr/>
+          <p:nvPr/>
+        </p:nvSpPr>
+        <p:spPr>
+          <a:xfrm>
+            <a:off x="2484672" y="2813483"/>
+            <a:ext cx="1078312" cy="340933"/>
+          </a:xfrm>
+          <a:prstGeom prst="roundRect">
+            <a:avLst/>
+          </a:prstGeom>
+          <a:ln w="12700"/>
+        </p:spPr>
+        <p:style>
+          <a:lnRef idx="2">
+            <a:schemeClr val="dk1"/>
+          </a:lnRef>
+          <a:fillRef idx="1">
+            <a:schemeClr val="lt1"/>
+          </a:fillRef>
+          <a:effectRef idx="0">
+            <a:schemeClr val="dk1"/>
+          </a:effectRef>
+          <a:fontRef idx="minor">
+            <a:schemeClr val="dk1"/>
+          </a:fontRef>
+        </p:style>
+        <p:txBody>
+          <a:bodyPr rtlCol="0" anchor="ctr"/>
+          <a:lstStyle/>
+          <a:p>
+            <a:pPr algn="ctr"/>
+            <a:r>
+              <a:rPr lang="en-US" altLang="ko-KR" sz="1000" dirty="0"/>
+              <a:t>Converter</a:t>
+            </a:r>
+            <a:endParaRPr lang="ko-KR" altLang="en-US" sz="1000" dirty="0"/>
+          </a:p>
+        </p:txBody>
+      </p:sp>
+      <p:sp>
+        <p:nvSpPr>
+          <p:cNvPr id="25" name="사각형: 둥근 모서리 54">
+            <a:extLst>
+              <a:ext uri="{FF2B5EF4-FFF2-40B4-BE49-F238E27FC236}">
+                <a16:creationId xmlns:a16="http://schemas.microsoft.com/office/drawing/2014/main" id="{077832C4-3B40-EA3B-CB82-86E867D3DBE3}"/>
+              </a:ext>
+            </a:extLst>
+          </p:cNvPr>
+          <p:cNvSpPr/>
+          <p:nvPr/>
+        </p:nvSpPr>
+        <p:spPr>
+          <a:xfrm>
+            <a:off x="2484672" y="3241860"/>
+            <a:ext cx="1078312" cy="340933"/>
+          </a:xfrm>
+          <a:prstGeom prst="roundRect">
+            <a:avLst/>
+          </a:prstGeom>
+          <a:ln w="12700"/>
+        </p:spPr>
+        <p:style>
+          <a:lnRef idx="2">
+            <a:schemeClr val="dk1"/>
+          </a:lnRef>
+          <a:fillRef idx="1">
+            <a:schemeClr val="lt1"/>
+          </a:fillRef>
+          <a:effectRef idx="0">
+            <a:schemeClr val="dk1"/>
+          </a:effectRef>
+          <a:fontRef idx="minor">
+            <a:schemeClr val="dk1"/>
+          </a:fontRef>
+        </p:style>
+        <p:txBody>
+          <a:bodyPr rtlCol="0" anchor="ctr"/>
+          <a:lstStyle/>
+          <a:p>
+            <a:pPr algn="ctr"/>
+            <a:r>
+              <a:rPr lang="en-US" altLang="ko-KR" sz="1000" dirty="0"/>
+              <a:t>Transforms</a:t>
+            </a:r>
+            <a:endParaRPr lang="ko-KR" altLang="en-US" sz="1000" dirty="0"/>
+          </a:p>
+        </p:txBody>
+      </p:sp>
+      <p:sp>
+        <p:nvSpPr>
+          <p:cNvPr id="27" name="사각형: 둥근 모서리 54">
+            <a:extLst>
+              <a:ext uri="{FF2B5EF4-FFF2-40B4-BE49-F238E27FC236}">
+                <a16:creationId xmlns:a16="http://schemas.microsoft.com/office/drawing/2014/main" id="{F0E8A7A1-9343-0D8B-EA03-8DD686FE0FC7}"/>
+              </a:ext>
+            </a:extLst>
+          </p:cNvPr>
+          <p:cNvSpPr/>
+          <p:nvPr/>
+        </p:nvSpPr>
+        <p:spPr>
+          <a:xfrm>
+            <a:off x="3852824" y="2813483"/>
+            <a:ext cx="1078312" cy="340933"/>
+          </a:xfrm>
+          <a:prstGeom prst="roundRect">
+            <a:avLst/>
+          </a:prstGeom>
+          <a:ln w="12700"/>
+        </p:spPr>
+        <p:style>
+          <a:lnRef idx="2">
+            <a:schemeClr val="dk1"/>
+          </a:lnRef>
+          <a:fillRef idx="1">
+            <a:schemeClr val="lt1"/>
+          </a:fillRef>
+          <a:effectRef idx="0">
+            <a:schemeClr val="dk1"/>
+          </a:effectRef>
+          <a:fontRef idx="minor">
+            <a:schemeClr val="dk1"/>
+          </a:fontRef>
+        </p:style>
+        <p:txBody>
+          <a:bodyPr rtlCol="0" anchor="ctr"/>
+          <a:lstStyle/>
+          <a:p>
+            <a:pPr algn="ctr"/>
+            <a:r>
+              <a:rPr lang="en-US" altLang="ko-KR" sz="1000" dirty="0"/>
+              <a:t>Converter</a:t>
+            </a:r>
+            <a:endParaRPr lang="ko-KR" altLang="en-US" sz="1000" dirty="0"/>
+          </a:p>
+        </p:txBody>
+      </p:sp>
+      <p:sp>
+        <p:nvSpPr>
+          <p:cNvPr id="28" name="사각형: 둥근 모서리 54">
+            <a:extLst>
+              <a:ext uri="{FF2B5EF4-FFF2-40B4-BE49-F238E27FC236}">
+                <a16:creationId xmlns:a16="http://schemas.microsoft.com/office/drawing/2014/main" id="{83C0EAE6-D329-09D7-1AE2-CD6B42D90EE3}"/>
+              </a:ext>
+            </a:extLst>
+          </p:cNvPr>
+          <p:cNvSpPr/>
+          <p:nvPr/>
+        </p:nvSpPr>
+        <p:spPr>
+          <a:xfrm>
+            <a:off x="3852824" y="3241860"/>
+            <a:ext cx="1078312" cy="340933"/>
+          </a:xfrm>
+          <a:prstGeom prst="roundRect">
+            <a:avLst/>
+          </a:prstGeom>
+          <a:ln w="12700"/>
+        </p:spPr>
+        <p:style>
+          <a:lnRef idx="2">
+            <a:schemeClr val="dk1"/>
+          </a:lnRef>
+          <a:fillRef idx="1">
+            <a:schemeClr val="lt1"/>
+          </a:fillRef>
+          <a:effectRef idx="0">
+            <a:schemeClr val="dk1"/>
+          </a:effectRef>
+          <a:fontRef idx="minor">
+            <a:schemeClr val="dk1"/>
+          </a:fontRef>
+        </p:style>
+        <p:txBody>
+          <a:bodyPr rtlCol="0" anchor="ctr"/>
+          <a:lstStyle/>
+          <a:p>
+            <a:pPr algn="ctr"/>
+            <a:r>
+              <a:rPr lang="en-US" altLang="ko-KR" sz="1000" dirty="0"/>
+              <a:t>Transform</a:t>
+            </a:r>
+            <a:endParaRPr lang="ko-KR" altLang="en-US" sz="1000" dirty="0"/>
+          </a:p>
+        </p:txBody>
+      </p:sp>
+      <p:sp>
+        <p:nvSpPr>
+          <p:cNvPr id="29" name="사각형: 둥근 모서리 54">
+            <a:extLst>
+              <a:ext uri="{FF2B5EF4-FFF2-40B4-BE49-F238E27FC236}">
+                <a16:creationId xmlns:a16="http://schemas.microsoft.com/office/drawing/2014/main" id="{A331F080-CE36-7E7B-0B93-C9D5C62E7A48}"/>
+              </a:ext>
+            </a:extLst>
+          </p:cNvPr>
+          <p:cNvSpPr/>
+          <p:nvPr/>
+        </p:nvSpPr>
+        <p:spPr>
+          <a:xfrm>
+            <a:off x="5220976" y="2814454"/>
+            <a:ext cx="1078312" cy="340933"/>
+          </a:xfrm>
+          <a:prstGeom prst="roundRect">
+            <a:avLst/>
+          </a:prstGeom>
+          <a:ln w="12700"/>
+        </p:spPr>
+        <p:style>
+          <a:lnRef idx="2">
+            <a:schemeClr val="dk1"/>
+          </a:lnRef>
+          <a:fillRef idx="1">
+            <a:schemeClr val="lt1"/>
+          </a:fillRef>
+          <a:effectRef idx="0">
+            <a:schemeClr val="dk1"/>
+          </a:effectRef>
+          <a:fontRef idx="minor">
+            <a:schemeClr val="dk1"/>
+          </a:fontRef>
+        </p:style>
+        <p:txBody>
+          <a:bodyPr rtlCol="0" anchor="ctr"/>
+          <a:lstStyle/>
+          <a:p>
+            <a:pPr algn="ctr"/>
+            <a:r>
+              <a:rPr lang="en-US" altLang="ko-KR" sz="1000" dirty="0"/>
+              <a:t>Converter</a:t>
+            </a:r>
+            <a:endParaRPr lang="ko-KR" altLang="en-US" sz="1000" dirty="0"/>
+          </a:p>
+        </p:txBody>
+      </p:sp>
+      <p:sp>
+        <p:nvSpPr>
+          <p:cNvPr id="30" name="사각형: 둥근 모서리 54">
+            <a:extLst>
+              <a:ext uri="{FF2B5EF4-FFF2-40B4-BE49-F238E27FC236}">
+                <a16:creationId xmlns:a16="http://schemas.microsoft.com/office/drawing/2014/main" id="{41257AC1-E4B4-AAEA-6A82-D2167C43745B}"/>
+              </a:ext>
+            </a:extLst>
+          </p:cNvPr>
+          <p:cNvSpPr/>
+          <p:nvPr/>
+        </p:nvSpPr>
+        <p:spPr>
+          <a:xfrm>
+            <a:off x="5220976" y="3242831"/>
+            <a:ext cx="1078312" cy="340933"/>
+          </a:xfrm>
+          <a:prstGeom prst="roundRect">
+            <a:avLst/>
+          </a:prstGeom>
+          <a:ln w="12700"/>
+        </p:spPr>
+        <p:style>
+          <a:lnRef idx="2">
+            <a:schemeClr val="dk1"/>
+          </a:lnRef>
+          <a:fillRef idx="1">
+            <a:schemeClr val="lt1"/>
+          </a:fillRef>
+          <a:effectRef idx="0">
+            <a:schemeClr val="dk1"/>
+          </a:effectRef>
+          <a:fontRef idx="minor">
+            <a:schemeClr val="dk1"/>
+          </a:fontRef>
+        </p:style>
+        <p:txBody>
+          <a:bodyPr rtlCol="0" anchor="ctr"/>
+          <a:lstStyle/>
+          <a:p>
+            <a:pPr algn="ctr"/>
+            <a:r>
+              <a:rPr lang="en-US" altLang="ko-KR" sz="1000" dirty="0"/>
+              <a:t>Transforms</a:t>
+            </a:r>
+            <a:endParaRPr lang="ko-KR" altLang="en-US" sz="1000" dirty="0"/>
           </a:p>
         </p:txBody>
       </p:sp>
@@ -5803,7 +7247,7 @@
 </p:sld>
 </file>
 
-<file path=ppt/slides/slide3.xml><?xml version="1.0" encoding="utf-8"?>
+<file path=ppt/slides/slide4.xml><?xml version="1.0" encoding="utf-8"?>
 <p:sld xmlns:a="http://schemas.openxmlformats.org/drawingml/2006/main" xmlns:r="http://schemas.openxmlformats.org/officeDocument/2006/relationships" xmlns:p="http://schemas.openxmlformats.org/presentationml/2006/main">
   <p:cSld>
     <p:spTree>
@@ -5889,7 +7333,855 @@
 </p:sld>
 </file>
 
-<file path=ppt/slides/slide4.xml><?xml version="1.0" encoding="utf-8"?>
+<file path=ppt/slides/slide5.xml><?xml version="1.0" encoding="utf-8"?>
+<p:sld xmlns:a="http://schemas.openxmlformats.org/drawingml/2006/main" xmlns:r="http://schemas.openxmlformats.org/officeDocument/2006/relationships" xmlns:p="http://schemas.openxmlformats.org/presentationml/2006/main">
+  <p:cSld>
+    <p:spTree>
+      <p:nvGrpSpPr>
+        <p:cNvPr id="1" name="">
+          <a:extLst>
+            <a:ext uri="{FF2B5EF4-FFF2-40B4-BE49-F238E27FC236}">
+              <a16:creationId xmlns:a16="http://schemas.microsoft.com/office/drawing/2014/main" id="{78AABCDA-3315-2CBC-FC97-9F3C790C1B59}"/>
+            </a:ext>
+          </a:extLst>
+        </p:cNvPr>
+        <p:cNvGrpSpPr/>
+        <p:nvPr/>
+      </p:nvGrpSpPr>
+      <p:grpSpPr>
+        <a:xfrm>
+          <a:off x="0" y="0"/>
+          <a:ext cx="0" cy="0"/>
+          <a:chOff x="0" y="0"/>
+          <a:chExt cx="0" cy="0"/>
+        </a:xfrm>
+      </p:grpSpPr>
+      <p:sp>
+        <p:nvSpPr>
+          <p:cNvPr id="12" name="사각형: 둥근 모서리 6">
+            <a:extLst>
+              <a:ext uri="{FF2B5EF4-FFF2-40B4-BE49-F238E27FC236}">
+                <a16:creationId xmlns:a16="http://schemas.microsoft.com/office/drawing/2014/main" id="{CBFA8C94-CE5B-8663-7207-98B9BF51B61B}"/>
+              </a:ext>
+            </a:extLst>
+          </p:cNvPr>
+          <p:cNvSpPr/>
+          <p:nvPr/>
+        </p:nvSpPr>
+        <p:spPr>
+          <a:xfrm>
+            <a:off x="2267744" y="864158"/>
+            <a:ext cx="4248472" cy="3147752"/>
+          </a:xfrm>
+          <a:prstGeom prst="roundRect">
+            <a:avLst>
+              <a:gd name="adj" fmla="val 2699"/>
+            </a:avLst>
+          </a:prstGeom>
+          <a:ln w="12700">
+            <a:prstDash val="dash"/>
+          </a:ln>
+        </p:spPr>
+        <p:style>
+          <a:lnRef idx="2">
+            <a:schemeClr val="dk1"/>
+          </a:lnRef>
+          <a:fillRef idx="1">
+            <a:schemeClr val="lt1"/>
+          </a:fillRef>
+          <a:effectRef idx="0">
+            <a:schemeClr val="dk1"/>
+          </a:effectRef>
+          <a:fontRef idx="minor">
+            <a:schemeClr val="dk1"/>
+          </a:fontRef>
+        </p:style>
+        <p:txBody>
+          <a:bodyPr rtlCol="0" anchor="b"/>
+          <a:lstStyle/>
+          <a:p>
+            <a:pPr algn="ctr"/>
+            <a:r>
+              <a:rPr lang="en-US" altLang="ko-KR" sz="1000" dirty="0"/>
+              <a:t>Kafka Connect Cluster</a:t>
+            </a:r>
+            <a:endParaRPr lang="ko-KR" altLang="en-US" sz="1000" dirty="0"/>
+          </a:p>
+        </p:txBody>
+      </p:sp>
+      <p:sp>
+        <p:nvSpPr>
+          <p:cNvPr id="2" name="사각형: 둥근 모서리 6">
+            <a:extLst>
+              <a:ext uri="{FF2B5EF4-FFF2-40B4-BE49-F238E27FC236}">
+                <a16:creationId xmlns:a16="http://schemas.microsoft.com/office/drawing/2014/main" id="{EB2B9AA4-39E7-891D-596C-47F26D2793C8}"/>
+              </a:ext>
+            </a:extLst>
+          </p:cNvPr>
+          <p:cNvSpPr/>
+          <p:nvPr/>
+        </p:nvSpPr>
+        <p:spPr>
+          <a:xfrm>
+            <a:off x="2411760" y="997968"/>
+            <a:ext cx="1224136" cy="2654544"/>
+          </a:xfrm>
+          <a:prstGeom prst="roundRect">
+            <a:avLst>
+              <a:gd name="adj" fmla="val 4353"/>
+            </a:avLst>
+          </a:prstGeom>
+          <a:ln w="12700"/>
+        </p:spPr>
+        <p:style>
+          <a:lnRef idx="2">
+            <a:schemeClr val="dk1"/>
+          </a:lnRef>
+          <a:fillRef idx="1">
+            <a:schemeClr val="lt1"/>
+          </a:fillRef>
+          <a:effectRef idx="0">
+            <a:schemeClr val="dk1"/>
+          </a:effectRef>
+          <a:fontRef idx="minor">
+            <a:schemeClr val="dk1"/>
+          </a:fontRef>
+        </p:style>
+        <p:txBody>
+          <a:bodyPr rtlCol="0" anchor="b"/>
+          <a:lstStyle/>
+          <a:p>
+            <a:pPr algn="ctr"/>
+            <a:r>
+              <a:rPr lang="en-US" altLang="ko-KR" sz="1000" b="1" dirty="0"/>
+              <a:t>Leader</a:t>
+            </a:r>
+          </a:p>
+          <a:p>
+            <a:pPr algn="ctr"/>
+            <a:r>
+              <a:rPr lang="en-US" altLang="ko-KR" sz="1000" dirty="0"/>
+              <a:t>Worker</a:t>
+            </a:r>
+          </a:p>
+        </p:txBody>
+      </p:sp>
+      <p:sp>
+        <p:nvSpPr>
+          <p:cNvPr id="3" name="사각형: 둥근 모서리 57">
+            <a:extLst>
+              <a:ext uri="{FF2B5EF4-FFF2-40B4-BE49-F238E27FC236}">
+                <a16:creationId xmlns:a16="http://schemas.microsoft.com/office/drawing/2014/main" id="{0A0983B7-AA73-42C5-6FC6-0FA5B200679C}"/>
+              </a:ext>
+            </a:extLst>
+          </p:cNvPr>
+          <p:cNvSpPr/>
+          <p:nvPr/>
+        </p:nvSpPr>
+        <p:spPr>
+          <a:xfrm>
+            <a:off x="3779912" y="987574"/>
+            <a:ext cx="1224136" cy="2664296"/>
+          </a:xfrm>
+          <a:prstGeom prst="roundRect">
+            <a:avLst>
+              <a:gd name="adj" fmla="val 5697"/>
+            </a:avLst>
+          </a:prstGeom>
+          <a:ln w="12700"/>
+        </p:spPr>
+        <p:style>
+          <a:lnRef idx="2">
+            <a:schemeClr val="dk1"/>
+          </a:lnRef>
+          <a:fillRef idx="1">
+            <a:schemeClr val="lt1"/>
+          </a:fillRef>
+          <a:effectRef idx="0">
+            <a:schemeClr val="dk1"/>
+          </a:effectRef>
+          <a:fontRef idx="minor">
+            <a:schemeClr val="dk1"/>
+          </a:fontRef>
+        </p:style>
+        <p:txBody>
+          <a:bodyPr rtlCol="0" anchor="b"/>
+          <a:lstStyle/>
+          <a:p>
+            <a:pPr algn="ctr"/>
+            <a:r>
+              <a:rPr lang="en-US" altLang="ko-KR" sz="1000" dirty="0"/>
+              <a:t>Worker</a:t>
+            </a:r>
+            <a:endParaRPr lang="ko-KR" altLang="en-US" sz="1000" dirty="0"/>
+          </a:p>
+        </p:txBody>
+      </p:sp>
+      <p:sp>
+        <p:nvSpPr>
+          <p:cNvPr id="7" name="사각형: 둥근 모서리 66">
+            <a:extLst>
+              <a:ext uri="{FF2B5EF4-FFF2-40B4-BE49-F238E27FC236}">
+                <a16:creationId xmlns:a16="http://schemas.microsoft.com/office/drawing/2014/main" id="{DBA60F36-1D0F-2153-E771-D273648A2169}"/>
+              </a:ext>
+            </a:extLst>
+          </p:cNvPr>
+          <p:cNvSpPr/>
+          <p:nvPr/>
+        </p:nvSpPr>
+        <p:spPr>
+          <a:xfrm>
+            <a:off x="5148064" y="987574"/>
+            <a:ext cx="1224136" cy="2664296"/>
+          </a:xfrm>
+          <a:prstGeom prst="roundRect">
+            <a:avLst>
+              <a:gd name="adj" fmla="val 5249"/>
+            </a:avLst>
+          </a:prstGeom>
+          <a:ln w="12700"/>
+        </p:spPr>
+        <p:style>
+          <a:lnRef idx="2">
+            <a:schemeClr val="dk1"/>
+          </a:lnRef>
+          <a:fillRef idx="1">
+            <a:schemeClr val="lt1"/>
+          </a:fillRef>
+          <a:effectRef idx="0">
+            <a:schemeClr val="dk1"/>
+          </a:effectRef>
+          <a:fontRef idx="minor">
+            <a:schemeClr val="dk1"/>
+          </a:fontRef>
+        </p:style>
+        <p:txBody>
+          <a:bodyPr rtlCol="0" anchor="b"/>
+          <a:lstStyle/>
+          <a:p>
+            <a:pPr algn="ctr"/>
+            <a:r>
+              <a:rPr lang="en-US" altLang="ko-KR" sz="1000" dirty="0"/>
+              <a:t>Worker</a:t>
+            </a:r>
+            <a:endParaRPr lang="ko-KR" altLang="en-US" sz="1000" dirty="0"/>
+          </a:p>
+        </p:txBody>
+      </p:sp>
+      <p:sp>
+        <p:nvSpPr>
+          <p:cNvPr id="8" name="사각형: 둥근 모서리 54">
+            <a:extLst>
+              <a:ext uri="{FF2B5EF4-FFF2-40B4-BE49-F238E27FC236}">
+                <a16:creationId xmlns:a16="http://schemas.microsoft.com/office/drawing/2014/main" id="{7150E1F2-0C4E-A329-685A-22FE133C6EAB}"/>
+              </a:ext>
+            </a:extLst>
+          </p:cNvPr>
+          <p:cNvSpPr/>
+          <p:nvPr/>
+        </p:nvSpPr>
+        <p:spPr>
+          <a:xfrm>
+            <a:off x="2484672" y="1059582"/>
+            <a:ext cx="1078312" cy="648072"/>
+          </a:xfrm>
+          <a:prstGeom prst="roundRect">
+            <a:avLst>
+              <a:gd name="adj" fmla="val 11768"/>
+            </a:avLst>
+          </a:prstGeom>
+          <a:solidFill>
+            <a:schemeClr val="bg1">
+              <a:lumMod val="95000"/>
+            </a:schemeClr>
+          </a:solidFill>
+          <a:ln w="12700"/>
+        </p:spPr>
+        <p:style>
+          <a:lnRef idx="2">
+            <a:schemeClr val="dk1"/>
+          </a:lnRef>
+          <a:fillRef idx="1">
+            <a:schemeClr val="lt1"/>
+          </a:fillRef>
+          <a:effectRef idx="0">
+            <a:schemeClr val="dk1"/>
+          </a:effectRef>
+          <a:fontRef idx="minor">
+            <a:schemeClr val="dk1"/>
+          </a:fontRef>
+        </p:style>
+        <p:txBody>
+          <a:bodyPr rtlCol="0" anchor="t"/>
+          <a:lstStyle/>
+          <a:p>
+            <a:r>
+              <a:rPr lang="en-US" altLang="ko-KR" sz="1000"/>
+              <a:t>Connector A</a:t>
+            </a:r>
+          </a:p>
+          <a:p>
+            <a:r>
+              <a:rPr lang="en-US" altLang="ko-KR" sz="1000"/>
+              <a:t>Instance</a:t>
+            </a:r>
+            <a:endParaRPr lang="ko-KR" altLang="en-US" sz="1000" dirty="0"/>
+          </a:p>
+        </p:txBody>
+      </p:sp>
+      <p:sp>
+        <p:nvSpPr>
+          <p:cNvPr id="14" name="사각형: 둥근 모서리 54">
+            <a:extLst>
+              <a:ext uri="{FF2B5EF4-FFF2-40B4-BE49-F238E27FC236}">
+                <a16:creationId xmlns:a16="http://schemas.microsoft.com/office/drawing/2014/main" id="{6B9CDDE6-B0D2-8860-8F5D-4EDD8A1341F9}"/>
+              </a:ext>
+            </a:extLst>
+          </p:cNvPr>
+          <p:cNvSpPr/>
+          <p:nvPr/>
+        </p:nvSpPr>
+        <p:spPr>
+          <a:xfrm>
+            <a:off x="2484672" y="1795098"/>
+            <a:ext cx="1078312" cy="648072"/>
+          </a:xfrm>
+          <a:prstGeom prst="roundRect">
+            <a:avLst>
+              <a:gd name="adj" fmla="val 11768"/>
+            </a:avLst>
+          </a:prstGeom>
+          <a:solidFill>
+            <a:schemeClr val="bg1">
+              <a:lumMod val="95000"/>
+            </a:schemeClr>
+          </a:solidFill>
+          <a:ln w="12700"/>
+        </p:spPr>
+        <p:style>
+          <a:lnRef idx="2">
+            <a:schemeClr val="dk1"/>
+          </a:lnRef>
+          <a:fillRef idx="1">
+            <a:schemeClr val="lt1"/>
+          </a:fillRef>
+          <a:effectRef idx="0">
+            <a:schemeClr val="dk1"/>
+          </a:effectRef>
+          <a:fontRef idx="minor">
+            <a:schemeClr val="dk1"/>
+          </a:fontRef>
+        </p:style>
+        <p:txBody>
+          <a:bodyPr rtlCol="0" anchor="t"/>
+          <a:lstStyle/>
+          <a:p>
+            <a:r>
+              <a:rPr lang="en-US" altLang="ko-KR" sz="1000"/>
+              <a:t>Connector A</a:t>
+            </a:r>
+          </a:p>
+          <a:p>
+            <a:r>
+              <a:rPr lang="en-US" altLang="ko-KR" sz="1000"/>
+              <a:t>Task 1</a:t>
+            </a:r>
+          </a:p>
+          <a:p>
+            <a:r>
+              <a:rPr lang="en-US" altLang="ko-KR" sz="1000" dirty="0"/>
+              <a:t>Partition 1,2</a:t>
+            </a:r>
+            <a:endParaRPr lang="ko-KR" altLang="en-US" sz="1000" dirty="0"/>
+          </a:p>
+        </p:txBody>
+      </p:sp>
+      <p:sp>
+        <p:nvSpPr>
+          <p:cNvPr id="15" name="사각형: 둥근 모서리 54">
+            <a:extLst>
+              <a:ext uri="{FF2B5EF4-FFF2-40B4-BE49-F238E27FC236}">
+                <a16:creationId xmlns:a16="http://schemas.microsoft.com/office/drawing/2014/main" id="{DA269BFA-1B65-4756-9C85-9D872E49EF13}"/>
+              </a:ext>
+            </a:extLst>
+          </p:cNvPr>
+          <p:cNvSpPr/>
+          <p:nvPr/>
+        </p:nvSpPr>
+        <p:spPr>
+          <a:xfrm>
+            <a:off x="3852824" y="1059582"/>
+            <a:ext cx="1078312" cy="648072"/>
+          </a:xfrm>
+          <a:prstGeom prst="roundRect">
+            <a:avLst>
+              <a:gd name="adj" fmla="val 11768"/>
+            </a:avLst>
+          </a:prstGeom>
+          <a:solidFill>
+            <a:schemeClr val="bg2">
+              <a:lumMod val="90000"/>
+            </a:schemeClr>
+          </a:solidFill>
+          <a:ln w="12700"/>
+        </p:spPr>
+        <p:style>
+          <a:lnRef idx="2">
+            <a:schemeClr val="dk1"/>
+          </a:lnRef>
+          <a:fillRef idx="1">
+            <a:schemeClr val="lt1"/>
+          </a:fillRef>
+          <a:effectRef idx="0">
+            <a:schemeClr val="dk1"/>
+          </a:effectRef>
+          <a:fontRef idx="minor">
+            <a:schemeClr val="dk1"/>
+          </a:fontRef>
+        </p:style>
+        <p:txBody>
+          <a:bodyPr rtlCol="0" anchor="t"/>
+          <a:lstStyle/>
+          <a:p>
+            <a:r>
+              <a:rPr lang="en-US" altLang="ko-KR" sz="1000"/>
+              <a:t>Connector B</a:t>
+            </a:r>
+          </a:p>
+          <a:p>
+            <a:r>
+              <a:rPr lang="en-US" altLang="ko-KR" sz="1000"/>
+              <a:t>Instance</a:t>
+            </a:r>
+            <a:endParaRPr lang="ko-KR" altLang="en-US" sz="1000" dirty="0"/>
+          </a:p>
+        </p:txBody>
+      </p:sp>
+      <p:sp>
+        <p:nvSpPr>
+          <p:cNvPr id="16" name="사각형: 둥근 모서리 54">
+            <a:extLst>
+              <a:ext uri="{FF2B5EF4-FFF2-40B4-BE49-F238E27FC236}">
+                <a16:creationId xmlns:a16="http://schemas.microsoft.com/office/drawing/2014/main" id="{AC52C811-1992-41E5-0F40-612464AF94FA}"/>
+              </a:ext>
+            </a:extLst>
+          </p:cNvPr>
+          <p:cNvSpPr/>
+          <p:nvPr/>
+        </p:nvSpPr>
+        <p:spPr>
+          <a:xfrm>
+            <a:off x="5220976" y="1059582"/>
+            <a:ext cx="1078312" cy="648072"/>
+          </a:xfrm>
+          <a:prstGeom prst="roundRect">
+            <a:avLst>
+              <a:gd name="adj" fmla="val 11768"/>
+            </a:avLst>
+          </a:prstGeom>
+          <a:solidFill>
+            <a:schemeClr val="bg1">
+              <a:lumMod val="95000"/>
+            </a:schemeClr>
+          </a:solidFill>
+          <a:ln w="12700"/>
+        </p:spPr>
+        <p:style>
+          <a:lnRef idx="2">
+            <a:schemeClr val="dk1"/>
+          </a:lnRef>
+          <a:fillRef idx="1">
+            <a:schemeClr val="lt1"/>
+          </a:fillRef>
+          <a:effectRef idx="0">
+            <a:schemeClr val="dk1"/>
+          </a:effectRef>
+          <a:fontRef idx="minor">
+            <a:schemeClr val="dk1"/>
+          </a:fontRef>
+        </p:style>
+        <p:txBody>
+          <a:bodyPr rtlCol="0" anchor="t"/>
+          <a:lstStyle/>
+          <a:p>
+            <a:r>
+              <a:rPr lang="en-US" altLang="ko-KR" sz="1000"/>
+              <a:t>Connector A</a:t>
+            </a:r>
+          </a:p>
+          <a:p>
+            <a:r>
+              <a:rPr lang="en-US" altLang="ko-KR" sz="1000"/>
+              <a:t>Task 3</a:t>
+            </a:r>
+          </a:p>
+          <a:p>
+            <a:r>
+              <a:rPr lang="en-US" altLang="ko-KR" sz="1000" dirty="0"/>
+              <a:t>Partition 5,6</a:t>
+            </a:r>
+            <a:endParaRPr lang="ko-KR" altLang="en-US" sz="1000" dirty="0"/>
+          </a:p>
+        </p:txBody>
+      </p:sp>
+      <p:sp>
+        <p:nvSpPr>
+          <p:cNvPr id="17" name="사각형: 둥근 모서리 54">
+            <a:extLst>
+              <a:ext uri="{FF2B5EF4-FFF2-40B4-BE49-F238E27FC236}">
+                <a16:creationId xmlns:a16="http://schemas.microsoft.com/office/drawing/2014/main" id="{09E0B5CD-6491-8DB6-6804-1069A8997BB6}"/>
+              </a:ext>
+            </a:extLst>
+          </p:cNvPr>
+          <p:cNvSpPr/>
+          <p:nvPr/>
+        </p:nvSpPr>
+        <p:spPr>
+          <a:xfrm>
+            <a:off x="2484672" y="2530614"/>
+            <a:ext cx="1078312" cy="648072"/>
+          </a:xfrm>
+          <a:prstGeom prst="roundRect">
+            <a:avLst>
+              <a:gd name="adj" fmla="val 11768"/>
+            </a:avLst>
+          </a:prstGeom>
+          <a:solidFill>
+            <a:schemeClr val="bg2">
+              <a:lumMod val="90000"/>
+            </a:schemeClr>
+          </a:solidFill>
+          <a:ln w="12700"/>
+        </p:spPr>
+        <p:style>
+          <a:lnRef idx="2">
+            <a:schemeClr val="dk1"/>
+          </a:lnRef>
+          <a:fillRef idx="1">
+            <a:schemeClr val="lt1"/>
+          </a:fillRef>
+          <a:effectRef idx="0">
+            <a:schemeClr val="dk1"/>
+          </a:effectRef>
+          <a:fontRef idx="minor">
+            <a:schemeClr val="dk1"/>
+          </a:fontRef>
+        </p:style>
+        <p:txBody>
+          <a:bodyPr rtlCol="0" anchor="t"/>
+          <a:lstStyle/>
+          <a:p>
+            <a:r>
+              <a:rPr lang="en-US" altLang="ko-KR" sz="1000"/>
+              <a:t>Connector B</a:t>
+            </a:r>
+          </a:p>
+          <a:p>
+            <a:r>
+              <a:rPr lang="en-US" altLang="ko-KR" sz="1000"/>
+              <a:t>Task 1</a:t>
+            </a:r>
+          </a:p>
+          <a:p>
+            <a:r>
+              <a:rPr lang="en-US" altLang="ko-KR" sz="1000" dirty="0"/>
+              <a:t>Partition 1,2,3</a:t>
+            </a:r>
+            <a:endParaRPr lang="ko-KR" altLang="en-US" sz="1000" dirty="0"/>
+          </a:p>
+        </p:txBody>
+      </p:sp>
+      <p:sp>
+        <p:nvSpPr>
+          <p:cNvPr id="18" name="사각형: 둥근 모서리 54">
+            <a:extLst>
+              <a:ext uri="{FF2B5EF4-FFF2-40B4-BE49-F238E27FC236}">
+                <a16:creationId xmlns:a16="http://schemas.microsoft.com/office/drawing/2014/main" id="{F140F78D-3F38-09CF-97BA-DF28C991CF6A}"/>
+              </a:ext>
+            </a:extLst>
+          </p:cNvPr>
+          <p:cNvSpPr/>
+          <p:nvPr/>
+        </p:nvSpPr>
+        <p:spPr>
+          <a:xfrm>
+            <a:off x="3852824" y="1795098"/>
+            <a:ext cx="1078312" cy="648072"/>
+          </a:xfrm>
+          <a:prstGeom prst="roundRect">
+            <a:avLst>
+              <a:gd name="adj" fmla="val 11768"/>
+            </a:avLst>
+          </a:prstGeom>
+          <a:solidFill>
+            <a:schemeClr val="bg1">
+              <a:lumMod val="95000"/>
+            </a:schemeClr>
+          </a:solidFill>
+          <a:ln w="12700"/>
+        </p:spPr>
+        <p:style>
+          <a:lnRef idx="2">
+            <a:schemeClr val="dk1"/>
+          </a:lnRef>
+          <a:fillRef idx="1">
+            <a:schemeClr val="lt1"/>
+          </a:fillRef>
+          <a:effectRef idx="0">
+            <a:schemeClr val="dk1"/>
+          </a:effectRef>
+          <a:fontRef idx="minor">
+            <a:schemeClr val="dk1"/>
+          </a:fontRef>
+        </p:style>
+        <p:txBody>
+          <a:bodyPr rtlCol="0" anchor="t"/>
+          <a:lstStyle/>
+          <a:p>
+            <a:r>
+              <a:rPr lang="en-US" altLang="ko-KR" sz="1000"/>
+              <a:t>Connector A</a:t>
+            </a:r>
+          </a:p>
+          <a:p>
+            <a:r>
+              <a:rPr lang="en-US" altLang="ko-KR" sz="1000"/>
+              <a:t>Task 2</a:t>
+            </a:r>
+          </a:p>
+          <a:p>
+            <a:r>
+              <a:rPr lang="en-US" altLang="ko-KR" sz="1000" dirty="0"/>
+              <a:t>Partition 3,4</a:t>
+            </a:r>
+            <a:endParaRPr lang="ko-KR" altLang="en-US" sz="1000" dirty="0"/>
+          </a:p>
+        </p:txBody>
+      </p:sp>
+      <p:sp>
+        <p:nvSpPr>
+          <p:cNvPr id="19" name="사각형: 둥근 모서리 54">
+            <a:extLst>
+              <a:ext uri="{FF2B5EF4-FFF2-40B4-BE49-F238E27FC236}">
+                <a16:creationId xmlns:a16="http://schemas.microsoft.com/office/drawing/2014/main" id="{BDBC2E37-7DEB-3E72-9727-D4396F37B97A}"/>
+              </a:ext>
+            </a:extLst>
+          </p:cNvPr>
+          <p:cNvSpPr/>
+          <p:nvPr/>
+        </p:nvSpPr>
+        <p:spPr>
+          <a:xfrm>
+            <a:off x="5220976" y="1801230"/>
+            <a:ext cx="1078312" cy="648072"/>
+          </a:xfrm>
+          <a:prstGeom prst="roundRect">
+            <a:avLst>
+              <a:gd name="adj" fmla="val 11768"/>
+            </a:avLst>
+          </a:prstGeom>
+          <a:solidFill>
+            <a:schemeClr val="bg2">
+              <a:lumMod val="90000"/>
+            </a:schemeClr>
+          </a:solidFill>
+          <a:ln w="12700"/>
+        </p:spPr>
+        <p:style>
+          <a:lnRef idx="2">
+            <a:schemeClr val="dk1"/>
+          </a:lnRef>
+          <a:fillRef idx="1">
+            <a:schemeClr val="lt1"/>
+          </a:fillRef>
+          <a:effectRef idx="0">
+            <a:schemeClr val="dk1"/>
+          </a:effectRef>
+          <a:fontRef idx="minor">
+            <a:schemeClr val="dk1"/>
+          </a:fontRef>
+        </p:style>
+        <p:txBody>
+          <a:bodyPr rtlCol="0" anchor="t"/>
+          <a:lstStyle/>
+          <a:p>
+            <a:r>
+              <a:rPr lang="en-US" altLang="ko-KR" sz="1000"/>
+              <a:t>Connector B</a:t>
+            </a:r>
+          </a:p>
+          <a:p>
+            <a:r>
+              <a:rPr lang="en-US" altLang="ko-KR" sz="1000"/>
+              <a:t>Task 2</a:t>
+            </a:r>
+          </a:p>
+          <a:p>
+            <a:r>
+              <a:rPr lang="en-US" altLang="ko-KR" sz="1000" dirty="0"/>
+              <a:t>Partition 5,6,7</a:t>
+            </a:r>
+            <a:endParaRPr lang="ko-KR" altLang="en-US" sz="1000" dirty="0"/>
+          </a:p>
+        </p:txBody>
+      </p:sp>
+      <p:cxnSp>
+        <p:nvCxnSpPr>
+          <p:cNvPr id="21" name="Straight Arrow Connector 20">
+            <a:extLst>
+              <a:ext uri="{FF2B5EF4-FFF2-40B4-BE49-F238E27FC236}">
+                <a16:creationId xmlns:a16="http://schemas.microsoft.com/office/drawing/2014/main" id="{E709824B-01A7-7599-3AA2-A7BC625B2B49}"/>
+              </a:ext>
+            </a:extLst>
+          </p:cNvPr>
+          <p:cNvCxnSpPr>
+            <a:cxnSpLocks/>
+            <a:endCxn id="12" idx="0"/>
+          </p:cNvCxnSpPr>
+          <p:nvPr/>
+        </p:nvCxnSpPr>
+        <p:spPr>
+          <a:xfrm>
+            <a:off x="4391980" y="555526"/>
+            <a:ext cx="0" cy="308632"/>
+          </a:xfrm>
+          <a:prstGeom prst="straightConnector1">
+            <a:avLst/>
+          </a:prstGeom>
+          <a:ln>
+            <a:solidFill>
+              <a:schemeClr val="tx1"/>
+            </a:solidFill>
+            <a:tailEnd type="triangle"/>
+          </a:ln>
+        </p:spPr>
+        <p:style>
+          <a:lnRef idx="1">
+            <a:schemeClr val="accent1"/>
+          </a:lnRef>
+          <a:fillRef idx="0">
+            <a:schemeClr val="accent1"/>
+          </a:fillRef>
+          <a:effectRef idx="0">
+            <a:schemeClr val="accent1"/>
+          </a:effectRef>
+          <a:fontRef idx="minor">
+            <a:schemeClr val="tx1"/>
+          </a:fontRef>
+        </p:style>
+      </p:cxnSp>
+      <p:sp>
+        <p:nvSpPr>
+          <p:cNvPr id="22" name="TextBox 21">
+            <a:extLst>
+              <a:ext uri="{FF2B5EF4-FFF2-40B4-BE49-F238E27FC236}">
+                <a16:creationId xmlns:a16="http://schemas.microsoft.com/office/drawing/2014/main" id="{D8DFBFB1-C722-39BC-17AF-6F5CC9A9219B}"/>
+              </a:ext>
+            </a:extLst>
+          </p:cNvPr>
+          <p:cNvSpPr txBox="1"/>
+          <p:nvPr/>
+        </p:nvSpPr>
+        <p:spPr>
+          <a:xfrm>
+            <a:off x="4391980" y="574607"/>
+            <a:ext cx="716863" cy="261610"/>
+          </a:xfrm>
+          <a:prstGeom prst="rect">
+            <a:avLst/>
+          </a:prstGeom>
+          <a:noFill/>
+        </p:spPr>
+        <p:txBody>
+          <a:bodyPr wrap="none" rtlCol="0">
+            <a:spAutoFit/>
+          </a:bodyPr>
+          <a:lstStyle/>
+          <a:p>
+            <a:r>
+              <a:rPr lang="en-KR" sz="1050" i="1"/>
+              <a:t>Rest API</a:t>
+            </a:r>
+          </a:p>
+        </p:txBody>
+      </p:sp>
+      <p:sp>
+        <p:nvSpPr>
+          <p:cNvPr id="4" name="사각형: 둥근 모서리 54">
+            <a:extLst>
+              <a:ext uri="{FF2B5EF4-FFF2-40B4-BE49-F238E27FC236}">
+                <a16:creationId xmlns:a16="http://schemas.microsoft.com/office/drawing/2014/main" id="{6A9B5AFB-60F9-7365-53CD-B0CD9125AEF9}"/>
+              </a:ext>
+            </a:extLst>
+          </p:cNvPr>
+          <p:cNvSpPr/>
+          <p:nvPr/>
+        </p:nvSpPr>
+        <p:spPr>
+          <a:xfrm>
+            <a:off x="2267744" y="4011910"/>
+            <a:ext cx="3816415" cy="317743"/>
+          </a:xfrm>
+          <a:prstGeom prst="roundRect">
+            <a:avLst/>
+          </a:prstGeom>
+          <a:noFill/>
+          <a:ln w="12700">
+            <a:noFill/>
+          </a:ln>
+        </p:spPr>
+        <p:style>
+          <a:lnRef idx="2">
+            <a:schemeClr val="dk1"/>
+          </a:lnRef>
+          <a:fillRef idx="1">
+            <a:schemeClr val="lt1"/>
+          </a:fillRef>
+          <a:effectRef idx="0">
+            <a:schemeClr val="dk1"/>
+          </a:effectRef>
+          <a:fontRef idx="minor">
+            <a:schemeClr val="dk1"/>
+          </a:fontRef>
+        </p:style>
+        <p:txBody>
+          <a:bodyPr rtlCol="0" anchor="ctr"/>
+          <a:lstStyle/>
+          <a:p>
+            <a:r>
+              <a:rPr lang="en-US" altLang="ko-KR" sz="1000" b="1" dirty="0"/>
+              <a:t>Worker</a:t>
+            </a:r>
+            <a:r>
+              <a:rPr lang="en-US" altLang="ko-KR" sz="1000" dirty="0"/>
+              <a:t> : Process,  </a:t>
+            </a:r>
+            <a:r>
+              <a:rPr lang="en-US" altLang="ko-KR" sz="1000" b="1" dirty="0"/>
+              <a:t>Connector Instance/Task </a:t>
+            </a:r>
+            <a:r>
+              <a:rPr lang="en-US" altLang="ko-KR" sz="1000" dirty="0"/>
+              <a:t>: Thread</a:t>
+            </a:r>
+            <a:endParaRPr lang="ko-KR" altLang="en-US" sz="1000" dirty="0"/>
+          </a:p>
+        </p:txBody>
+      </p:sp>
+    </p:spTree>
+    <p:extLst>
+      <p:ext uri="{BB962C8B-B14F-4D97-AF65-F5344CB8AC3E}">
+        <p14:creationId xmlns:p14="http://schemas.microsoft.com/office/powerpoint/2010/main" val="776216426"/>
+      </p:ext>
+    </p:extLst>
+  </p:cSld>
+  <p:clrMapOvr>
+    <a:masterClrMapping/>
+  </p:clrMapOvr>
+</p:sld>
+</file>
+
+<file path=ppt/slides/slide6.xml><?xml version="1.0" encoding="utf-8"?>
 <p:sld xmlns:a="http://schemas.openxmlformats.org/drawingml/2006/main" xmlns:r="http://schemas.openxmlformats.org/officeDocument/2006/relationships" xmlns:p="http://schemas.openxmlformats.org/presentationml/2006/main">
   <p:cSld>
     <p:spTree>
@@ -6960,7 +9252,7 @@
 </p:sld>
 </file>
 
-<file path=ppt/slides/slide5.xml><?xml version="1.0" encoding="utf-8"?>
+<file path=ppt/slides/slide7.xml><?xml version="1.0" encoding="utf-8"?>
 <p:sld xmlns:a="http://schemas.openxmlformats.org/drawingml/2006/main" xmlns:r="http://schemas.openxmlformats.org/officeDocument/2006/relationships" xmlns:p="http://schemas.openxmlformats.org/presentationml/2006/main">
   <p:cSld>
     <p:spTree>

--- a/content/docs/theory-analysis/kafka-connect/images/images.pptx
+++ b/content/docs/theory-analysis/kafka-connect/images/images.pptx
@@ -5,16 +5,18 @@
     <p:sldMasterId id="2147483648" r:id="rId1"/>
   </p:sldMasterIdLst>
   <p:notesMasterIdLst>
-    <p:notesMasterId r:id="rId9"/>
+    <p:notesMasterId r:id="rId11"/>
   </p:notesMasterIdLst>
   <p:sldIdLst>
     <p:sldId id="368" r:id="rId2"/>
     <p:sldId id="372" r:id="rId3"/>
     <p:sldId id="363" r:id="rId4"/>
     <p:sldId id="367" r:id="rId5"/>
-    <p:sldId id="371" r:id="rId6"/>
-    <p:sldId id="370" r:id="rId7"/>
-    <p:sldId id="369" r:id="rId8"/>
+    <p:sldId id="373" r:id="rId6"/>
+    <p:sldId id="374" r:id="rId7"/>
+    <p:sldId id="371" r:id="rId8"/>
+    <p:sldId id="370" r:id="rId9"/>
+    <p:sldId id="369" r:id="rId10"/>
   </p:sldIdLst>
   <p:sldSz cx="9144000" cy="5143500" type="screen16x9"/>
   <p:notesSz cx="6858000" cy="9144000"/>
@@ -231,7 +233,7 @@
           <a:p>
             <a:fld id="{6CD5550B-26C4-49A9-A5BA-636EF7BE6CE9}" type="datetimeFigureOut">
               <a:rPr lang="ko-KR" altLang="en-US" smtClean="0"/>
-              <a:t>2025. 10. 29.</a:t>
+              <a:t>2025. 10. 30.</a:t>
             </a:fld>
             <a:endParaRPr lang="ko-KR" altLang="en-US"/>
           </a:p>
@@ -806,6 +808,222 @@
         <p:cNvPr id="1" name="">
           <a:extLst>
             <a:ext uri="{FF2B5EF4-FFF2-40B4-BE49-F238E27FC236}">
+              <a16:creationId xmlns:a16="http://schemas.microsoft.com/office/drawing/2014/main" id="{0C1F0135-39B6-E497-6EB9-0C00F03AB565}"/>
+            </a:ext>
+          </a:extLst>
+        </p:cNvPr>
+        <p:cNvGrpSpPr/>
+        <p:nvPr/>
+      </p:nvGrpSpPr>
+      <p:grpSpPr>
+        <a:xfrm>
+          <a:off x="0" y="0"/>
+          <a:ext cx="0" cy="0"/>
+          <a:chOff x="0" y="0"/>
+          <a:chExt cx="0" cy="0"/>
+        </a:xfrm>
+      </p:grpSpPr>
+      <p:sp>
+        <p:nvSpPr>
+          <p:cNvPr id="2" name="Slide Image Placeholder 1">
+            <a:extLst>
+              <a:ext uri="{FF2B5EF4-FFF2-40B4-BE49-F238E27FC236}">
+                <a16:creationId xmlns:a16="http://schemas.microsoft.com/office/drawing/2014/main" id="{A273F3A5-1B23-5924-7875-AC0B355BD6B3}"/>
+              </a:ext>
+            </a:extLst>
+          </p:cNvPr>
+          <p:cNvSpPr>
+            <a:spLocks noGrp="1" noRot="1" noChangeAspect="1"/>
+          </p:cNvSpPr>
+          <p:nvPr>
+            <p:ph type="sldImg"/>
+          </p:nvPr>
+        </p:nvSpPr>
+        <p:spPr/>
+      </p:sp>
+      <p:sp>
+        <p:nvSpPr>
+          <p:cNvPr id="3" name="Notes Placeholder 2">
+            <a:extLst>
+              <a:ext uri="{FF2B5EF4-FFF2-40B4-BE49-F238E27FC236}">
+                <a16:creationId xmlns:a16="http://schemas.microsoft.com/office/drawing/2014/main" id="{577D6E2F-E3EE-421C-62AF-D4852BCCAEFD}"/>
+              </a:ext>
+            </a:extLst>
+          </p:cNvPr>
+          <p:cNvSpPr>
+            <a:spLocks noGrp="1"/>
+          </p:cNvSpPr>
+          <p:nvPr>
+            <p:ph type="body" idx="1"/>
+          </p:nvPr>
+        </p:nvSpPr>
+        <p:spPr/>
+        <p:txBody>
+          <a:bodyPr/>
+          <a:lstStyle/>
+          <a:p>
+            <a:endParaRPr lang="en-KR"/>
+          </a:p>
+        </p:txBody>
+      </p:sp>
+      <p:sp>
+        <p:nvSpPr>
+          <p:cNvPr id="4" name="Slide Number Placeholder 3">
+            <a:extLst>
+              <a:ext uri="{FF2B5EF4-FFF2-40B4-BE49-F238E27FC236}">
+                <a16:creationId xmlns:a16="http://schemas.microsoft.com/office/drawing/2014/main" id="{D7E32387-2F12-ED87-0213-7CFECF408B5A}"/>
+              </a:ext>
+            </a:extLst>
+          </p:cNvPr>
+          <p:cNvSpPr>
+            <a:spLocks noGrp="1"/>
+          </p:cNvSpPr>
+          <p:nvPr>
+            <p:ph type="sldNum" sz="quarter" idx="5"/>
+          </p:nvPr>
+        </p:nvSpPr>
+        <p:spPr/>
+        <p:txBody>
+          <a:bodyPr/>
+          <a:lstStyle/>
+          <a:p>
+            <a:fld id="{BA5DFA43-8D57-47FB-BC46-057616015C3B}" type="slidenum">
+              <a:rPr lang="ko-KR" altLang="en-US" smtClean="0"/>
+              <a:t>5</a:t>
+            </a:fld>
+            <a:endParaRPr lang="ko-KR" altLang="en-US"/>
+          </a:p>
+        </p:txBody>
+      </p:sp>
+    </p:spTree>
+    <p:extLst>
+      <p:ext uri="{BB962C8B-B14F-4D97-AF65-F5344CB8AC3E}">
+        <p14:creationId xmlns:p14="http://schemas.microsoft.com/office/powerpoint/2010/main" val="3391523090"/>
+      </p:ext>
+    </p:extLst>
+  </p:cSld>
+  <p:clrMapOvr>
+    <a:masterClrMapping/>
+  </p:clrMapOvr>
+</p:notes>
+</file>
+
+<file path=ppt/notesSlides/notesSlide5.xml><?xml version="1.0" encoding="utf-8"?>
+<p:notes xmlns:a="http://schemas.openxmlformats.org/drawingml/2006/main" xmlns:r="http://schemas.openxmlformats.org/officeDocument/2006/relationships" xmlns:p="http://schemas.openxmlformats.org/presentationml/2006/main">
+  <p:cSld>
+    <p:spTree>
+      <p:nvGrpSpPr>
+        <p:cNvPr id="1" name="">
+          <a:extLst>
+            <a:ext uri="{FF2B5EF4-FFF2-40B4-BE49-F238E27FC236}">
+              <a16:creationId xmlns:a16="http://schemas.microsoft.com/office/drawing/2014/main" id="{F3FC17E7-B73B-C55B-E571-C41B9D5E7241}"/>
+            </a:ext>
+          </a:extLst>
+        </p:cNvPr>
+        <p:cNvGrpSpPr/>
+        <p:nvPr/>
+      </p:nvGrpSpPr>
+      <p:grpSpPr>
+        <a:xfrm>
+          <a:off x="0" y="0"/>
+          <a:ext cx="0" cy="0"/>
+          <a:chOff x="0" y="0"/>
+          <a:chExt cx="0" cy="0"/>
+        </a:xfrm>
+      </p:grpSpPr>
+      <p:sp>
+        <p:nvSpPr>
+          <p:cNvPr id="2" name="Slide Image Placeholder 1">
+            <a:extLst>
+              <a:ext uri="{FF2B5EF4-FFF2-40B4-BE49-F238E27FC236}">
+                <a16:creationId xmlns:a16="http://schemas.microsoft.com/office/drawing/2014/main" id="{3190BF96-3C79-4ECA-80DD-56DE9B94AC3D}"/>
+              </a:ext>
+            </a:extLst>
+          </p:cNvPr>
+          <p:cNvSpPr>
+            <a:spLocks noGrp="1" noRot="1" noChangeAspect="1"/>
+          </p:cNvSpPr>
+          <p:nvPr>
+            <p:ph type="sldImg"/>
+          </p:nvPr>
+        </p:nvSpPr>
+        <p:spPr/>
+      </p:sp>
+      <p:sp>
+        <p:nvSpPr>
+          <p:cNvPr id="3" name="Notes Placeholder 2">
+            <a:extLst>
+              <a:ext uri="{FF2B5EF4-FFF2-40B4-BE49-F238E27FC236}">
+                <a16:creationId xmlns:a16="http://schemas.microsoft.com/office/drawing/2014/main" id="{504ED7CE-AE0F-A428-3ECC-A0BE80143E22}"/>
+              </a:ext>
+            </a:extLst>
+          </p:cNvPr>
+          <p:cNvSpPr>
+            <a:spLocks noGrp="1"/>
+          </p:cNvSpPr>
+          <p:nvPr>
+            <p:ph type="body" idx="1"/>
+          </p:nvPr>
+        </p:nvSpPr>
+        <p:spPr/>
+        <p:txBody>
+          <a:bodyPr/>
+          <a:lstStyle/>
+          <a:p>
+            <a:endParaRPr lang="en-KR"/>
+          </a:p>
+        </p:txBody>
+      </p:sp>
+      <p:sp>
+        <p:nvSpPr>
+          <p:cNvPr id="4" name="Slide Number Placeholder 3">
+            <a:extLst>
+              <a:ext uri="{FF2B5EF4-FFF2-40B4-BE49-F238E27FC236}">
+                <a16:creationId xmlns:a16="http://schemas.microsoft.com/office/drawing/2014/main" id="{5B673BA4-A647-51B6-CFF9-49F7AA7E813E}"/>
+              </a:ext>
+            </a:extLst>
+          </p:cNvPr>
+          <p:cNvSpPr>
+            <a:spLocks noGrp="1"/>
+          </p:cNvSpPr>
+          <p:nvPr>
+            <p:ph type="sldNum" sz="quarter" idx="5"/>
+          </p:nvPr>
+        </p:nvSpPr>
+        <p:spPr/>
+        <p:txBody>
+          <a:bodyPr/>
+          <a:lstStyle/>
+          <a:p>
+            <a:fld id="{BA5DFA43-8D57-47FB-BC46-057616015C3B}" type="slidenum">
+              <a:rPr lang="ko-KR" altLang="en-US" smtClean="0"/>
+              <a:t>6</a:t>
+            </a:fld>
+            <a:endParaRPr lang="ko-KR" altLang="en-US"/>
+          </a:p>
+        </p:txBody>
+      </p:sp>
+    </p:spTree>
+    <p:extLst>
+      <p:ext uri="{BB962C8B-B14F-4D97-AF65-F5344CB8AC3E}">
+        <p14:creationId xmlns:p14="http://schemas.microsoft.com/office/powerpoint/2010/main" val="2183103873"/>
+      </p:ext>
+    </p:extLst>
+  </p:cSld>
+  <p:clrMapOvr>
+    <a:masterClrMapping/>
+  </p:clrMapOvr>
+</p:notes>
+</file>
+
+<file path=ppt/notesSlides/notesSlide6.xml><?xml version="1.0" encoding="utf-8"?>
+<p:notes xmlns:a="http://schemas.openxmlformats.org/drawingml/2006/main" xmlns:r="http://schemas.openxmlformats.org/officeDocument/2006/relationships" xmlns:p="http://schemas.openxmlformats.org/presentationml/2006/main">
+  <p:cSld>
+    <p:spTree>
+      <p:nvGrpSpPr>
+        <p:cNvPr id="1" name="">
+          <a:extLst>
+            <a:ext uri="{FF2B5EF4-FFF2-40B4-BE49-F238E27FC236}">
               <a16:creationId xmlns:a16="http://schemas.microsoft.com/office/drawing/2014/main" id="{8D5529B5-1947-524A-1CA2-55459A0FFD4A}"/>
             </a:ext>
           </a:extLst>
@@ -887,7 +1105,7 @@
           <a:p>
             <a:fld id="{BA5DFA43-8D57-47FB-BC46-057616015C3B}" type="slidenum">
               <a:rPr lang="ko-KR" altLang="en-US" smtClean="0"/>
-              <a:t>5</a:t>
+              <a:t>7</a:t>
             </a:fld>
             <a:endParaRPr lang="ko-KR" altLang="en-US"/>
           </a:p>
@@ -906,7 +1124,7 @@
 </p:notes>
 </file>
 
-<file path=ppt/notesSlides/notesSlide5.xml><?xml version="1.0" encoding="utf-8"?>
+<file path=ppt/notesSlides/notesSlide7.xml><?xml version="1.0" encoding="utf-8"?>
 <p:notes xmlns:a="http://schemas.openxmlformats.org/drawingml/2006/main" xmlns:r="http://schemas.openxmlformats.org/officeDocument/2006/relationships" xmlns:p="http://schemas.openxmlformats.org/presentationml/2006/main">
   <p:cSld>
     <p:spTree>
@@ -995,7 +1213,7 @@
           <a:p>
             <a:fld id="{BA5DFA43-8D57-47FB-BC46-057616015C3B}" type="slidenum">
               <a:rPr lang="ko-KR" altLang="en-US" smtClean="0"/>
-              <a:t>6</a:t>
+              <a:t>8</a:t>
             </a:fld>
             <a:endParaRPr lang="ko-KR" altLang="en-US"/>
           </a:p>
@@ -1014,7 +1232,7 @@
 </p:notes>
 </file>
 
-<file path=ppt/notesSlides/notesSlide6.xml><?xml version="1.0" encoding="utf-8"?>
+<file path=ppt/notesSlides/notesSlide8.xml><?xml version="1.0" encoding="utf-8"?>
 <p:notes xmlns:a="http://schemas.openxmlformats.org/drawingml/2006/main" xmlns:r="http://schemas.openxmlformats.org/officeDocument/2006/relationships" xmlns:p="http://schemas.openxmlformats.org/presentationml/2006/main">
   <p:cSld>
     <p:spTree>
@@ -1103,7 +1321,7 @@
           <a:p>
             <a:fld id="{BA5DFA43-8D57-47FB-BC46-057616015C3B}" type="slidenum">
               <a:rPr lang="ko-KR" altLang="en-US" smtClean="0"/>
-              <a:t>7</a:t>
+              <a:t>9</a:t>
             </a:fld>
             <a:endParaRPr lang="ko-KR" altLang="en-US"/>
           </a:p>
@@ -1301,7 +1519,7 @@
           <a:p>
             <a:fld id="{FB30EDBD-1C2D-4C1E-B459-B60219FAB484}" type="datetimeFigureOut">
               <a:rPr lang="ko-KR" altLang="en-US" smtClean="0"/>
-              <a:t>2025. 10. 29.</a:t>
+              <a:t>2025. 10. 30.</a:t>
             </a:fld>
             <a:endParaRPr lang="ko-KR" altLang="en-US"/>
           </a:p>
@@ -1464,7 +1682,7 @@
           <a:p>
             <a:fld id="{FB30EDBD-1C2D-4C1E-B459-B60219FAB484}" type="datetimeFigureOut">
               <a:rPr lang="ko-KR" altLang="en-US" smtClean="0"/>
-              <a:t>2025. 10. 29.</a:t>
+              <a:t>2025. 10. 30.</a:t>
             </a:fld>
             <a:endParaRPr lang="ko-KR" altLang="en-US"/>
           </a:p>
@@ -1637,7 +1855,7 @@
           <a:p>
             <a:fld id="{FB30EDBD-1C2D-4C1E-B459-B60219FAB484}" type="datetimeFigureOut">
               <a:rPr lang="ko-KR" altLang="en-US" smtClean="0"/>
-              <a:t>2025. 10. 29.</a:t>
+              <a:t>2025. 10. 30.</a:t>
             </a:fld>
             <a:endParaRPr lang="ko-KR" altLang="en-US"/>
           </a:p>
@@ -1800,7 +2018,7 @@
           <a:p>
             <a:fld id="{FB30EDBD-1C2D-4C1E-B459-B60219FAB484}" type="datetimeFigureOut">
               <a:rPr lang="ko-KR" altLang="en-US" smtClean="0"/>
-              <a:t>2025. 10. 29.</a:t>
+              <a:t>2025. 10. 30.</a:t>
             </a:fld>
             <a:endParaRPr lang="ko-KR" altLang="en-US"/>
           </a:p>
@@ -2040,7 +2258,7 @@
           <a:p>
             <a:fld id="{FB30EDBD-1C2D-4C1E-B459-B60219FAB484}" type="datetimeFigureOut">
               <a:rPr lang="ko-KR" altLang="en-US" smtClean="0"/>
-              <a:t>2025. 10. 29.</a:t>
+              <a:t>2025. 10. 30.</a:t>
             </a:fld>
             <a:endParaRPr lang="ko-KR" altLang="en-US"/>
           </a:p>
@@ -2320,7 +2538,7 @@
           <a:p>
             <a:fld id="{FB30EDBD-1C2D-4C1E-B459-B60219FAB484}" type="datetimeFigureOut">
               <a:rPr lang="ko-KR" altLang="en-US" smtClean="0"/>
-              <a:t>2025. 10. 29.</a:t>
+              <a:t>2025. 10. 30.</a:t>
             </a:fld>
             <a:endParaRPr lang="ko-KR" altLang="en-US"/>
           </a:p>
@@ -2734,7 +2952,7 @@
           <a:p>
             <a:fld id="{FB30EDBD-1C2D-4C1E-B459-B60219FAB484}" type="datetimeFigureOut">
               <a:rPr lang="ko-KR" altLang="en-US" smtClean="0"/>
-              <a:t>2025. 10. 29.</a:t>
+              <a:t>2025. 10. 30.</a:t>
             </a:fld>
             <a:endParaRPr lang="ko-KR" altLang="en-US"/>
           </a:p>
@@ -2846,7 +3064,7 @@
           <a:p>
             <a:fld id="{FB30EDBD-1C2D-4C1E-B459-B60219FAB484}" type="datetimeFigureOut">
               <a:rPr lang="ko-KR" altLang="en-US" smtClean="0"/>
-              <a:t>2025. 10. 29.</a:t>
+              <a:t>2025. 10. 30.</a:t>
             </a:fld>
             <a:endParaRPr lang="ko-KR" altLang="en-US"/>
           </a:p>
@@ -2936,7 +3154,7 @@
           <a:p>
             <a:fld id="{FB30EDBD-1C2D-4C1E-B459-B60219FAB484}" type="datetimeFigureOut">
               <a:rPr lang="ko-KR" altLang="en-US" smtClean="0"/>
-              <a:t>2025. 10. 29.</a:t>
+              <a:t>2025. 10. 30.</a:t>
             </a:fld>
             <a:endParaRPr lang="ko-KR" altLang="en-US"/>
           </a:p>
@@ -3206,7 +3424,7 @@
           <a:p>
             <a:fld id="{FB30EDBD-1C2D-4C1E-B459-B60219FAB484}" type="datetimeFigureOut">
               <a:rPr lang="ko-KR" altLang="en-US" smtClean="0"/>
-              <a:t>2025. 10. 29.</a:t>
+              <a:t>2025. 10. 30.</a:t>
             </a:fld>
             <a:endParaRPr lang="ko-KR" altLang="en-US"/>
           </a:p>
@@ -3453,7 +3671,7 @@
           <a:p>
             <a:fld id="{FB30EDBD-1C2D-4C1E-B459-B60219FAB484}" type="datetimeFigureOut">
               <a:rPr lang="ko-KR" altLang="en-US" smtClean="0"/>
-              <a:t>2025. 10. 29.</a:t>
+              <a:t>2025. 10. 30.</a:t>
             </a:fld>
             <a:endParaRPr lang="ko-KR" altLang="en-US"/>
           </a:p>
@@ -3659,7 +3877,7 @@
           <a:p>
             <a:fld id="{FB30EDBD-1C2D-4C1E-B459-B60219FAB484}" type="datetimeFigureOut">
               <a:rPr lang="ko-KR" altLang="en-US" smtClean="0"/>
-              <a:t>2025. 10. 29.</a:t>
+              <a:t>2025. 10. 30.</a:t>
             </a:fld>
             <a:endParaRPr lang="ko-KR" altLang="en-US"/>
           </a:p>
@@ -5498,7 +5716,7 @@
           <a:p>
             <a:r>
               <a:rPr lang="en-US" altLang="ko-KR" sz="1000" dirty="0"/>
-              <a:t>Partition 1,2</a:t>
+              <a:t>Partition 1</a:t>
             </a:r>
             <a:endParaRPr lang="ko-KR" altLang="en-US" sz="1000" dirty="0"/>
           </a:p>
@@ -5626,7 +5844,7 @@
           <a:p>
             <a:r>
               <a:rPr lang="en-US" altLang="ko-KR" sz="1000" dirty="0"/>
-              <a:t>Partition 5,6</a:t>
+              <a:t>Partition 3</a:t>
             </a:r>
             <a:endParaRPr lang="ko-KR" altLang="en-US" sz="1000" dirty="0"/>
           </a:p>
@@ -5760,7 +5978,7 @@
           <a:p>
             <a:r>
               <a:rPr lang="en-US" altLang="ko-KR" sz="1000" dirty="0"/>
-              <a:t>Partition 3,4</a:t>
+              <a:t>Partition 2</a:t>
             </a:r>
             <a:endParaRPr lang="ko-KR" altLang="en-US" sz="1000" dirty="0"/>
           </a:p>
@@ -5833,18 +6051,554 @@
           </a:p>
         </p:txBody>
       </p:sp>
+      <p:sp>
+        <p:nvSpPr>
+          <p:cNvPr id="4" name="사각형: 둥근 모서리 54">
+            <a:extLst>
+              <a:ext uri="{FF2B5EF4-FFF2-40B4-BE49-F238E27FC236}">
+                <a16:creationId xmlns:a16="http://schemas.microsoft.com/office/drawing/2014/main" id="{3F49E410-B621-7E38-6BDE-E7E7388AB7D9}"/>
+              </a:ext>
+            </a:extLst>
+          </p:cNvPr>
+          <p:cNvSpPr/>
+          <p:nvPr/>
+        </p:nvSpPr>
+        <p:spPr>
+          <a:xfrm>
+            <a:off x="2267744" y="4414827"/>
+            <a:ext cx="3816415" cy="527913"/>
+          </a:xfrm>
+          <a:prstGeom prst="roundRect">
+            <a:avLst/>
+          </a:prstGeom>
+          <a:noFill/>
+          <a:ln w="12700">
+            <a:noFill/>
+          </a:ln>
+        </p:spPr>
+        <p:style>
+          <a:lnRef idx="2">
+            <a:schemeClr val="dk1"/>
+          </a:lnRef>
+          <a:fillRef idx="1">
+            <a:schemeClr val="lt1"/>
+          </a:fillRef>
+          <a:effectRef idx="0">
+            <a:schemeClr val="dk1"/>
+          </a:effectRef>
+          <a:fontRef idx="minor">
+            <a:schemeClr val="dk1"/>
+          </a:fontRef>
+        </p:style>
+        <p:txBody>
+          <a:bodyPr rtlCol="0" anchor="ctr"/>
+          <a:lstStyle/>
+          <a:p>
+            <a:r>
+              <a:rPr lang="en-US" altLang="ko-KR" sz="1000" b="1" dirty="0"/>
+              <a:t>Worker</a:t>
+            </a:r>
+            <a:r>
+              <a:rPr lang="en-US" altLang="ko-KR" sz="1000" dirty="0"/>
+              <a:t> : Process</a:t>
+            </a:r>
+          </a:p>
+          <a:p>
+            <a:r>
+              <a:rPr lang="en-US" altLang="ko-KR" sz="1000" b="1" dirty="0"/>
+              <a:t>Connector Instance, Task </a:t>
+            </a:r>
+            <a:r>
+              <a:rPr lang="en-US" altLang="ko-KR" sz="1000" dirty="0"/>
+              <a:t>: Thread</a:t>
+            </a:r>
+          </a:p>
+          <a:p>
+            <a:r>
+              <a:rPr lang="en-US" altLang="ko-KR" sz="1000" b="1" dirty="0"/>
+              <a:t>Converter, Transforms </a:t>
+            </a:r>
+            <a:r>
+              <a:rPr lang="en-US" altLang="ko-KR" sz="1000" dirty="0"/>
+              <a:t>: Class Instance</a:t>
+            </a:r>
+            <a:endParaRPr lang="ko-KR" altLang="en-US" sz="1000" dirty="0"/>
+          </a:p>
+        </p:txBody>
+      </p:sp>
+      <p:sp>
+        <p:nvSpPr>
+          <p:cNvPr id="23" name="사각형: 둥근 모서리 54">
+            <a:extLst>
+              <a:ext uri="{FF2B5EF4-FFF2-40B4-BE49-F238E27FC236}">
+                <a16:creationId xmlns:a16="http://schemas.microsoft.com/office/drawing/2014/main" id="{8E5F6799-584F-BD55-882A-2C9BF6231686}"/>
+              </a:ext>
+            </a:extLst>
+          </p:cNvPr>
+          <p:cNvSpPr/>
+          <p:nvPr/>
+        </p:nvSpPr>
+        <p:spPr>
+          <a:xfrm>
+            <a:off x="2484672" y="2813483"/>
+            <a:ext cx="3814616" cy="340933"/>
+          </a:xfrm>
+          <a:prstGeom prst="roundRect">
+            <a:avLst/>
+          </a:prstGeom>
+          <a:ln w="12700"/>
+        </p:spPr>
+        <p:style>
+          <a:lnRef idx="2">
+            <a:schemeClr val="dk1"/>
+          </a:lnRef>
+          <a:fillRef idx="1">
+            <a:schemeClr val="lt1"/>
+          </a:fillRef>
+          <a:effectRef idx="0">
+            <a:schemeClr val="dk1"/>
+          </a:effectRef>
+          <a:fontRef idx="minor">
+            <a:schemeClr val="dk1"/>
+          </a:fontRef>
+        </p:style>
+        <p:txBody>
+          <a:bodyPr rtlCol="0" anchor="ctr"/>
+          <a:lstStyle/>
+          <a:p>
+            <a:pPr algn="ctr"/>
+            <a:r>
+              <a:rPr lang="en-US" altLang="ko-KR" sz="1000" dirty="0"/>
+              <a:t>Converter</a:t>
+            </a:r>
+            <a:endParaRPr lang="ko-KR" altLang="en-US" sz="1000" dirty="0"/>
+          </a:p>
+        </p:txBody>
+      </p:sp>
+      <p:sp>
+        <p:nvSpPr>
+          <p:cNvPr id="25" name="사각형: 둥근 모서리 54">
+            <a:extLst>
+              <a:ext uri="{FF2B5EF4-FFF2-40B4-BE49-F238E27FC236}">
+                <a16:creationId xmlns:a16="http://schemas.microsoft.com/office/drawing/2014/main" id="{E21B8148-4064-C961-E330-B6236CA6B9A5}"/>
+              </a:ext>
+            </a:extLst>
+          </p:cNvPr>
+          <p:cNvSpPr/>
+          <p:nvPr/>
+        </p:nvSpPr>
+        <p:spPr>
+          <a:xfrm>
+            <a:off x="2484672" y="3241860"/>
+            <a:ext cx="3814616" cy="340933"/>
+          </a:xfrm>
+          <a:prstGeom prst="roundRect">
+            <a:avLst/>
+          </a:prstGeom>
+          <a:ln w="12700"/>
+        </p:spPr>
+        <p:style>
+          <a:lnRef idx="2">
+            <a:schemeClr val="dk1"/>
+          </a:lnRef>
+          <a:fillRef idx="1">
+            <a:schemeClr val="lt1"/>
+          </a:fillRef>
+          <a:effectRef idx="0">
+            <a:schemeClr val="dk1"/>
+          </a:effectRef>
+          <a:fontRef idx="minor">
+            <a:schemeClr val="dk1"/>
+          </a:fontRef>
+        </p:style>
+        <p:txBody>
+          <a:bodyPr rtlCol="0" anchor="ctr"/>
+          <a:lstStyle/>
+          <a:p>
+            <a:pPr algn="ctr"/>
+            <a:r>
+              <a:rPr lang="en-US" altLang="ko-KR" sz="1000" dirty="0"/>
+              <a:t>Transform</a:t>
+            </a:r>
+            <a:endParaRPr lang="ko-KR" altLang="en-US" sz="1000" dirty="0"/>
+          </a:p>
+        </p:txBody>
+      </p:sp>
+      <p:sp>
+        <p:nvSpPr>
+          <p:cNvPr id="3" name="사각형: 둥근 모서리 6">
+            <a:extLst>
+              <a:ext uri="{FF2B5EF4-FFF2-40B4-BE49-F238E27FC236}">
+                <a16:creationId xmlns:a16="http://schemas.microsoft.com/office/drawing/2014/main" id="{38F01EED-BFF8-5A19-DDF1-31606DBB8B28}"/>
+              </a:ext>
+            </a:extLst>
+          </p:cNvPr>
+          <p:cNvSpPr/>
+          <p:nvPr/>
+        </p:nvSpPr>
+        <p:spPr>
+          <a:xfrm>
+            <a:off x="6812000" y="411510"/>
+            <a:ext cx="1525554" cy="3541771"/>
+          </a:xfrm>
+          <a:prstGeom prst="roundRect">
+            <a:avLst>
+              <a:gd name="adj" fmla="val 6790"/>
+            </a:avLst>
+          </a:prstGeom>
+          <a:ln w="12700">
+            <a:prstDash val="dash"/>
+          </a:ln>
+        </p:spPr>
+        <p:style>
+          <a:lnRef idx="2">
+            <a:schemeClr val="dk1"/>
+          </a:lnRef>
+          <a:fillRef idx="1">
+            <a:schemeClr val="lt1"/>
+          </a:fillRef>
+          <a:effectRef idx="0">
+            <a:schemeClr val="dk1"/>
+          </a:effectRef>
+          <a:fontRef idx="minor">
+            <a:schemeClr val="dk1"/>
+          </a:fontRef>
+        </p:style>
+        <p:txBody>
+          <a:bodyPr rtlCol="0" anchor="b"/>
+          <a:lstStyle/>
+          <a:p>
+            <a:pPr algn="ctr"/>
+            <a:r>
+              <a:rPr lang="en-US" altLang="ko-KR" sz="1000" dirty="0"/>
+              <a:t>Kafka Cluster</a:t>
+            </a:r>
+            <a:endParaRPr lang="ko-KR" altLang="en-US" sz="1000" dirty="0"/>
+          </a:p>
+        </p:txBody>
+      </p:sp>
+      <p:sp>
+        <p:nvSpPr>
+          <p:cNvPr id="5" name="사각형: 둥근 모서리 54">
+            <a:extLst>
+              <a:ext uri="{FF2B5EF4-FFF2-40B4-BE49-F238E27FC236}">
+                <a16:creationId xmlns:a16="http://schemas.microsoft.com/office/drawing/2014/main" id="{F89C940B-9150-470B-CDF5-51EE38C66747}"/>
+              </a:ext>
+            </a:extLst>
+          </p:cNvPr>
+          <p:cNvSpPr/>
+          <p:nvPr/>
+        </p:nvSpPr>
+        <p:spPr>
+          <a:xfrm>
+            <a:off x="6946456" y="542062"/>
+            <a:ext cx="1225944" cy="560016"/>
+          </a:xfrm>
+          <a:prstGeom prst="roundRect">
+            <a:avLst/>
+          </a:prstGeom>
+          <a:solidFill>
+            <a:schemeClr val="bg1">
+              <a:lumMod val="95000"/>
+            </a:schemeClr>
+          </a:solidFill>
+          <a:ln w="12700"/>
+        </p:spPr>
+        <p:style>
+          <a:lnRef idx="2">
+            <a:schemeClr val="dk1"/>
+          </a:lnRef>
+          <a:fillRef idx="1">
+            <a:schemeClr val="lt1"/>
+          </a:fillRef>
+          <a:effectRef idx="0">
+            <a:schemeClr val="dk1"/>
+          </a:effectRef>
+          <a:fontRef idx="minor">
+            <a:schemeClr val="dk1"/>
+          </a:fontRef>
+        </p:style>
+        <p:txBody>
+          <a:bodyPr rtlCol="0" anchor="ctr"/>
+          <a:lstStyle/>
+          <a:p>
+            <a:pPr algn="ctr"/>
+            <a:r>
+              <a:rPr lang="en-US" altLang="ko-KR" sz="1000" dirty="0"/>
+              <a:t>Data Stream</a:t>
+            </a:r>
+          </a:p>
+          <a:p>
+            <a:pPr algn="ctr"/>
+            <a:r>
+              <a:rPr lang="en-US" altLang="ko-KR" sz="1000" dirty="0"/>
+              <a:t>Topic A</a:t>
+            </a:r>
+          </a:p>
+          <a:p>
+            <a:pPr algn="ctr"/>
+            <a:r>
+              <a:rPr lang="en-US" altLang="ko-KR" sz="1000" dirty="0"/>
+              <a:t>(3 Partition)</a:t>
+            </a:r>
+          </a:p>
+        </p:txBody>
+      </p:sp>
+      <p:sp>
+        <p:nvSpPr>
+          <p:cNvPr id="7" name="사각형: 둥근 모서리 54">
+            <a:extLst>
+              <a:ext uri="{FF2B5EF4-FFF2-40B4-BE49-F238E27FC236}">
+                <a16:creationId xmlns:a16="http://schemas.microsoft.com/office/drawing/2014/main" id="{B185839E-1A31-EF24-67A2-47534BA5137B}"/>
+              </a:ext>
+            </a:extLst>
+          </p:cNvPr>
+          <p:cNvSpPr/>
+          <p:nvPr/>
+        </p:nvSpPr>
+        <p:spPr>
+          <a:xfrm>
+            <a:off x="6946456" y="1190219"/>
+            <a:ext cx="1225944" cy="560016"/>
+          </a:xfrm>
+          <a:prstGeom prst="roundRect">
+            <a:avLst/>
+          </a:prstGeom>
+          <a:solidFill>
+            <a:schemeClr val="bg2">
+              <a:lumMod val="90000"/>
+            </a:schemeClr>
+          </a:solidFill>
+          <a:ln w="12700"/>
+        </p:spPr>
+        <p:style>
+          <a:lnRef idx="2">
+            <a:schemeClr val="dk1"/>
+          </a:lnRef>
+          <a:fillRef idx="1">
+            <a:schemeClr val="lt1"/>
+          </a:fillRef>
+          <a:effectRef idx="0">
+            <a:schemeClr val="dk1"/>
+          </a:effectRef>
+          <a:fontRef idx="minor">
+            <a:schemeClr val="dk1"/>
+          </a:fontRef>
+        </p:style>
+        <p:txBody>
+          <a:bodyPr rtlCol="0" anchor="ctr"/>
+          <a:lstStyle/>
+          <a:p>
+            <a:pPr algn="ctr"/>
+            <a:r>
+              <a:rPr lang="en-US" altLang="ko-KR" sz="1000" dirty="0"/>
+              <a:t>Data Stream</a:t>
+            </a:r>
+          </a:p>
+          <a:p>
+            <a:pPr algn="ctr"/>
+            <a:r>
+              <a:rPr lang="en-US" altLang="ko-KR" sz="1000" dirty="0"/>
+              <a:t>Topic B </a:t>
+            </a:r>
+          </a:p>
+          <a:p>
+            <a:pPr algn="ctr"/>
+            <a:r>
+              <a:rPr lang="en-US" altLang="ko-KR" sz="1000" dirty="0"/>
+              <a:t>(6 Partition)</a:t>
+            </a:r>
+          </a:p>
+        </p:txBody>
+      </p:sp>
+      <p:sp>
+        <p:nvSpPr>
+          <p:cNvPr id="9" name="사각형: 둥근 모서리 54">
+            <a:extLst>
+              <a:ext uri="{FF2B5EF4-FFF2-40B4-BE49-F238E27FC236}">
+                <a16:creationId xmlns:a16="http://schemas.microsoft.com/office/drawing/2014/main" id="{2CE68637-EB20-A455-A434-071FF8B4A3B6}"/>
+              </a:ext>
+            </a:extLst>
+          </p:cNvPr>
+          <p:cNvSpPr/>
+          <p:nvPr/>
+        </p:nvSpPr>
+        <p:spPr>
+          <a:xfrm>
+            <a:off x="6961805" y="2161438"/>
+            <a:ext cx="1225944" cy="447123"/>
+          </a:xfrm>
+          <a:prstGeom prst="roundRect">
+            <a:avLst/>
+          </a:prstGeom>
+          <a:ln w="12700"/>
+        </p:spPr>
+        <p:style>
+          <a:lnRef idx="2">
+            <a:schemeClr val="dk1"/>
+          </a:lnRef>
+          <a:fillRef idx="1">
+            <a:schemeClr val="lt1"/>
+          </a:fillRef>
+          <a:effectRef idx="0">
+            <a:schemeClr val="dk1"/>
+          </a:effectRef>
+          <a:fontRef idx="minor">
+            <a:schemeClr val="dk1"/>
+          </a:fontRef>
+        </p:style>
+        <p:txBody>
+          <a:bodyPr rtlCol="0" anchor="ctr"/>
+          <a:lstStyle/>
+          <a:p>
+            <a:pPr algn="ctr"/>
+            <a:r>
+              <a:rPr lang="en-US" altLang="ko-KR" sz="1000" dirty="0"/>
+              <a:t>Connet </a:t>
+            </a:r>
+            <a:r>
+              <a:rPr lang="en-US" altLang="ko-KR" sz="1000" b="1" dirty="0"/>
+              <a:t>Config</a:t>
+            </a:r>
+          </a:p>
+          <a:p>
+            <a:pPr algn="ctr"/>
+            <a:r>
+              <a:rPr lang="en-US" altLang="ko-KR" sz="1000" dirty="0"/>
+              <a:t>Topic</a:t>
+            </a:r>
+          </a:p>
+        </p:txBody>
+      </p:sp>
+      <p:sp>
+        <p:nvSpPr>
+          <p:cNvPr id="10" name="사각형: 둥근 모서리 54">
+            <a:extLst>
+              <a:ext uri="{FF2B5EF4-FFF2-40B4-BE49-F238E27FC236}">
+                <a16:creationId xmlns:a16="http://schemas.microsoft.com/office/drawing/2014/main" id="{4E7C1715-BADA-30B6-FF26-69D38572FB1E}"/>
+              </a:ext>
+            </a:extLst>
+          </p:cNvPr>
+          <p:cNvSpPr/>
+          <p:nvPr/>
+        </p:nvSpPr>
+        <p:spPr>
+          <a:xfrm>
+            <a:off x="6961805" y="2680732"/>
+            <a:ext cx="1225944" cy="447123"/>
+          </a:xfrm>
+          <a:prstGeom prst="roundRect">
+            <a:avLst/>
+          </a:prstGeom>
+          <a:ln w="12700"/>
+        </p:spPr>
+        <p:style>
+          <a:lnRef idx="2">
+            <a:schemeClr val="dk1"/>
+          </a:lnRef>
+          <a:fillRef idx="1">
+            <a:schemeClr val="lt1"/>
+          </a:fillRef>
+          <a:effectRef idx="0">
+            <a:schemeClr val="dk1"/>
+          </a:effectRef>
+          <a:fontRef idx="minor">
+            <a:schemeClr val="dk1"/>
+          </a:fontRef>
+        </p:style>
+        <p:txBody>
+          <a:bodyPr rtlCol="0" anchor="ctr"/>
+          <a:lstStyle/>
+          <a:p>
+            <a:pPr algn="ctr"/>
+            <a:r>
+              <a:rPr lang="en-US" altLang="ko-KR" sz="1000" dirty="0"/>
+              <a:t>Connet </a:t>
+            </a:r>
+            <a:r>
+              <a:rPr lang="en-US" altLang="ko-KR" sz="1000" b="1" dirty="0"/>
+              <a:t>Offset</a:t>
+            </a:r>
+          </a:p>
+          <a:p>
+            <a:pPr algn="ctr"/>
+            <a:r>
+              <a:rPr lang="en-US" altLang="ko-KR" sz="1000" dirty="0"/>
+              <a:t>Topic</a:t>
+            </a:r>
+          </a:p>
+        </p:txBody>
+      </p:sp>
+      <p:sp>
+        <p:nvSpPr>
+          <p:cNvPr id="11" name="사각형: 둥근 모서리 54">
+            <a:extLst>
+              <a:ext uri="{FF2B5EF4-FFF2-40B4-BE49-F238E27FC236}">
+                <a16:creationId xmlns:a16="http://schemas.microsoft.com/office/drawing/2014/main" id="{5446C883-44F1-E77A-051E-86E7BD574A5B}"/>
+              </a:ext>
+            </a:extLst>
+          </p:cNvPr>
+          <p:cNvSpPr/>
+          <p:nvPr/>
+        </p:nvSpPr>
+        <p:spPr>
+          <a:xfrm>
+            <a:off x="6961805" y="3203458"/>
+            <a:ext cx="1225944" cy="447123"/>
+          </a:xfrm>
+          <a:prstGeom prst="roundRect">
+            <a:avLst/>
+          </a:prstGeom>
+          <a:ln w="12700"/>
+        </p:spPr>
+        <p:style>
+          <a:lnRef idx="2">
+            <a:schemeClr val="dk1"/>
+          </a:lnRef>
+          <a:fillRef idx="1">
+            <a:schemeClr val="lt1"/>
+          </a:fillRef>
+          <a:effectRef idx="0">
+            <a:schemeClr val="dk1"/>
+          </a:effectRef>
+          <a:fontRef idx="minor">
+            <a:schemeClr val="dk1"/>
+          </a:fontRef>
+        </p:style>
+        <p:txBody>
+          <a:bodyPr rtlCol="0" anchor="ctr"/>
+          <a:lstStyle/>
+          <a:p>
+            <a:pPr algn="ctr"/>
+            <a:r>
+              <a:rPr lang="en-US" altLang="ko-KR" sz="1000" dirty="0"/>
+              <a:t>Connet </a:t>
+            </a:r>
+            <a:r>
+              <a:rPr lang="en-US" altLang="ko-KR" sz="1000" b="1" dirty="0"/>
+              <a:t>Status</a:t>
+            </a:r>
+          </a:p>
+          <a:p>
+            <a:pPr algn="ctr"/>
+            <a:r>
+              <a:rPr lang="en-US" altLang="ko-KR" sz="1000" dirty="0"/>
+              <a:t>Topic</a:t>
+            </a:r>
+          </a:p>
+        </p:txBody>
+      </p:sp>
       <p:cxnSp>
         <p:nvCxnSpPr>
-          <p:cNvPr id="21" name="Straight Arrow Connector 20">
-            <a:extLst>
-              <a:ext uri="{FF2B5EF4-FFF2-40B4-BE49-F238E27FC236}">
-                <a16:creationId xmlns:a16="http://schemas.microsoft.com/office/drawing/2014/main" id="{FF3A3A18-5A32-E4B7-29B0-D9FBD80A70D2}"/>
+          <p:cNvPr id="82" name="Straight Arrow Connector 81">
+            <a:extLst>
+              <a:ext uri="{FF2B5EF4-FFF2-40B4-BE49-F238E27FC236}">
+                <a16:creationId xmlns:a16="http://schemas.microsoft.com/office/drawing/2014/main" id="{3D8C5537-29E4-A22F-E5FD-F83AF3EE2BE1}"/>
               </a:ext>
             </a:extLst>
           </p:cNvPr>
           <p:cNvCxnSpPr>
             <a:cxnSpLocks/>
-            <a:endCxn id="12" idx="0"/>
           </p:cNvCxnSpPr>
           <p:nvPr/>
         </p:nvCxnSpPr>
@@ -5880,10 +6634,10 @@
       </p:cxnSp>
       <p:sp>
         <p:nvSpPr>
-          <p:cNvPr id="22" name="TextBox 21">
-            <a:extLst>
-              <a:ext uri="{FF2B5EF4-FFF2-40B4-BE49-F238E27FC236}">
-                <a16:creationId xmlns:a16="http://schemas.microsoft.com/office/drawing/2014/main" id="{9A3C6451-0486-AA2C-66F1-6EE0B9465187}"/>
+          <p:cNvPr id="83" name="TextBox 82">
+            <a:extLst>
+              <a:ext uri="{FF2B5EF4-FFF2-40B4-BE49-F238E27FC236}">
+                <a16:creationId xmlns:a16="http://schemas.microsoft.com/office/drawing/2014/main" id="{4FC425DB-CB0F-C037-5F89-AA81527FD3EC}"/>
               </a:ext>
             </a:extLst>
           </p:cNvPr>
@@ -5910,179 +6664,6 @@
               <a:rPr lang="en-KR" sz="1050" i="1"/>
               <a:t>Rest API</a:t>
             </a:r>
-          </a:p>
-        </p:txBody>
-      </p:sp>
-      <p:sp>
-        <p:nvSpPr>
-          <p:cNvPr id="4" name="사각형: 둥근 모서리 54">
-            <a:extLst>
-              <a:ext uri="{FF2B5EF4-FFF2-40B4-BE49-F238E27FC236}">
-                <a16:creationId xmlns:a16="http://schemas.microsoft.com/office/drawing/2014/main" id="{3F49E410-B621-7E38-6BDE-E7E7388AB7D9}"/>
-              </a:ext>
-            </a:extLst>
-          </p:cNvPr>
-          <p:cNvSpPr/>
-          <p:nvPr/>
-        </p:nvSpPr>
-        <p:spPr>
-          <a:xfrm>
-            <a:off x="2267744" y="4414827"/>
-            <a:ext cx="3816415" cy="527913"/>
-          </a:xfrm>
-          <a:prstGeom prst="roundRect">
-            <a:avLst/>
-          </a:prstGeom>
-          <a:noFill/>
-          <a:ln w="12700">
-            <a:noFill/>
-          </a:ln>
-        </p:spPr>
-        <p:style>
-          <a:lnRef idx="2">
-            <a:schemeClr val="dk1"/>
-          </a:lnRef>
-          <a:fillRef idx="1">
-            <a:schemeClr val="lt1"/>
-          </a:fillRef>
-          <a:effectRef idx="0">
-            <a:schemeClr val="dk1"/>
-          </a:effectRef>
-          <a:fontRef idx="minor">
-            <a:schemeClr val="dk1"/>
-          </a:fontRef>
-        </p:style>
-        <p:txBody>
-          <a:bodyPr rtlCol="0" anchor="ctr"/>
-          <a:lstStyle/>
-          <a:p>
-            <a:r>
-              <a:rPr lang="en-US" altLang="ko-KR" sz="1000" b="1" dirty="0"/>
-              <a:t>Worker</a:t>
-            </a:r>
-            <a:r>
-              <a:rPr lang="en-US" altLang="ko-KR" sz="1000" dirty="0"/>
-              <a:t> : Process</a:t>
-            </a:r>
-          </a:p>
-          <a:p>
-            <a:r>
-              <a:rPr lang="en-US" altLang="ko-KR" sz="1000" b="1" dirty="0"/>
-              <a:t>Connector Instance, Task </a:t>
-            </a:r>
-            <a:r>
-              <a:rPr lang="en-US" altLang="ko-KR" sz="1000" dirty="0"/>
-              <a:t>: Thread</a:t>
-            </a:r>
-          </a:p>
-          <a:p>
-            <a:r>
-              <a:rPr lang="en-US" altLang="ko-KR" sz="1000" b="1" dirty="0"/>
-              <a:t>Converter, Transforms </a:t>
-            </a:r>
-            <a:r>
-              <a:rPr lang="en-US" altLang="ko-KR" sz="1000" dirty="0"/>
-              <a:t>: Class</a:t>
-            </a:r>
-            <a:endParaRPr lang="ko-KR" altLang="en-US" sz="1000" dirty="0"/>
-          </a:p>
-        </p:txBody>
-      </p:sp>
-      <p:sp>
-        <p:nvSpPr>
-          <p:cNvPr id="23" name="사각형: 둥근 모서리 54">
-            <a:extLst>
-              <a:ext uri="{FF2B5EF4-FFF2-40B4-BE49-F238E27FC236}">
-                <a16:creationId xmlns:a16="http://schemas.microsoft.com/office/drawing/2014/main" id="{8E5F6799-584F-BD55-882A-2C9BF6231686}"/>
-              </a:ext>
-            </a:extLst>
-          </p:cNvPr>
-          <p:cNvSpPr/>
-          <p:nvPr/>
-        </p:nvSpPr>
-        <p:spPr>
-          <a:xfrm>
-            <a:off x="2484672" y="2813483"/>
-            <a:ext cx="3814616" cy="340933"/>
-          </a:xfrm>
-          <a:prstGeom prst="roundRect">
-            <a:avLst/>
-          </a:prstGeom>
-          <a:ln w="12700"/>
-        </p:spPr>
-        <p:style>
-          <a:lnRef idx="2">
-            <a:schemeClr val="dk1"/>
-          </a:lnRef>
-          <a:fillRef idx="1">
-            <a:schemeClr val="lt1"/>
-          </a:fillRef>
-          <a:effectRef idx="0">
-            <a:schemeClr val="dk1"/>
-          </a:effectRef>
-          <a:fontRef idx="minor">
-            <a:schemeClr val="dk1"/>
-          </a:fontRef>
-        </p:style>
-        <p:txBody>
-          <a:bodyPr rtlCol="0" anchor="ctr"/>
-          <a:lstStyle/>
-          <a:p>
-            <a:pPr algn="ctr"/>
-            <a:r>
-              <a:rPr lang="en-US" altLang="ko-KR" sz="1000" dirty="0"/>
-              <a:t>Converter</a:t>
-            </a:r>
-            <a:endParaRPr lang="ko-KR" altLang="en-US" sz="1000" dirty="0"/>
-          </a:p>
-        </p:txBody>
-      </p:sp>
-      <p:sp>
-        <p:nvSpPr>
-          <p:cNvPr id="25" name="사각형: 둥근 모서리 54">
-            <a:extLst>
-              <a:ext uri="{FF2B5EF4-FFF2-40B4-BE49-F238E27FC236}">
-                <a16:creationId xmlns:a16="http://schemas.microsoft.com/office/drawing/2014/main" id="{E21B8148-4064-C961-E330-B6236CA6B9A5}"/>
-              </a:ext>
-            </a:extLst>
-          </p:cNvPr>
-          <p:cNvSpPr/>
-          <p:nvPr/>
-        </p:nvSpPr>
-        <p:spPr>
-          <a:xfrm>
-            <a:off x="2484672" y="3241860"/>
-            <a:ext cx="3814616" cy="340933"/>
-          </a:xfrm>
-          <a:prstGeom prst="roundRect">
-            <a:avLst/>
-          </a:prstGeom>
-          <a:ln w="12700"/>
-        </p:spPr>
-        <p:style>
-          <a:lnRef idx="2">
-            <a:schemeClr val="dk1"/>
-          </a:lnRef>
-          <a:fillRef idx="1">
-            <a:schemeClr val="lt1"/>
-          </a:fillRef>
-          <a:effectRef idx="0">
-            <a:schemeClr val="dk1"/>
-          </a:effectRef>
-          <a:fontRef idx="minor">
-            <a:schemeClr val="dk1"/>
-          </a:fontRef>
-        </p:style>
-        <p:txBody>
-          <a:bodyPr rtlCol="0" anchor="ctr"/>
-          <a:lstStyle/>
-          <a:p>
-            <a:pPr algn="ctr"/>
-            <a:r>
-              <a:rPr lang="en-US" altLang="ko-KR" sz="1000" dirty="0"/>
-              <a:t>Transform</a:t>
-            </a:r>
-            <a:endParaRPr lang="ko-KR" altLang="en-US" sz="1000" dirty="0"/>
           </a:p>
         </p:txBody>
       </p:sp>
@@ -6450,7 +7031,7 @@
           <a:p>
             <a:r>
               <a:rPr lang="en-US" altLang="ko-KR" sz="1000" dirty="0"/>
-              <a:t>Partition 1,2</a:t>
+              <a:t>Partition 1</a:t>
             </a:r>
             <a:endParaRPr lang="ko-KR" altLang="en-US" sz="1000" dirty="0"/>
           </a:p>
@@ -6578,7 +7159,7 @@
           <a:p>
             <a:r>
               <a:rPr lang="en-US" altLang="ko-KR" sz="1000" dirty="0"/>
-              <a:t>Partition 5,6</a:t>
+              <a:t>Partition 3</a:t>
             </a:r>
             <a:endParaRPr lang="ko-KR" altLang="en-US" sz="1000" dirty="0"/>
           </a:p>
@@ -6712,7 +7293,7 @@
           <a:p>
             <a:r>
               <a:rPr lang="en-US" altLang="ko-KR" sz="1000" dirty="0"/>
-              <a:t>Partition 3,4</a:t>
+              <a:t>Partition 2</a:t>
             </a:r>
             <a:endParaRPr lang="ko-KR" altLang="en-US" sz="1000" dirty="0"/>
           </a:p>
@@ -6934,7 +7515,7 @@
             </a:r>
             <a:r>
               <a:rPr lang="en-US" altLang="ko-KR" sz="1000" dirty="0"/>
-              <a:t>: Class</a:t>
+              <a:t>: Class Instance</a:t>
             </a:r>
             <a:endParaRPr lang="ko-KR" altLang="en-US" sz="1000" dirty="0"/>
           </a:p>
@@ -7231,6 +7812,370 @@
               <a:t>Transforms</a:t>
             </a:r>
             <a:endParaRPr lang="ko-KR" altLang="en-US" sz="1000" dirty="0"/>
+          </a:p>
+        </p:txBody>
+      </p:sp>
+      <p:sp>
+        <p:nvSpPr>
+          <p:cNvPr id="5" name="사각형: 둥근 모서리 6">
+            <a:extLst>
+              <a:ext uri="{FF2B5EF4-FFF2-40B4-BE49-F238E27FC236}">
+                <a16:creationId xmlns:a16="http://schemas.microsoft.com/office/drawing/2014/main" id="{B793EF3C-E468-49AF-CC3E-685E8746D339}"/>
+              </a:ext>
+            </a:extLst>
+          </p:cNvPr>
+          <p:cNvSpPr/>
+          <p:nvPr/>
+        </p:nvSpPr>
+        <p:spPr>
+          <a:xfrm>
+            <a:off x="6812000" y="411510"/>
+            <a:ext cx="1525554" cy="3541771"/>
+          </a:xfrm>
+          <a:prstGeom prst="roundRect">
+            <a:avLst>
+              <a:gd name="adj" fmla="val 6790"/>
+            </a:avLst>
+          </a:prstGeom>
+          <a:ln w="12700">
+            <a:prstDash val="dash"/>
+          </a:ln>
+        </p:spPr>
+        <p:style>
+          <a:lnRef idx="2">
+            <a:schemeClr val="dk1"/>
+          </a:lnRef>
+          <a:fillRef idx="1">
+            <a:schemeClr val="lt1"/>
+          </a:fillRef>
+          <a:effectRef idx="0">
+            <a:schemeClr val="dk1"/>
+          </a:effectRef>
+          <a:fontRef idx="minor">
+            <a:schemeClr val="dk1"/>
+          </a:fontRef>
+        </p:style>
+        <p:txBody>
+          <a:bodyPr rtlCol="0" anchor="b"/>
+          <a:lstStyle/>
+          <a:p>
+            <a:pPr algn="ctr"/>
+            <a:r>
+              <a:rPr lang="en-US" altLang="ko-KR" sz="1000" dirty="0"/>
+              <a:t>Kafka Cluster</a:t>
+            </a:r>
+            <a:endParaRPr lang="ko-KR" altLang="en-US" sz="1000" dirty="0"/>
+          </a:p>
+        </p:txBody>
+      </p:sp>
+      <p:sp>
+        <p:nvSpPr>
+          <p:cNvPr id="6" name="사각형: 둥근 모서리 54">
+            <a:extLst>
+              <a:ext uri="{FF2B5EF4-FFF2-40B4-BE49-F238E27FC236}">
+                <a16:creationId xmlns:a16="http://schemas.microsoft.com/office/drawing/2014/main" id="{309B0DC2-F1F4-06B1-12D3-944C8F3C7822}"/>
+              </a:ext>
+            </a:extLst>
+          </p:cNvPr>
+          <p:cNvSpPr/>
+          <p:nvPr/>
+        </p:nvSpPr>
+        <p:spPr>
+          <a:xfrm>
+            <a:off x="6946456" y="542062"/>
+            <a:ext cx="1225944" cy="560016"/>
+          </a:xfrm>
+          <a:prstGeom prst="roundRect">
+            <a:avLst/>
+          </a:prstGeom>
+          <a:solidFill>
+            <a:schemeClr val="bg1">
+              <a:lumMod val="95000"/>
+            </a:schemeClr>
+          </a:solidFill>
+          <a:ln w="12700"/>
+        </p:spPr>
+        <p:style>
+          <a:lnRef idx="2">
+            <a:schemeClr val="dk1"/>
+          </a:lnRef>
+          <a:fillRef idx="1">
+            <a:schemeClr val="lt1"/>
+          </a:fillRef>
+          <a:effectRef idx="0">
+            <a:schemeClr val="dk1"/>
+          </a:effectRef>
+          <a:fontRef idx="minor">
+            <a:schemeClr val="dk1"/>
+          </a:fontRef>
+        </p:style>
+        <p:txBody>
+          <a:bodyPr rtlCol="0" anchor="ctr"/>
+          <a:lstStyle/>
+          <a:p>
+            <a:pPr algn="ctr"/>
+            <a:r>
+              <a:rPr lang="en-US" altLang="ko-KR" sz="1000" dirty="0"/>
+              <a:t>Data Stream</a:t>
+            </a:r>
+          </a:p>
+          <a:p>
+            <a:pPr algn="ctr"/>
+            <a:r>
+              <a:rPr lang="en-US" altLang="ko-KR" sz="1000" dirty="0"/>
+              <a:t>Topic A</a:t>
+            </a:r>
+          </a:p>
+          <a:p>
+            <a:pPr algn="ctr"/>
+            <a:r>
+              <a:rPr lang="en-US" altLang="ko-KR" sz="1000" dirty="0"/>
+              <a:t>(3 Partition)</a:t>
+            </a:r>
+          </a:p>
+        </p:txBody>
+      </p:sp>
+      <p:sp>
+        <p:nvSpPr>
+          <p:cNvPr id="9" name="사각형: 둥근 모서리 54">
+            <a:extLst>
+              <a:ext uri="{FF2B5EF4-FFF2-40B4-BE49-F238E27FC236}">
+                <a16:creationId xmlns:a16="http://schemas.microsoft.com/office/drawing/2014/main" id="{7207FC83-5135-643A-FA39-5FEF2806EBCB}"/>
+              </a:ext>
+            </a:extLst>
+          </p:cNvPr>
+          <p:cNvSpPr/>
+          <p:nvPr/>
+        </p:nvSpPr>
+        <p:spPr>
+          <a:xfrm>
+            <a:off x="6946456" y="1190219"/>
+            <a:ext cx="1225944" cy="560016"/>
+          </a:xfrm>
+          <a:prstGeom prst="roundRect">
+            <a:avLst/>
+          </a:prstGeom>
+          <a:solidFill>
+            <a:schemeClr val="bg2">
+              <a:lumMod val="90000"/>
+            </a:schemeClr>
+          </a:solidFill>
+          <a:ln w="12700"/>
+        </p:spPr>
+        <p:style>
+          <a:lnRef idx="2">
+            <a:schemeClr val="dk1"/>
+          </a:lnRef>
+          <a:fillRef idx="1">
+            <a:schemeClr val="lt1"/>
+          </a:fillRef>
+          <a:effectRef idx="0">
+            <a:schemeClr val="dk1"/>
+          </a:effectRef>
+          <a:fontRef idx="minor">
+            <a:schemeClr val="dk1"/>
+          </a:fontRef>
+        </p:style>
+        <p:txBody>
+          <a:bodyPr rtlCol="0" anchor="ctr"/>
+          <a:lstStyle/>
+          <a:p>
+            <a:pPr algn="ctr"/>
+            <a:r>
+              <a:rPr lang="en-US" altLang="ko-KR" sz="1000" dirty="0"/>
+              <a:t>Data Stream</a:t>
+            </a:r>
+          </a:p>
+          <a:p>
+            <a:pPr algn="ctr"/>
+            <a:r>
+              <a:rPr lang="en-US" altLang="ko-KR" sz="1000" dirty="0"/>
+              <a:t>Topic B </a:t>
+            </a:r>
+          </a:p>
+          <a:p>
+            <a:pPr algn="ctr"/>
+            <a:r>
+              <a:rPr lang="en-US" altLang="ko-KR" sz="1000" dirty="0"/>
+              <a:t>(6 Partition)</a:t>
+            </a:r>
+          </a:p>
+        </p:txBody>
+      </p:sp>
+      <p:sp>
+        <p:nvSpPr>
+          <p:cNvPr id="10" name="사각형: 둥근 모서리 54">
+            <a:extLst>
+              <a:ext uri="{FF2B5EF4-FFF2-40B4-BE49-F238E27FC236}">
+                <a16:creationId xmlns:a16="http://schemas.microsoft.com/office/drawing/2014/main" id="{EAF3A02D-076B-FA89-C307-21D5820F11D7}"/>
+              </a:ext>
+            </a:extLst>
+          </p:cNvPr>
+          <p:cNvSpPr/>
+          <p:nvPr/>
+        </p:nvSpPr>
+        <p:spPr>
+          <a:xfrm>
+            <a:off x="6961805" y="2161438"/>
+            <a:ext cx="1225944" cy="447123"/>
+          </a:xfrm>
+          <a:prstGeom prst="roundRect">
+            <a:avLst/>
+          </a:prstGeom>
+          <a:ln w="12700"/>
+        </p:spPr>
+        <p:style>
+          <a:lnRef idx="2">
+            <a:schemeClr val="dk1"/>
+          </a:lnRef>
+          <a:fillRef idx="1">
+            <a:schemeClr val="lt1"/>
+          </a:fillRef>
+          <a:effectRef idx="0">
+            <a:schemeClr val="dk1"/>
+          </a:effectRef>
+          <a:fontRef idx="minor">
+            <a:schemeClr val="dk1"/>
+          </a:fontRef>
+        </p:style>
+        <p:txBody>
+          <a:bodyPr rtlCol="0" anchor="ctr"/>
+          <a:lstStyle/>
+          <a:p>
+            <a:pPr algn="ctr"/>
+            <a:r>
+              <a:rPr lang="en-US" altLang="ko-KR" sz="1000" dirty="0"/>
+              <a:t>Connet </a:t>
+            </a:r>
+            <a:r>
+              <a:rPr lang="en-US" altLang="ko-KR" sz="1000" b="1" dirty="0"/>
+              <a:t>Config</a:t>
+            </a:r>
+          </a:p>
+          <a:p>
+            <a:pPr algn="ctr"/>
+            <a:r>
+              <a:rPr lang="en-US" altLang="ko-KR" sz="1000" dirty="0"/>
+              <a:t>Topic</a:t>
+            </a:r>
+          </a:p>
+        </p:txBody>
+      </p:sp>
+      <p:sp>
+        <p:nvSpPr>
+          <p:cNvPr id="11" name="사각형: 둥근 모서리 54">
+            <a:extLst>
+              <a:ext uri="{FF2B5EF4-FFF2-40B4-BE49-F238E27FC236}">
+                <a16:creationId xmlns:a16="http://schemas.microsoft.com/office/drawing/2014/main" id="{E1DEFA34-A1DB-85AB-743F-5FB10785E386}"/>
+              </a:ext>
+            </a:extLst>
+          </p:cNvPr>
+          <p:cNvSpPr/>
+          <p:nvPr/>
+        </p:nvSpPr>
+        <p:spPr>
+          <a:xfrm>
+            <a:off x="6961805" y="2680732"/>
+            <a:ext cx="1225944" cy="447123"/>
+          </a:xfrm>
+          <a:prstGeom prst="roundRect">
+            <a:avLst/>
+          </a:prstGeom>
+          <a:ln w="12700"/>
+        </p:spPr>
+        <p:style>
+          <a:lnRef idx="2">
+            <a:schemeClr val="dk1"/>
+          </a:lnRef>
+          <a:fillRef idx="1">
+            <a:schemeClr val="lt1"/>
+          </a:fillRef>
+          <a:effectRef idx="0">
+            <a:schemeClr val="dk1"/>
+          </a:effectRef>
+          <a:fontRef idx="minor">
+            <a:schemeClr val="dk1"/>
+          </a:fontRef>
+        </p:style>
+        <p:txBody>
+          <a:bodyPr rtlCol="0" anchor="ctr"/>
+          <a:lstStyle/>
+          <a:p>
+            <a:pPr algn="ctr"/>
+            <a:r>
+              <a:rPr lang="en-US" altLang="ko-KR" sz="1000" dirty="0"/>
+              <a:t>Connet </a:t>
+            </a:r>
+            <a:r>
+              <a:rPr lang="en-US" altLang="ko-KR" sz="1000" b="1" dirty="0"/>
+              <a:t>Offset</a:t>
+            </a:r>
+          </a:p>
+          <a:p>
+            <a:pPr algn="ctr"/>
+            <a:r>
+              <a:rPr lang="en-US" altLang="ko-KR" sz="1000" dirty="0"/>
+              <a:t>Topic</a:t>
+            </a:r>
+          </a:p>
+        </p:txBody>
+      </p:sp>
+      <p:sp>
+        <p:nvSpPr>
+          <p:cNvPr id="13" name="사각형: 둥근 모서리 54">
+            <a:extLst>
+              <a:ext uri="{FF2B5EF4-FFF2-40B4-BE49-F238E27FC236}">
+                <a16:creationId xmlns:a16="http://schemas.microsoft.com/office/drawing/2014/main" id="{7B1D9216-3370-50B0-D7A4-51B72A442E0F}"/>
+              </a:ext>
+            </a:extLst>
+          </p:cNvPr>
+          <p:cNvSpPr/>
+          <p:nvPr/>
+        </p:nvSpPr>
+        <p:spPr>
+          <a:xfrm>
+            <a:off x="6961805" y="3203458"/>
+            <a:ext cx="1225944" cy="447123"/>
+          </a:xfrm>
+          <a:prstGeom prst="roundRect">
+            <a:avLst/>
+          </a:prstGeom>
+          <a:ln w="12700"/>
+        </p:spPr>
+        <p:style>
+          <a:lnRef idx="2">
+            <a:schemeClr val="dk1"/>
+          </a:lnRef>
+          <a:fillRef idx="1">
+            <a:schemeClr val="lt1"/>
+          </a:fillRef>
+          <a:effectRef idx="0">
+            <a:schemeClr val="dk1"/>
+          </a:effectRef>
+          <a:fontRef idx="minor">
+            <a:schemeClr val="dk1"/>
+          </a:fontRef>
+        </p:style>
+        <p:txBody>
+          <a:bodyPr rtlCol="0" anchor="ctr"/>
+          <a:lstStyle/>
+          <a:p>
+            <a:pPr algn="ctr"/>
+            <a:r>
+              <a:rPr lang="en-US" altLang="ko-KR" sz="1000" dirty="0"/>
+              <a:t>Connet </a:t>
+            </a:r>
+            <a:r>
+              <a:rPr lang="en-US" altLang="ko-KR" sz="1000" b="1" dirty="0"/>
+              <a:t>Status</a:t>
+            </a:r>
+          </a:p>
+          <a:p>
+            <a:pPr algn="ctr"/>
+            <a:r>
+              <a:rPr lang="en-US" altLang="ko-KR" sz="1000" dirty="0"/>
+              <a:t>Topic</a:t>
+            </a:r>
           </a:p>
         </p:txBody>
       </p:sp>
@@ -7341,6 +8286,2009 @@
         <p:cNvPr id="1" name="">
           <a:extLst>
             <a:ext uri="{FF2B5EF4-FFF2-40B4-BE49-F238E27FC236}">
+              <a16:creationId xmlns:a16="http://schemas.microsoft.com/office/drawing/2014/main" id="{891155DC-AAD6-762E-B3B9-3E84542B0213}"/>
+            </a:ext>
+          </a:extLst>
+        </p:cNvPr>
+        <p:cNvGrpSpPr/>
+        <p:nvPr/>
+      </p:nvGrpSpPr>
+      <p:grpSpPr>
+        <a:xfrm>
+          <a:off x="0" y="0"/>
+          <a:ext cx="0" cy="0"/>
+          <a:chOff x="0" y="0"/>
+          <a:chExt cx="0" cy="0"/>
+        </a:xfrm>
+      </p:grpSpPr>
+      <p:sp>
+        <p:nvSpPr>
+          <p:cNvPr id="12" name="사각형: 둥근 모서리 6">
+            <a:extLst>
+              <a:ext uri="{FF2B5EF4-FFF2-40B4-BE49-F238E27FC236}">
+                <a16:creationId xmlns:a16="http://schemas.microsoft.com/office/drawing/2014/main" id="{26C58969-2C15-91C5-2B2B-CBC3CD34F966}"/>
+              </a:ext>
+            </a:extLst>
+          </p:cNvPr>
+          <p:cNvSpPr/>
+          <p:nvPr/>
+        </p:nvSpPr>
+        <p:spPr>
+          <a:xfrm>
+            <a:off x="2267744" y="411510"/>
+            <a:ext cx="4248472" cy="3946977"/>
+          </a:xfrm>
+          <a:prstGeom prst="roundRect">
+            <a:avLst>
+              <a:gd name="adj" fmla="val 2699"/>
+            </a:avLst>
+          </a:prstGeom>
+          <a:ln w="12700">
+            <a:prstDash val="dash"/>
+          </a:ln>
+        </p:spPr>
+        <p:style>
+          <a:lnRef idx="2">
+            <a:schemeClr val="dk1"/>
+          </a:lnRef>
+          <a:fillRef idx="1">
+            <a:schemeClr val="lt1"/>
+          </a:fillRef>
+          <a:effectRef idx="0">
+            <a:schemeClr val="dk1"/>
+          </a:effectRef>
+          <a:fontRef idx="minor">
+            <a:schemeClr val="dk1"/>
+          </a:fontRef>
+        </p:style>
+        <p:txBody>
+          <a:bodyPr rtlCol="0" anchor="b"/>
+          <a:lstStyle/>
+          <a:p>
+            <a:pPr algn="ctr"/>
+            <a:r>
+              <a:rPr lang="en-US" altLang="ko-KR" sz="1000" dirty="0"/>
+              <a:t>Kafka Connect Cluster</a:t>
+            </a:r>
+            <a:endParaRPr lang="ko-KR" altLang="en-US" sz="1000" dirty="0"/>
+          </a:p>
+        </p:txBody>
+      </p:sp>
+      <p:sp>
+        <p:nvSpPr>
+          <p:cNvPr id="2" name="사각형: 둥근 모서리 6">
+            <a:extLst>
+              <a:ext uri="{FF2B5EF4-FFF2-40B4-BE49-F238E27FC236}">
+                <a16:creationId xmlns:a16="http://schemas.microsoft.com/office/drawing/2014/main" id="{9A11FE0B-2E4C-8A37-C28D-FB899F31FF5E}"/>
+              </a:ext>
+            </a:extLst>
+          </p:cNvPr>
+          <p:cNvSpPr/>
+          <p:nvPr/>
+        </p:nvSpPr>
+        <p:spPr>
+          <a:xfrm>
+            <a:off x="2411759" y="545320"/>
+            <a:ext cx="3960433" cy="3466591"/>
+          </a:xfrm>
+          <a:prstGeom prst="roundRect">
+            <a:avLst>
+              <a:gd name="adj" fmla="val 4353"/>
+            </a:avLst>
+          </a:prstGeom>
+          <a:ln w="12700"/>
+        </p:spPr>
+        <p:style>
+          <a:lnRef idx="2">
+            <a:schemeClr val="dk1"/>
+          </a:lnRef>
+          <a:fillRef idx="1">
+            <a:schemeClr val="lt1"/>
+          </a:fillRef>
+          <a:effectRef idx="0">
+            <a:schemeClr val="dk1"/>
+          </a:effectRef>
+          <a:fontRef idx="minor">
+            <a:schemeClr val="dk1"/>
+          </a:fontRef>
+        </p:style>
+        <p:txBody>
+          <a:bodyPr rtlCol="0" anchor="b"/>
+          <a:lstStyle/>
+          <a:p>
+            <a:pPr algn="ctr"/>
+            <a:r>
+              <a:rPr lang="en-US" altLang="ko-KR" sz="1000" dirty="0"/>
+              <a:t>Worker</a:t>
+            </a:r>
+          </a:p>
+        </p:txBody>
+      </p:sp>
+      <p:sp>
+        <p:nvSpPr>
+          <p:cNvPr id="8" name="사각형: 둥근 모서리 54">
+            <a:extLst>
+              <a:ext uri="{FF2B5EF4-FFF2-40B4-BE49-F238E27FC236}">
+                <a16:creationId xmlns:a16="http://schemas.microsoft.com/office/drawing/2014/main" id="{75519C2B-7C46-BE63-B673-C531057C2524}"/>
+              </a:ext>
+            </a:extLst>
+          </p:cNvPr>
+          <p:cNvSpPr/>
+          <p:nvPr/>
+        </p:nvSpPr>
+        <p:spPr>
+          <a:xfrm>
+            <a:off x="2484672" y="606935"/>
+            <a:ext cx="1078312" cy="648072"/>
+          </a:xfrm>
+          <a:prstGeom prst="roundRect">
+            <a:avLst>
+              <a:gd name="adj" fmla="val 11768"/>
+            </a:avLst>
+          </a:prstGeom>
+          <a:solidFill>
+            <a:schemeClr val="bg1">
+              <a:lumMod val="95000"/>
+            </a:schemeClr>
+          </a:solidFill>
+          <a:ln w="12700"/>
+        </p:spPr>
+        <p:style>
+          <a:lnRef idx="2">
+            <a:schemeClr val="dk1"/>
+          </a:lnRef>
+          <a:fillRef idx="1">
+            <a:schemeClr val="lt1"/>
+          </a:fillRef>
+          <a:effectRef idx="0">
+            <a:schemeClr val="dk1"/>
+          </a:effectRef>
+          <a:fontRef idx="minor">
+            <a:schemeClr val="dk1"/>
+          </a:fontRef>
+        </p:style>
+        <p:txBody>
+          <a:bodyPr rtlCol="0" anchor="t"/>
+          <a:lstStyle/>
+          <a:p>
+            <a:r>
+              <a:rPr lang="en-US" altLang="ko-KR" sz="1000"/>
+              <a:t>Connector A</a:t>
+            </a:r>
+          </a:p>
+          <a:p>
+            <a:r>
+              <a:rPr lang="en-US" altLang="ko-KR" sz="1000"/>
+              <a:t>Instance</a:t>
+            </a:r>
+            <a:endParaRPr lang="ko-KR" altLang="en-US" sz="1000" dirty="0"/>
+          </a:p>
+        </p:txBody>
+      </p:sp>
+      <p:sp>
+        <p:nvSpPr>
+          <p:cNvPr id="14" name="사각형: 둥근 모서리 54">
+            <a:extLst>
+              <a:ext uri="{FF2B5EF4-FFF2-40B4-BE49-F238E27FC236}">
+                <a16:creationId xmlns:a16="http://schemas.microsoft.com/office/drawing/2014/main" id="{7DB35743-F088-7100-3426-0C8845826663}"/>
+              </a:ext>
+            </a:extLst>
+          </p:cNvPr>
+          <p:cNvSpPr/>
+          <p:nvPr/>
+        </p:nvSpPr>
+        <p:spPr>
+          <a:xfrm>
+            <a:off x="2484672" y="1342451"/>
+            <a:ext cx="1078312" cy="648072"/>
+          </a:xfrm>
+          <a:prstGeom prst="roundRect">
+            <a:avLst>
+              <a:gd name="adj" fmla="val 11768"/>
+            </a:avLst>
+          </a:prstGeom>
+          <a:solidFill>
+            <a:schemeClr val="bg1">
+              <a:lumMod val="95000"/>
+            </a:schemeClr>
+          </a:solidFill>
+          <a:ln w="12700"/>
+        </p:spPr>
+        <p:style>
+          <a:lnRef idx="2">
+            <a:schemeClr val="dk1"/>
+          </a:lnRef>
+          <a:fillRef idx="1">
+            <a:schemeClr val="lt1"/>
+          </a:fillRef>
+          <a:effectRef idx="0">
+            <a:schemeClr val="dk1"/>
+          </a:effectRef>
+          <a:fontRef idx="minor">
+            <a:schemeClr val="dk1"/>
+          </a:fontRef>
+        </p:style>
+        <p:txBody>
+          <a:bodyPr rtlCol="0" anchor="t"/>
+          <a:lstStyle/>
+          <a:p>
+            <a:r>
+              <a:rPr lang="en-US" altLang="ko-KR" sz="1000"/>
+              <a:t>Connector A</a:t>
+            </a:r>
+          </a:p>
+          <a:p>
+            <a:r>
+              <a:rPr lang="en-US" altLang="ko-KR" sz="1000"/>
+              <a:t>Task 1</a:t>
+            </a:r>
+          </a:p>
+          <a:p>
+            <a:r>
+              <a:rPr lang="en-US" altLang="ko-KR" sz="1000" dirty="0"/>
+              <a:t>Partition 1,2</a:t>
+            </a:r>
+            <a:endParaRPr lang="ko-KR" altLang="en-US" sz="1000" dirty="0"/>
+          </a:p>
+        </p:txBody>
+      </p:sp>
+      <p:sp>
+        <p:nvSpPr>
+          <p:cNvPr id="15" name="사각형: 둥근 모서리 54">
+            <a:extLst>
+              <a:ext uri="{FF2B5EF4-FFF2-40B4-BE49-F238E27FC236}">
+                <a16:creationId xmlns:a16="http://schemas.microsoft.com/office/drawing/2014/main" id="{E028A692-4EF6-065A-06B6-002FE76CF2CD}"/>
+              </a:ext>
+            </a:extLst>
+          </p:cNvPr>
+          <p:cNvSpPr/>
+          <p:nvPr/>
+        </p:nvSpPr>
+        <p:spPr>
+          <a:xfrm>
+            <a:off x="3852824" y="606935"/>
+            <a:ext cx="1078312" cy="648072"/>
+          </a:xfrm>
+          <a:prstGeom prst="roundRect">
+            <a:avLst>
+              <a:gd name="adj" fmla="val 11768"/>
+            </a:avLst>
+          </a:prstGeom>
+          <a:solidFill>
+            <a:schemeClr val="bg2">
+              <a:lumMod val="90000"/>
+            </a:schemeClr>
+          </a:solidFill>
+          <a:ln w="12700"/>
+        </p:spPr>
+        <p:style>
+          <a:lnRef idx="2">
+            <a:schemeClr val="dk1"/>
+          </a:lnRef>
+          <a:fillRef idx="1">
+            <a:schemeClr val="lt1"/>
+          </a:fillRef>
+          <a:effectRef idx="0">
+            <a:schemeClr val="dk1"/>
+          </a:effectRef>
+          <a:fontRef idx="minor">
+            <a:schemeClr val="dk1"/>
+          </a:fontRef>
+        </p:style>
+        <p:txBody>
+          <a:bodyPr rtlCol="0" anchor="t"/>
+          <a:lstStyle/>
+          <a:p>
+            <a:r>
+              <a:rPr lang="en-US" altLang="ko-KR" sz="1000"/>
+              <a:t>Connector B</a:t>
+            </a:r>
+          </a:p>
+          <a:p>
+            <a:r>
+              <a:rPr lang="en-US" altLang="ko-KR" sz="1000"/>
+              <a:t>Instance</a:t>
+            </a:r>
+            <a:endParaRPr lang="ko-KR" altLang="en-US" sz="1000" dirty="0"/>
+          </a:p>
+        </p:txBody>
+      </p:sp>
+      <p:sp>
+        <p:nvSpPr>
+          <p:cNvPr id="16" name="사각형: 둥근 모서리 54">
+            <a:extLst>
+              <a:ext uri="{FF2B5EF4-FFF2-40B4-BE49-F238E27FC236}">
+                <a16:creationId xmlns:a16="http://schemas.microsoft.com/office/drawing/2014/main" id="{08816188-6ECA-5CA7-0547-F513EC93F5D6}"/>
+              </a:ext>
+            </a:extLst>
+          </p:cNvPr>
+          <p:cNvSpPr/>
+          <p:nvPr/>
+        </p:nvSpPr>
+        <p:spPr>
+          <a:xfrm>
+            <a:off x="5220976" y="606935"/>
+            <a:ext cx="1078312" cy="648072"/>
+          </a:xfrm>
+          <a:prstGeom prst="roundRect">
+            <a:avLst>
+              <a:gd name="adj" fmla="val 11768"/>
+            </a:avLst>
+          </a:prstGeom>
+          <a:solidFill>
+            <a:schemeClr val="bg1">
+              <a:lumMod val="95000"/>
+            </a:schemeClr>
+          </a:solidFill>
+          <a:ln w="12700"/>
+        </p:spPr>
+        <p:style>
+          <a:lnRef idx="2">
+            <a:schemeClr val="dk1"/>
+          </a:lnRef>
+          <a:fillRef idx="1">
+            <a:schemeClr val="lt1"/>
+          </a:fillRef>
+          <a:effectRef idx="0">
+            <a:schemeClr val="dk1"/>
+          </a:effectRef>
+          <a:fontRef idx="minor">
+            <a:schemeClr val="dk1"/>
+          </a:fontRef>
+        </p:style>
+        <p:txBody>
+          <a:bodyPr rtlCol="0" anchor="t"/>
+          <a:lstStyle/>
+          <a:p>
+            <a:r>
+              <a:rPr lang="en-US" altLang="ko-KR" sz="1000"/>
+              <a:t>Connector A</a:t>
+            </a:r>
+          </a:p>
+          <a:p>
+            <a:r>
+              <a:rPr lang="en-US" altLang="ko-KR" sz="1000"/>
+              <a:t>Task 3</a:t>
+            </a:r>
+          </a:p>
+          <a:p>
+            <a:r>
+              <a:rPr lang="en-US" altLang="ko-KR" sz="1000" dirty="0"/>
+              <a:t>Partition 5,6</a:t>
+            </a:r>
+            <a:endParaRPr lang="ko-KR" altLang="en-US" sz="1000" dirty="0"/>
+          </a:p>
+        </p:txBody>
+      </p:sp>
+      <p:sp>
+        <p:nvSpPr>
+          <p:cNvPr id="17" name="사각형: 둥근 모서리 54">
+            <a:extLst>
+              <a:ext uri="{FF2B5EF4-FFF2-40B4-BE49-F238E27FC236}">
+                <a16:creationId xmlns:a16="http://schemas.microsoft.com/office/drawing/2014/main" id="{3543A398-2905-23AA-8DBD-99AFA401FC6D}"/>
+              </a:ext>
+            </a:extLst>
+          </p:cNvPr>
+          <p:cNvSpPr/>
+          <p:nvPr/>
+        </p:nvSpPr>
+        <p:spPr>
+          <a:xfrm>
+            <a:off x="2484672" y="2077967"/>
+            <a:ext cx="1078312" cy="648072"/>
+          </a:xfrm>
+          <a:prstGeom prst="roundRect">
+            <a:avLst>
+              <a:gd name="adj" fmla="val 11768"/>
+            </a:avLst>
+          </a:prstGeom>
+          <a:solidFill>
+            <a:schemeClr val="bg2">
+              <a:lumMod val="90000"/>
+            </a:schemeClr>
+          </a:solidFill>
+          <a:ln w="12700"/>
+        </p:spPr>
+        <p:style>
+          <a:lnRef idx="2">
+            <a:schemeClr val="dk1"/>
+          </a:lnRef>
+          <a:fillRef idx="1">
+            <a:schemeClr val="lt1"/>
+          </a:fillRef>
+          <a:effectRef idx="0">
+            <a:schemeClr val="dk1"/>
+          </a:effectRef>
+          <a:fontRef idx="minor">
+            <a:schemeClr val="dk1"/>
+          </a:fontRef>
+        </p:style>
+        <p:txBody>
+          <a:bodyPr rtlCol="0" anchor="t"/>
+          <a:lstStyle/>
+          <a:p>
+            <a:r>
+              <a:rPr lang="en-US" altLang="ko-KR" sz="1000"/>
+              <a:t>Connector B</a:t>
+            </a:r>
+          </a:p>
+          <a:p>
+            <a:r>
+              <a:rPr lang="en-US" altLang="ko-KR" sz="1000"/>
+              <a:t>Task 1</a:t>
+            </a:r>
+          </a:p>
+          <a:p>
+            <a:r>
+              <a:rPr lang="en-US" altLang="ko-KR" sz="1000" dirty="0"/>
+              <a:t>Partition 1,2,3</a:t>
+            </a:r>
+            <a:endParaRPr lang="ko-KR" altLang="en-US" sz="1000" dirty="0"/>
+          </a:p>
+        </p:txBody>
+      </p:sp>
+      <p:sp>
+        <p:nvSpPr>
+          <p:cNvPr id="18" name="사각형: 둥근 모서리 54">
+            <a:extLst>
+              <a:ext uri="{FF2B5EF4-FFF2-40B4-BE49-F238E27FC236}">
+                <a16:creationId xmlns:a16="http://schemas.microsoft.com/office/drawing/2014/main" id="{19B60079-97E5-3EAD-EE3F-76A200ECDC74}"/>
+              </a:ext>
+            </a:extLst>
+          </p:cNvPr>
+          <p:cNvSpPr/>
+          <p:nvPr/>
+        </p:nvSpPr>
+        <p:spPr>
+          <a:xfrm>
+            <a:off x="3852824" y="1342451"/>
+            <a:ext cx="1078312" cy="648072"/>
+          </a:xfrm>
+          <a:prstGeom prst="roundRect">
+            <a:avLst>
+              <a:gd name="adj" fmla="val 11768"/>
+            </a:avLst>
+          </a:prstGeom>
+          <a:solidFill>
+            <a:schemeClr val="bg1">
+              <a:lumMod val="95000"/>
+            </a:schemeClr>
+          </a:solidFill>
+          <a:ln w="12700"/>
+        </p:spPr>
+        <p:style>
+          <a:lnRef idx="2">
+            <a:schemeClr val="dk1"/>
+          </a:lnRef>
+          <a:fillRef idx="1">
+            <a:schemeClr val="lt1"/>
+          </a:fillRef>
+          <a:effectRef idx="0">
+            <a:schemeClr val="dk1"/>
+          </a:effectRef>
+          <a:fontRef idx="minor">
+            <a:schemeClr val="dk1"/>
+          </a:fontRef>
+        </p:style>
+        <p:txBody>
+          <a:bodyPr rtlCol="0" anchor="t"/>
+          <a:lstStyle/>
+          <a:p>
+            <a:r>
+              <a:rPr lang="en-US" altLang="ko-KR" sz="1000"/>
+              <a:t>Connector A</a:t>
+            </a:r>
+          </a:p>
+          <a:p>
+            <a:r>
+              <a:rPr lang="en-US" altLang="ko-KR" sz="1000"/>
+              <a:t>Task 2</a:t>
+            </a:r>
+          </a:p>
+          <a:p>
+            <a:r>
+              <a:rPr lang="en-US" altLang="ko-KR" sz="1000" dirty="0"/>
+              <a:t>Partition 3,4</a:t>
+            </a:r>
+            <a:endParaRPr lang="ko-KR" altLang="en-US" sz="1000" dirty="0"/>
+          </a:p>
+        </p:txBody>
+      </p:sp>
+      <p:sp>
+        <p:nvSpPr>
+          <p:cNvPr id="19" name="사각형: 둥근 모서리 54">
+            <a:extLst>
+              <a:ext uri="{FF2B5EF4-FFF2-40B4-BE49-F238E27FC236}">
+                <a16:creationId xmlns:a16="http://schemas.microsoft.com/office/drawing/2014/main" id="{FF2D342D-A938-5038-0E00-F29A8FD97B64}"/>
+              </a:ext>
+            </a:extLst>
+          </p:cNvPr>
+          <p:cNvSpPr/>
+          <p:nvPr/>
+        </p:nvSpPr>
+        <p:spPr>
+          <a:xfrm>
+            <a:off x="5220976" y="1348583"/>
+            <a:ext cx="1078312" cy="648072"/>
+          </a:xfrm>
+          <a:prstGeom prst="roundRect">
+            <a:avLst>
+              <a:gd name="adj" fmla="val 11768"/>
+            </a:avLst>
+          </a:prstGeom>
+          <a:solidFill>
+            <a:schemeClr val="bg2">
+              <a:lumMod val="90000"/>
+            </a:schemeClr>
+          </a:solidFill>
+          <a:ln w="12700"/>
+        </p:spPr>
+        <p:style>
+          <a:lnRef idx="2">
+            <a:schemeClr val="dk1"/>
+          </a:lnRef>
+          <a:fillRef idx="1">
+            <a:schemeClr val="lt1"/>
+          </a:fillRef>
+          <a:effectRef idx="0">
+            <a:schemeClr val="dk1"/>
+          </a:effectRef>
+          <a:fontRef idx="minor">
+            <a:schemeClr val="dk1"/>
+          </a:fontRef>
+        </p:style>
+        <p:txBody>
+          <a:bodyPr rtlCol="0" anchor="t"/>
+          <a:lstStyle/>
+          <a:p>
+            <a:r>
+              <a:rPr lang="en-US" altLang="ko-KR" sz="1000"/>
+              <a:t>Connector B</a:t>
+            </a:r>
+          </a:p>
+          <a:p>
+            <a:r>
+              <a:rPr lang="en-US" altLang="ko-KR" sz="1000"/>
+              <a:t>Task 2</a:t>
+            </a:r>
+          </a:p>
+          <a:p>
+            <a:r>
+              <a:rPr lang="en-US" altLang="ko-KR" sz="1000" dirty="0"/>
+              <a:t>Partition 5,6,7</a:t>
+            </a:r>
+            <a:endParaRPr lang="ko-KR" altLang="en-US" sz="1000" dirty="0"/>
+          </a:p>
+        </p:txBody>
+      </p:sp>
+      <p:cxnSp>
+        <p:nvCxnSpPr>
+          <p:cNvPr id="21" name="Straight Arrow Connector 20">
+            <a:extLst>
+              <a:ext uri="{FF2B5EF4-FFF2-40B4-BE49-F238E27FC236}">
+                <a16:creationId xmlns:a16="http://schemas.microsoft.com/office/drawing/2014/main" id="{D3AFDEEB-4628-A885-3FE7-28237DC9F3CC}"/>
+              </a:ext>
+            </a:extLst>
+          </p:cNvPr>
+          <p:cNvCxnSpPr>
+            <a:cxnSpLocks/>
+            <a:endCxn id="12" idx="0"/>
+          </p:cNvCxnSpPr>
+          <p:nvPr/>
+        </p:nvCxnSpPr>
+        <p:spPr>
+          <a:xfrm>
+            <a:off x="4391980" y="102879"/>
+            <a:ext cx="0" cy="308631"/>
+          </a:xfrm>
+          <a:prstGeom prst="straightConnector1">
+            <a:avLst/>
+          </a:prstGeom>
+          <a:ln>
+            <a:solidFill>
+              <a:schemeClr val="tx1"/>
+            </a:solidFill>
+            <a:tailEnd type="triangle"/>
+          </a:ln>
+        </p:spPr>
+        <p:style>
+          <a:lnRef idx="1">
+            <a:schemeClr val="accent1"/>
+          </a:lnRef>
+          <a:fillRef idx="0">
+            <a:schemeClr val="accent1"/>
+          </a:fillRef>
+          <a:effectRef idx="0">
+            <a:schemeClr val="accent1"/>
+          </a:effectRef>
+          <a:fontRef idx="minor">
+            <a:schemeClr val="tx1"/>
+          </a:fontRef>
+        </p:style>
+      </p:cxnSp>
+      <p:sp>
+        <p:nvSpPr>
+          <p:cNvPr id="22" name="TextBox 21">
+            <a:extLst>
+              <a:ext uri="{FF2B5EF4-FFF2-40B4-BE49-F238E27FC236}">
+                <a16:creationId xmlns:a16="http://schemas.microsoft.com/office/drawing/2014/main" id="{EE43FF27-2E11-742F-8C44-D4F2BAE31AC5}"/>
+              </a:ext>
+            </a:extLst>
+          </p:cNvPr>
+          <p:cNvSpPr txBox="1"/>
+          <p:nvPr/>
+        </p:nvSpPr>
+        <p:spPr>
+          <a:xfrm>
+            <a:off x="4391980" y="121960"/>
+            <a:ext cx="716863" cy="261610"/>
+          </a:xfrm>
+          <a:prstGeom prst="rect">
+            <a:avLst/>
+          </a:prstGeom>
+          <a:noFill/>
+        </p:spPr>
+        <p:txBody>
+          <a:bodyPr wrap="none" rtlCol="0">
+            <a:spAutoFit/>
+          </a:bodyPr>
+          <a:lstStyle/>
+          <a:p>
+            <a:r>
+              <a:rPr lang="en-KR" sz="1050" i="1"/>
+              <a:t>Rest API</a:t>
+            </a:r>
+          </a:p>
+        </p:txBody>
+      </p:sp>
+      <p:sp>
+        <p:nvSpPr>
+          <p:cNvPr id="4" name="사각형: 둥근 모서리 54">
+            <a:extLst>
+              <a:ext uri="{FF2B5EF4-FFF2-40B4-BE49-F238E27FC236}">
+                <a16:creationId xmlns:a16="http://schemas.microsoft.com/office/drawing/2014/main" id="{3282700C-7455-B766-A2DA-447AE04E3C52}"/>
+              </a:ext>
+            </a:extLst>
+          </p:cNvPr>
+          <p:cNvSpPr/>
+          <p:nvPr/>
+        </p:nvSpPr>
+        <p:spPr>
+          <a:xfrm>
+            <a:off x="2267744" y="4414827"/>
+            <a:ext cx="3816415" cy="527913"/>
+          </a:xfrm>
+          <a:prstGeom prst="roundRect">
+            <a:avLst/>
+          </a:prstGeom>
+          <a:noFill/>
+          <a:ln w="12700">
+            <a:noFill/>
+          </a:ln>
+        </p:spPr>
+        <p:style>
+          <a:lnRef idx="2">
+            <a:schemeClr val="dk1"/>
+          </a:lnRef>
+          <a:fillRef idx="1">
+            <a:schemeClr val="lt1"/>
+          </a:fillRef>
+          <a:effectRef idx="0">
+            <a:schemeClr val="dk1"/>
+          </a:effectRef>
+          <a:fontRef idx="minor">
+            <a:schemeClr val="dk1"/>
+          </a:fontRef>
+        </p:style>
+        <p:txBody>
+          <a:bodyPr rtlCol="0" anchor="ctr"/>
+          <a:lstStyle/>
+          <a:p>
+            <a:r>
+              <a:rPr lang="en-US" altLang="ko-KR" sz="1000" b="1" dirty="0"/>
+              <a:t>Worker</a:t>
+            </a:r>
+            <a:r>
+              <a:rPr lang="en-US" altLang="ko-KR" sz="1000" dirty="0"/>
+              <a:t> : Process</a:t>
+            </a:r>
+          </a:p>
+          <a:p>
+            <a:r>
+              <a:rPr lang="en-US" altLang="ko-KR" sz="1000" b="1" dirty="0"/>
+              <a:t>Connector Instance, Task </a:t>
+            </a:r>
+            <a:r>
+              <a:rPr lang="en-US" altLang="ko-KR" sz="1000" dirty="0"/>
+              <a:t>: Thread</a:t>
+            </a:r>
+          </a:p>
+          <a:p>
+            <a:r>
+              <a:rPr lang="en-US" altLang="ko-KR" sz="1000" b="1" dirty="0"/>
+              <a:t>Converter, Transforms </a:t>
+            </a:r>
+            <a:r>
+              <a:rPr lang="en-US" altLang="ko-KR" sz="1000" dirty="0"/>
+              <a:t>: Class</a:t>
+            </a:r>
+            <a:endParaRPr lang="ko-KR" altLang="en-US" sz="1000" dirty="0"/>
+          </a:p>
+        </p:txBody>
+      </p:sp>
+      <p:sp>
+        <p:nvSpPr>
+          <p:cNvPr id="23" name="사각형: 둥근 모서리 54">
+            <a:extLst>
+              <a:ext uri="{FF2B5EF4-FFF2-40B4-BE49-F238E27FC236}">
+                <a16:creationId xmlns:a16="http://schemas.microsoft.com/office/drawing/2014/main" id="{B41B3CDF-CC6F-FDF3-8E55-75E5DD59336C}"/>
+              </a:ext>
+            </a:extLst>
+          </p:cNvPr>
+          <p:cNvSpPr/>
+          <p:nvPr/>
+        </p:nvSpPr>
+        <p:spPr>
+          <a:xfrm>
+            <a:off x="2484672" y="2813483"/>
+            <a:ext cx="3814616" cy="340933"/>
+          </a:xfrm>
+          <a:prstGeom prst="roundRect">
+            <a:avLst/>
+          </a:prstGeom>
+          <a:ln w="12700"/>
+        </p:spPr>
+        <p:style>
+          <a:lnRef idx="2">
+            <a:schemeClr val="dk1"/>
+          </a:lnRef>
+          <a:fillRef idx="1">
+            <a:schemeClr val="lt1"/>
+          </a:fillRef>
+          <a:effectRef idx="0">
+            <a:schemeClr val="dk1"/>
+          </a:effectRef>
+          <a:fontRef idx="minor">
+            <a:schemeClr val="dk1"/>
+          </a:fontRef>
+        </p:style>
+        <p:txBody>
+          <a:bodyPr rtlCol="0" anchor="ctr"/>
+          <a:lstStyle/>
+          <a:p>
+            <a:pPr algn="ctr"/>
+            <a:r>
+              <a:rPr lang="en-US" altLang="ko-KR" sz="1000" dirty="0"/>
+              <a:t>Converter</a:t>
+            </a:r>
+            <a:endParaRPr lang="ko-KR" altLang="en-US" sz="1000" dirty="0"/>
+          </a:p>
+        </p:txBody>
+      </p:sp>
+      <p:sp>
+        <p:nvSpPr>
+          <p:cNvPr id="25" name="사각형: 둥근 모서리 54">
+            <a:extLst>
+              <a:ext uri="{FF2B5EF4-FFF2-40B4-BE49-F238E27FC236}">
+                <a16:creationId xmlns:a16="http://schemas.microsoft.com/office/drawing/2014/main" id="{F6A92BD1-500A-B953-A0C1-73060EB87557}"/>
+              </a:ext>
+            </a:extLst>
+          </p:cNvPr>
+          <p:cNvSpPr/>
+          <p:nvPr/>
+        </p:nvSpPr>
+        <p:spPr>
+          <a:xfrm>
+            <a:off x="2484672" y="3241860"/>
+            <a:ext cx="3814616" cy="340933"/>
+          </a:xfrm>
+          <a:prstGeom prst="roundRect">
+            <a:avLst/>
+          </a:prstGeom>
+          <a:ln w="12700"/>
+        </p:spPr>
+        <p:style>
+          <a:lnRef idx="2">
+            <a:schemeClr val="dk1"/>
+          </a:lnRef>
+          <a:fillRef idx="1">
+            <a:schemeClr val="lt1"/>
+          </a:fillRef>
+          <a:effectRef idx="0">
+            <a:schemeClr val="dk1"/>
+          </a:effectRef>
+          <a:fontRef idx="minor">
+            <a:schemeClr val="dk1"/>
+          </a:fontRef>
+        </p:style>
+        <p:txBody>
+          <a:bodyPr rtlCol="0" anchor="ctr"/>
+          <a:lstStyle/>
+          <a:p>
+            <a:pPr algn="ctr"/>
+            <a:r>
+              <a:rPr lang="en-US" altLang="ko-KR" sz="1000" dirty="0"/>
+              <a:t>Transform</a:t>
+            </a:r>
+            <a:endParaRPr lang="ko-KR" altLang="en-US" sz="1000" dirty="0"/>
+          </a:p>
+        </p:txBody>
+      </p:sp>
+    </p:spTree>
+    <p:extLst>
+      <p:ext uri="{BB962C8B-B14F-4D97-AF65-F5344CB8AC3E}">
+        <p14:creationId xmlns:p14="http://schemas.microsoft.com/office/powerpoint/2010/main" val="1417831421"/>
+      </p:ext>
+    </p:extLst>
+  </p:cSld>
+  <p:clrMapOvr>
+    <a:masterClrMapping/>
+  </p:clrMapOvr>
+</p:sld>
+</file>
+
+<file path=ppt/slides/slide6.xml><?xml version="1.0" encoding="utf-8"?>
+<p:sld xmlns:a="http://schemas.openxmlformats.org/drawingml/2006/main" xmlns:r="http://schemas.openxmlformats.org/officeDocument/2006/relationships" xmlns:p="http://schemas.openxmlformats.org/presentationml/2006/main">
+  <p:cSld>
+    <p:spTree>
+      <p:nvGrpSpPr>
+        <p:cNvPr id="1" name="">
+          <a:extLst>
+            <a:ext uri="{FF2B5EF4-FFF2-40B4-BE49-F238E27FC236}">
+              <a16:creationId xmlns:a16="http://schemas.microsoft.com/office/drawing/2014/main" id="{DB25A6A6-B289-A149-821D-90318FC4A6D3}"/>
+            </a:ext>
+          </a:extLst>
+        </p:cNvPr>
+        <p:cNvGrpSpPr/>
+        <p:nvPr/>
+      </p:nvGrpSpPr>
+      <p:grpSpPr>
+        <a:xfrm>
+          <a:off x="0" y="0"/>
+          <a:ext cx="0" cy="0"/>
+          <a:chOff x="0" y="0"/>
+          <a:chExt cx="0" cy="0"/>
+        </a:xfrm>
+      </p:grpSpPr>
+      <p:sp>
+        <p:nvSpPr>
+          <p:cNvPr id="12" name="사각형: 둥근 모서리 6">
+            <a:extLst>
+              <a:ext uri="{FF2B5EF4-FFF2-40B4-BE49-F238E27FC236}">
+                <a16:creationId xmlns:a16="http://schemas.microsoft.com/office/drawing/2014/main" id="{C4D03961-5E87-BF8D-5DDF-E2F17D9FF1C8}"/>
+              </a:ext>
+            </a:extLst>
+          </p:cNvPr>
+          <p:cNvSpPr/>
+          <p:nvPr/>
+        </p:nvSpPr>
+        <p:spPr>
+          <a:xfrm>
+            <a:off x="2267744" y="411510"/>
+            <a:ext cx="4248472" cy="3946977"/>
+          </a:xfrm>
+          <a:prstGeom prst="roundRect">
+            <a:avLst>
+              <a:gd name="adj" fmla="val 2699"/>
+            </a:avLst>
+          </a:prstGeom>
+          <a:ln w="12700">
+            <a:prstDash val="dash"/>
+          </a:ln>
+        </p:spPr>
+        <p:style>
+          <a:lnRef idx="2">
+            <a:schemeClr val="dk1"/>
+          </a:lnRef>
+          <a:fillRef idx="1">
+            <a:schemeClr val="lt1"/>
+          </a:fillRef>
+          <a:effectRef idx="0">
+            <a:schemeClr val="dk1"/>
+          </a:effectRef>
+          <a:fontRef idx="minor">
+            <a:schemeClr val="dk1"/>
+          </a:fontRef>
+        </p:style>
+        <p:txBody>
+          <a:bodyPr rtlCol="0" anchor="b"/>
+          <a:lstStyle/>
+          <a:p>
+            <a:pPr algn="ctr"/>
+            <a:r>
+              <a:rPr lang="en-US" altLang="ko-KR" sz="1000" dirty="0"/>
+              <a:t>Kafka Connect Cluster</a:t>
+            </a:r>
+            <a:endParaRPr lang="ko-KR" altLang="en-US" sz="1000" dirty="0"/>
+          </a:p>
+        </p:txBody>
+      </p:sp>
+      <p:sp>
+        <p:nvSpPr>
+          <p:cNvPr id="2" name="사각형: 둥근 모서리 6">
+            <a:extLst>
+              <a:ext uri="{FF2B5EF4-FFF2-40B4-BE49-F238E27FC236}">
+                <a16:creationId xmlns:a16="http://schemas.microsoft.com/office/drawing/2014/main" id="{B5EF0DFB-41FB-B2D0-7F88-7B57AECBB4B2}"/>
+              </a:ext>
+            </a:extLst>
+          </p:cNvPr>
+          <p:cNvSpPr/>
+          <p:nvPr/>
+        </p:nvSpPr>
+        <p:spPr>
+          <a:xfrm>
+            <a:off x="2411760" y="545320"/>
+            <a:ext cx="1224136" cy="3466591"/>
+          </a:xfrm>
+          <a:prstGeom prst="roundRect">
+            <a:avLst>
+              <a:gd name="adj" fmla="val 4353"/>
+            </a:avLst>
+          </a:prstGeom>
+          <a:ln w="12700"/>
+        </p:spPr>
+        <p:style>
+          <a:lnRef idx="2">
+            <a:schemeClr val="dk1"/>
+          </a:lnRef>
+          <a:fillRef idx="1">
+            <a:schemeClr val="lt1"/>
+          </a:fillRef>
+          <a:effectRef idx="0">
+            <a:schemeClr val="dk1"/>
+          </a:effectRef>
+          <a:fontRef idx="minor">
+            <a:schemeClr val="dk1"/>
+          </a:fontRef>
+        </p:style>
+        <p:txBody>
+          <a:bodyPr rtlCol="0" anchor="b"/>
+          <a:lstStyle/>
+          <a:p>
+            <a:pPr algn="ctr"/>
+            <a:r>
+              <a:rPr lang="en-US" altLang="ko-KR" sz="1000" b="1" dirty="0"/>
+              <a:t>Leader</a:t>
+            </a:r>
+          </a:p>
+          <a:p>
+            <a:pPr algn="ctr"/>
+            <a:r>
+              <a:rPr lang="en-US" altLang="ko-KR" sz="1000" dirty="0"/>
+              <a:t>Worker</a:t>
+            </a:r>
+          </a:p>
+        </p:txBody>
+      </p:sp>
+      <p:sp>
+        <p:nvSpPr>
+          <p:cNvPr id="3" name="사각형: 둥근 모서리 57">
+            <a:extLst>
+              <a:ext uri="{FF2B5EF4-FFF2-40B4-BE49-F238E27FC236}">
+                <a16:creationId xmlns:a16="http://schemas.microsoft.com/office/drawing/2014/main" id="{9BF59FEF-6D32-0822-ACC8-9B750B690575}"/>
+              </a:ext>
+            </a:extLst>
+          </p:cNvPr>
+          <p:cNvSpPr/>
+          <p:nvPr/>
+        </p:nvSpPr>
+        <p:spPr>
+          <a:xfrm>
+            <a:off x="3779912" y="534927"/>
+            <a:ext cx="1224136" cy="3476984"/>
+          </a:xfrm>
+          <a:prstGeom prst="roundRect">
+            <a:avLst>
+              <a:gd name="adj" fmla="val 5697"/>
+            </a:avLst>
+          </a:prstGeom>
+          <a:ln w="12700"/>
+        </p:spPr>
+        <p:style>
+          <a:lnRef idx="2">
+            <a:schemeClr val="dk1"/>
+          </a:lnRef>
+          <a:fillRef idx="1">
+            <a:schemeClr val="lt1"/>
+          </a:fillRef>
+          <a:effectRef idx="0">
+            <a:schemeClr val="dk1"/>
+          </a:effectRef>
+          <a:fontRef idx="minor">
+            <a:schemeClr val="dk1"/>
+          </a:fontRef>
+        </p:style>
+        <p:txBody>
+          <a:bodyPr rtlCol="0" anchor="b"/>
+          <a:lstStyle/>
+          <a:p>
+            <a:pPr algn="ctr"/>
+            <a:r>
+              <a:rPr lang="en-US" altLang="ko-KR" sz="1000" dirty="0"/>
+              <a:t>Worker</a:t>
+            </a:r>
+            <a:endParaRPr lang="ko-KR" altLang="en-US" sz="1000" dirty="0"/>
+          </a:p>
+        </p:txBody>
+      </p:sp>
+      <p:sp>
+        <p:nvSpPr>
+          <p:cNvPr id="7" name="사각형: 둥근 모서리 66">
+            <a:extLst>
+              <a:ext uri="{FF2B5EF4-FFF2-40B4-BE49-F238E27FC236}">
+                <a16:creationId xmlns:a16="http://schemas.microsoft.com/office/drawing/2014/main" id="{07F238ED-CDC2-3D1C-BAF2-920977E91B13}"/>
+              </a:ext>
+            </a:extLst>
+          </p:cNvPr>
+          <p:cNvSpPr/>
+          <p:nvPr/>
+        </p:nvSpPr>
+        <p:spPr>
+          <a:xfrm>
+            <a:off x="5148064" y="534927"/>
+            <a:ext cx="1224136" cy="3476984"/>
+          </a:xfrm>
+          <a:prstGeom prst="roundRect">
+            <a:avLst>
+              <a:gd name="adj" fmla="val 5249"/>
+            </a:avLst>
+          </a:prstGeom>
+          <a:ln w="12700"/>
+        </p:spPr>
+        <p:style>
+          <a:lnRef idx="2">
+            <a:schemeClr val="dk1"/>
+          </a:lnRef>
+          <a:fillRef idx="1">
+            <a:schemeClr val="lt1"/>
+          </a:fillRef>
+          <a:effectRef idx="0">
+            <a:schemeClr val="dk1"/>
+          </a:effectRef>
+          <a:fontRef idx="minor">
+            <a:schemeClr val="dk1"/>
+          </a:fontRef>
+        </p:style>
+        <p:txBody>
+          <a:bodyPr rtlCol="0" anchor="b"/>
+          <a:lstStyle/>
+          <a:p>
+            <a:pPr algn="ctr"/>
+            <a:r>
+              <a:rPr lang="en-US" altLang="ko-KR" sz="1000" dirty="0"/>
+              <a:t>Worker</a:t>
+            </a:r>
+            <a:endParaRPr lang="ko-KR" altLang="en-US" sz="1000" dirty="0"/>
+          </a:p>
+        </p:txBody>
+      </p:sp>
+      <p:sp>
+        <p:nvSpPr>
+          <p:cNvPr id="8" name="사각형: 둥근 모서리 54">
+            <a:extLst>
+              <a:ext uri="{FF2B5EF4-FFF2-40B4-BE49-F238E27FC236}">
+                <a16:creationId xmlns:a16="http://schemas.microsoft.com/office/drawing/2014/main" id="{BBF1D0F4-16A5-6A88-9FAD-AB05359A946F}"/>
+              </a:ext>
+            </a:extLst>
+          </p:cNvPr>
+          <p:cNvSpPr/>
+          <p:nvPr/>
+        </p:nvSpPr>
+        <p:spPr>
+          <a:xfrm>
+            <a:off x="2484672" y="606935"/>
+            <a:ext cx="1078312" cy="648072"/>
+          </a:xfrm>
+          <a:prstGeom prst="roundRect">
+            <a:avLst>
+              <a:gd name="adj" fmla="val 11768"/>
+            </a:avLst>
+          </a:prstGeom>
+          <a:solidFill>
+            <a:schemeClr val="bg1">
+              <a:lumMod val="95000"/>
+            </a:schemeClr>
+          </a:solidFill>
+          <a:ln w="12700"/>
+        </p:spPr>
+        <p:style>
+          <a:lnRef idx="2">
+            <a:schemeClr val="dk1"/>
+          </a:lnRef>
+          <a:fillRef idx="1">
+            <a:schemeClr val="lt1"/>
+          </a:fillRef>
+          <a:effectRef idx="0">
+            <a:schemeClr val="dk1"/>
+          </a:effectRef>
+          <a:fontRef idx="minor">
+            <a:schemeClr val="dk1"/>
+          </a:fontRef>
+        </p:style>
+        <p:txBody>
+          <a:bodyPr rtlCol="0" anchor="t"/>
+          <a:lstStyle/>
+          <a:p>
+            <a:r>
+              <a:rPr lang="en-US" altLang="ko-KR" sz="1000"/>
+              <a:t>Connector A</a:t>
+            </a:r>
+          </a:p>
+          <a:p>
+            <a:r>
+              <a:rPr lang="en-US" altLang="ko-KR" sz="1000"/>
+              <a:t>Instance</a:t>
+            </a:r>
+            <a:endParaRPr lang="ko-KR" altLang="en-US" sz="1000" dirty="0"/>
+          </a:p>
+        </p:txBody>
+      </p:sp>
+      <p:sp>
+        <p:nvSpPr>
+          <p:cNvPr id="14" name="사각형: 둥근 모서리 54">
+            <a:extLst>
+              <a:ext uri="{FF2B5EF4-FFF2-40B4-BE49-F238E27FC236}">
+                <a16:creationId xmlns:a16="http://schemas.microsoft.com/office/drawing/2014/main" id="{6D9FA214-AF27-59F6-A8A3-5349B5B4BA74}"/>
+              </a:ext>
+            </a:extLst>
+          </p:cNvPr>
+          <p:cNvSpPr/>
+          <p:nvPr/>
+        </p:nvSpPr>
+        <p:spPr>
+          <a:xfrm>
+            <a:off x="2484672" y="1342451"/>
+            <a:ext cx="1078312" cy="648072"/>
+          </a:xfrm>
+          <a:prstGeom prst="roundRect">
+            <a:avLst>
+              <a:gd name="adj" fmla="val 11768"/>
+            </a:avLst>
+          </a:prstGeom>
+          <a:solidFill>
+            <a:schemeClr val="bg1">
+              <a:lumMod val="95000"/>
+            </a:schemeClr>
+          </a:solidFill>
+          <a:ln w="12700"/>
+        </p:spPr>
+        <p:style>
+          <a:lnRef idx="2">
+            <a:schemeClr val="dk1"/>
+          </a:lnRef>
+          <a:fillRef idx="1">
+            <a:schemeClr val="lt1"/>
+          </a:fillRef>
+          <a:effectRef idx="0">
+            <a:schemeClr val="dk1"/>
+          </a:effectRef>
+          <a:fontRef idx="minor">
+            <a:schemeClr val="dk1"/>
+          </a:fontRef>
+        </p:style>
+        <p:txBody>
+          <a:bodyPr rtlCol="0" anchor="t"/>
+          <a:lstStyle/>
+          <a:p>
+            <a:r>
+              <a:rPr lang="en-US" altLang="ko-KR" sz="1000"/>
+              <a:t>Connector A</a:t>
+            </a:r>
+          </a:p>
+          <a:p>
+            <a:r>
+              <a:rPr lang="en-US" altLang="ko-KR" sz="1000"/>
+              <a:t>Task 1</a:t>
+            </a:r>
+          </a:p>
+          <a:p>
+            <a:r>
+              <a:rPr lang="en-US" altLang="ko-KR" sz="1000" dirty="0"/>
+              <a:t>Partition 1,2</a:t>
+            </a:r>
+            <a:endParaRPr lang="ko-KR" altLang="en-US" sz="1000" dirty="0"/>
+          </a:p>
+        </p:txBody>
+      </p:sp>
+      <p:sp>
+        <p:nvSpPr>
+          <p:cNvPr id="15" name="사각형: 둥근 모서리 54">
+            <a:extLst>
+              <a:ext uri="{FF2B5EF4-FFF2-40B4-BE49-F238E27FC236}">
+                <a16:creationId xmlns:a16="http://schemas.microsoft.com/office/drawing/2014/main" id="{773A3303-DC92-DA29-1C5A-BB97699A7553}"/>
+              </a:ext>
+            </a:extLst>
+          </p:cNvPr>
+          <p:cNvSpPr/>
+          <p:nvPr/>
+        </p:nvSpPr>
+        <p:spPr>
+          <a:xfrm>
+            <a:off x="3852824" y="606935"/>
+            <a:ext cx="1078312" cy="648072"/>
+          </a:xfrm>
+          <a:prstGeom prst="roundRect">
+            <a:avLst>
+              <a:gd name="adj" fmla="val 11768"/>
+            </a:avLst>
+          </a:prstGeom>
+          <a:solidFill>
+            <a:schemeClr val="bg2">
+              <a:lumMod val="90000"/>
+            </a:schemeClr>
+          </a:solidFill>
+          <a:ln w="12700"/>
+        </p:spPr>
+        <p:style>
+          <a:lnRef idx="2">
+            <a:schemeClr val="dk1"/>
+          </a:lnRef>
+          <a:fillRef idx="1">
+            <a:schemeClr val="lt1"/>
+          </a:fillRef>
+          <a:effectRef idx="0">
+            <a:schemeClr val="dk1"/>
+          </a:effectRef>
+          <a:fontRef idx="minor">
+            <a:schemeClr val="dk1"/>
+          </a:fontRef>
+        </p:style>
+        <p:txBody>
+          <a:bodyPr rtlCol="0" anchor="t"/>
+          <a:lstStyle/>
+          <a:p>
+            <a:r>
+              <a:rPr lang="en-US" altLang="ko-KR" sz="1000"/>
+              <a:t>Connector B</a:t>
+            </a:r>
+          </a:p>
+          <a:p>
+            <a:r>
+              <a:rPr lang="en-US" altLang="ko-KR" sz="1000"/>
+              <a:t>Instance</a:t>
+            </a:r>
+            <a:endParaRPr lang="ko-KR" altLang="en-US" sz="1000" dirty="0"/>
+          </a:p>
+        </p:txBody>
+      </p:sp>
+      <p:sp>
+        <p:nvSpPr>
+          <p:cNvPr id="16" name="사각형: 둥근 모서리 54">
+            <a:extLst>
+              <a:ext uri="{FF2B5EF4-FFF2-40B4-BE49-F238E27FC236}">
+                <a16:creationId xmlns:a16="http://schemas.microsoft.com/office/drawing/2014/main" id="{15DCB7C9-7A37-EC5A-44D7-D6EEB81E1D98}"/>
+              </a:ext>
+            </a:extLst>
+          </p:cNvPr>
+          <p:cNvSpPr/>
+          <p:nvPr/>
+        </p:nvSpPr>
+        <p:spPr>
+          <a:xfrm>
+            <a:off x="5220976" y="606935"/>
+            <a:ext cx="1078312" cy="648072"/>
+          </a:xfrm>
+          <a:prstGeom prst="roundRect">
+            <a:avLst>
+              <a:gd name="adj" fmla="val 11768"/>
+            </a:avLst>
+          </a:prstGeom>
+          <a:solidFill>
+            <a:schemeClr val="bg1">
+              <a:lumMod val="95000"/>
+            </a:schemeClr>
+          </a:solidFill>
+          <a:ln w="12700"/>
+        </p:spPr>
+        <p:style>
+          <a:lnRef idx="2">
+            <a:schemeClr val="dk1"/>
+          </a:lnRef>
+          <a:fillRef idx="1">
+            <a:schemeClr val="lt1"/>
+          </a:fillRef>
+          <a:effectRef idx="0">
+            <a:schemeClr val="dk1"/>
+          </a:effectRef>
+          <a:fontRef idx="minor">
+            <a:schemeClr val="dk1"/>
+          </a:fontRef>
+        </p:style>
+        <p:txBody>
+          <a:bodyPr rtlCol="0" anchor="t"/>
+          <a:lstStyle/>
+          <a:p>
+            <a:r>
+              <a:rPr lang="en-US" altLang="ko-KR" sz="1000"/>
+              <a:t>Connector A</a:t>
+            </a:r>
+          </a:p>
+          <a:p>
+            <a:r>
+              <a:rPr lang="en-US" altLang="ko-KR" sz="1000"/>
+              <a:t>Task 3</a:t>
+            </a:r>
+          </a:p>
+          <a:p>
+            <a:r>
+              <a:rPr lang="en-US" altLang="ko-KR" sz="1000" dirty="0"/>
+              <a:t>Partition 5,6</a:t>
+            </a:r>
+            <a:endParaRPr lang="ko-KR" altLang="en-US" sz="1000" dirty="0"/>
+          </a:p>
+        </p:txBody>
+      </p:sp>
+      <p:sp>
+        <p:nvSpPr>
+          <p:cNvPr id="17" name="사각형: 둥근 모서리 54">
+            <a:extLst>
+              <a:ext uri="{FF2B5EF4-FFF2-40B4-BE49-F238E27FC236}">
+                <a16:creationId xmlns:a16="http://schemas.microsoft.com/office/drawing/2014/main" id="{FF69C6CB-7D8E-766E-FB0F-728FC38DE6F6}"/>
+              </a:ext>
+            </a:extLst>
+          </p:cNvPr>
+          <p:cNvSpPr/>
+          <p:nvPr/>
+        </p:nvSpPr>
+        <p:spPr>
+          <a:xfrm>
+            <a:off x="2484672" y="2077967"/>
+            <a:ext cx="1078312" cy="648072"/>
+          </a:xfrm>
+          <a:prstGeom prst="roundRect">
+            <a:avLst>
+              <a:gd name="adj" fmla="val 11768"/>
+            </a:avLst>
+          </a:prstGeom>
+          <a:solidFill>
+            <a:schemeClr val="bg2">
+              <a:lumMod val="90000"/>
+            </a:schemeClr>
+          </a:solidFill>
+          <a:ln w="12700"/>
+        </p:spPr>
+        <p:style>
+          <a:lnRef idx="2">
+            <a:schemeClr val="dk1"/>
+          </a:lnRef>
+          <a:fillRef idx="1">
+            <a:schemeClr val="lt1"/>
+          </a:fillRef>
+          <a:effectRef idx="0">
+            <a:schemeClr val="dk1"/>
+          </a:effectRef>
+          <a:fontRef idx="minor">
+            <a:schemeClr val="dk1"/>
+          </a:fontRef>
+        </p:style>
+        <p:txBody>
+          <a:bodyPr rtlCol="0" anchor="t"/>
+          <a:lstStyle/>
+          <a:p>
+            <a:r>
+              <a:rPr lang="en-US" altLang="ko-KR" sz="1000"/>
+              <a:t>Connector B</a:t>
+            </a:r>
+          </a:p>
+          <a:p>
+            <a:r>
+              <a:rPr lang="en-US" altLang="ko-KR" sz="1000"/>
+              <a:t>Task 1</a:t>
+            </a:r>
+          </a:p>
+          <a:p>
+            <a:r>
+              <a:rPr lang="en-US" altLang="ko-KR" sz="1000" dirty="0"/>
+              <a:t>Partition 1,2,3</a:t>
+            </a:r>
+            <a:endParaRPr lang="ko-KR" altLang="en-US" sz="1000" dirty="0"/>
+          </a:p>
+        </p:txBody>
+      </p:sp>
+      <p:sp>
+        <p:nvSpPr>
+          <p:cNvPr id="18" name="사각형: 둥근 모서리 54">
+            <a:extLst>
+              <a:ext uri="{FF2B5EF4-FFF2-40B4-BE49-F238E27FC236}">
+                <a16:creationId xmlns:a16="http://schemas.microsoft.com/office/drawing/2014/main" id="{1D44539E-BADC-E48B-382E-E42376295DAA}"/>
+              </a:ext>
+            </a:extLst>
+          </p:cNvPr>
+          <p:cNvSpPr/>
+          <p:nvPr/>
+        </p:nvSpPr>
+        <p:spPr>
+          <a:xfrm>
+            <a:off x="3852824" y="1342451"/>
+            <a:ext cx="1078312" cy="648072"/>
+          </a:xfrm>
+          <a:prstGeom prst="roundRect">
+            <a:avLst>
+              <a:gd name="adj" fmla="val 11768"/>
+            </a:avLst>
+          </a:prstGeom>
+          <a:solidFill>
+            <a:schemeClr val="bg1">
+              <a:lumMod val="95000"/>
+            </a:schemeClr>
+          </a:solidFill>
+          <a:ln w="12700"/>
+        </p:spPr>
+        <p:style>
+          <a:lnRef idx="2">
+            <a:schemeClr val="dk1"/>
+          </a:lnRef>
+          <a:fillRef idx="1">
+            <a:schemeClr val="lt1"/>
+          </a:fillRef>
+          <a:effectRef idx="0">
+            <a:schemeClr val="dk1"/>
+          </a:effectRef>
+          <a:fontRef idx="minor">
+            <a:schemeClr val="dk1"/>
+          </a:fontRef>
+        </p:style>
+        <p:txBody>
+          <a:bodyPr rtlCol="0" anchor="t"/>
+          <a:lstStyle/>
+          <a:p>
+            <a:r>
+              <a:rPr lang="en-US" altLang="ko-KR" sz="1000"/>
+              <a:t>Connector A</a:t>
+            </a:r>
+          </a:p>
+          <a:p>
+            <a:r>
+              <a:rPr lang="en-US" altLang="ko-KR" sz="1000"/>
+              <a:t>Task 2</a:t>
+            </a:r>
+          </a:p>
+          <a:p>
+            <a:r>
+              <a:rPr lang="en-US" altLang="ko-KR" sz="1000" dirty="0"/>
+              <a:t>Partition 3,4</a:t>
+            </a:r>
+            <a:endParaRPr lang="ko-KR" altLang="en-US" sz="1000" dirty="0"/>
+          </a:p>
+        </p:txBody>
+      </p:sp>
+      <p:sp>
+        <p:nvSpPr>
+          <p:cNvPr id="19" name="사각형: 둥근 모서리 54">
+            <a:extLst>
+              <a:ext uri="{FF2B5EF4-FFF2-40B4-BE49-F238E27FC236}">
+                <a16:creationId xmlns:a16="http://schemas.microsoft.com/office/drawing/2014/main" id="{D3F537AD-BF34-C2D1-F120-C3348C13BB27}"/>
+              </a:ext>
+            </a:extLst>
+          </p:cNvPr>
+          <p:cNvSpPr/>
+          <p:nvPr/>
+        </p:nvSpPr>
+        <p:spPr>
+          <a:xfrm>
+            <a:off x="5220976" y="1348583"/>
+            <a:ext cx="1078312" cy="648072"/>
+          </a:xfrm>
+          <a:prstGeom prst="roundRect">
+            <a:avLst>
+              <a:gd name="adj" fmla="val 11768"/>
+            </a:avLst>
+          </a:prstGeom>
+          <a:solidFill>
+            <a:schemeClr val="bg2">
+              <a:lumMod val="90000"/>
+            </a:schemeClr>
+          </a:solidFill>
+          <a:ln w="12700"/>
+        </p:spPr>
+        <p:style>
+          <a:lnRef idx="2">
+            <a:schemeClr val="dk1"/>
+          </a:lnRef>
+          <a:fillRef idx="1">
+            <a:schemeClr val="lt1"/>
+          </a:fillRef>
+          <a:effectRef idx="0">
+            <a:schemeClr val="dk1"/>
+          </a:effectRef>
+          <a:fontRef idx="minor">
+            <a:schemeClr val="dk1"/>
+          </a:fontRef>
+        </p:style>
+        <p:txBody>
+          <a:bodyPr rtlCol="0" anchor="t"/>
+          <a:lstStyle/>
+          <a:p>
+            <a:r>
+              <a:rPr lang="en-US" altLang="ko-KR" sz="1000"/>
+              <a:t>Connector B</a:t>
+            </a:r>
+          </a:p>
+          <a:p>
+            <a:r>
+              <a:rPr lang="en-US" altLang="ko-KR" sz="1000"/>
+              <a:t>Task 2</a:t>
+            </a:r>
+          </a:p>
+          <a:p>
+            <a:r>
+              <a:rPr lang="en-US" altLang="ko-KR" sz="1000" dirty="0"/>
+              <a:t>Partition 5,6,7</a:t>
+            </a:r>
+            <a:endParaRPr lang="ko-KR" altLang="en-US" sz="1000" dirty="0"/>
+          </a:p>
+        </p:txBody>
+      </p:sp>
+      <p:cxnSp>
+        <p:nvCxnSpPr>
+          <p:cNvPr id="21" name="Straight Arrow Connector 20">
+            <a:extLst>
+              <a:ext uri="{FF2B5EF4-FFF2-40B4-BE49-F238E27FC236}">
+                <a16:creationId xmlns:a16="http://schemas.microsoft.com/office/drawing/2014/main" id="{DEC42979-DB6B-D275-5395-90FCD5985512}"/>
+              </a:ext>
+            </a:extLst>
+          </p:cNvPr>
+          <p:cNvCxnSpPr>
+            <a:cxnSpLocks/>
+            <a:endCxn id="12" idx="0"/>
+          </p:cNvCxnSpPr>
+          <p:nvPr/>
+        </p:nvCxnSpPr>
+        <p:spPr>
+          <a:xfrm>
+            <a:off x="4391980" y="102879"/>
+            <a:ext cx="0" cy="308631"/>
+          </a:xfrm>
+          <a:prstGeom prst="straightConnector1">
+            <a:avLst/>
+          </a:prstGeom>
+          <a:ln>
+            <a:solidFill>
+              <a:schemeClr val="tx1"/>
+            </a:solidFill>
+            <a:tailEnd type="triangle"/>
+          </a:ln>
+        </p:spPr>
+        <p:style>
+          <a:lnRef idx="1">
+            <a:schemeClr val="accent1"/>
+          </a:lnRef>
+          <a:fillRef idx="0">
+            <a:schemeClr val="accent1"/>
+          </a:fillRef>
+          <a:effectRef idx="0">
+            <a:schemeClr val="accent1"/>
+          </a:effectRef>
+          <a:fontRef idx="minor">
+            <a:schemeClr val="tx1"/>
+          </a:fontRef>
+        </p:style>
+      </p:cxnSp>
+      <p:sp>
+        <p:nvSpPr>
+          <p:cNvPr id="22" name="TextBox 21">
+            <a:extLst>
+              <a:ext uri="{FF2B5EF4-FFF2-40B4-BE49-F238E27FC236}">
+                <a16:creationId xmlns:a16="http://schemas.microsoft.com/office/drawing/2014/main" id="{CC3D8112-4F26-707D-1493-BAAF89370CA5}"/>
+              </a:ext>
+            </a:extLst>
+          </p:cNvPr>
+          <p:cNvSpPr txBox="1"/>
+          <p:nvPr/>
+        </p:nvSpPr>
+        <p:spPr>
+          <a:xfrm>
+            <a:off x="4391980" y="121960"/>
+            <a:ext cx="716863" cy="261610"/>
+          </a:xfrm>
+          <a:prstGeom prst="rect">
+            <a:avLst/>
+          </a:prstGeom>
+          <a:noFill/>
+        </p:spPr>
+        <p:txBody>
+          <a:bodyPr wrap="none" rtlCol="0">
+            <a:spAutoFit/>
+          </a:bodyPr>
+          <a:lstStyle/>
+          <a:p>
+            <a:r>
+              <a:rPr lang="en-KR" sz="1050" i="1"/>
+              <a:t>Rest API</a:t>
+            </a:r>
+          </a:p>
+        </p:txBody>
+      </p:sp>
+      <p:sp>
+        <p:nvSpPr>
+          <p:cNvPr id="4" name="사각형: 둥근 모서리 54">
+            <a:extLst>
+              <a:ext uri="{FF2B5EF4-FFF2-40B4-BE49-F238E27FC236}">
+                <a16:creationId xmlns:a16="http://schemas.microsoft.com/office/drawing/2014/main" id="{9FDD7A01-6D2F-7896-41CB-CF3AD95A7312}"/>
+              </a:ext>
+            </a:extLst>
+          </p:cNvPr>
+          <p:cNvSpPr/>
+          <p:nvPr/>
+        </p:nvSpPr>
+        <p:spPr>
+          <a:xfrm>
+            <a:off x="2267744" y="4414827"/>
+            <a:ext cx="3816415" cy="527913"/>
+          </a:xfrm>
+          <a:prstGeom prst="roundRect">
+            <a:avLst/>
+          </a:prstGeom>
+          <a:noFill/>
+          <a:ln w="12700">
+            <a:noFill/>
+          </a:ln>
+        </p:spPr>
+        <p:style>
+          <a:lnRef idx="2">
+            <a:schemeClr val="dk1"/>
+          </a:lnRef>
+          <a:fillRef idx="1">
+            <a:schemeClr val="lt1"/>
+          </a:fillRef>
+          <a:effectRef idx="0">
+            <a:schemeClr val="dk1"/>
+          </a:effectRef>
+          <a:fontRef idx="minor">
+            <a:schemeClr val="dk1"/>
+          </a:fontRef>
+        </p:style>
+        <p:txBody>
+          <a:bodyPr rtlCol="0" anchor="ctr"/>
+          <a:lstStyle/>
+          <a:p>
+            <a:r>
+              <a:rPr lang="en-US" altLang="ko-KR" sz="1000" b="1" dirty="0"/>
+              <a:t>Worker</a:t>
+            </a:r>
+            <a:r>
+              <a:rPr lang="en-US" altLang="ko-KR" sz="1000" dirty="0"/>
+              <a:t> : Process</a:t>
+            </a:r>
+          </a:p>
+          <a:p>
+            <a:r>
+              <a:rPr lang="en-US" altLang="ko-KR" sz="1000" b="1" dirty="0"/>
+              <a:t>Connector Instance, Task </a:t>
+            </a:r>
+            <a:r>
+              <a:rPr lang="en-US" altLang="ko-KR" sz="1000" dirty="0"/>
+              <a:t>: Thread</a:t>
+            </a:r>
+          </a:p>
+          <a:p>
+            <a:r>
+              <a:rPr lang="en-US" altLang="ko-KR" sz="1000" b="1" dirty="0"/>
+              <a:t>Converter, Transforms </a:t>
+            </a:r>
+            <a:r>
+              <a:rPr lang="en-US" altLang="ko-KR" sz="1000" dirty="0"/>
+              <a:t>: Class</a:t>
+            </a:r>
+            <a:endParaRPr lang="ko-KR" altLang="en-US" sz="1000" dirty="0"/>
+          </a:p>
+        </p:txBody>
+      </p:sp>
+      <p:sp>
+        <p:nvSpPr>
+          <p:cNvPr id="23" name="사각형: 둥근 모서리 54">
+            <a:extLst>
+              <a:ext uri="{FF2B5EF4-FFF2-40B4-BE49-F238E27FC236}">
+                <a16:creationId xmlns:a16="http://schemas.microsoft.com/office/drawing/2014/main" id="{F7A51299-3B3F-BDC0-360F-32950B122522}"/>
+              </a:ext>
+            </a:extLst>
+          </p:cNvPr>
+          <p:cNvSpPr/>
+          <p:nvPr/>
+        </p:nvSpPr>
+        <p:spPr>
+          <a:xfrm>
+            <a:off x="2484672" y="2813483"/>
+            <a:ext cx="1078312" cy="340933"/>
+          </a:xfrm>
+          <a:prstGeom prst="roundRect">
+            <a:avLst/>
+          </a:prstGeom>
+          <a:ln w="12700"/>
+        </p:spPr>
+        <p:style>
+          <a:lnRef idx="2">
+            <a:schemeClr val="dk1"/>
+          </a:lnRef>
+          <a:fillRef idx="1">
+            <a:schemeClr val="lt1"/>
+          </a:fillRef>
+          <a:effectRef idx="0">
+            <a:schemeClr val="dk1"/>
+          </a:effectRef>
+          <a:fontRef idx="minor">
+            <a:schemeClr val="dk1"/>
+          </a:fontRef>
+        </p:style>
+        <p:txBody>
+          <a:bodyPr rtlCol="0" anchor="ctr"/>
+          <a:lstStyle/>
+          <a:p>
+            <a:pPr algn="ctr"/>
+            <a:r>
+              <a:rPr lang="en-US" altLang="ko-KR" sz="1000" dirty="0"/>
+              <a:t>Converter</a:t>
+            </a:r>
+            <a:endParaRPr lang="ko-KR" altLang="en-US" sz="1000" dirty="0"/>
+          </a:p>
+        </p:txBody>
+      </p:sp>
+      <p:sp>
+        <p:nvSpPr>
+          <p:cNvPr id="25" name="사각형: 둥근 모서리 54">
+            <a:extLst>
+              <a:ext uri="{FF2B5EF4-FFF2-40B4-BE49-F238E27FC236}">
+                <a16:creationId xmlns:a16="http://schemas.microsoft.com/office/drawing/2014/main" id="{EE9C7B33-24C3-CC10-FC7E-9F7C2D588003}"/>
+              </a:ext>
+            </a:extLst>
+          </p:cNvPr>
+          <p:cNvSpPr/>
+          <p:nvPr/>
+        </p:nvSpPr>
+        <p:spPr>
+          <a:xfrm>
+            <a:off x="2484672" y="3241860"/>
+            <a:ext cx="1078312" cy="340933"/>
+          </a:xfrm>
+          <a:prstGeom prst="roundRect">
+            <a:avLst/>
+          </a:prstGeom>
+          <a:ln w="12700"/>
+        </p:spPr>
+        <p:style>
+          <a:lnRef idx="2">
+            <a:schemeClr val="dk1"/>
+          </a:lnRef>
+          <a:fillRef idx="1">
+            <a:schemeClr val="lt1"/>
+          </a:fillRef>
+          <a:effectRef idx="0">
+            <a:schemeClr val="dk1"/>
+          </a:effectRef>
+          <a:fontRef idx="minor">
+            <a:schemeClr val="dk1"/>
+          </a:fontRef>
+        </p:style>
+        <p:txBody>
+          <a:bodyPr rtlCol="0" anchor="ctr"/>
+          <a:lstStyle/>
+          <a:p>
+            <a:pPr algn="ctr"/>
+            <a:r>
+              <a:rPr lang="en-US" altLang="ko-KR" sz="1000" dirty="0"/>
+              <a:t>Transforms</a:t>
+            </a:r>
+            <a:endParaRPr lang="ko-KR" altLang="en-US" sz="1000" dirty="0"/>
+          </a:p>
+        </p:txBody>
+      </p:sp>
+      <p:sp>
+        <p:nvSpPr>
+          <p:cNvPr id="27" name="사각형: 둥근 모서리 54">
+            <a:extLst>
+              <a:ext uri="{FF2B5EF4-FFF2-40B4-BE49-F238E27FC236}">
+                <a16:creationId xmlns:a16="http://schemas.microsoft.com/office/drawing/2014/main" id="{E05AFAF3-DC61-04CF-F808-F374B891EE0C}"/>
+              </a:ext>
+            </a:extLst>
+          </p:cNvPr>
+          <p:cNvSpPr/>
+          <p:nvPr/>
+        </p:nvSpPr>
+        <p:spPr>
+          <a:xfrm>
+            <a:off x="3852824" y="2813483"/>
+            <a:ext cx="1078312" cy="340933"/>
+          </a:xfrm>
+          <a:prstGeom prst="roundRect">
+            <a:avLst/>
+          </a:prstGeom>
+          <a:ln w="12700"/>
+        </p:spPr>
+        <p:style>
+          <a:lnRef idx="2">
+            <a:schemeClr val="dk1"/>
+          </a:lnRef>
+          <a:fillRef idx="1">
+            <a:schemeClr val="lt1"/>
+          </a:fillRef>
+          <a:effectRef idx="0">
+            <a:schemeClr val="dk1"/>
+          </a:effectRef>
+          <a:fontRef idx="minor">
+            <a:schemeClr val="dk1"/>
+          </a:fontRef>
+        </p:style>
+        <p:txBody>
+          <a:bodyPr rtlCol="0" anchor="ctr"/>
+          <a:lstStyle/>
+          <a:p>
+            <a:pPr algn="ctr"/>
+            <a:r>
+              <a:rPr lang="en-US" altLang="ko-KR" sz="1000" dirty="0"/>
+              <a:t>Converter</a:t>
+            </a:r>
+            <a:endParaRPr lang="ko-KR" altLang="en-US" sz="1000" dirty="0"/>
+          </a:p>
+        </p:txBody>
+      </p:sp>
+      <p:sp>
+        <p:nvSpPr>
+          <p:cNvPr id="28" name="사각형: 둥근 모서리 54">
+            <a:extLst>
+              <a:ext uri="{FF2B5EF4-FFF2-40B4-BE49-F238E27FC236}">
+                <a16:creationId xmlns:a16="http://schemas.microsoft.com/office/drawing/2014/main" id="{9295135A-54A3-4ADF-EDA8-F9002EB44C53}"/>
+              </a:ext>
+            </a:extLst>
+          </p:cNvPr>
+          <p:cNvSpPr/>
+          <p:nvPr/>
+        </p:nvSpPr>
+        <p:spPr>
+          <a:xfrm>
+            <a:off x="3852824" y="3241860"/>
+            <a:ext cx="1078312" cy="340933"/>
+          </a:xfrm>
+          <a:prstGeom prst="roundRect">
+            <a:avLst/>
+          </a:prstGeom>
+          <a:ln w="12700"/>
+        </p:spPr>
+        <p:style>
+          <a:lnRef idx="2">
+            <a:schemeClr val="dk1"/>
+          </a:lnRef>
+          <a:fillRef idx="1">
+            <a:schemeClr val="lt1"/>
+          </a:fillRef>
+          <a:effectRef idx="0">
+            <a:schemeClr val="dk1"/>
+          </a:effectRef>
+          <a:fontRef idx="minor">
+            <a:schemeClr val="dk1"/>
+          </a:fontRef>
+        </p:style>
+        <p:txBody>
+          <a:bodyPr rtlCol="0" anchor="ctr"/>
+          <a:lstStyle/>
+          <a:p>
+            <a:pPr algn="ctr"/>
+            <a:r>
+              <a:rPr lang="en-US" altLang="ko-KR" sz="1000" dirty="0"/>
+              <a:t>Transform</a:t>
+            </a:r>
+            <a:endParaRPr lang="ko-KR" altLang="en-US" sz="1000" dirty="0"/>
+          </a:p>
+        </p:txBody>
+      </p:sp>
+      <p:sp>
+        <p:nvSpPr>
+          <p:cNvPr id="29" name="사각형: 둥근 모서리 54">
+            <a:extLst>
+              <a:ext uri="{FF2B5EF4-FFF2-40B4-BE49-F238E27FC236}">
+                <a16:creationId xmlns:a16="http://schemas.microsoft.com/office/drawing/2014/main" id="{AA195181-6B72-6E8F-5B02-AE14E691115D}"/>
+              </a:ext>
+            </a:extLst>
+          </p:cNvPr>
+          <p:cNvSpPr/>
+          <p:nvPr/>
+        </p:nvSpPr>
+        <p:spPr>
+          <a:xfrm>
+            <a:off x="5220976" y="2814454"/>
+            <a:ext cx="1078312" cy="340933"/>
+          </a:xfrm>
+          <a:prstGeom prst="roundRect">
+            <a:avLst/>
+          </a:prstGeom>
+          <a:ln w="12700"/>
+        </p:spPr>
+        <p:style>
+          <a:lnRef idx="2">
+            <a:schemeClr val="dk1"/>
+          </a:lnRef>
+          <a:fillRef idx="1">
+            <a:schemeClr val="lt1"/>
+          </a:fillRef>
+          <a:effectRef idx="0">
+            <a:schemeClr val="dk1"/>
+          </a:effectRef>
+          <a:fontRef idx="minor">
+            <a:schemeClr val="dk1"/>
+          </a:fontRef>
+        </p:style>
+        <p:txBody>
+          <a:bodyPr rtlCol="0" anchor="ctr"/>
+          <a:lstStyle/>
+          <a:p>
+            <a:pPr algn="ctr"/>
+            <a:r>
+              <a:rPr lang="en-US" altLang="ko-KR" sz="1000" dirty="0"/>
+              <a:t>Converter</a:t>
+            </a:r>
+            <a:endParaRPr lang="ko-KR" altLang="en-US" sz="1000" dirty="0"/>
+          </a:p>
+        </p:txBody>
+      </p:sp>
+      <p:sp>
+        <p:nvSpPr>
+          <p:cNvPr id="30" name="사각형: 둥근 모서리 54">
+            <a:extLst>
+              <a:ext uri="{FF2B5EF4-FFF2-40B4-BE49-F238E27FC236}">
+                <a16:creationId xmlns:a16="http://schemas.microsoft.com/office/drawing/2014/main" id="{76878769-BB09-131C-D865-E693637EF879}"/>
+              </a:ext>
+            </a:extLst>
+          </p:cNvPr>
+          <p:cNvSpPr/>
+          <p:nvPr/>
+        </p:nvSpPr>
+        <p:spPr>
+          <a:xfrm>
+            <a:off x="5220976" y="3242831"/>
+            <a:ext cx="1078312" cy="340933"/>
+          </a:xfrm>
+          <a:prstGeom prst="roundRect">
+            <a:avLst/>
+          </a:prstGeom>
+          <a:ln w="12700"/>
+        </p:spPr>
+        <p:style>
+          <a:lnRef idx="2">
+            <a:schemeClr val="dk1"/>
+          </a:lnRef>
+          <a:fillRef idx="1">
+            <a:schemeClr val="lt1"/>
+          </a:fillRef>
+          <a:effectRef idx="0">
+            <a:schemeClr val="dk1"/>
+          </a:effectRef>
+          <a:fontRef idx="minor">
+            <a:schemeClr val="dk1"/>
+          </a:fontRef>
+        </p:style>
+        <p:txBody>
+          <a:bodyPr rtlCol="0" anchor="ctr"/>
+          <a:lstStyle/>
+          <a:p>
+            <a:pPr algn="ctr"/>
+            <a:r>
+              <a:rPr lang="en-US" altLang="ko-KR" sz="1000" dirty="0"/>
+              <a:t>Transforms</a:t>
+            </a:r>
+            <a:endParaRPr lang="ko-KR" altLang="en-US" sz="1000" dirty="0"/>
+          </a:p>
+        </p:txBody>
+      </p:sp>
+    </p:spTree>
+    <p:extLst>
+      <p:ext uri="{BB962C8B-B14F-4D97-AF65-F5344CB8AC3E}">
+        <p14:creationId xmlns:p14="http://schemas.microsoft.com/office/powerpoint/2010/main" val="3876049359"/>
+      </p:ext>
+    </p:extLst>
+  </p:cSld>
+  <p:clrMapOvr>
+    <a:masterClrMapping/>
+  </p:clrMapOvr>
+</p:sld>
+</file>
+
+<file path=ppt/slides/slide7.xml><?xml version="1.0" encoding="utf-8"?>
+<p:sld xmlns:a="http://schemas.openxmlformats.org/drawingml/2006/main" xmlns:r="http://schemas.openxmlformats.org/officeDocument/2006/relationships" xmlns:p="http://schemas.openxmlformats.org/presentationml/2006/main">
+  <p:cSld>
+    <p:spTree>
+      <p:nvGrpSpPr>
+        <p:cNvPr id="1" name="">
+          <a:extLst>
+            <a:ext uri="{FF2B5EF4-FFF2-40B4-BE49-F238E27FC236}">
               <a16:creationId xmlns:a16="http://schemas.microsoft.com/office/drawing/2014/main" id="{78AABCDA-3315-2CBC-FC97-9F3C790C1B59}"/>
             </a:ext>
           </a:extLst>
@@ -8181,7 +11129,7 @@
 </p:sld>
 </file>
 
-<file path=ppt/slides/slide6.xml><?xml version="1.0" encoding="utf-8"?>
+<file path=ppt/slides/slide8.xml><?xml version="1.0" encoding="utf-8"?>
 <p:sld xmlns:a="http://schemas.openxmlformats.org/drawingml/2006/main" xmlns:r="http://schemas.openxmlformats.org/officeDocument/2006/relationships" xmlns:p="http://schemas.openxmlformats.org/presentationml/2006/main">
   <p:cSld>
     <p:spTree>
@@ -9252,7 +12200,7 @@
 </p:sld>
 </file>
 
-<file path=ppt/slides/slide7.xml><?xml version="1.0" encoding="utf-8"?>
+<file path=ppt/slides/slide9.xml><?xml version="1.0" encoding="utf-8"?>
 <p:sld xmlns:a="http://schemas.openxmlformats.org/drawingml/2006/main" xmlns:r="http://schemas.openxmlformats.org/officeDocument/2006/relationships" xmlns:p="http://schemas.openxmlformats.org/presentationml/2006/main">
   <p:cSld>
     <p:spTree>

--- a/content/docs/theory-analysis/kafka-connect/images/images.pptx
+++ b/content/docs/theory-analysis/kafka-connect/images/images.pptx
@@ -5,22 +5,23 @@
     <p:sldMasterId id="2147483648" r:id="rId1"/>
   </p:sldMasterIdLst>
   <p:notesMasterIdLst>
-    <p:notesMasterId r:id="rId15"/>
+    <p:notesMasterId r:id="rId16"/>
   </p:notesMasterIdLst>
   <p:sldIdLst>
     <p:sldId id="368" r:id="rId2"/>
     <p:sldId id="372" r:id="rId3"/>
     <p:sldId id="363" r:id="rId4"/>
     <p:sldId id="367" r:id="rId5"/>
-    <p:sldId id="377" r:id="rId6"/>
-    <p:sldId id="378" r:id="rId7"/>
-    <p:sldId id="376" r:id="rId8"/>
-    <p:sldId id="375" r:id="rId9"/>
-    <p:sldId id="373" r:id="rId10"/>
-    <p:sldId id="374" r:id="rId11"/>
-    <p:sldId id="371" r:id="rId12"/>
-    <p:sldId id="370" r:id="rId13"/>
-    <p:sldId id="369" r:id="rId14"/>
+    <p:sldId id="379" r:id="rId6"/>
+    <p:sldId id="377" r:id="rId7"/>
+    <p:sldId id="378" r:id="rId8"/>
+    <p:sldId id="376" r:id="rId9"/>
+    <p:sldId id="375" r:id="rId10"/>
+    <p:sldId id="373" r:id="rId11"/>
+    <p:sldId id="374" r:id="rId12"/>
+    <p:sldId id="371" r:id="rId13"/>
+    <p:sldId id="370" r:id="rId14"/>
+    <p:sldId id="369" r:id="rId15"/>
   </p:sldIdLst>
   <p:sldSz cx="9144000" cy="5143500" type="screen16x9"/>
   <p:notesSz cx="6858000" cy="9144000"/>
@@ -237,7 +238,7 @@
           <a:p>
             <a:fld id="{6CD5550B-26C4-49A9-A5BA-636EF7BE6CE9}" type="datetimeFigureOut">
               <a:rPr lang="ko-KR" altLang="en-US" smtClean="0"/>
-              <a:t>2025. 10. 31.</a:t>
+              <a:t>2025. 11. 1.</a:t>
             </a:fld>
             <a:endParaRPr lang="ko-KR" altLang="en-US"/>
           </a:p>
@@ -620,6 +621,114 @@
         <p:cNvPr id="1" name="">
           <a:extLst>
             <a:ext uri="{FF2B5EF4-FFF2-40B4-BE49-F238E27FC236}">
+              <a16:creationId xmlns:a16="http://schemas.microsoft.com/office/drawing/2014/main" id="{F3FC17E7-B73B-C55B-E571-C41B9D5E7241}"/>
+            </a:ext>
+          </a:extLst>
+        </p:cNvPr>
+        <p:cNvGrpSpPr/>
+        <p:nvPr/>
+      </p:nvGrpSpPr>
+      <p:grpSpPr>
+        <a:xfrm>
+          <a:off x="0" y="0"/>
+          <a:ext cx="0" cy="0"/>
+          <a:chOff x="0" y="0"/>
+          <a:chExt cx="0" cy="0"/>
+        </a:xfrm>
+      </p:grpSpPr>
+      <p:sp>
+        <p:nvSpPr>
+          <p:cNvPr id="2" name="Slide Image Placeholder 1">
+            <a:extLst>
+              <a:ext uri="{FF2B5EF4-FFF2-40B4-BE49-F238E27FC236}">
+                <a16:creationId xmlns:a16="http://schemas.microsoft.com/office/drawing/2014/main" id="{3190BF96-3C79-4ECA-80DD-56DE9B94AC3D}"/>
+              </a:ext>
+            </a:extLst>
+          </p:cNvPr>
+          <p:cNvSpPr>
+            <a:spLocks noGrp="1" noRot="1" noChangeAspect="1"/>
+          </p:cNvSpPr>
+          <p:nvPr>
+            <p:ph type="sldImg"/>
+          </p:nvPr>
+        </p:nvSpPr>
+        <p:spPr/>
+      </p:sp>
+      <p:sp>
+        <p:nvSpPr>
+          <p:cNvPr id="3" name="Notes Placeholder 2">
+            <a:extLst>
+              <a:ext uri="{FF2B5EF4-FFF2-40B4-BE49-F238E27FC236}">
+                <a16:creationId xmlns:a16="http://schemas.microsoft.com/office/drawing/2014/main" id="{504ED7CE-AE0F-A428-3ECC-A0BE80143E22}"/>
+              </a:ext>
+            </a:extLst>
+          </p:cNvPr>
+          <p:cNvSpPr>
+            <a:spLocks noGrp="1"/>
+          </p:cNvSpPr>
+          <p:nvPr>
+            <p:ph type="body" idx="1"/>
+          </p:nvPr>
+        </p:nvSpPr>
+        <p:spPr/>
+        <p:txBody>
+          <a:bodyPr/>
+          <a:lstStyle/>
+          <a:p>
+            <a:endParaRPr lang="en-KR"/>
+          </a:p>
+        </p:txBody>
+      </p:sp>
+      <p:sp>
+        <p:nvSpPr>
+          <p:cNvPr id="4" name="Slide Number Placeholder 3">
+            <a:extLst>
+              <a:ext uri="{FF2B5EF4-FFF2-40B4-BE49-F238E27FC236}">
+                <a16:creationId xmlns:a16="http://schemas.microsoft.com/office/drawing/2014/main" id="{5B673BA4-A647-51B6-CFF9-49F7AA7E813E}"/>
+              </a:ext>
+            </a:extLst>
+          </p:cNvPr>
+          <p:cNvSpPr>
+            <a:spLocks noGrp="1"/>
+          </p:cNvSpPr>
+          <p:nvPr>
+            <p:ph type="sldNum" sz="quarter" idx="5"/>
+          </p:nvPr>
+        </p:nvSpPr>
+        <p:spPr/>
+        <p:txBody>
+          <a:bodyPr/>
+          <a:lstStyle/>
+          <a:p>
+            <a:fld id="{BA5DFA43-8D57-47FB-BC46-057616015C3B}" type="slidenum">
+              <a:rPr lang="ko-KR" altLang="en-US" smtClean="0"/>
+              <a:t>11</a:t>
+            </a:fld>
+            <a:endParaRPr lang="ko-KR" altLang="en-US"/>
+          </a:p>
+        </p:txBody>
+      </p:sp>
+    </p:spTree>
+    <p:extLst>
+      <p:ext uri="{BB962C8B-B14F-4D97-AF65-F5344CB8AC3E}">
+        <p14:creationId xmlns:p14="http://schemas.microsoft.com/office/powerpoint/2010/main" val="2183103873"/>
+      </p:ext>
+    </p:extLst>
+  </p:cSld>
+  <p:clrMapOvr>
+    <a:masterClrMapping/>
+  </p:clrMapOvr>
+</p:notes>
+</file>
+
+<file path=ppt/notesSlides/notesSlide11.xml><?xml version="1.0" encoding="utf-8"?>
+<p:notes xmlns:a="http://schemas.openxmlformats.org/drawingml/2006/main" xmlns:r="http://schemas.openxmlformats.org/officeDocument/2006/relationships" xmlns:p="http://schemas.openxmlformats.org/presentationml/2006/main">
+  <p:cSld>
+    <p:spTree>
+      <p:nvGrpSpPr>
+        <p:cNvPr id="1" name="">
+          <a:extLst>
+            <a:ext uri="{FF2B5EF4-FFF2-40B4-BE49-F238E27FC236}">
               <a16:creationId xmlns:a16="http://schemas.microsoft.com/office/drawing/2014/main" id="{8D5529B5-1947-524A-1CA2-55459A0FFD4A}"/>
             </a:ext>
           </a:extLst>
@@ -701,7 +810,7 @@
           <a:p>
             <a:fld id="{BA5DFA43-8D57-47FB-BC46-057616015C3B}" type="slidenum">
               <a:rPr lang="ko-KR" altLang="en-US" smtClean="0"/>
-              <a:t>11</a:t>
+              <a:t>12</a:t>
             </a:fld>
             <a:endParaRPr lang="ko-KR" altLang="en-US"/>
           </a:p>
@@ -720,7 +829,7 @@
 </p:notes>
 </file>
 
-<file path=ppt/notesSlides/notesSlide11.xml><?xml version="1.0" encoding="utf-8"?>
+<file path=ppt/notesSlides/notesSlide12.xml><?xml version="1.0" encoding="utf-8"?>
 <p:notes xmlns:a="http://schemas.openxmlformats.org/drawingml/2006/main" xmlns:r="http://schemas.openxmlformats.org/officeDocument/2006/relationships" xmlns:p="http://schemas.openxmlformats.org/presentationml/2006/main">
   <p:cSld>
     <p:spTree>
@@ -809,7 +918,7 @@
           <a:p>
             <a:fld id="{BA5DFA43-8D57-47FB-BC46-057616015C3B}" type="slidenum">
               <a:rPr lang="ko-KR" altLang="en-US" smtClean="0"/>
-              <a:t>12</a:t>
+              <a:t>13</a:t>
             </a:fld>
             <a:endParaRPr lang="ko-KR" altLang="en-US"/>
           </a:p>
@@ -828,7 +937,7 @@
 </p:notes>
 </file>
 
-<file path=ppt/notesSlides/notesSlide12.xml><?xml version="1.0" encoding="utf-8"?>
+<file path=ppt/notesSlides/notesSlide13.xml><?xml version="1.0" encoding="utf-8"?>
 <p:notes xmlns:a="http://schemas.openxmlformats.org/drawingml/2006/main" xmlns:r="http://schemas.openxmlformats.org/officeDocument/2006/relationships" xmlns:p="http://schemas.openxmlformats.org/presentationml/2006/main">
   <p:cSld>
     <p:spTree>
@@ -917,7 +1026,7 @@
           <a:p>
             <a:fld id="{BA5DFA43-8D57-47FB-BC46-057616015C3B}" type="slidenum">
               <a:rPr lang="ko-KR" altLang="en-US" smtClean="0"/>
-              <a:t>13</a:t>
+              <a:t>14</a:t>
             </a:fld>
             <a:endParaRPr lang="ko-KR" altLang="en-US"/>
           </a:p>
@@ -1136,6 +1245,114 @@
         <p:cNvPr id="1" name="">
           <a:extLst>
             <a:ext uri="{FF2B5EF4-FFF2-40B4-BE49-F238E27FC236}">
+              <a16:creationId xmlns:a16="http://schemas.microsoft.com/office/drawing/2014/main" id="{C763756D-09AD-9588-B0CA-EB3735728720}"/>
+            </a:ext>
+          </a:extLst>
+        </p:cNvPr>
+        <p:cNvGrpSpPr/>
+        <p:nvPr/>
+      </p:nvGrpSpPr>
+      <p:grpSpPr>
+        <a:xfrm>
+          <a:off x="0" y="0"/>
+          <a:ext cx="0" cy="0"/>
+          <a:chOff x="0" y="0"/>
+          <a:chExt cx="0" cy="0"/>
+        </a:xfrm>
+      </p:grpSpPr>
+      <p:sp>
+        <p:nvSpPr>
+          <p:cNvPr id="2" name="Slide Image Placeholder 1">
+            <a:extLst>
+              <a:ext uri="{FF2B5EF4-FFF2-40B4-BE49-F238E27FC236}">
+                <a16:creationId xmlns:a16="http://schemas.microsoft.com/office/drawing/2014/main" id="{BFF420D5-3382-D280-283B-17C4DFF460D0}"/>
+              </a:ext>
+            </a:extLst>
+          </p:cNvPr>
+          <p:cNvSpPr>
+            <a:spLocks noGrp="1" noRot="1" noChangeAspect="1"/>
+          </p:cNvSpPr>
+          <p:nvPr>
+            <p:ph type="sldImg"/>
+          </p:nvPr>
+        </p:nvSpPr>
+        <p:spPr/>
+      </p:sp>
+      <p:sp>
+        <p:nvSpPr>
+          <p:cNvPr id="3" name="Notes Placeholder 2">
+            <a:extLst>
+              <a:ext uri="{FF2B5EF4-FFF2-40B4-BE49-F238E27FC236}">
+                <a16:creationId xmlns:a16="http://schemas.microsoft.com/office/drawing/2014/main" id="{5844AF85-F776-706D-3BB7-65D758BB3DD6}"/>
+              </a:ext>
+            </a:extLst>
+          </p:cNvPr>
+          <p:cNvSpPr>
+            <a:spLocks noGrp="1"/>
+          </p:cNvSpPr>
+          <p:nvPr>
+            <p:ph type="body" idx="1"/>
+          </p:nvPr>
+        </p:nvSpPr>
+        <p:spPr/>
+        <p:txBody>
+          <a:bodyPr/>
+          <a:lstStyle/>
+          <a:p>
+            <a:endParaRPr lang="en-KR"/>
+          </a:p>
+        </p:txBody>
+      </p:sp>
+      <p:sp>
+        <p:nvSpPr>
+          <p:cNvPr id="4" name="Slide Number Placeholder 3">
+            <a:extLst>
+              <a:ext uri="{FF2B5EF4-FFF2-40B4-BE49-F238E27FC236}">
+                <a16:creationId xmlns:a16="http://schemas.microsoft.com/office/drawing/2014/main" id="{F88D9455-CC5E-5453-62FC-B365A6E6F1F4}"/>
+              </a:ext>
+            </a:extLst>
+          </p:cNvPr>
+          <p:cNvSpPr>
+            <a:spLocks noGrp="1"/>
+          </p:cNvSpPr>
+          <p:nvPr>
+            <p:ph type="sldNum" sz="quarter" idx="5"/>
+          </p:nvPr>
+        </p:nvSpPr>
+        <p:spPr/>
+        <p:txBody>
+          <a:bodyPr/>
+          <a:lstStyle/>
+          <a:p>
+            <a:fld id="{BA5DFA43-8D57-47FB-BC46-057616015C3B}" type="slidenum">
+              <a:rPr lang="ko-KR" altLang="en-US" smtClean="0"/>
+              <a:t>5</a:t>
+            </a:fld>
+            <a:endParaRPr lang="ko-KR" altLang="en-US"/>
+          </a:p>
+        </p:txBody>
+      </p:sp>
+    </p:spTree>
+    <p:extLst>
+      <p:ext uri="{BB962C8B-B14F-4D97-AF65-F5344CB8AC3E}">
+        <p14:creationId xmlns:p14="http://schemas.microsoft.com/office/powerpoint/2010/main" val="1205660462"/>
+      </p:ext>
+    </p:extLst>
+  </p:cSld>
+  <p:clrMapOvr>
+    <a:masterClrMapping/>
+  </p:clrMapOvr>
+</p:notes>
+</file>
+
+<file path=ppt/notesSlides/notesSlide5.xml><?xml version="1.0" encoding="utf-8"?>
+<p:notes xmlns:a="http://schemas.openxmlformats.org/drawingml/2006/main" xmlns:r="http://schemas.openxmlformats.org/officeDocument/2006/relationships" xmlns:p="http://schemas.openxmlformats.org/presentationml/2006/main">
+  <p:cSld>
+    <p:spTree>
+      <p:nvGrpSpPr>
+        <p:cNvPr id="1" name="">
+          <a:extLst>
+            <a:ext uri="{FF2B5EF4-FFF2-40B4-BE49-F238E27FC236}">
               <a16:creationId xmlns:a16="http://schemas.microsoft.com/office/drawing/2014/main" id="{D2AE3646-6584-7D80-E34A-D79049656B89}"/>
             </a:ext>
           </a:extLst>
@@ -1217,7 +1434,7 @@
           <a:p>
             <a:fld id="{BA5DFA43-8D57-47FB-BC46-057616015C3B}" type="slidenum">
               <a:rPr lang="ko-KR" altLang="en-US" smtClean="0"/>
-              <a:t>5</a:t>
+              <a:t>6</a:t>
             </a:fld>
             <a:endParaRPr lang="ko-KR" altLang="en-US"/>
           </a:p>
@@ -1236,7 +1453,7 @@
 </p:notes>
 </file>
 
-<file path=ppt/notesSlides/notesSlide5.xml><?xml version="1.0" encoding="utf-8"?>
+<file path=ppt/notesSlides/notesSlide6.xml><?xml version="1.0" encoding="utf-8"?>
 <p:notes xmlns:a="http://schemas.openxmlformats.org/drawingml/2006/main" xmlns:r="http://schemas.openxmlformats.org/officeDocument/2006/relationships" xmlns:p="http://schemas.openxmlformats.org/presentationml/2006/main">
   <p:cSld>
     <p:spTree>
@@ -1325,7 +1542,7 @@
           <a:p>
             <a:fld id="{BA5DFA43-8D57-47FB-BC46-057616015C3B}" type="slidenum">
               <a:rPr lang="ko-KR" altLang="en-US" smtClean="0"/>
-              <a:t>6</a:t>
+              <a:t>7</a:t>
             </a:fld>
             <a:endParaRPr lang="ko-KR" altLang="en-US"/>
           </a:p>
@@ -1344,7 +1561,7 @@
 </p:notes>
 </file>
 
-<file path=ppt/notesSlides/notesSlide6.xml><?xml version="1.0" encoding="utf-8"?>
+<file path=ppt/notesSlides/notesSlide7.xml><?xml version="1.0" encoding="utf-8"?>
 <p:notes xmlns:a="http://schemas.openxmlformats.org/drawingml/2006/main" xmlns:r="http://schemas.openxmlformats.org/officeDocument/2006/relationships" xmlns:p="http://schemas.openxmlformats.org/presentationml/2006/main">
   <p:cSld>
     <p:spTree>
@@ -1433,7 +1650,7 @@
           <a:p>
             <a:fld id="{BA5DFA43-8D57-47FB-BC46-057616015C3B}" type="slidenum">
               <a:rPr lang="ko-KR" altLang="en-US" smtClean="0"/>
-              <a:t>7</a:t>
+              <a:t>8</a:t>
             </a:fld>
             <a:endParaRPr lang="ko-KR" altLang="en-US"/>
           </a:p>
@@ -1452,7 +1669,7 @@
 </p:notes>
 </file>
 
-<file path=ppt/notesSlides/notesSlide7.xml><?xml version="1.0" encoding="utf-8"?>
+<file path=ppt/notesSlides/notesSlide8.xml><?xml version="1.0" encoding="utf-8"?>
 <p:notes xmlns:a="http://schemas.openxmlformats.org/drawingml/2006/main" xmlns:r="http://schemas.openxmlformats.org/officeDocument/2006/relationships" xmlns:p="http://schemas.openxmlformats.org/presentationml/2006/main">
   <p:cSld>
     <p:spTree>
@@ -1541,7 +1758,7 @@
           <a:p>
             <a:fld id="{BA5DFA43-8D57-47FB-BC46-057616015C3B}" type="slidenum">
               <a:rPr lang="ko-KR" altLang="en-US" smtClean="0"/>
-              <a:t>8</a:t>
+              <a:t>9</a:t>
             </a:fld>
             <a:endParaRPr lang="ko-KR" altLang="en-US"/>
           </a:p>
@@ -1560,7 +1777,7 @@
 </p:notes>
 </file>
 
-<file path=ppt/notesSlides/notesSlide8.xml><?xml version="1.0" encoding="utf-8"?>
+<file path=ppt/notesSlides/notesSlide9.xml><?xml version="1.0" encoding="utf-8"?>
 <p:notes xmlns:a="http://schemas.openxmlformats.org/drawingml/2006/main" xmlns:r="http://schemas.openxmlformats.org/officeDocument/2006/relationships" xmlns:p="http://schemas.openxmlformats.org/presentationml/2006/main">
   <p:cSld>
     <p:spTree>
@@ -1649,7 +1866,7 @@
           <a:p>
             <a:fld id="{BA5DFA43-8D57-47FB-BC46-057616015C3B}" type="slidenum">
               <a:rPr lang="ko-KR" altLang="en-US" smtClean="0"/>
-              <a:t>9</a:t>
+              <a:t>10</a:t>
             </a:fld>
             <a:endParaRPr lang="ko-KR" altLang="en-US"/>
           </a:p>
@@ -1659,114 +1876,6 @@
     <p:extLst>
       <p:ext uri="{BB962C8B-B14F-4D97-AF65-F5344CB8AC3E}">
         <p14:creationId xmlns:p14="http://schemas.microsoft.com/office/powerpoint/2010/main" val="3391523090"/>
-      </p:ext>
-    </p:extLst>
-  </p:cSld>
-  <p:clrMapOvr>
-    <a:masterClrMapping/>
-  </p:clrMapOvr>
-</p:notes>
-</file>
-
-<file path=ppt/notesSlides/notesSlide9.xml><?xml version="1.0" encoding="utf-8"?>
-<p:notes xmlns:a="http://schemas.openxmlformats.org/drawingml/2006/main" xmlns:r="http://schemas.openxmlformats.org/officeDocument/2006/relationships" xmlns:p="http://schemas.openxmlformats.org/presentationml/2006/main">
-  <p:cSld>
-    <p:spTree>
-      <p:nvGrpSpPr>
-        <p:cNvPr id="1" name="">
-          <a:extLst>
-            <a:ext uri="{FF2B5EF4-FFF2-40B4-BE49-F238E27FC236}">
-              <a16:creationId xmlns:a16="http://schemas.microsoft.com/office/drawing/2014/main" id="{F3FC17E7-B73B-C55B-E571-C41B9D5E7241}"/>
-            </a:ext>
-          </a:extLst>
-        </p:cNvPr>
-        <p:cNvGrpSpPr/>
-        <p:nvPr/>
-      </p:nvGrpSpPr>
-      <p:grpSpPr>
-        <a:xfrm>
-          <a:off x="0" y="0"/>
-          <a:ext cx="0" cy="0"/>
-          <a:chOff x="0" y="0"/>
-          <a:chExt cx="0" cy="0"/>
-        </a:xfrm>
-      </p:grpSpPr>
-      <p:sp>
-        <p:nvSpPr>
-          <p:cNvPr id="2" name="Slide Image Placeholder 1">
-            <a:extLst>
-              <a:ext uri="{FF2B5EF4-FFF2-40B4-BE49-F238E27FC236}">
-                <a16:creationId xmlns:a16="http://schemas.microsoft.com/office/drawing/2014/main" id="{3190BF96-3C79-4ECA-80DD-56DE9B94AC3D}"/>
-              </a:ext>
-            </a:extLst>
-          </p:cNvPr>
-          <p:cNvSpPr>
-            <a:spLocks noGrp="1" noRot="1" noChangeAspect="1"/>
-          </p:cNvSpPr>
-          <p:nvPr>
-            <p:ph type="sldImg"/>
-          </p:nvPr>
-        </p:nvSpPr>
-        <p:spPr/>
-      </p:sp>
-      <p:sp>
-        <p:nvSpPr>
-          <p:cNvPr id="3" name="Notes Placeholder 2">
-            <a:extLst>
-              <a:ext uri="{FF2B5EF4-FFF2-40B4-BE49-F238E27FC236}">
-                <a16:creationId xmlns:a16="http://schemas.microsoft.com/office/drawing/2014/main" id="{504ED7CE-AE0F-A428-3ECC-A0BE80143E22}"/>
-              </a:ext>
-            </a:extLst>
-          </p:cNvPr>
-          <p:cNvSpPr>
-            <a:spLocks noGrp="1"/>
-          </p:cNvSpPr>
-          <p:nvPr>
-            <p:ph type="body" idx="1"/>
-          </p:nvPr>
-        </p:nvSpPr>
-        <p:spPr/>
-        <p:txBody>
-          <a:bodyPr/>
-          <a:lstStyle/>
-          <a:p>
-            <a:endParaRPr lang="en-KR"/>
-          </a:p>
-        </p:txBody>
-      </p:sp>
-      <p:sp>
-        <p:nvSpPr>
-          <p:cNvPr id="4" name="Slide Number Placeholder 3">
-            <a:extLst>
-              <a:ext uri="{FF2B5EF4-FFF2-40B4-BE49-F238E27FC236}">
-                <a16:creationId xmlns:a16="http://schemas.microsoft.com/office/drawing/2014/main" id="{5B673BA4-A647-51B6-CFF9-49F7AA7E813E}"/>
-              </a:ext>
-            </a:extLst>
-          </p:cNvPr>
-          <p:cNvSpPr>
-            <a:spLocks noGrp="1"/>
-          </p:cNvSpPr>
-          <p:nvPr>
-            <p:ph type="sldNum" sz="quarter" idx="5"/>
-          </p:nvPr>
-        </p:nvSpPr>
-        <p:spPr/>
-        <p:txBody>
-          <a:bodyPr/>
-          <a:lstStyle/>
-          <a:p>
-            <a:fld id="{BA5DFA43-8D57-47FB-BC46-057616015C3B}" type="slidenum">
-              <a:rPr lang="ko-KR" altLang="en-US" smtClean="0"/>
-              <a:t>10</a:t>
-            </a:fld>
-            <a:endParaRPr lang="ko-KR" altLang="en-US"/>
-          </a:p>
-        </p:txBody>
-      </p:sp>
-    </p:spTree>
-    <p:extLst>
-      <p:ext uri="{BB962C8B-B14F-4D97-AF65-F5344CB8AC3E}">
-        <p14:creationId xmlns:p14="http://schemas.microsoft.com/office/powerpoint/2010/main" val="2183103873"/>
       </p:ext>
     </p:extLst>
   </p:cSld>
@@ -1955,7 +2064,7 @@
           <a:p>
             <a:fld id="{FB30EDBD-1C2D-4C1E-B459-B60219FAB484}" type="datetimeFigureOut">
               <a:rPr lang="ko-KR" altLang="en-US" smtClean="0"/>
-              <a:t>2025. 10. 31.</a:t>
+              <a:t>2025. 11. 1.</a:t>
             </a:fld>
             <a:endParaRPr lang="ko-KR" altLang="en-US"/>
           </a:p>
@@ -2118,7 +2227,7 @@
           <a:p>
             <a:fld id="{FB30EDBD-1C2D-4C1E-B459-B60219FAB484}" type="datetimeFigureOut">
               <a:rPr lang="ko-KR" altLang="en-US" smtClean="0"/>
-              <a:t>2025. 10. 31.</a:t>
+              <a:t>2025. 11. 1.</a:t>
             </a:fld>
             <a:endParaRPr lang="ko-KR" altLang="en-US"/>
           </a:p>
@@ -2291,7 +2400,7 @@
           <a:p>
             <a:fld id="{FB30EDBD-1C2D-4C1E-B459-B60219FAB484}" type="datetimeFigureOut">
               <a:rPr lang="ko-KR" altLang="en-US" smtClean="0"/>
-              <a:t>2025. 10. 31.</a:t>
+              <a:t>2025. 11. 1.</a:t>
             </a:fld>
             <a:endParaRPr lang="ko-KR" altLang="en-US"/>
           </a:p>
@@ -2454,7 +2563,7 @@
           <a:p>
             <a:fld id="{FB30EDBD-1C2D-4C1E-B459-B60219FAB484}" type="datetimeFigureOut">
               <a:rPr lang="ko-KR" altLang="en-US" smtClean="0"/>
-              <a:t>2025. 10. 31.</a:t>
+              <a:t>2025. 11. 1.</a:t>
             </a:fld>
             <a:endParaRPr lang="ko-KR" altLang="en-US"/>
           </a:p>
@@ -2694,7 +2803,7 @@
           <a:p>
             <a:fld id="{FB30EDBD-1C2D-4C1E-B459-B60219FAB484}" type="datetimeFigureOut">
               <a:rPr lang="ko-KR" altLang="en-US" smtClean="0"/>
-              <a:t>2025. 10. 31.</a:t>
+              <a:t>2025. 11. 1.</a:t>
             </a:fld>
             <a:endParaRPr lang="ko-KR" altLang="en-US"/>
           </a:p>
@@ -2974,7 +3083,7 @@
           <a:p>
             <a:fld id="{FB30EDBD-1C2D-4C1E-B459-B60219FAB484}" type="datetimeFigureOut">
               <a:rPr lang="ko-KR" altLang="en-US" smtClean="0"/>
-              <a:t>2025. 10. 31.</a:t>
+              <a:t>2025. 11. 1.</a:t>
             </a:fld>
             <a:endParaRPr lang="ko-KR" altLang="en-US"/>
           </a:p>
@@ -3388,7 +3497,7 @@
           <a:p>
             <a:fld id="{FB30EDBD-1C2D-4C1E-B459-B60219FAB484}" type="datetimeFigureOut">
               <a:rPr lang="ko-KR" altLang="en-US" smtClean="0"/>
-              <a:t>2025. 10. 31.</a:t>
+              <a:t>2025. 11. 1.</a:t>
             </a:fld>
             <a:endParaRPr lang="ko-KR" altLang="en-US"/>
           </a:p>
@@ -3500,7 +3609,7 @@
           <a:p>
             <a:fld id="{FB30EDBD-1C2D-4C1E-B459-B60219FAB484}" type="datetimeFigureOut">
               <a:rPr lang="ko-KR" altLang="en-US" smtClean="0"/>
-              <a:t>2025. 10. 31.</a:t>
+              <a:t>2025. 11. 1.</a:t>
             </a:fld>
             <a:endParaRPr lang="ko-KR" altLang="en-US"/>
           </a:p>
@@ -3590,7 +3699,7 @@
           <a:p>
             <a:fld id="{FB30EDBD-1C2D-4C1E-B459-B60219FAB484}" type="datetimeFigureOut">
               <a:rPr lang="ko-KR" altLang="en-US" smtClean="0"/>
-              <a:t>2025. 10. 31.</a:t>
+              <a:t>2025. 11. 1.</a:t>
             </a:fld>
             <a:endParaRPr lang="ko-KR" altLang="en-US"/>
           </a:p>
@@ -3860,7 +3969,7 @@
           <a:p>
             <a:fld id="{FB30EDBD-1C2D-4C1E-B459-B60219FAB484}" type="datetimeFigureOut">
               <a:rPr lang="ko-KR" altLang="en-US" smtClean="0"/>
-              <a:t>2025. 10. 31.</a:t>
+              <a:t>2025. 11. 1.</a:t>
             </a:fld>
             <a:endParaRPr lang="ko-KR" altLang="en-US"/>
           </a:p>
@@ -4107,7 +4216,7 @@
           <a:p>
             <a:fld id="{FB30EDBD-1C2D-4C1E-B459-B60219FAB484}" type="datetimeFigureOut">
               <a:rPr lang="ko-KR" altLang="en-US" smtClean="0"/>
-              <a:t>2025. 10. 31.</a:t>
+              <a:t>2025. 11. 1.</a:t>
             </a:fld>
             <a:endParaRPr lang="ko-KR" altLang="en-US"/>
           </a:p>
@@ -4313,7 +4422,7 @@
           <a:p>
             <a:fld id="{FB30EDBD-1C2D-4C1E-B459-B60219FAB484}" type="datetimeFigureOut">
               <a:rPr lang="ko-KR" altLang="en-US" smtClean="0"/>
-              <a:t>2025. 10. 31.</a:t>
+              <a:t>2025. 11. 1.</a:t>
             </a:fld>
             <a:endParaRPr lang="ko-KR" altLang="en-US"/>
           </a:p>
@@ -4756,7 +4865,7 @@
         </p:nvSpPr>
         <p:spPr>
           <a:xfrm>
-            <a:off x="107504" y="1131120"/>
+            <a:off x="917702" y="1131120"/>
             <a:ext cx="1152128" cy="504056"/>
           </a:xfrm>
           <a:prstGeom prst="can">
@@ -4885,8 +4994,8 @@
         </p:nvSpPr>
         <p:spPr>
           <a:xfrm>
-            <a:off x="1559572" y="1105509"/>
-            <a:ext cx="4752499" cy="781695"/>
+            <a:off x="2369771" y="1105509"/>
+            <a:ext cx="3817298" cy="781695"/>
           </a:xfrm>
           <a:prstGeom prst="roundRect">
             <a:avLst>
@@ -4938,7 +5047,7 @@
         </p:nvSpPr>
         <p:spPr>
           <a:xfrm>
-            <a:off x="1637333" y="1167124"/>
+            <a:off x="2447531" y="1167124"/>
             <a:ext cx="1078312" cy="432048"/>
           </a:xfrm>
           <a:prstGeom prst="roundRect">
@@ -4993,7 +5102,7 @@
         </p:nvSpPr>
         <p:spPr>
           <a:xfrm>
-            <a:off x="2925917" y="1167124"/>
+            <a:off x="3736115" y="1167124"/>
             <a:ext cx="1078312" cy="432048"/>
           </a:xfrm>
           <a:prstGeom prst="roundRect">
@@ -5049,8 +5158,8 @@
         </p:nvSpPr>
         <p:spPr>
           <a:xfrm>
-            <a:off x="4214501" y="1167124"/>
-            <a:ext cx="2025592" cy="432048"/>
+            <a:off x="5024699" y="1167124"/>
+            <a:ext cx="1078308" cy="432048"/>
           </a:xfrm>
           <a:prstGeom prst="roundRect">
             <a:avLst/>
@@ -5085,13 +5194,7 @@
             <a:pPr algn="ctr"/>
             <a:r>
               <a:rPr lang="en-US" altLang="ko-KR" sz="1000" dirty="0"/>
-              <a:t>(Structured Data </a:t>
-            </a:r>
-            <a:r>
-              <a:rPr lang="en-US" altLang="ko-KR" sz="1000" dirty="0">
-                <a:sym typeface="Wingdings" pitchFamily="2" charset="2"/>
-              </a:rPr>
-              <a:t> Byte Array)</a:t>
+              <a:t>(Serializer)</a:t>
             </a:r>
             <a:endParaRPr lang="ko-KR" altLang="en-US" sz="1000" dirty="0"/>
           </a:p>
@@ -5111,8 +5214,8 @@
         </p:nvSpPr>
         <p:spPr>
           <a:xfrm>
-            <a:off x="1559572" y="3337759"/>
-            <a:ext cx="4752513" cy="781695"/>
+            <a:off x="2369770" y="3337759"/>
+            <a:ext cx="3817309" cy="781695"/>
           </a:xfrm>
           <a:prstGeom prst="roundRect">
             <a:avLst>
@@ -5164,7 +5267,7 @@
         </p:nvSpPr>
         <p:spPr>
           <a:xfrm>
-            <a:off x="1637333" y="3399374"/>
+            <a:off x="2447531" y="3399374"/>
             <a:ext cx="1078312" cy="432048"/>
           </a:xfrm>
           <a:prstGeom prst="roundRect">
@@ -5219,7 +5322,7 @@
         </p:nvSpPr>
         <p:spPr>
           <a:xfrm>
-            <a:off x="2925917" y="3399374"/>
+            <a:off x="3736115" y="3399374"/>
             <a:ext cx="1078312" cy="432048"/>
           </a:xfrm>
           <a:prstGeom prst="roundRect">
@@ -5275,8 +5378,8 @@
         </p:nvSpPr>
         <p:spPr>
           <a:xfrm>
-            <a:off x="4214501" y="3399374"/>
-            <a:ext cx="2025592" cy="432048"/>
+            <a:off x="5024699" y="3399374"/>
+            <a:ext cx="1078312" cy="432048"/>
           </a:xfrm>
           <a:prstGeom prst="roundRect">
             <a:avLst/>
@@ -5309,25 +5412,11 @@
           </a:p>
           <a:p>
             <a:pPr algn="ctr"/>
-            <a:r>
-              <a:rPr lang="en-US" altLang="ko-KR" sz="1000" dirty="0"/>
-              <a:t>(</a:t>
-            </a:r>
             <a:r>
               <a:rPr lang="en-US" altLang="ko-KR" sz="1000" dirty="0">
                 <a:sym typeface="Wingdings" pitchFamily="2" charset="2"/>
               </a:rPr>
-              <a:t>Byte Array  </a:t>
-            </a:r>
-            <a:r>
-              <a:rPr lang="en-US" altLang="ko-KR" sz="1000" dirty="0"/>
-              <a:t>Structured Data</a:t>
-            </a:r>
-            <a:r>
-              <a:rPr lang="en-US" altLang="ko-KR" sz="1000" dirty="0">
-                <a:sym typeface="Wingdings" pitchFamily="2" charset="2"/>
-              </a:rPr>
-              <a:t>)</a:t>
+              <a:t>(Deserializer)</a:t>
             </a:r>
             <a:endParaRPr lang="ko-KR" altLang="en-US" sz="1000" dirty="0"/>
           </a:p>
@@ -5351,12 +5440,12 @@
         </p:nvCxnSpPr>
         <p:spPr>
           <a:xfrm rot="5400000">
-            <a:off x="5812268" y="2083737"/>
-            <a:ext cx="730666" cy="1900608"/>
+            <a:off x="5980547" y="2252016"/>
+            <a:ext cx="730666" cy="1564050"/>
           </a:xfrm>
           <a:prstGeom prst="bentConnector3">
             <a:avLst>
-              <a:gd name="adj1" fmla="val 24971"/>
+              <a:gd name="adj1" fmla="val 27329"/>
             </a:avLst>
           </a:prstGeom>
           <a:ln>
@@ -5395,7 +5484,7 @@
         </p:nvSpPr>
         <p:spPr>
           <a:xfrm>
-            <a:off x="107504" y="3365863"/>
+            <a:off x="917702" y="3365863"/>
             <a:ext cx="1152128" cy="504056"/>
           </a:xfrm>
           <a:prstGeom prst="can">
@@ -5458,7 +5547,7 @@
         </p:nvCxnSpPr>
         <p:spPr>
           <a:xfrm flipH="1">
-            <a:off x="1259632" y="3615398"/>
+            <a:off x="2069830" y="3615398"/>
             <a:ext cx="377701" cy="2493"/>
           </a:xfrm>
           <a:prstGeom prst="straightConnector1">
@@ -5504,7 +5593,7 @@
         </p:nvCxnSpPr>
         <p:spPr>
           <a:xfrm>
-            <a:off x="1259632" y="1383148"/>
+            <a:off x="2069830" y="1383148"/>
             <a:ext cx="377701" cy="0"/>
           </a:xfrm>
           <a:prstGeom prst="straightConnector1">
@@ -5550,7 +5639,7 @@
         </p:nvCxnSpPr>
         <p:spPr>
           <a:xfrm>
-            <a:off x="2715645" y="1383148"/>
+            <a:off x="3525843" y="1383148"/>
             <a:ext cx="210272" cy="0"/>
           </a:xfrm>
           <a:prstGeom prst="straightConnector1">
@@ -5596,7 +5685,7 @@
         </p:nvCxnSpPr>
         <p:spPr>
           <a:xfrm>
-            <a:off x="4004229" y="1383148"/>
+            <a:off x="4814427" y="1383148"/>
             <a:ext cx="210272" cy="0"/>
           </a:xfrm>
           <a:prstGeom prst="straightConnector1">
@@ -5642,7 +5731,7 @@
         </p:nvCxnSpPr>
         <p:spPr>
           <a:xfrm flipH="1">
-            <a:off x="4004229" y="3615398"/>
+            <a:off x="4814427" y="3615398"/>
             <a:ext cx="210272" cy="0"/>
           </a:xfrm>
           <a:prstGeom prst="straightConnector1">
@@ -5688,7 +5777,7 @@
         </p:nvCxnSpPr>
         <p:spPr>
           <a:xfrm flipH="1">
-            <a:off x="2715645" y="3615398"/>
+            <a:off x="3525843" y="3615398"/>
             <a:ext cx="210272" cy="0"/>
           </a:xfrm>
           <a:prstGeom prst="straightConnector1">
@@ -5730,8 +5819,8 @@
         </p:nvSpPr>
         <p:spPr>
           <a:xfrm>
-            <a:off x="4214501" y="2236660"/>
-            <a:ext cx="1078312" cy="432048"/>
+            <a:off x="4600885" y="2236660"/>
+            <a:ext cx="1652910" cy="432048"/>
           </a:xfrm>
           <a:prstGeom prst="roundRect">
             <a:avLst/>
@@ -5759,14 +5848,14 @@
             <a:pPr algn="ctr"/>
             <a:r>
               <a:rPr lang="en-US" altLang="ko-KR" sz="1000" dirty="0"/>
-              <a:t>Kafka Schema</a:t>
+              <a:t>Kafka Schema Registry</a:t>
             </a:r>
           </a:p>
           <a:p>
             <a:pPr algn="ctr"/>
             <a:r>
               <a:rPr lang="en-US" altLang="ko-KR" sz="1000" dirty="0"/>
-              <a:t>Registry</a:t>
+              <a:t>(Optional)</a:t>
             </a:r>
             <a:endParaRPr lang="ko-KR" altLang="en-US" sz="1000" dirty="0"/>
           </a:p>
@@ -5788,7 +5877,7 @@
         </p:nvCxnSpPr>
         <p:spPr>
           <a:xfrm>
-            <a:off x="1889508" y="663068"/>
+            <a:off x="2699706" y="663068"/>
             <a:ext cx="0" cy="442441"/>
           </a:xfrm>
           <a:prstGeom prst="straightConnector1">
@@ -5830,7 +5919,7 @@
         </p:nvSpPr>
         <p:spPr>
           <a:xfrm>
-            <a:off x="1886796" y="719861"/>
+            <a:off x="2696994" y="719861"/>
             <a:ext cx="716863" cy="261610"/>
           </a:xfrm>
           <a:prstGeom prst="rect">
@@ -5867,7 +5956,7 @@
         </p:nvCxnSpPr>
         <p:spPr>
           <a:xfrm>
-            <a:off x="1857394" y="2899927"/>
+            <a:off x="2667592" y="2899927"/>
             <a:ext cx="0" cy="442441"/>
           </a:xfrm>
           <a:prstGeom prst="straightConnector1">
@@ -5909,7 +5998,7 @@
         </p:nvSpPr>
         <p:spPr>
           <a:xfrm>
-            <a:off x="1854682" y="2956720"/>
+            <a:off x="2664880" y="2956720"/>
             <a:ext cx="716863" cy="261610"/>
           </a:xfrm>
           <a:prstGeom prst="rect">
@@ -5948,12 +6037,12 @@
         </p:nvCxnSpPr>
         <p:spPr>
           <a:xfrm rot="16200000" flipH="1">
-            <a:off x="5858857" y="967612"/>
-            <a:ext cx="637488" cy="1900608"/>
+            <a:off x="6027135" y="1135890"/>
+            <a:ext cx="637488" cy="1564052"/>
           </a:xfrm>
           <a:prstGeom prst="bentConnector3">
             <a:avLst>
-              <a:gd name="adj1" fmla="val 72752"/>
+              <a:gd name="adj1" fmla="val 68709"/>
             </a:avLst>
           </a:prstGeom>
           <a:ln>
@@ -6456,8 +6545,8 @@
         </p:nvCxnSpPr>
         <p:spPr>
           <a:xfrm rot="5400000" flipH="1" flipV="1">
-            <a:off x="5681929" y="-953048"/>
-            <a:ext cx="312451" cy="3804664"/>
+            <a:off x="5853228" y="-781749"/>
+            <a:ext cx="312451" cy="3462066"/>
           </a:xfrm>
           <a:prstGeom prst="bentConnector3">
             <a:avLst>
@@ -6505,8 +6594,8 @@
         </p:nvCxnSpPr>
         <p:spPr>
           <a:xfrm rot="5400000" flipH="1" flipV="1">
-            <a:off x="5835892" y="2216397"/>
-            <a:ext cx="2993" cy="3803121"/>
+            <a:off x="6007190" y="2387695"/>
+            <a:ext cx="2993" cy="3460525"/>
           </a:xfrm>
           <a:prstGeom prst="bentConnector3">
             <a:avLst>
@@ -6553,7 +6642,7 @@
         </p:nvCxnSpPr>
         <p:spPr>
           <a:xfrm>
-            <a:off x="4753657" y="1606572"/>
+            <a:off x="5427340" y="1606572"/>
             <a:ext cx="0" cy="630088"/>
           </a:xfrm>
           <a:prstGeom prst="straightConnector1">
@@ -6598,7 +6687,7 @@
         </p:nvCxnSpPr>
         <p:spPr>
           <a:xfrm flipV="1">
-            <a:off x="4753657" y="2668708"/>
+            <a:off x="5427340" y="2668708"/>
             <a:ext cx="0" cy="730666"/>
           </a:xfrm>
           <a:prstGeom prst="straightConnector1">
@@ -6648,6 +6737,855 @@
         <p:cNvPr id="1" name="">
           <a:extLst>
             <a:ext uri="{FF2B5EF4-FFF2-40B4-BE49-F238E27FC236}">
+              <a16:creationId xmlns:a16="http://schemas.microsoft.com/office/drawing/2014/main" id="{891155DC-AAD6-762E-B3B9-3E84542B0213}"/>
+            </a:ext>
+          </a:extLst>
+        </p:cNvPr>
+        <p:cNvGrpSpPr/>
+        <p:nvPr/>
+      </p:nvGrpSpPr>
+      <p:grpSpPr>
+        <a:xfrm>
+          <a:off x="0" y="0"/>
+          <a:ext cx="0" cy="0"/>
+          <a:chOff x="0" y="0"/>
+          <a:chExt cx="0" cy="0"/>
+        </a:xfrm>
+      </p:grpSpPr>
+      <p:sp>
+        <p:nvSpPr>
+          <p:cNvPr id="12" name="사각형: 둥근 모서리 6">
+            <a:extLst>
+              <a:ext uri="{FF2B5EF4-FFF2-40B4-BE49-F238E27FC236}">
+                <a16:creationId xmlns:a16="http://schemas.microsoft.com/office/drawing/2014/main" id="{26C58969-2C15-91C5-2B2B-CBC3CD34F966}"/>
+              </a:ext>
+            </a:extLst>
+          </p:cNvPr>
+          <p:cNvSpPr/>
+          <p:nvPr/>
+        </p:nvSpPr>
+        <p:spPr>
+          <a:xfrm>
+            <a:off x="2267744" y="411510"/>
+            <a:ext cx="4248472" cy="3946977"/>
+          </a:xfrm>
+          <a:prstGeom prst="roundRect">
+            <a:avLst>
+              <a:gd name="adj" fmla="val 2699"/>
+            </a:avLst>
+          </a:prstGeom>
+          <a:ln w="12700">
+            <a:prstDash val="dash"/>
+          </a:ln>
+        </p:spPr>
+        <p:style>
+          <a:lnRef idx="2">
+            <a:schemeClr val="dk1"/>
+          </a:lnRef>
+          <a:fillRef idx="1">
+            <a:schemeClr val="lt1"/>
+          </a:fillRef>
+          <a:effectRef idx="0">
+            <a:schemeClr val="dk1"/>
+          </a:effectRef>
+          <a:fontRef idx="minor">
+            <a:schemeClr val="dk1"/>
+          </a:fontRef>
+        </p:style>
+        <p:txBody>
+          <a:bodyPr rtlCol="0" anchor="b"/>
+          <a:lstStyle/>
+          <a:p>
+            <a:pPr algn="ctr"/>
+            <a:r>
+              <a:rPr lang="en-US" altLang="ko-KR" sz="1000" dirty="0"/>
+              <a:t>Kafka Connect Cluster</a:t>
+            </a:r>
+            <a:endParaRPr lang="ko-KR" altLang="en-US" sz="1000" dirty="0"/>
+          </a:p>
+        </p:txBody>
+      </p:sp>
+      <p:sp>
+        <p:nvSpPr>
+          <p:cNvPr id="2" name="사각형: 둥근 모서리 6">
+            <a:extLst>
+              <a:ext uri="{FF2B5EF4-FFF2-40B4-BE49-F238E27FC236}">
+                <a16:creationId xmlns:a16="http://schemas.microsoft.com/office/drawing/2014/main" id="{9A11FE0B-2E4C-8A37-C28D-FB899F31FF5E}"/>
+              </a:ext>
+            </a:extLst>
+          </p:cNvPr>
+          <p:cNvSpPr/>
+          <p:nvPr/>
+        </p:nvSpPr>
+        <p:spPr>
+          <a:xfrm>
+            <a:off x="2411759" y="545320"/>
+            <a:ext cx="3960433" cy="3466591"/>
+          </a:xfrm>
+          <a:prstGeom prst="roundRect">
+            <a:avLst>
+              <a:gd name="adj" fmla="val 4353"/>
+            </a:avLst>
+          </a:prstGeom>
+          <a:ln w="12700"/>
+        </p:spPr>
+        <p:style>
+          <a:lnRef idx="2">
+            <a:schemeClr val="dk1"/>
+          </a:lnRef>
+          <a:fillRef idx="1">
+            <a:schemeClr val="lt1"/>
+          </a:fillRef>
+          <a:effectRef idx="0">
+            <a:schemeClr val="dk1"/>
+          </a:effectRef>
+          <a:fontRef idx="minor">
+            <a:schemeClr val="dk1"/>
+          </a:fontRef>
+        </p:style>
+        <p:txBody>
+          <a:bodyPr rtlCol="0" anchor="b"/>
+          <a:lstStyle/>
+          <a:p>
+            <a:pPr algn="ctr"/>
+            <a:r>
+              <a:rPr lang="en-US" altLang="ko-KR" sz="1000" dirty="0"/>
+              <a:t>Worker</a:t>
+            </a:r>
+          </a:p>
+        </p:txBody>
+      </p:sp>
+      <p:sp>
+        <p:nvSpPr>
+          <p:cNvPr id="8" name="사각형: 둥근 모서리 54">
+            <a:extLst>
+              <a:ext uri="{FF2B5EF4-FFF2-40B4-BE49-F238E27FC236}">
+                <a16:creationId xmlns:a16="http://schemas.microsoft.com/office/drawing/2014/main" id="{75519C2B-7C46-BE63-B673-C531057C2524}"/>
+              </a:ext>
+            </a:extLst>
+          </p:cNvPr>
+          <p:cNvSpPr/>
+          <p:nvPr/>
+        </p:nvSpPr>
+        <p:spPr>
+          <a:xfrm>
+            <a:off x="2484672" y="606935"/>
+            <a:ext cx="1078312" cy="648072"/>
+          </a:xfrm>
+          <a:prstGeom prst="roundRect">
+            <a:avLst>
+              <a:gd name="adj" fmla="val 11768"/>
+            </a:avLst>
+          </a:prstGeom>
+          <a:solidFill>
+            <a:schemeClr val="bg1">
+              <a:lumMod val="95000"/>
+            </a:schemeClr>
+          </a:solidFill>
+          <a:ln w="12700"/>
+        </p:spPr>
+        <p:style>
+          <a:lnRef idx="2">
+            <a:schemeClr val="dk1"/>
+          </a:lnRef>
+          <a:fillRef idx="1">
+            <a:schemeClr val="lt1"/>
+          </a:fillRef>
+          <a:effectRef idx="0">
+            <a:schemeClr val="dk1"/>
+          </a:effectRef>
+          <a:fontRef idx="minor">
+            <a:schemeClr val="dk1"/>
+          </a:fontRef>
+        </p:style>
+        <p:txBody>
+          <a:bodyPr rtlCol="0" anchor="t"/>
+          <a:lstStyle/>
+          <a:p>
+            <a:r>
+              <a:rPr lang="en-US" altLang="ko-KR" sz="1000"/>
+              <a:t>Connector A</a:t>
+            </a:r>
+          </a:p>
+          <a:p>
+            <a:r>
+              <a:rPr lang="en-US" altLang="ko-KR" sz="1000"/>
+              <a:t>Instance</a:t>
+            </a:r>
+            <a:endParaRPr lang="ko-KR" altLang="en-US" sz="1000" dirty="0"/>
+          </a:p>
+        </p:txBody>
+      </p:sp>
+      <p:sp>
+        <p:nvSpPr>
+          <p:cNvPr id="14" name="사각형: 둥근 모서리 54">
+            <a:extLst>
+              <a:ext uri="{FF2B5EF4-FFF2-40B4-BE49-F238E27FC236}">
+                <a16:creationId xmlns:a16="http://schemas.microsoft.com/office/drawing/2014/main" id="{7DB35743-F088-7100-3426-0C8845826663}"/>
+              </a:ext>
+            </a:extLst>
+          </p:cNvPr>
+          <p:cNvSpPr/>
+          <p:nvPr/>
+        </p:nvSpPr>
+        <p:spPr>
+          <a:xfrm>
+            <a:off x="2484672" y="1342451"/>
+            <a:ext cx="1078312" cy="648072"/>
+          </a:xfrm>
+          <a:prstGeom prst="roundRect">
+            <a:avLst>
+              <a:gd name="adj" fmla="val 11768"/>
+            </a:avLst>
+          </a:prstGeom>
+          <a:solidFill>
+            <a:schemeClr val="bg1">
+              <a:lumMod val="95000"/>
+            </a:schemeClr>
+          </a:solidFill>
+          <a:ln w="12700"/>
+        </p:spPr>
+        <p:style>
+          <a:lnRef idx="2">
+            <a:schemeClr val="dk1"/>
+          </a:lnRef>
+          <a:fillRef idx="1">
+            <a:schemeClr val="lt1"/>
+          </a:fillRef>
+          <a:effectRef idx="0">
+            <a:schemeClr val="dk1"/>
+          </a:effectRef>
+          <a:fontRef idx="minor">
+            <a:schemeClr val="dk1"/>
+          </a:fontRef>
+        </p:style>
+        <p:txBody>
+          <a:bodyPr rtlCol="0" anchor="t"/>
+          <a:lstStyle/>
+          <a:p>
+            <a:r>
+              <a:rPr lang="en-US" altLang="ko-KR" sz="1000"/>
+              <a:t>Connector A</a:t>
+            </a:r>
+          </a:p>
+          <a:p>
+            <a:r>
+              <a:rPr lang="en-US" altLang="ko-KR" sz="1000"/>
+              <a:t>Task 1</a:t>
+            </a:r>
+          </a:p>
+          <a:p>
+            <a:r>
+              <a:rPr lang="en-US" altLang="ko-KR" sz="1000" dirty="0"/>
+              <a:t>Partition 1,2</a:t>
+            </a:r>
+            <a:endParaRPr lang="ko-KR" altLang="en-US" sz="1000" dirty="0"/>
+          </a:p>
+        </p:txBody>
+      </p:sp>
+      <p:sp>
+        <p:nvSpPr>
+          <p:cNvPr id="15" name="사각형: 둥근 모서리 54">
+            <a:extLst>
+              <a:ext uri="{FF2B5EF4-FFF2-40B4-BE49-F238E27FC236}">
+                <a16:creationId xmlns:a16="http://schemas.microsoft.com/office/drawing/2014/main" id="{E028A692-4EF6-065A-06B6-002FE76CF2CD}"/>
+              </a:ext>
+            </a:extLst>
+          </p:cNvPr>
+          <p:cNvSpPr/>
+          <p:nvPr/>
+        </p:nvSpPr>
+        <p:spPr>
+          <a:xfrm>
+            <a:off x="3852824" y="606935"/>
+            <a:ext cx="1078312" cy="648072"/>
+          </a:xfrm>
+          <a:prstGeom prst="roundRect">
+            <a:avLst>
+              <a:gd name="adj" fmla="val 11768"/>
+            </a:avLst>
+          </a:prstGeom>
+          <a:solidFill>
+            <a:schemeClr val="bg2">
+              <a:lumMod val="90000"/>
+            </a:schemeClr>
+          </a:solidFill>
+          <a:ln w="12700"/>
+        </p:spPr>
+        <p:style>
+          <a:lnRef idx="2">
+            <a:schemeClr val="dk1"/>
+          </a:lnRef>
+          <a:fillRef idx="1">
+            <a:schemeClr val="lt1"/>
+          </a:fillRef>
+          <a:effectRef idx="0">
+            <a:schemeClr val="dk1"/>
+          </a:effectRef>
+          <a:fontRef idx="minor">
+            <a:schemeClr val="dk1"/>
+          </a:fontRef>
+        </p:style>
+        <p:txBody>
+          <a:bodyPr rtlCol="0" anchor="t"/>
+          <a:lstStyle/>
+          <a:p>
+            <a:r>
+              <a:rPr lang="en-US" altLang="ko-KR" sz="1000"/>
+              <a:t>Connector B</a:t>
+            </a:r>
+          </a:p>
+          <a:p>
+            <a:r>
+              <a:rPr lang="en-US" altLang="ko-KR" sz="1000"/>
+              <a:t>Instance</a:t>
+            </a:r>
+            <a:endParaRPr lang="ko-KR" altLang="en-US" sz="1000" dirty="0"/>
+          </a:p>
+        </p:txBody>
+      </p:sp>
+      <p:sp>
+        <p:nvSpPr>
+          <p:cNvPr id="16" name="사각형: 둥근 모서리 54">
+            <a:extLst>
+              <a:ext uri="{FF2B5EF4-FFF2-40B4-BE49-F238E27FC236}">
+                <a16:creationId xmlns:a16="http://schemas.microsoft.com/office/drawing/2014/main" id="{08816188-6ECA-5CA7-0547-F513EC93F5D6}"/>
+              </a:ext>
+            </a:extLst>
+          </p:cNvPr>
+          <p:cNvSpPr/>
+          <p:nvPr/>
+        </p:nvSpPr>
+        <p:spPr>
+          <a:xfrm>
+            <a:off x="5220976" y="606935"/>
+            <a:ext cx="1078312" cy="648072"/>
+          </a:xfrm>
+          <a:prstGeom prst="roundRect">
+            <a:avLst>
+              <a:gd name="adj" fmla="val 11768"/>
+            </a:avLst>
+          </a:prstGeom>
+          <a:solidFill>
+            <a:schemeClr val="bg1">
+              <a:lumMod val="95000"/>
+            </a:schemeClr>
+          </a:solidFill>
+          <a:ln w="12700"/>
+        </p:spPr>
+        <p:style>
+          <a:lnRef idx="2">
+            <a:schemeClr val="dk1"/>
+          </a:lnRef>
+          <a:fillRef idx="1">
+            <a:schemeClr val="lt1"/>
+          </a:fillRef>
+          <a:effectRef idx="0">
+            <a:schemeClr val="dk1"/>
+          </a:effectRef>
+          <a:fontRef idx="minor">
+            <a:schemeClr val="dk1"/>
+          </a:fontRef>
+        </p:style>
+        <p:txBody>
+          <a:bodyPr rtlCol="0" anchor="t"/>
+          <a:lstStyle/>
+          <a:p>
+            <a:r>
+              <a:rPr lang="en-US" altLang="ko-KR" sz="1000"/>
+              <a:t>Connector A</a:t>
+            </a:r>
+          </a:p>
+          <a:p>
+            <a:r>
+              <a:rPr lang="en-US" altLang="ko-KR" sz="1000"/>
+              <a:t>Task 3</a:t>
+            </a:r>
+          </a:p>
+          <a:p>
+            <a:r>
+              <a:rPr lang="en-US" altLang="ko-KR" sz="1000" dirty="0"/>
+              <a:t>Partition 5,6</a:t>
+            </a:r>
+            <a:endParaRPr lang="ko-KR" altLang="en-US" sz="1000" dirty="0"/>
+          </a:p>
+        </p:txBody>
+      </p:sp>
+      <p:sp>
+        <p:nvSpPr>
+          <p:cNvPr id="17" name="사각형: 둥근 모서리 54">
+            <a:extLst>
+              <a:ext uri="{FF2B5EF4-FFF2-40B4-BE49-F238E27FC236}">
+                <a16:creationId xmlns:a16="http://schemas.microsoft.com/office/drawing/2014/main" id="{3543A398-2905-23AA-8DBD-99AFA401FC6D}"/>
+              </a:ext>
+            </a:extLst>
+          </p:cNvPr>
+          <p:cNvSpPr/>
+          <p:nvPr/>
+        </p:nvSpPr>
+        <p:spPr>
+          <a:xfrm>
+            <a:off x="2484672" y="2077967"/>
+            <a:ext cx="1078312" cy="648072"/>
+          </a:xfrm>
+          <a:prstGeom prst="roundRect">
+            <a:avLst>
+              <a:gd name="adj" fmla="val 11768"/>
+            </a:avLst>
+          </a:prstGeom>
+          <a:solidFill>
+            <a:schemeClr val="bg2">
+              <a:lumMod val="90000"/>
+            </a:schemeClr>
+          </a:solidFill>
+          <a:ln w="12700"/>
+        </p:spPr>
+        <p:style>
+          <a:lnRef idx="2">
+            <a:schemeClr val="dk1"/>
+          </a:lnRef>
+          <a:fillRef idx="1">
+            <a:schemeClr val="lt1"/>
+          </a:fillRef>
+          <a:effectRef idx="0">
+            <a:schemeClr val="dk1"/>
+          </a:effectRef>
+          <a:fontRef idx="minor">
+            <a:schemeClr val="dk1"/>
+          </a:fontRef>
+        </p:style>
+        <p:txBody>
+          <a:bodyPr rtlCol="0" anchor="t"/>
+          <a:lstStyle/>
+          <a:p>
+            <a:r>
+              <a:rPr lang="en-US" altLang="ko-KR" sz="1000"/>
+              <a:t>Connector B</a:t>
+            </a:r>
+          </a:p>
+          <a:p>
+            <a:r>
+              <a:rPr lang="en-US" altLang="ko-KR" sz="1000"/>
+              <a:t>Task 1</a:t>
+            </a:r>
+          </a:p>
+          <a:p>
+            <a:r>
+              <a:rPr lang="en-US" altLang="ko-KR" sz="1000" dirty="0"/>
+              <a:t>Partition 1,2,3</a:t>
+            </a:r>
+            <a:endParaRPr lang="ko-KR" altLang="en-US" sz="1000" dirty="0"/>
+          </a:p>
+        </p:txBody>
+      </p:sp>
+      <p:sp>
+        <p:nvSpPr>
+          <p:cNvPr id="18" name="사각형: 둥근 모서리 54">
+            <a:extLst>
+              <a:ext uri="{FF2B5EF4-FFF2-40B4-BE49-F238E27FC236}">
+                <a16:creationId xmlns:a16="http://schemas.microsoft.com/office/drawing/2014/main" id="{19B60079-97E5-3EAD-EE3F-76A200ECDC74}"/>
+              </a:ext>
+            </a:extLst>
+          </p:cNvPr>
+          <p:cNvSpPr/>
+          <p:nvPr/>
+        </p:nvSpPr>
+        <p:spPr>
+          <a:xfrm>
+            <a:off x="3852824" y="1342451"/>
+            <a:ext cx="1078312" cy="648072"/>
+          </a:xfrm>
+          <a:prstGeom prst="roundRect">
+            <a:avLst>
+              <a:gd name="adj" fmla="val 11768"/>
+            </a:avLst>
+          </a:prstGeom>
+          <a:solidFill>
+            <a:schemeClr val="bg1">
+              <a:lumMod val="95000"/>
+            </a:schemeClr>
+          </a:solidFill>
+          <a:ln w="12700"/>
+        </p:spPr>
+        <p:style>
+          <a:lnRef idx="2">
+            <a:schemeClr val="dk1"/>
+          </a:lnRef>
+          <a:fillRef idx="1">
+            <a:schemeClr val="lt1"/>
+          </a:fillRef>
+          <a:effectRef idx="0">
+            <a:schemeClr val="dk1"/>
+          </a:effectRef>
+          <a:fontRef idx="minor">
+            <a:schemeClr val="dk1"/>
+          </a:fontRef>
+        </p:style>
+        <p:txBody>
+          <a:bodyPr rtlCol="0" anchor="t"/>
+          <a:lstStyle/>
+          <a:p>
+            <a:r>
+              <a:rPr lang="en-US" altLang="ko-KR" sz="1000"/>
+              <a:t>Connector A</a:t>
+            </a:r>
+          </a:p>
+          <a:p>
+            <a:r>
+              <a:rPr lang="en-US" altLang="ko-KR" sz="1000"/>
+              <a:t>Task 2</a:t>
+            </a:r>
+          </a:p>
+          <a:p>
+            <a:r>
+              <a:rPr lang="en-US" altLang="ko-KR" sz="1000" dirty="0"/>
+              <a:t>Partition 3,4</a:t>
+            </a:r>
+            <a:endParaRPr lang="ko-KR" altLang="en-US" sz="1000" dirty="0"/>
+          </a:p>
+        </p:txBody>
+      </p:sp>
+      <p:sp>
+        <p:nvSpPr>
+          <p:cNvPr id="19" name="사각형: 둥근 모서리 54">
+            <a:extLst>
+              <a:ext uri="{FF2B5EF4-FFF2-40B4-BE49-F238E27FC236}">
+                <a16:creationId xmlns:a16="http://schemas.microsoft.com/office/drawing/2014/main" id="{FF2D342D-A938-5038-0E00-F29A8FD97B64}"/>
+              </a:ext>
+            </a:extLst>
+          </p:cNvPr>
+          <p:cNvSpPr/>
+          <p:nvPr/>
+        </p:nvSpPr>
+        <p:spPr>
+          <a:xfrm>
+            <a:off x="5220976" y="1348583"/>
+            <a:ext cx="1078312" cy="648072"/>
+          </a:xfrm>
+          <a:prstGeom prst="roundRect">
+            <a:avLst>
+              <a:gd name="adj" fmla="val 11768"/>
+            </a:avLst>
+          </a:prstGeom>
+          <a:solidFill>
+            <a:schemeClr val="bg2">
+              <a:lumMod val="90000"/>
+            </a:schemeClr>
+          </a:solidFill>
+          <a:ln w="12700"/>
+        </p:spPr>
+        <p:style>
+          <a:lnRef idx="2">
+            <a:schemeClr val="dk1"/>
+          </a:lnRef>
+          <a:fillRef idx="1">
+            <a:schemeClr val="lt1"/>
+          </a:fillRef>
+          <a:effectRef idx="0">
+            <a:schemeClr val="dk1"/>
+          </a:effectRef>
+          <a:fontRef idx="minor">
+            <a:schemeClr val="dk1"/>
+          </a:fontRef>
+        </p:style>
+        <p:txBody>
+          <a:bodyPr rtlCol="0" anchor="t"/>
+          <a:lstStyle/>
+          <a:p>
+            <a:r>
+              <a:rPr lang="en-US" altLang="ko-KR" sz="1000"/>
+              <a:t>Connector B</a:t>
+            </a:r>
+          </a:p>
+          <a:p>
+            <a:r>
+              <a:rPr lang="en-US" altLang="ko-KR" sz="1000"/>
+              <a:t>Task 2</a:t>
+            </a:r>
+          </a:p>
+          <a:p>
+            <a:r>
+              <a:rPr lang="en-US" altLang="ko-KR" sz="1000" dirty="0"/>
+              <a:t>Partition 5,6,7</a:t>
+            </a:r>
+            <a:endParaRPr lang="ko-KR" altLang="en-US" sz="1000" dirty="0"/>
+          </a:p>
+        </p:txBody>
+      </p:sp>
+      <p:cxnSp>
+        <p:nvCxnSpPr>
+          <p:cNvPr id="21" name="Straight Arrow Connector 20">
+            <a:extLst>
+              <a:ext uri="{FF2B5EF4-FFF2-40B4-BE49-F238E27FC236}">
+                <a16:creationId xmlns:a16="http://schemas.microsoft.com/office/drawing/2014/main" id="{D3AFDEEB-4628-A885-3FE7-28237DC9F3CC}"/>
+              </a:ext>
+            </a:extLst>
+          </p:cNvPr>
+          <p:cNvCxnSpPr>
+            <a:cxnSpLocks/>
+            <a:endCxn id="12" idx="0"/>
+          </p:cNvCxnSpPr>
+          <p:nvPr/>
+        </p:nvCxnSpPr>
+        <p:spPr>
+          <a:xfrm>
+            <a:off x="4391980" y="102879"/>
+            <a:ext cx="0" cy="308631"/>
+          </a:xfrm>
+          <a:prstGeom prst="straightConnector1">
+            <a:avLst/>
+          </a:prstGeom>
+          <a:ln>
+            <a:solidFill>
+              <a:schemeClr val="tx1"/>
+            </a:solidFill>
+            <a:tailEnd type="triangle"/>
+          </a:ln>
+        </p:spPr>
+        <p:style>
+          <a:lnRef idx="1">
+            <a:schemeClr val="accent1"/>
+          </a:lnRef>
+          <a:fillRef idx="0">
+            <a:schemeClr val="accent1"/>
+          </a:fillRef>
+          <a:effectRef idx="0">
+            <a:schemeClr val="accent1"/>
+          </a:effectRef>
+          <a:fontRef idx="minor">
+            <a:schemeClr val="tx1"/>
+          </a:fontRef>
+        </p:style>
+      </p:cxnSp>
+      <p:sp>
+        <p:nvSpPr>
+          <p:cNvPr id="22" name="TextBox 21">
+            <a:extLst>
+              <a:ext uri="{FF2B5EF4-FFF2-40B4-BE49-F238E27FC236}">
+                <a16:creationId xmlns:a16="http://schemas.microsoft.com/office/drawing/2014/main" id="{EE43FF27-2E11-742F-8C44-D4F2BAE31AC5}"/>
+              </a:ext>
+            </a:extLst>
+          </p:cNvPr>
+          <p:cNvSpPr txBox="1"/>
+          <p:nvPr/>
+        </p:nvSpPr>
+        <p:spPr>
+          <a:xfrm>
+            <a:off x="4391980" y="121960"/>
+            <a:ext cx="716863" cy="261610"/>
+          </a:xfrm>
+          <a:prstGeom prst="rect">
+            <a:avLst/>
+          </a:prstGeom>
+          <a:noFill/>
+        </p:spPr>
+        <p:txBody>
+          <a:bodyPr wrap="none" rtlCol="0">
+            <a:spAutoFit/>
+          </a:bodyPr>
+          <a:lstStyle/>
+          <a:p>
+            <a:r>
+              <a:rPr lang="en-KR" sz="1050" i="1"/>
+              <a:t>Rest API</a:t>
+            </a:r>
+          </a:p>
+        </p:txBody>
+      </p:sp>
+      <p:sp>
+        <p:nvSpPr>
+          <p:cNvPr id="4" name="사각형: 둥근 모서리 54">
+            <a:extLst>
+              <a:ext uri="{FF2B5EF4-FFF2-40B4-BE49-F238E27FC236}">
+                <a16:creationId xmlns:a16="http://schemas.microsoft.com/office/drawing/2014/main" id="{3282700C-7455-B766-A2DA-447AE04E3C52}"/>
+              </a:ext>
+            </a:extLst>
+          </p:cNvPr>
+          <p:cNvSpPr/>
+          <p:nvPr/>
+        </p:nvSpPr>
+        <p:spPr>
+          <a:xfrm>
+            <a:off x="2267744" y="4414827"/>
+            <a:ext cx="3816415" cy="527913"/>
+          </a:xfrm>
+          <a:prstGeom prst="roundRect">
+            <a:avLst/>
+          </a:prstGeom>
+          <a:noFill/>
+          <a:ln w="12700">
+            <a:noFill/>
+          </a:ln>
+        </p:spPr>
+        <p:style>
+          <a:lnRef idx="2">
+            <a:schemeClr val="dk1"/>
+          </a:lnRef>
+          <a:fillRef idx="1">
+            <a:schemeClr val="lt1"/>
+          </a:fillRef>
+          <a:effectRef idx="0">
+            <a:schemeClr val="dk1"/>
+          </a:effectRef>
+          <a:fontRef idx="minor">
+            <a:schemeClr val="dk1"/>
+          </a:fontRef>
+        </p:style>
+        <p:txBody>
+          <a:bodyPr rtlCol="0" anchor="ctr"/>
+          <a:lstStyle/>
+          <a:p>
+            <a:r>
+              <a:rPr lang="en-US" altLang="ko-KR" sz="1000" b="1" dirty="0"/>
+              <a:t>Worker</a:t>
+            </a:r>
+            <a:r>
+              <a:rPr lang="en-US" altLang="ko-KR" sz="1000" dirty="0"/>
+              <a:t> : Process</a:t>
+            </a:r>
+          </a:p>
+          <a:p>
+            <a:r>
+              <a:rPr lang="en-US" altLang="ko-KR" sz="1000" b="1" dirty="0"/>
+              <a:t>Connector Instance, Task </a:t>
+            </a:r>
+            <a:r>
+              <a:rPr lang="en-US" altLang="ko-KR" sz="1000" dirty="0"/>
+              <a:t>: Thread</a:t>
+            </a:r>
+          </a:p>
+          <a:p>
+            <a:r>
+              <a:rPr lang="en-US" altLang="ko-KR" sz="1000" b="1" dirty="0"/>
+              <a:t>Converter, Transforms </a:t>
+            </a:r>
+            <a:r>
+              <a:rPr lang="en-US" altLang="ko-KR" sz="1000" dirty="0"/>
+              <a:t>: Class</a:t>
+            </a:r>
+            <a:endParaRPr lang="ko-KR" altLang="en-US" sz="1000" dirty="0"/>
+          </a:p>
+        </p:txBody>
+      </p:sp>
+      <p:sp>
+        <p:nvSpPr>
+          <p:cNvPr id="23" name="사각형: 둥근 모서리 54">
+            <a:extLst>
+              <a:ext uri="{FF2B5EF4-FFF2-40B4-BE49-F238E27FC236}">
+                <a16:creationId xmlns:a16="http://schemas.microsoft.com/office/drawing/2014/main" id="{B41B3CDF-CC6F-FDF3-8E55-75E5DD59336C}"/>
+              </a:ext>
+            </a:extLst>
+          </p:cNvPr>
+          <p:cNvSpPr/>
+          <p:nvPr/>
+        </p:nvSpPr>
+        <p:spPr>
+          <a:xfrm>
+            <a:off x="2484672" y="2813483"/>
+            <a:ext cx="3814616" cy="340933"/>
+          </a:xfrm>
+          <a:prstGeom prst="roundRect">
+            <a:avLst/>
+          </a:prstGeom>
+          <a:ln w="12700"/>
+        </p:spPr>
+        <p:style>
+          <a:lnRef idx="2">
+            <a:schemeClr val="dk1"/>
+          </a:lnRef>
+          <a:fillRef idx="1">
+            <a:schemeClr val="lt1"/>
+          </a:fillRef>
+          <a:effectRef idx="0">
+            <a:schemeClr val="dk1"/>
+          </a:effectRef>
+          <a:fontRef idx="minor">
+            <a:schemeClr val="dk1"/>
+          </a:fontRef>
+        </p:style>
+        <p:txBody>
+          <a:bodyPr rtlCol="0" anchor="ctr"/>
+          <a:lstStyle/>
+          <a:p>
+            <a:pPr algn="ctr"/>
+            <a:r>
+              <a:rPr lang="en-US" altLang="ko-KR" sz="1000" dirty="0"/>
+              <a:t>Converter</a:t>
+            </a:r>
+            <a:endParaRPr lang="ko-KR" altLang="en-US" sz="1000" dirty="0"/>
+          </a:p>
+        </p:txBody>
+      </p:sp>
+      <p:sp>
+        <p:nvSpPr>
+          <p:cNvPr id="25" name="사각형: 둥근 모서리 54">
+            <a:extLst>
+              <a:ext uri="{FF2B5EF4-FFF2-40B4-BE49-F238E27FC236}">
+                <a16:creationId xmlns:a16="http://schemas.microsoft.com/office/drawing/2014/main" id="{F6A92BD1-500A-B953-A0C1-73060EB87557}"/>
+              </a:ext>
+            </a:extLst>
+          </p:cNvPr>
+          <p:cNvSpPr/>
+          <p:nvPr/>
+        </p:nvSpPr>
+        <p:spPr>
+          <a:xfrm>
+            <a:off x="2484672" y="3241860"/>
+            <a:ext cx="3814616" cy="340933"/>
+          </a:xfrm>
+          <a:prstGeom prst="roundRect">
+            <a:avLst/>
+          </a:prstGeom>
+          <a:ln w="12700"/>
+        </p:spPr>
+        <p:style>
+          <a:lnRef idx="2">
+            <a:schemeClr val="dk1"/>
+          </a:lnRef>
+          <a:fillRef idx="1">
+            <a:schemeClr val="lt1"/>
+          </a:fillRef>
+          <a:effectRef idx="0">
+            <a:schemeClr val="dk1"/>
+          </a:effectRef>
+          <a:fontRef idx="minor">
+            <a:schemeClr val="dk1"/>
+          </a:fontRef>
+        </p:style>
+        <p:txBody>
+          <a:bodyPr rtlCol="0" anchor="ctr"/>
+          <a:lstStyle/>
+          <a:p>
+            <a:pPr algn="ctr"/>
+            <a:r>
+              <a:rPr lang="en-US" altLang="ko-KR" sz="1000" dirty="0"/>
+              <a:t>Transform</a:t>
+            </a:r>
+            <a:endParaRPr lang="ko-KR" altLang="en-US" sz="1000" dirty="0"/>
+          </a:p>
+        </p:txBody>
+      </p:sp>
+    </p:spTree>
+    <p:extLst>
+      <p:ext uri="{BB962C8B-B14F-4D97-AF65-F5344CB8AC3E}">
+        <p14:creationId xmlns:p14="http://schemas.microsoft.com/office/powerpoint/2010/main" val="1417831421"/>
+      </p:ext>
+    </p:extLst>
+  </p:cSld>
+  <p:clrMapOvr>
+    <a:masterClrMapping/>
+  </p:clrMapOvr>
+</p:sld>
+</file>
+
+<file path=ppt/slides/slide11.xml><?xml version="1.0" encoding="utf-8"?>
+<p:sld xmlns:a="http://schemas.openxmlformats.org/drawingml/2006/main" xmlns:r="http://schemas.openxmlformats.org/officeDocument/2006/relationships" xmlns:p="http://schemas.openxmlformats.org/presentationml/2006/main">
+  <p:cSld>
+    <p:spTree>
+      <p:nvGrpSpPr>
+        <p:cNvPr id="1" name="">
+          <a:extLst>
+            <a:ext uri="{FF2B5EF4-FFF2-40B4-BE49-F238E27FC236}">
               <a16:creationId xmlns:a16="http://schemas.microsoft.com/office/drawing/2014/main" id="{DB25A6A6-B289-A149-821D-90318FC4A6D3}"/>
             </a:ext>
           </a:extLst>
@@ -7794,7 +8732,7 @@
 </p:sld>
 </file>
 
-<file path=ppt/slides/slide11.xml><?xml version="1.0" encoding="utf-8"?>
+<file path=ppt/slides/slide12.xml><?xml version="1.0" encoding="utf-8"?>
 <p:sld xmlns:a="http://schemas.openxmlformats.org/drawingml/2006/main" xmlns:r="http://schemas.openxmlformats.org/officeDocument/2006/relationships" xmlns:p="http://schemas.openxmlformats.org/presentationml/2006/main">
   <p:cSld>
     <p:spTree>
@@ -8642,7 +9580,7 @@
 </p:sld>
 </file>
 
-<file path=ppt/slides/slide12.xml><?xml version="1.0" encoding="utf-8"?>
+<file path=ppt/slides/slide13.xml><?xml version="1.0" encoding="utf-8"?>
 <p:sld xmlns:a="http://schemas.openxmlformats.org/drawingml/2006/main" xmlns:r="http://schemas.openxmlformats.org/officeDocument/2006/relationships" xmlns:p="http://schemas.openxmlformats.org/presentationml/2006/main">
   <p:cSld>
     <p:spTree>
@@ -9713,7 +10651,7 @@
 </p:sld>
 </file>
 
-<file path=ppt/slides/slide13.xml><?xml version="1.0" encoding="utf-8"?>
+<file path=ppt/slides/slide14.xml><?xml version="1.0" encoding="utf-8"?>
 <p:sld xmlns:a="http://schemas.openxmlformats.org/drawingml/2006/main" xmlns:r="http://schemas.openxmlformats.org/officeDocument/2006/relationships" xmlns:p="http://schemas.openxmlformats.org/presentationml/2006/main">
   <p:cSld>
     <p:spTree>
@@ -12800,6 +13738,1980 @@
         <p:cNvPr id="1" name="">
           <a:extLst>
             <a:ext uri="{FF2B5EF4-FFF2-40B4-BE49-F238E27FC236}">
+              <a16:creationId xmlns:a16="http://schemas.microsoft.com/office/drawing/2014/main" id="{E9674DD9-DCE6-9EC5-5CD5-8F4ABA5F4ADD}"/>
+            </a:ext>
+          </a:extLst>
+        </p:cNvPr>
+        <p:cNvGrpSpPr/>
+        <p:nvPr/>
+      </p:nvGrpSpPr>
+      <p:grpSpPr>
+        <a:xfrm>
+          <a:off x="0" y="0"/>
+          <a:ext cx="0" cy="0"/>
+          <a:chOff x="0" y="0"/>
+          <a:chExt cx="0" cy="0"/>
+        </a:xfrm>
+      </p:grpSpPr>
+      <p:sp>
+        <p:nvSpPr>
+          <p:cNvPr id="57" name="사각형: 둥근 모서리 6">
+            <a:extLst>
+              <a:ext uri="{FF2B5EF4-FFF2-40B4-BE49-F238E27FC236}">
+                <a16:creationId xmlns:a16="http://schemas.microsoft.com/office/drawing/2014/main" id="{4291BF42-0ED8-A437-76F0-9AE46E2BD7DC}"/>
+              </a:ext>
+            </a:extLst>
+          </p:cNvPr>
+          <p:cNvSpPr/>
+          <p:nvPr/>
+        </p:nvSpPr>
+        <p:spPr>
+          <a:xfrm>
+            <a:off x="6455183" y="663068"/>
+            <a:ext cx="2568418" cy="3780890"/>
+          </a:xfrm>
+          <a:prstGeom prst="roundRect">
+            <a:avLst>
+              <a:gd name="adj" fmla="val 3892"/>
+            </a:avLst>
+          </a:prstGeom>
+          <a:ln w="12700">
+            <a:prstDash val="dash"/>
+          </a:ln>
+        </p:spPr>
+        <p:style>
+          <a:lnRef idx="2">
+            <a:schemeClr val="dk1"/>
+          </a:lnRef>
+          <a:fillRef idx="1">
+            <a:schemeClr val="lt1"/>
+          </a:fillRef>
+          <a:effectRef idx="0">
+            <a:schemeClr val="dk1"/>
+          </a:effectRef>
+          <a:fontRef idx="minor">
+            <a:schemeClr val="dk1"/>
+          </a:fontRef>
+        </p:style>
+        <p:txBody>
+          <a:bodyPr rtlCol="0" anchor="b"/>
+          <a:lstStyle/>
+          <a:p>
+            <a:pPr algn="r"/>
+            <a:r>
+              <a:rPr lang="en-US" altLang="ko-KR" sz="1000" dirty="0"/>
+              <a:t>Kafka Cluster</a:t>
+            </a:r>
+            <a:endParaRPr lang="ko-KR" altLang="en-US" sz="1000" dirty="0"/>
+          </a:p>
+        </p:txBody>
+      </p:sp>
+      <p:sp>
+        <p:nvSpPr>
+          <p:cNvPr id="4" name="Can 3">
+            <a:extLst>
+              <a:ext uri="{FF2B5EF4-FFF2-40B4-BE49-F238E27FC236}">
+                <a16:creationId xmlns:a16="http://schemas.microsoft.com/office/drawing/2014/main" id="{B7DF629D-B8A2-FFB1-CB26-7608EFABA38E}"/>
+              </a:ext>
+            </a:extLst>
+          </p:cNvPr>
+          <p:cNvSpPr/>
+          <p:nvPr/>
+        </p:nvSpPr>
+        <p:spPr>
+          <a:xfrm>
+            <a:off x="107504" y="1131120"/>
+            <a:ext cx="1152128" cy="504056"/>
+          </a:xfrm>
+          <a:prstGeom prst="can">
+            <a:avLst/>
+          </a:prstGeom>
+          <a:noFill/>
+          <a:ln w="12700">
+            <a:solidFill>
+              <a:schemeClr val="tx1"/>
+            </a:solidFill>
+          </a:ln>
+        </p:spPr>
+        <p:style>
+          <a:lnRef idx="2">
+            <a:schemeClr val="accent1">
+              <a:shade val="15000"/>
+            </a:schemeClr>
+          </a:lnRef>
+          <a:fillRef idx="1">
+            <a:schemeClr val="accent1"/>
+          </a:fillRef>
+          <a:effectRef idx="0">
+            <a:schemeClr val="accent1"/>
+          </a:effectRef>
+          <a:fontRef idx="minor">
+            <a:schemeClr val="lt1"/>
+          </a:fontRef>
+        </p:style>
+        <p:txBody>
+          <a:bodyPr rtlCol="0" anchor="ctr"/>
+          <a:lstStyle/>
+          <a:p>
+            <a:pPr algn="ctr"/>
+            <a:r>
+              <a:rPr lang="en-KR" sz="1000">
+                <a:solidFill>
+                  <a:sysClr val="windowText" lastClr="000000"/>
+                </a:solidFill>
+              </a:rPr>
+              <a:t>Data</a:t>
+            </a:r>
+            <a:r>
+              <a:rPr lang="ko-KR" altLang="en-US" sz="1000">
+                <a:solidFill>
+                  <a:sysClr val="windowText" lastClr="000000"/>
+                </a:solidFill>
+              </a:rPr>
+              <a:t> </a:t>
+            </a:r>
+            <a:r>
+              <a:rPr lang="en-US" altLang="ko-KR" sz="1000">
+                <a:solidFill>
+                  <a:sysClr val="windowText" lastClr="000000"/>
+                </a:solidFill>
+              </a:rPr>
+              <a:t>Source</a:t>
+            </a:r>
+            <a:endParaRPr lang="en-KR" sz="1000">
+              <a:solidFill>
+                <a:sysClr val="windowText" lastClr="000000"/>
+              </a:solidFill>
+            </a:endParaRPr>
+          </a:p>
+        </p:txBody>
+      </p:sp>
+      <p:sp>
+        <p:nvSpPr>
+          <p:cNvPr id="12" name="사각형: 둥근 모서리 54">
+            <a:extLst>
+              <a:ext uri="{FF2B5EF4-FFF2-40B4-BE49-F238E27FC236}">
+                <a16:creationId xmlns:a16="http://schemas.microsoft.com/office/drawing/2014/main" id="{3A87F8E8-B594-DFA1-C52C-C69C1B01E319}"/>
+              </a:ext>
+            </a:extLst>
+          </p:cNvPr>
+          <p:cNvSpPr/>
+          <p:nvPr/>
+        </p:nvSpPr>
+        <p:spPr>
+          <a:xfrm>
+            <a:off x="6588749" y="2236660"/>
+            <a:ext cx="1078312" cy="432048"/>
+          </a:xfrm>
+          <a:prstGeom prst="roundRect">
+            <a:avLst/>
+          </a:prstGeom>
+          <a:ln w="12700"/>
+        </p:spPr>
+        <p:style>
+          <a:lnRef idx="2">
+            <a:schemeClr val="dk1"/>
+          </a:lnRef>
+          <a:fillRef idx="1">
+            <a:schemeClr val="lt1"/>
+          </a:fillRef>
+          <a:effectRef idx="0">
+            <a:schemeClr val="dk1"/>
+          </a:effectRef>
+          <a:fontRef idx="minor">
+            <a:schemeClr val="dk1"/>
+          </a:fontRef>
+        </p:style>
+        <p:txBody>
+          <a:bodyPr rtlCol="0" anchor="ctr"/>
+          <a:lstStyle/>
+          <a:p>
+            <a:pPr algn="ctr"/>
+            <a:r>
+              <a:rPr lang="en-US" altLang="ko-KR" sz="1000" dirty="0"/>
+              <a:t>Data Stream Topic</a:t>
+            </a:r>
+            <a:endParaRPr lang="ko-KR" altLang="en-US" sz="1000" dirty="0"/>
+          </a:p>
+        </p:txBody>
+      </p:sp>
+      <p:sp>
+        <p:nvSpPr>
+          <p:cNvPr id="5" name="사각형: 둥근 모서리 6">
+            <a:extLst>
+              <a:ext uri="{FF2B5EF4-FFF2-40B4-BE49-F238E27FC236}">
+                <a16:creationId xmlns:a16="http://schemas.microsoft.com/office/drawing/2014/main" id="{4F55ABB6-1895-482D-D70E-E9869578A0D9}"/>
+              </a:ext>
+            </a:extLst>
+          </p:cNvPr>
+          <p:cNvSpPr/>
+          <p:nvPr/>
+        </p:nvSpPr>
+        <p:spPr>
+          <a:xfrm>
+            <a:off x="1559572" y="1105509"/>
+            <a:ext cx="4752499" cy="781695"/>
+          </a:xfrm>
+          <a:prstGeom prst="roundRect">
+            <a:avLst>
+              <a:gd name="adj" fmla="val 6790"/>
+            </a:avLst>
+          </a:prstGeom>
+          <a:ln w="12700">
+            <a:prstDash val="dash"/>
+          </a:ln>
+        </p:spPr>
+        <p:style>
+          <a:lnRef idx="2">
+            <a:schemeClr val="dk1"/>
+          </a:lnRef>
+          <a:fillRef idx="1">
+            <a:schemeClr val="lt1"/>
+          </a:fillRef>
+          <a:effectRef idx="0">
+            <a:schemeClr val="dk1"/>
+          </a:effectRef>
+          <a:fontRef idx="minor">
+            <a:schemeClr val="dk1"/>
+          </a:fontRef>
+        </p:style>
+        <p:txBody>
+          <a:bodyPr rtlCol="0" anchor="b"/>
+          <a:lstStyle/>
+          <a:p>
+            <a:pPr algn="ctr"/>
+            <a:r>
+              <a:rPr lang="en-US" altLang="ko-KR" sz="1000" dirty="0"/>
+              <a:t>Kafka Connect Cluster</a:t>
+            </a:r>
+            <a:endParaRPr lang="ko-KR" altLang="en-US" sz="1000" dirty="0"/>
+          </a:p>
+        </p:txBody>
+      </p:sp>
+      <p:sp>
+        <p:nvSpPr>
+          <p:cNvPr id="6" name="사각형: 둥근 모서리 54">
+            <a:extLst>
+              <a:ext uri="{FF2B5EF4-FFF2-40B4-BE49-F238E27FC236}">
+                <a16:creationId xmlns:a16="http://schemas.microsoft.com/office/drawing/2014/main" id="{80B865D9-22E3-8BE1-D283-011AA653065A}"/>
+              </a:ext>
+            </a:extLst>
+          </p:cNvPr>
+          <p:cNvSpPr/>
+          <p:nvPr/>
+        </p:nvSpPr>
+        <p:spPr>
+          <a:xfrm>
+            <a:off x="1637333" y="1167124"/>
+            <a:ext cx="1078312" cy="432048"/>
+          </a:xfrm>
+          <a:prstGeom prst="roundRect">
+            <a:avLst/>
+          </a:prstGeom>
+          <a:ln w="12700"/>
+        </p:spPr>
+        <p:style>
+          <a:lnRef idx="2">
+            <a:schemeClr val="dk1"/>
+          </a:lnRef>
+          <a:fillRef idx="1">
+            <a:schemeClr val="lt1"/>
+          </a:fillRef>
+          <a:effectRef idx="0">
+            <a:schemeClr val="dk1"/>
+          </a:effectRef>
+          <a:fontRef idx="minor">
+            <a:schemeClr val="dk1"/>
+          </a:fontRef>
+        </p:style>
+        <p:txBody>
+          <a:bodyPr rtlCol="0" anchor="ctr"/>
+          <a:lstStyle/>
+          <a:p>
+            <a:pPr algn="ctr"/>
+            <a:r>
+              <a:rPr lang="en-US" altLang="ko-KR" sz="1000" b="1"/>
+              <a:t>Source</a:t>
+            </a:r>
+          </a:p>
+          <a:p>
+            <a:pPr algn="ctr"/>
+            <a:r>
+              <a:rPr lang="en-US" altLang="ko-KR" sz="1000" b="1"/>
+              <a:t>Connector</a:t>
+            </a:r>
+          </a:p>
+        </p:txBody>
+      </p:sp>
+      <p:sp>
+        <p:nvSpPr>
+          <p:cNvPr id="9" name="사각형: 둥근 모서리 54">
+            <a:extLst>
+              <a:ext uri="{FF2B5EF4-FFF2-40B4-BE49-F238E27FC236}">
+                <a16:creationId xmlns:a16="http://schemas.microsoft.com/office/drawing/2014/main" id="{6CF1EA89-C969-D528-7472-A1CFECA7B78F}"/>
+              </a:ext>
+            </a:extLst>
+          </p:cNvPr>
+          <p:cNvSpPr/>
+          <p:nvPr/>
+        </p:nvSpPr>
+        <p:spPr>
+          <a:xfrm>
+            <a:off x="2925917" y="1167124"/>
+            <a:ext cx="1078312" cy="432048"/>
+          </a:xfrm>
+          <a:prstGeom prst="roundRect">
+            <a:avLst/>
+          </a:prstGeom>
+          <a:ln w="12700"/>
+        </p:spPr>
+        <p:style>
+          <a:lnRef idx="2">
+            <a:schemeClr val="dk1"/>
+          </a:lnRef>
+          <a:fillRef idx="1">
+            <a:schemeClr val="lt1"/>
+          </a:fillRef>
+          <a:effectRef idx="0">
+            <a:schemeClr val="dk1"/>
+          </a:effectRef>
+          <a:fontRef idx="minor">
+            <a:schemeClr val="dk1"/>
+          </a:fontRef>
+        </p:style>
+        <p:txBody>
+          <a:bodyPr rtlCol="0" anchor="ctr"/>
+          <a:lstStyle/>
+          <a:p>
+            <a:pPr algn="ctr"/>
+            <a:r>
+              <a:rPr lang="en-US" altLang="ko-KR" sz="1000" b="1" dirty="0"/>
+              <a:t>Transform</a:t>
+            </a:r>
+          </a:p>
+          <a:p>
+            <a:pPr algn="ctr"/>
+            <a:r>
+              <a:rPr lang="en-US" altLang="ko-KR" sz="1000" dirty="0"/>
+              <a:t>(Optional)</a:t>
+            </a:r>
+            <a:endParaRPr lang="ko-KR" altLang="en-US" sz="1000" dirty="0"/>
+          </a:p>
+        </p:txBody>
+      </p:sp>
+      <p:sp>
+        <p:nvSpPr>
+          <p:cNvPr id="10" name="사각형: 둥근 모서리 54">
+            <a:extLst>
+              <a:ext uri="{FF2B5EF4-FFF2-40B4-BE49-F238E27FC236}">
+                <a16:creationId xmlns:a16="http://schemas.microsoft.com/office/drawing/2014/main" id="{839A6617-79C9-B1A8-AA24-33FD0C77CC9D}"/>
+              </a:ext>
+            </a:extLst>
+          </p:cNvPr>
+          <p:cNvSpPr/>
+          <p:nvPr/>
+        </p:nvSpPr>
+        <p:spPr>
+          <a:xfrm>
+            <a:off x="4214501" y="1167124"/>
+            <a:ext cx="2025592" cy="432048"/>
+          </a:xfrm>
+          <a:prstGeom prst="roundRect">
+            <a:avLst/>
+          </a:prstGeom>
+          <a:ln w="12700"/>
+        </p:spPr>
+        <p:style>
+          <a:lnRef idx="2">
+            <a:schemeClr val="dk1"/>
+          </a:lnRef>
+          <a:fillRef idx="1">
+            <a:schemeClr val="lt1"/>
+          </a:fillRef>
+          <a:effectRef idx="0">
+            <a:schemeClr val="dk1"/>
+          </a:effectRef>
+          <a:fontRef idx="minor">
+            <a:schemeClr val="dk1"/>
+          </a:fontRef>
+        </p:style>
+        <p:txBody>
+          <a:bodyPr rtlCol="0" anchor="ctr"/>
+          <a:lstStyle/>
+          <a:p>
+            <a:pPr algn="ctr"/>
+            <a:r>
+              <a:rPr lang="en-US" altLang="ko-KR" sz="1000" b="1" dirty="0"/>
+              <a:t>Converter</a:t>
+            </a:r>
+          </a:p>
+          <a:p>
+            <a:pPr algn="ctr"/>
+            <a:r>
+              <a:rPr lang="en-US" altLang="ko-KR" sz="1000" dirty="0"/>
+              <a:t>(Structured Data </a:t>
+            </a:r>
+            <a:r>
+              <a:rPr lang="en-US" altLang="ko-KR" sz="1000" dirty="0">
+                <a:sym typeface="Wingdings" pitchFamily="2" charset="2"/>
+              </a:rPr>
+              <a:t> Byte Array)</a:t>
+            </a:r>
+            <a:endParaRPr lang="ko-KR" altLang="en-US" sz="1000" dirty="0"/>
+          </a:p>
+        </p:txBody>
+      </p:sp>
+      <p:sp>
+        <p:nvSpPr>
+          <p:cNvPr id="22" name="사각형: 둥근 모서리 6">
+            <a:extLst>
+              <a:ext uri="{FF2B5EF4-FFF2-40B4-BE49-F238E27FC236}">
+                <a16:creationId xmlns:a16="http://schemas.microsoft.com/office/drawing/2014/main" id="{116FA7D3-6C9E-D806-7A15-D0D8794F26C5}"/>
+              </a:ext>
+            </a:extLst>
+          </p:cNvPr>
+          <p:cNvSpPr/>
+          <p:nvPr/>
+        </p:nvSpPr>
+        <p:spPr>
+          <a:xfrm>
+            <a:off x="1559572" y="3337759"/>
+            <a:ext cx="4752513" cy="781695"/>
+          </a:xfrm>
+          <a:prstGeom prst="roundRect">
+            <a:avLst>
+              <a:gd name="adj" fmla="val 6790"/>
+            </a:avLst>
+          </a:prstGeom>
+          <a:ln w="12700">
+            <a:prstDash val="dash"/>
+          </a:ln>
+        </p:spPr>
+        <p:style>
+          <a:lnRef idx="2">
+            <a:schemeClr val="dk1"/>
+          </a:lnRef>
+          <a:fillRef idx="1">
+            <a:schemeClr val="lt1"/>
+          </a:fillRef>
+          <a:effectRef idx="0">
+            <a:schemeClr val="dk1"/>
+          </a:effectRef>
+          <a:fontRef idx="minor">
+            <a:schemeClr val="dk1"/>
+          </a:fontRef>
+        </p:style>
+        <p:txBody>
+          <a:bodyPr rtlCol="0" anchor="b"/>
+          <a:lstStyle/>
+          <a:p>
+            <a:pPr algn="ctr"/>
+            <a:r>
+              <a:rPr lang="en-US" altLang="ko-KR" sz="1000" dirty="0"/>
+              <a:t>Kafka Connect Cluster</a:t>
+            </a:r>
+            <a:endParaRPr lang="ko-KR" altLang="en-US" sz="1000" dirty="0"/>
+          </a:p>
+        </p:txBody>
+      </p:sp>
+      <p:sp>
+        <p:nvSpPr>
+          <p:cNvPr id="23" name="사각형: 둥근 모서리 54">
+            <a:extLst>
+              <a:ext uri="{FF2B5EF4-FFF2-40B4-BE49-F238E27FC236}">
+                <a16:creationId xmlns:a16="http://schemas.microsoft.com/office/drawing/2014/main" id="{590CC999-6807-E1B8-53AC-06971D1BD669}"/>
+              </a:ext>
+            </a:extLst>
+          </p:cNvPr>
+          <p:cNvSpPr/>
+          <p:nvPr/>
+        </p:nvSpPr>
+        <p:spPr>
+          <a:xfrm>
+            <a:off x="1637333" y="3399374"/>
+            <a:ext cx="1078312" cy="432048"/>
+          </a:xfrm>
+          <a:prstGeom prst="roundRect">
+            <a:avLst/>
+          </a:prstGeom>
+          <a:ln w="12700"/>
+        </p:spPr>
+        <p:style>
+          <a:lnRef idx="2">
+            <a:schemeClr val="dk1"/>
+          </a:lnRef>
+          <a:fillRef idx="1">
+            <a:schemeClr val="lt1"/>
+          </a:fillRef>
+          <a:effectRef idx="0">
+            <a:schemeClr val="dk1"/>
+          </a:effectRef>
+          <a:fontRef idx="minor">
+            <a:schemeClr val="dk1"/>
+          </a:fontRef>
+        </p:style>
+        <p:txBody>
+          <a:bodyPr rtlCol="0" anchor="ctr"/>
+          <a:lstStyle/>
+          <a:p>
+            <a:pPr algn="ctr"/>
+            <a:r>
+              <a:rPr lang="en-US" altLang="ko-KR" sz="1000" b="1"/>
+              <a:t>Sink</a:t>
+            </a:r>
+          </a:p>
+          <a:p>
+            <a:pPr algn="ctr"/>
+            <a:r>
+              <a:rPr lang="en-US" altLang="ko-KR" sz="1000" b="1"/>
+              <a:t>Connector</a:t>
+            </a:r>
+          </a:p>
+        </p:txBody>
+      </p:sp>
+      <p:sp>
+        <p:nvSpPr>
+          <p:cNvPr id="24" name="사각형: 둥근 모서리 54">
+            <a:extLst>
+              <a:ext uri="{FF2B5EF4-FFF2-40B4-BE49-F238E27FC236}">
+                <a16:creationId xmlns:a16="http://schemas.microsoft.com/office/drawing/2014/main" id="{4DEC16CA-E8F1-08A3-B730-4CF43B6B6EE2}"/>
+              </a:ext>
+            </a:extLst>
+          </p:cNvPr>
+          <p:cNvSpPr/>
+          <p:nvPr/>
+        </p:nvSpPr>
+        <p:spPr>
+          <a:xfrm>
+            <a:off x="2925917" y="3399374"/>
+            <a:ext cx="1078312" cy="432048"/>
+          </a:xfrm>
+          <a:prstGeom prst="roundRect">
+            <a:avLst/>
+          </a:prstGeom>
+          <a:ln w="12700"/>
+        </p:spPr>
+        <p:style>
+          <a:lnRef idx="2">
+            <a:schemeClr val="dk1"/>
+          </a:lnRef>
+          <a:fillRef idx="1">
+            <a:schemeClr val="lt1"/>
+          </a:fillRef>
+          <a:effectRef idx="0">
+            <a:schemeClr val="dk1"/>
+          </a:effectRef>
+          <a:fontRef idx="minor">
+            <a:schemeClr val="dk1"/>
+          </a:fontRef>
+        </p:style>
+        <p:txBody>
+          <a:bodyPr rtlCol="0" anchor="ctr"/>
+          <a:lstStyle/>
+          <a:p>
+            <a:pPr algn="ctr"/>
+            <a:r>
+              <a:rPr lang="en-US" altLang="ko-KR" sz="1000" b="1" dirty="0"/>
+              <a:t>Transform</a:t>
+            </a:r>
+          </a:p>
+          <a:p>
+            <a:pPr algn="ctr"/>
+            <a:r>
+              <a:rPr lang="en-US" altLang="ko-KR" sz="1000" dirty="0"/>
+              <a:t>(Optional)</a:t>
+            </a:r>
+            <a:endParaRPr lang="ko-KR" altLang="en-US" sz="1000" dirty="0"/>
+          </a:p>
+        </p:txBody>
+      </p:sp>
+      <p:sp>
+        <p:nvSpPr>
+          <p:cNvPr id="25" name="사각형: 둥근 모서리 54">
+            <a:extLst>
+              <a:ext uri="{FF2B5EF4-FFF2-40B4-BE49-F238E27FC236}">
+                <a16:creationId xmlns:a16="http://schemas.microsoft.com/office/drawing/2014/main" id="{B09F179A-4B42-F29F-E50C-62C55EE0DE96}"/>
+              </a:ext>
+            </a:extLst>
+          </p:cNvPr>
+          <p:cNvSpPr/>
+          <p:nvPr/>
+        </p:nvSpPr>
+        <p:spPr>
+          <a:xfrm>
+            <a:off x="4214501" y="3399374"/>
+            <a:ext cx="2025592" cy="432048"/>
+          </a:xfrm>
+          <a:prstGeom prst="roundRect">
+            <a:avLst/>
+          </a:prstGeom>
+          <a:ln w="12700"/>
+        </p:spPr>
+        <p:style>
+          <a:lnRef idx="2">
+            <a:schemeClr val="dk1"/>
+          </a:lnRef>
+          <a:fillRef idx="1">
+            <a:schemeClr val="lt1"/>
+          </a:fillRef>
+          <a:effectRef idx="0">
+            <a:schemeClr val="dk1"/>
+          </a:effectRef>
+          <a:fontRef idx="minor">
+            <a:schemeClr val="dk1"/>
+          </a:fontRef>
+        </p:style>
+        <p:txBody>
+          <a:bodyPr rtlCol="0" anchor="ctr"/>
+          <a:lstStyle/>
+          <a:p>
+            <a:pPr algn="ctr"/>
+            <a:r>
+              <a:rPr lang="en-US" altLang="ko-KR" sz="1000" b="1" dirty="0"/>
+              <a:t>Converter</a:t>
+            </a:r>
+          </a:p>
+          <a:p>
+            <a:pPr algn="ctr"/>
+            <a:r>
+              <a:rPr lang="en-US" altLang="ko-KR" sz="1000" dirty="0"/>
+              <a:t>(</a:t>
+            </a:r>
+            <a:r>
+              <a:rPr lang="en-US" altLang="ko-KR" sz="1000" dirty="0">
+                <a:sym typeface="Wingdings" pitchFamily="2" charset="2"/>
+              </a:rPr>
+              <a:t>Byte Array  </a:t>
+            </a:r>
+            <a:r>
+              <a:rPr lang="en-US" altLang="ko-KR" sz="1000" dirty="0"/>
+              <a:t>Structured Data</a:t>
+            </a:r>
+            <a:r>
+              <a:rPr lang="en-US" altLang="ko-KR" sz="1000" dirty="0">
+                <a:sym typeface="Wingdings" pitchFamily="2" charset="2"/>
+              </a:rPr>
+              <a:t>)</a:t>
+            </a:r>
+            <a:endParaRPr lang="ko-KR" altLang="en-US" sz="1000" dirty="0"/>
+          </a:p>
+        </p:txBody>
+      </p:sp>
+      <p:cxnSp>
+        <p:nvCxnSpPr>
+          <p:cNvPr id="26" name="Elbow Connector 25">
+            <a:extLst>
+              <a:ext uri="{FF2B5EF4-FFF2-40B4-BE49-F238E27FC236}">
+                <a16:creationId xmlns:a16="http://schemas.microsoft.com/office/drawing/2014/main" id="{40E77D70-4578-6BC1-C49A-A48F76D6CC42}"/>
+              </a:ext>
+            </a:extLst>
+          </p:cNvPr>
+          <p:cNvCxnSpPr>
+            <a:cxnSpLocks/>
+            <a:stCxn id="12" idx="2"/>
+            <a:endCxn id="25" idx="0"/>
+          </p:cNvCxnSpPr>
+          <p:nvPr/>
+        </p:nvCxnSpPr>
+        <p:spPr>
+          <a:xfrm rot="5400000">
+            <a:off x="5812268" y="2083737"/>
+            <a:ext cx="730666" cy="1900608"/>
+          </a:xfrm>
+          <a:prstGeom prst="bentConnector3">
+            <a:avLst>
+              <a:gd name="adj1" fmla="val 24971"/>
+            </a:avLst>
+          </a:prstGeom>
+          <a:ln>
+            <a:solidFill>
+              <a:schemeClr val="tx1"/>
+            </a:solidFill>
+            <a:tailEnd type="triangle"/>
+          </a:ln>
+        </p:spPr>
+        <p:style>
+          <a:lnRef idx="1">
+            <a:schemeClr val="accent1"/>
+          </a:lnRef>
+          <a:fillRef idx="0">
+            <a:schemeClr val="accent1"/>
+          </a:fillRef>
+          <a:effectRef idx="0">
+            <a:schemeClr val="accent1"/>
+          </a:effectRef>
+          <a:fontRef idx="minor">
+            <a:schemeClr val="tx1"/>
+          </a:fontRef>
+        </p:style>
+      </p:cxnSp>
+      <p:sp>
+        <p:nvSpPr>
+          <p:cNvPr id="29" name="Can 28">
+            <a:extLst>
+              <a:ext uri="{FF2B5EF4-FFF2-40B4-BE49-F238E27FC236}">
+                <a16:creationId xmlns:a16="http://schemas.microsoft.com/office/drawing/2014/main" id="{FDE3F8D7-4D2D-B997-43D9-9C1FEEB920C3}"/>
+              </a:ext>
+            </a:extLst>
+          </p:cNvPr>
+          <p:cNvSpPr/>
+          <p:nvPr/>
+        </p:nvSpPr>
+        <p:spPr>
+          <a:xfrm>
+            <a:off x="107504" y="3365863"/>
+            <a:ext cx="1152128" cy="504056"/>
+          </a:xfrm>
+          <a:prstGeom prst="can">
+            <a:avLst/>
+          </a:prstGeom>
+          <a:noFill/>
+          <a:ln w="12700">
+            <a:solidFill>
+              <a:schemeClr val="tx1"/>
+            </a:solidFill>
+          </a:ln>
+        </p:spPr>
+        <p:style>
+          <a:lnRef idx="2">
+            <a:schemeClr val="accent1">
+              <a:shade val="15000"/>
+            </a:schemeClr>
+          </a:lnRef>
+          <a:fillRef idx="1">
+            <a:schemeClr val="accent1"/>
+          </a:fillRef>
+          <a:effectRef idx="0">
+            <a:schemeClr val="accent1"/>
+          </a:effectRef>
+          <a:fontRef idx="minor">
+            <a:schemeClr val="lt1"/>
+          </a:fontRef>
+        </p:style>
+        <p:txBody>
+          <a:bodyPr rtlCol="0" anchor="ctr"/>
+          <a:lstStyle/>
+          <a:p>
+            <a:pPr algn="ctr"/>
+            <a:r>
+              <a:rPr lang="en-KR" sz="1000">
+                <a:solidFill>
+                  <a:sysClr val="windowText" lastClr="000000"/>
+                </a:solidFill>
+              </a:rPr>
+              <a:t>Data Destination</a:t>
+            </a:r>
+          </a:p>
+        </p:txBody>
+      </p:sp>
+      <p:cxnSp>
+        <p:nvCxnSpPr>
+          <p:cNvPr id="30" name="Straight Arrow Connector 29">
+            <a:extLst>
+              <a:ext uri="{FF2B5EF4-FFF2-40B4-BE49-F238E27FC236}">
+                <a16:creationId xmlns:a16="http://schemas.microsoft.com/office/drawing/2014/main" id="{2F25E872-BF3C-F8AB-27E2-E7C57A72D7D7}"/>
+              </a:ext>
+            </a:extLst>
+          </p:cNvPr>
+          <p:cNvCxnSpPr>
+            <a:cxnSpLocks/>
+            <a:stCxn id="23" idx="1"/>
+            <a:endCxn id="29" idx="4"/>
+          </p:cNvCxnSpPr>
+          <p:nvPr/>
+        </p:nvCxnSpPr>
+        <p:spPr>
+          <a:xfrm flipH="1">
+            <a:off x="1259632" y="3615398"/>
+            <a:ext cx="377701" cy="2493"/>
+          </a:xfrm>
+          <a:prstGeom prst="straightConnector1">
+            <a:avLst/>
+          </a:prstGeom>
+          <a:ln>
+            <a:solidFill>
+              <a:schemeClr val="tx1"/>
+            </a:solidFill>
+            <a:tailEnd type="triangle"/>
+          </a:ln>
+        </p:spPr>
+        <p:style>
+          <a:lnRef idx="1">
+            <a:schemeClr val="accent1"/>
+          </a:lnRef>
+          <a:fillRef idx="0">
+            <a:schemeClr val="accent1"/>
+          </a:fillRef>
+          <a:effectRef idx="0">
+            <a:schemeClr val="accent1"/>
+          </a:effectRef>
+          <a:fontRef idx="minor">
+            <a:schemeClr val="tx1"/>
+          </a:fontRef>
+        </p:style>
+      </p:cxnSp>
+      <p:cxnSp>
+        <p:nvCxnSpPr>
+          <p:cNvPr id="40" name="Straight Arrow Connector 39">
+            <a:extLst>
+              <a:ext uri="{FF2B5EF4-FFF2-40B4-BE49-F238E27FC236}">
+                <a16:creationId xmlns:a16="http://schemas.microsoft.com/office/drawing/2014/main" id="{6A990C7A-57B9-AB21-864E-7B9820CE1B76}"/>
+              </a:ext>
+            </a:extLst>
+          </p:cNvPr>
+          <p:cNvCxnSpPr>
+            <a:cxnSpLocks/>
+            <a:stCxn id="4" idx="4"/>
+            <a:endCxn id="6" idx="1"/>
+          </p:cNvCxnSpPr>
+          <p:nvPr/>
+        </p:nvCxnSpPr>
+        <p:spPr>
+          <a:xfrm>
+            <a:off x="1259632" y="1383148"/>
+            <a:ext cx="377701" cy="0"/>
+          </a:xfrm>
+          <a:prstGeom prst="straightConnector1">
+            <a:avLst/>
+          </a:prstGeom>
+          <a:ln>
+            <a:solidFill>
+              <a:schemeClr val="tx1"/>
+            </a:solidFill>
+            <a:tailEnd type="triangle"/>
+          </a:ln>
+        </p:spPr>
+        <p:style>
+          <a:lnRef idx="1">
+            <a:schemeClr val="accent1"/>
+          </a:lnRef>
+          <a:fillRef idx="0">
+            <a:schemeClr val="accent1"/>
+          </a:fillRef>
+          <a:effectRef idx="0">
+            <a:schemeClr val="accent1"/>
+          </a:effectRef>
+          <a:fontRef idx="minor">
+            <a:schemeClr val="tx1"/>
+          </a:fontRef>
+        </p:style>
+      </p:cxnSp>
+      <p:cxnSp>
+        <p:nvCxnSpPr>
+          <p:cNvPr id="43" name="Straight Arrow Connector 42">
+            <a:extLst>
+              <a:ext uri="{FF2B5EF4-FFF2-40B4-BE49-F238E27FC236}">
+                <a16:creationId xmlns:a16="http://schemas.microsoft.com/office/drawing/2014/main" id="{27CFE0E2-8BAD-5220-3EE8-35B655042614}"/>
+              </a:ext>
+            </a:extLst>
+          </p:cNvPr>
+          <p:cNvCxnSpPr>
+            <a:cxnSpLocks/>
+            <a:stCxn id="6" idx="3"/>
+            <a:endCxn id="9" idx="1"/>
+          </p:cNvCxnSpPr>
+          <p:nvPr/>
+        </p:nvCxnSpPr>
+        <p:spPr>
+          <a:xfrm>
+            <a:off x="2715645" y="1383148"/>
+            <a:ext cx="210272" cy="0"/>
+          </a:xfrm>
+          <a:prstGeom prst="straightConnector1">
+            <a:avLst/>
+          </a:prstGeom>
+          <a:ln>
+            <a:solidFill>
+              <a:schemeClr val="tx1"/>
+            </a:solidFill>
+            <a:tailEnd type="triangle"/>
+          </a:ln>
+        </p:spPr>
+        <p:style>
+          <a:lnRef idx="1">
+            <a:schemeClr val="accent1"/>
+          </a:lnRef>
+          <a:fillRef idx="0">
+            <a:schemeClr val="accent1"/>
+          </a:fillRef>
+          <a:effectRef idx="0">
+            <a:schemeClr val="accent1"/>
+          </a:effectRef>
+          <a:fontRef idx="minor">
+            <a:schemeClr val="tx1"/>
+          </a:fontRef>
+        </p:style>
+      </p:cxnSp>
+      <p:cxnSp>
+        <p:nvCxnSpPr>
+          <p:cNvPr id="46" name="Straight Arrow Connector 45">
+            <a:extLst>
+              <a:ext uri="{FF2B5EF4-FFF2-40B4-BE49-F238E27FC236}">
+                <a16:creationId xmlns:a16="http://schemas.microsoft.com/office/drawing/2014/main" id="{B51E1881-1BB6-BB1A-9290-D12FADA91306}"/>
+              </a:ext>
+            </a:extLst>
+          </p:cNvPr>
+          <p:cNvCxnSpPr>
+            <a:cxnSpLocks/>
+            <a:stCxn id="9" idx="3"/>
+            <a:endCxn id="10" idx="1"/>
+          </p:cNvCxnSpPr>
+          <p:nvPr/>
+        </p:nvCxnSpPr>
+        <p:spPr>
+          <a:xfrm>
+            <a:off x="4004229" y="1383148"/>
+            <a:ext cx="210272" cy="0"/>
+          </a:xfrm>
+          <a:prstGeom prst="straightConnector1">
+            <a:avLst/>
+          </a:prstGeom>
+          <a:ln>
+            <a:solidFill>
+              <a:schemeClr val="tx1"/>
+            </a:solidFill>
+            <a:tailEnd type="triangle"/>
+          </a:ln>
+        </p:spPr>
+        <p:style>
+          <a:lnRef idx="1">
+            <a:schemeClr val="accent1"/>
+          </a:lnRef>
+          <a:fillRef idx="0">
+            <a:schemeClr val="accent1"/>
+          </a:fillRef>
+          <a:effectRef idx="0">
+            <a:schemeClr val="accent1"/>
+          </a:effectRef>
+          <a:fontRef idx="minor">
+            <a:schemeClr val="tx1"/>
+          </a:fontRef>
+        </p:style>
+      </p:cxnSp>
+      <p:cxnSp>
+        <p:nvCxnSpPr>
+          <p:cNvPr id="49" name="Straight Arrow Connector 48">
+            <a:extLst>
+              <a:ext uri="{FF2B5EF4-FFF2-40B4-BE49-F238E27FC236}">
+                <a16:creationId xmlns:a16="http://schemas.microsoft.com/office/drawing/2014/main" id="{0BE7C67B-7EA2-CF99-AB7D-71E6435423F8}"/>
+              </a:ext>
+            </a:extLst>
+          </p:cNvPr>
+          <p:cNvCxnSpPr>
+            <a:cxnSpLocks/>
+            <a:stCxn id="25" idx="1"/>
+            <a:endCxn id="24" idx="3"/>
+          </p:cNvCxnSpPr>
+          <p:nvPr/>
+        </p:nvCxnSpPr>
+        <p:spPr>
+          <a:xfrm flipH="1">
+            <a:off x="4004229" y="3615398"/>
+            <a:ext cx="210272" cy="0"/>
+          </a:xfrm>
+          <a:prstGeom prst="straightConnector1">
+            <a:avLst/>
+          </a:prstGeom>
+          <a:ln>
+            <a:solidFill>
+              <a:schemeClr val="tx1"/>
+            </a:solidFill>
+            <a:tailEnd type="triangle"/>
+          </a:ln>
+        </p:spPr>
+        <p:style>
+          <a:lnRef idx="1">
+            <a:schemeClr val="accent1"/>
+          </a:lnRef>
+          <a:fillRef idx="0">
+            <a:schemeClr val="accent1"/>
+          </a:fillRef>
+          <a:effectRef idx="0">
+            <a:schemeClr val="accent1"/>
+          </a:effectRef>
+          <a:fontRef idx="minor">
+            <a:schemeClr val="tx1"/>
+          </a:fontRef>
+        </p:style>
+      </p:cxnSp>
+      <p:cxnSp>
+        <p:nvCxnSpPr>
+          <p:cNvPr id="52" name="Straight Arrow Connector 51">
+            <a:extLst>
+              <a:ext uri="{FF2B5EF4-FFF2-40B4-BE49-F238E27FC236}">
+                <a16:creationId xmlns:a16="http://schemas.microsoft.com/office/drawing/2014/main" id="{B35817BD-66D8-CC1D-E7B6-359F2429CD71}"/>
+              </a:ext>
+            </a:extLst>
+          </p:cNvPr>
+          <p:cNvCxnSpPr>
+            <a:cxnSpLocks/>
+            <a:stCxn id="24" idx="1"/>
+            <a:endCxn id="23" idx="3"/>
+          </p:cNvCxnSpPr>
+          <p:nvPr/>
+        </p:nvCxnSpPr>
+        <p:spPr>
+          <a:xfrm flipH="1">
+            <a:off x="2715645" y="3615398"/>
+            <a:ext cx="210272" cy="0"/>
+          </a:xfrm>
+          <a:prstGeom prst="straightConnector1">
+            <a:avLst/>
+          </a:prstGeom>
+          <a:ln>
+            <a:solidFill>
+              <a:schemeClr val="tx1"/>
+            </a:solidFill>
+            <a:tailEnd type="triangle"/>
+          </a:ln>
+        </p:spPr>
+        <p:style>
+          <a:lnRef idx="1">
+            <a:schemeClr val="accent1"/>
+          </a:lnRef>
+          <a:fillRef idx="0">
+            <a:schemeClr val="accent1"/>
+          </a:fillRef>
+          <a:effectRef idx="0">
+            <a:schemeClr val="accent1"/>
+          </a:effectRef>
+          <a:fontRef idx="minor">
+            <a:schemeClr val="tx1"/>
+          </a:fontRef>
+        </p:style>
+      </p:cxnSp>
+      <p:sp>
+        <p:nvSpPr>
+          <p:cNvPr id="38" name="사각형: 둥근 모서리 54">
+            <a:extLst>
+              <a:ext uri="{FF2B5EF4-FFF2-40B4-BE49-F238E27FC236}">
+                <a16:creationId xmlns:a16="http://schemas.microsoft.com/office/drawing/2014/main" id="{35163E14-AE03-0E28-CB3B-00161240C4D5}"/>
+              </a:ext>
+            </a:extLst>
+          </p:cNvPr>
+          <p:cNvSpPr/>
+          <p:nvPr/>
+        </p:nvSpPr>
+        <p:spPr>
+          <a:xfrm>
+            <a:off x="3927202" y="2236660"/>
+            <a:ext cx="1652910" cy="432048"/>
+          </a:xfrm>
+          <a:prstGeom prst="roundRect">
+            <a:avLst/>
+          </a:prstGeom>
+          <a:ln w="12700"/>
+        </p:spPr>
+        <p:style>
+          <a:lnRef idx="2">
+            <a:schemeClr val="dk1"/>
+          </a:lnRef>
+          <a:fillRef idx="1">
+            <a:schemeClr val="lt1"/>
+          </a:fillRef>
+          <a:effectRef idx="0">
+            <a:schemeClr val="dk1"/>
+          </a:effectRef>
+          <a:fontRef idx="minor">
+            <a:schemeClr val="dk1"/>
+          </a:fontRef>
+        </p:style>
+        <p:txBody>
+          <a:bodyPr rtlCol="0" anchor="ctr"/>
+          <a:lstStyle/>
+          <a:p>
+            <a:pPr algn="ctr"/>
+            <a:r>
+              <a:rPr lang="en-US" altLang="ko-KR" sz="1000" dirty="0"/>
+              <a:t>Kafka Schema Registry</a:t>
+            </a:r>
+          </a:p>
+          <a:p>
+            <a:pPr algn="ctr"/>
+            <a:r>
+              <a:rPr lang="en-US" altLang="ko-KR" sz="1000" dirty="0"/>
+              <a:t>(Optional)</a:t>
+            </a:r>
+            <a:endParaRPr lang="ko-KR" altLang="en-US" sz="1000" dirty="0"/>
+          </a:p>
+        </p:txBody>
+      </p:sp>
+      <p:cxnSp>
+        <p:nvCxnSpPr>
+          <p:cNvPr id="61" name="Straight Arrow Connector 60">
+            <a:extLst>
+              <a:ext uri="{FF2B5EF4-FFF2-40B4-BE49-F238E27FC236}">
+                <a16:creationId xmlns:a16="http://schemas.microsoft.com/office/drawing/2014/main" id="{D224DCCE-B668-7DC4-44D4-BD603A0E0EDF}"/>
+              </a:ext>
+            </a:extLst>
+          </p:cNvPr>
+          <p:cNvCxnSpPr>
+            <a:cxnSpLocks/>
+          </p:cNvCxnSpPr>
+          <p:nvPr/>
+        </p:nvCxnSpPr>
+        <p:spPr>
+          <a:xfrm>
+            <a:off x="1889508" y="663068"/>
+            <a:ext cx="0" cy="442441"/>
+          </a:xfrm>
+          <a:prstGeom prst="straightConnector1">
+            <a:avLst/>
+          </a:prstGeom>
+          <a:ln>
+            <a:solidFill>
+              <a:schemeClr val="tx1"/>
+            </a:solidFill>
+            <a:tailEnd type="triangle"/>
+          </a:ln>
+        </p:spPr>
+        <p:style>
+          <a:lnRef idx="1">
+            <a:schemeClr val="accent1"/>
+          </a:lnRef>
+          <a:fillRef idx="0">
+            <a:schemeClr val="accent1"/>
+          </a:fillRef>
+          <a:effectRef idx="0">
+            <a:schemeClr val="accent1"/>
+          </a:effectRef>
+          <a:fontRef idx="minor">
+            <a:schemeClr val="tx1"/>
+          </a:fontRef>
+        </p:style>
+      </p:cxnSp>
+      <p:sp>
+        <p:nvSpPr>
+          <p:cNvPr id="62" name="TextBox 61">
+            <a:extLst>
+              <a:ext uri="{FF2B5EF4-FFF2-40B4-BE49-F238E27FC236}">
+                <a16:creationId xmlns:a16="http://schemas.microsoft.com/office/drawing/2014/main" id="{476708DC-2071-8B71-7390-0144E528993D}"/>
+              </a:ext>
+            </a:extLst>
+          </p:cNvPr>
+          <p:cNvSpPr txBox="1"/>
+          <p:nvPr/>
+        </p:nvSpPr>
+        <p:spPr>
+          <a:xfrm>
+            <a:off x="1886796" y="719861"/>
+            <a:ext cx="716863" cy="261610"/>
+          </a:xfrm>
+          <a:prstGeom prst="rect">
+            <a:avLst/>
+          </a:prstGeom>
+          <a:noFill/>
+        </p:spPr>
+        <p:txBody>
+          <a:bodyPr wrap="none" rtlCol="0">
+            <a:spAutoFit/>
+          </a:bodyPr>
+          <a:lstStyle/>
+          <a:p>
+            <a:r>
+              <a:rPr lang="en-KR" sz="1050" i="1"/>
+              <a:t>Rest API</a:t>
+            </a:r>
+          </a:p>
+        </p:txBody>
+      </p:sp>
+      <p:cxnSp>
+        <p:nvCxnSpPr>
+          <p:cNvPr id="63" name="Straight Arrow Connector 62">
+            <a:extLst>
+              <a:ext uri="{FF2B5EF4-FFF2-40B4-BE49-F238E27FC236}">
+                <a16:creationId xmlns:a16="http://schemas.microsoft.com/office/drawing/2014/main" id="{8F0F0DC8-000D-DCDD-8956-E8B727F27446}"/>
+              </a:ext>
+            </a:extLst>
+          </p:cNvPr>
+          <p:cNvCxnSpPr>
+            <a:cxnSpLocks/>
+          </p:cNvCxnSpPr>
+          <p:nvPr/>
+        </p:nvCxnSpPr>
+        <p:spPr>
+          <a:xfrm>
+            <a:off x="1857394" y="2899927"/>
+            <a:ext cx="0" cy="442441"/>
+          </a:xfrm>
+          <a:prstGeom prst="straightConnector1">
+            <a:avLst/>
+          </a:prstGeom>
+          <a:ln>
+            <a:solidFill>
+              <a:schemeClr val="tx1"/>
+            </a:solidFill>
+            <a:tailEnd type="triangle"/>
+          </a:ln>
+        </p:spPr>
+        <p:style>
+          <a:lnRef idx="1">
+            <a:schemeClr val="accent1"/>
+          </a:lnRef>
+          <a:fillRef idx="0">
+            <a:schemeClr val="accent1"/>
+          </a:fillRef>
+          <a:effectRef idx="0">
+            <a:schemeClr val="accent1"/>
+          </a:effectRef>
+          <a:fontRef idx="minor">
+            <a:schemeClr val="tx1"/>
+          </a:fontRef>
+        </p:style>
+      </p:cxnSp>
+      <p:sp>
+        <p:nvSpPr>
+          <p:cNvPr id="65" name="TextBox 64">
+            <a:extLst>
+              <a:ext uri="{FF2B5EF4-FFF2-40B4-BE49-F238E27FC236}">
+                <a16:creationId xmlns:a16="http://schemas.microsoft.com/office/drawing/2014/main" id="{015B285A-728D-743F-8BDC-78D926AC7406}"/>
+              </a:ext>
+            </a:extLst>
+          </p:cNvPr>
+          <p:cNvSpPr txBox="1"/>
+          <p:nvPr/>
+        </p:nvSpPr>
+        <p:spPr>
+          <a:xfrm>
+            <a:off x="1854682" y="2956720"/>
+            <a:ext cx="716863" cy="261610"/>
+          </a:xfrm>
+          <a:prstGeom prst="rect">
+            <a:avLst/>
+          </a:prstGeom>
+          <a:noFill/>
+        </p:spPr>
+        <p:txBody>
+          <a:bodyPr wrap="none" rtlCol="0">
+            <a:spAutoFit/>
+          </a:bodyPr>
+          <a:lstStyle/>
+          <a:p>
+            <a:r>
+              <a:rPr lang="en-KR" sz="1050" i="1"/>
+              <a:t>Rest API</a:t>
+            </a:r>
+          </a:p>
+        </p:txBody>
+      </p:sp>
+      <p:cxnSp>
+        <p:nvCxnSpPr>
+          <p:cNvPr id="68" name="Elbow Connector 67">
+            <a:extLst>
+              <a:ext uri="{FF2B5EF4-FFF2-40B4-BE49-F238E27FC236}">
+                <a16:creationId xmlns:a16="http://schemas.microsoft.com/office/drawing/2014/main" id="{7A84FEB0-BBC4-73CA-CA9C-96673BEFA2E8}"/>
+              </a:ext>
+            </a:extLst>
+          </p:cNvPr>
+          <p:cNvCxnSpPr>
+            <a:cxnSpLocks/>
+            <a:stCxn id="10" idx="2"/>
+            <a:endCxn id="12" idx="0"/>
+          </p:cNvCxnSpPr>
+          <p:nvPr/>
+        </p:nvCxnSpPr>
+        <p:spPr>
+          <a:xfrm rot="16200000" flipH="1">
+            <a:off x="5858857" y="967612"/>
+            <a:ext cx="637488" cy="1900608"/>
+          </a:xfrm>
+          <a:prstGeom prst="bentConnector3">
+            <a:avLst>
+              <a:gd name="adj1" fmla="val 72752"/>
+            </a:avLst>
+          </a:prstGeom>
+          <a:ln>
+            <a:solidFill>
+              <a:schemeClr val="tx1"/>
+            </a:solidFill>
+            <a:tailEnd type="triangle"/>
+          </a:ln>
+        </p:spPr>
+        <p:style>
+          <a:lnRef idx="1">
+            <a:schemeClr val="accent1"/>
+          </a:lnRef>
+          <a:fillRef idx="0">
+            <a:schemeClr val="accent1"/>
+          </a:fillRef>
+          <a:effectRef idx="0">
+            <a:schemeClr val="accent1"/>
+          </a:effectRef>
+          <a:fontRef idx="minor">
+            <a:schemeClr val="tx1"/>
+          </a:fontRef>
+        </p:style>
+      </p:cxnSp>
+      <p:sp>
+        <p:nvSpPr>
+          <p:cNvPr id="69" name="사각형: 둥근 모서리 54">
+            <a:extLst>
+              <a:ext uri="{FF2B5EF4-FFF2-40B4-BE49-F238E27FC236}">
+                <a16:creationId xmlns:a16="http://schemas.microsoft.com/office/drawing/2014/main" id="{B741A240-2CDF-35D7-7901-0CC3B130E2E1}"/>
+              </a:ext>
+            </a:extLst>
+          </p:cNvPr>
+          <p:cNvSpPr/>
+          <p:nvPr/>
+        </p:nvSpPr>
+        <p:spPr>
+          <a:xfrm>
+            <a:off x="6590285" y="852807"/>
+            <a:ext cx="1126084" cy="432048"/>
+          </a:xfrm>
+          <a:prstGeom prst="roundRect">
+            <a:avLst/>
+          </a:prstGeom>
+          <a:ln w="12700"/>
+        </p:spPr>
+        <p:style>
+          <a:lnRef idx="2">
+            <a:schemeClr val="dk1"/>
+          </a:lnRef>
+          <a:fillRef idx="1">
+            <a:schemeClr val="lt1"/>
+          </a:fillRef>
+          <a:effectRef idx="0">
+            <a:schemeClr val="dk1"/>
+          </a:effectRef>
+          <a:fontRef idx="minor">
+            <a:schemeClr val="dk1"/>
+          </a:fontRef>
+        </p:style>
+        <p:txBody>
+          <a:bodyPr rtlCol="0" anchor="ctr"/>
+          <a:lstStyle/>
+          <a:p>
+            <a:pPr algn="ctr"/>
+            <a:r>
+              <a:rPr lang="en-US" altLang="ko-KR" sz="1000" dirty="0"/>
+              <a:t>Connet </a:t>
+            </a:r>
+            <a:r>
+              <a:rPr lang="en-US" altLang="ko-KR" sz="1000" b="1" dirty="0"/>
+              <a:t>Config</a:t>
+            </a:r>
+          </a:p>
+          <a:p>
+            <a:pPr algn="ctr"/>
+            <a:r>
+              <a:rPr lang="en-US" altLang="ko-KR" sz="1000" dirty="0"/>
+              <a:t>Topic</a:t>
+            </a:r>
+          </a:p>
+        </p:txBody>
+      </p:sp>
+      <p:sp>
+        <p:nvSpPr>
+          <p:cNvPr id="78" name="사각형: 둥근 모서리 54">
+            <a:extLst>
+              <a:ext uri="{FF2B5EF4-FFF2-40B4-BE49-F238E27FC236}">
+                <a16:creationId xmlns:a16="http://schemas.microsoft.com/office/drawing/2014/main" id="{D15B5431-DC81-6922-4FB8-D37AB7412E53}"/>
+              </a:ext>
+            </a:extLst>
+          </p:cNvPr>
+          <p:cNvSpPr/>
+          <p:nvPr/>
+        </p:nvSpPr>
+        <p:spPr>
+          <a:xfrm>
+            <a:off x="7788346" y="1359679"/>
+            <a:ext cx="1126084" cy="447123"/>
+          </a:xfrm>
+          <a:prstGeom prst="roundRect">
+            <a:avLst/>
+          </a:prstGeom>
+          <a:ln w="12700"/>
+        </p:spPr>
+        <p:style>
+          <a:lnRef idx="2">
+            <a:schemeClr val="dk1"/>
+          </a:lnRef>
+          <a:fillRef idx="1">
+            <a:schemeClr val="lt1"/>
+          </a:fillRef>
+          <a:effectRef idx="0">
+            <a:schemeClr val="dk1"/>
+          </a:effectRef>
+          <a:fontRef idx="minor">
+            <a:schemeClr val="dk1"/>
+          </a:fontRef>
+        </p:style>
+        <p:txBody>
+          <a:bodyPr rtlCol="0" anchor="ctr"/>
+          <a:lstStyle/>
+          <a:p>
+            <a:pPr algn="ctr"/>
+            <a:r>
+              <a:rPr lang="en-US" altLang="ko-KR" sz="1000" dirty="0"/>
+              <a:t>Connet </a:t>
+            </a:r>
+            <a:r>
+              <a:rPr lang="en-US" altLang="ko-KR" sz="1000" b="1" dirty="0"/>
+              <a:t>Offset</a:t>
+            </a:r>
+          </a:p>
+          <a:p>
+            <a:pPr algn="ctr"/>
+            <a:r>
+              <a:rPr lang="en-US" altLang="ko-KR" sz="1000" dirty="0"/>
+              <a:t>Topic</a:t>
+            </a:r>
+          </a:p>
+        </p:txBody>
+      </p:sp>
+      <p:sp>
+        <p:nvSpPr>
+          <p:cNvPr id="79" name="사각형: 둥근 모서리 54">
+            <a:extLst>
+              <a:ext uri="{FF2B5EF4-FFF2-40B4-BE49-F238E27FC236}">
+                <a16:creationId xmlns:a16="http://schemas.microsoft.com/office/drawing/2014/main" id="{024C23E1-0736-3BB1-9DD6-D935225C5EDF}"/>
+              </a:ext>
+            </a:extLst>
+          </p:cNvPr>
+          <p:cNvSpPr/>
+          <p:nvPr/>
+        </p:nvSpPr>
+        <p:spPr>
+          <a:xfrm>
+            <a:off x="7788346" y="852807"/>
+            <a:ext cx="1126084" cy="447123"/>
+          </a:xfrm>
+          <a:prstGeom prst="roundRect">
+            <a:avLst/>
+          </a:prstGeom>
+          <a:ln w="12700"/>
+        </p:spPr>
+        <p:style>
+          <a:lnRef idx="2">
+            <a:schemeClr val="dk1"/>
+          </a:lnRef>
+          <a:fillRef idx="1">
+            <a:schemeClr val="lt1"/>
+          </a:fillRef>
+          <a:effectRef idx="0">
+            <a:schemeClr val="dk1"/>
+          </a:effectRef>
+          <a:fontRef idx="minor">
+            <a:schemeClr val="dk1"/>
+          </a:fontRef>
+        </p:style>
+        <p:txBody>
+          <a:bodyPr rtlCol="0" anchor="ctr"/>
+          <a:lstStyle/>
+          <a:p>
+            <a:pPr algn="ctr"/>
+            <a:r>
+              <a:rPr lang="en-US" altLang="ko-KR" sz="1000" dirty="0"/>
+              <a:t>Connet </a:t>
+            </a:r>
+            <a:r>
+              <a:rPr lang="en-US" altLang="ko-KR" sz="1000" b="1" dirty="0"/>
+              <a:t>Status</a:t>
+            </a:r>
+          </a:p>
+          <a:p>
+            <a:pPr algn="ctr"/>
+            <a:r>
+              <a:rPr lang="en-US" altLang="ko-KR" sz="1000" dirty="0"/>
+              <a:t>Topic</a:t>
+            </a:r>
+          </a:p>
+        </p:txBody>
+      </p:sp>
+      <p:sp>
+        <p:nvSpPr>
+          <p:cNvPr id="88" name="사각형: 둥근 모서리 6">
+            <a:extLst>
+              <a:ext uri="{FF2B5EF4-FFF2-40B4-BE49-F238E27FC236}">
+                <a16:creationId xmlns:a16="http://schemas.microsoft.com/office/drawing/2014/main" id="{E289BC22-652D-5DCA-1B03-F1C0B8C49F83}"/>
+              </a:ext>
+            </a:extLst>
+          </p:cNvPr>
+          <p:cNvSpPr/>
+          <p:nvPr/>
+        </p:nvSpPr>
+        <p:spPr>
+          <a:xfrm>
+            <a:off x="6513490" y="793058"/>
+            <a:ext cx="2453992" cy="1091673"/>
+          </a:xfrm>
+          <a:prstGeom prst="roundRect">
+            <a:avLst>
+              <a:gd name="adj" fmla="val 9896"/>
+            </a:avLst>
+          </a:prstGeom>
+          <a:noFill/>
+          <a:ln w="12700">
+            <a:prstDash val="dash"/>
+          </a:ln>
+        </p:spPr>
+        <p:style>
+          <a:lnRef idx="2">
+            <a:schemeClr val="dk1"/>
+          </a:lnRef>
+          <a:fillRef idx="1">
+            <a:schemeClr val="lt1"/>
+          </a:fillRef>
+          <a:effectRef idx="0">
+            <a:schemeClr val="dk1"/>
+          </a:effectRef>
+          <a:fontRef idx="minor">
+            <a:schemeClr val="dk1"/>
+          </a:fontRef>
+        </p:style>
+        <p:txBody>
+          <a:bodyPr rtlCol="0" anchor="b"/>
+          <a:lstStyle/>
+          <a:p>
+            <a:r>
+              <a:rPr lang="en-US" altLang="ko-KR" sz="1000" dirty="0"/>
+              <a:t>Connect Topic</a:t>
+            </a:r>
+            <a:endParaRPr lang="ko-KR" altLang="en-US" sz="1000" dirty="0"/>
+          </a:p>
+        </p:txBody>
+      </p:sp>
+      <p:sp>
+        <p:nvSpPr>
+          <p:cNvPr id="91" name="사각형: 둥근 모서리 54">
+            <a:extLst>
+              <a:ext uri="{FF2B5EF4-FFF2-40B4-BE49-F238E27FC236}">
+                <a16:creationId xmlns:a16="http://schemas.microsoft.com/office/drawing/2014/main" id="{82BD9267-CC62-BB8D-8DE7-CCAD3E9E16E3}"/>
+              </a:ext>
+            </a:extLst>
+          </p:cNvPr>
+          <p:cNvSpPr/>
+          <p:nvPr/>
+        </p:nvSpPr>
+        <p:spPr>
+          <a:xfrm>
+            <a:off x="6588749" y="3084537"/>
+            <a:ext cx="1126084" cy="432048"/>
+          </a:xfrm>
+          <a:prstGeom prst="roundRect">
+            <a:avLst/>
+          </a:prstGeom>
+          <a:ln w="12700"/>
+        </p:spPr>
+        <p:style>
+          <a:lnRef idx="2">
+            <a:schemeClr val="dk1"/>
+          </a:lnRef>
+          <a:fillRef idx="1">
+            <a:schemeClr val="lt1"/>
+          </a:fillRef>
+          <a:effectRef idx="0">
+            <a:schemeClr val="dk1"/>
+          </a:effectRef>
+          <a:fontRef idx="minor">
+            <a:schemeClr val="dk1"/>
+          </a:fontRef>
+        </p:style>
+        <p:txBody>
+          <a:bodyPr rtlCol="0" anchor="ctr"/>
+          <a:lstStyle/>
+          <a:p>
+            <a:pPr algn="ctr"/>
+            <a:r>
+              <a:rPr lang="en-US" altLang="ko-KR" sz="1000" dirty="0"/>
+              <a:t>Connet </a:t>
+            </a:r>
+            <a:r>
+              <a:rPr lang="en-US" altLang="ko-KR" sz="1000" b="1" dirty="0"/>
+              <a:t>Config</a:t>
+            </a:r>
+          </a:p>
+          <a:p>
+            <a:pPr algn="ctr"/>
+            <a:r>
+              <a:rPr lang="en-US" altLang="ko-KR" sz="1000" dirty="0"/>
+              <a:t>Topic</a:t>
+            </a:r>
+          </a:p>
+        </p:txBody>
+      </p:sp>
+      <p:sp>
+        <p:nvSpPr>
+          <p:cNvPr id="92" name="사각형: 둥근 모서리 54">
+            <a:extLst>
+              <a:ext uri="{FF2B5EF4-FFF2-40B4-BE49-F238E27FC236}">
+                <a16:creationId xmlns:a16="http://schemas.microsoft.com/office/drawing/2014/main" id="{51A4BBD2-7E4A-AEA4-4D17-6B665A028B81}"/>
+              </a:ext>
+            </a:extLst>
+          </p:cNvPr>
+          <p:cNvSpPr/>
+          <p:nvPr/>
+        </p:nvSpPr>
+        <p:spPr>
+          <a:xfrm>
+            <a:off x="7786810" y="3591409"/>
+            <a:ext cx="1126084" cy="447123"/>
+          </a:xfrm>
+          <a:prstGeom prst="roundRect">
+            <a:avLst/>
+          </a:prstGeom>
+          <a:ln w="12700"/>
+        </p:spPr>
+        <p:style>
+          <a:lnRef idx="2">
+            <a:schemeClr val="dk1"/>
+          </a:lnRef>
+          <a:fillRef idx="1">
+            <a:schemeClr val="lt1"/>
+          </a:fillRef>
+          <a:effectRef idx="0">
+            <a:schemeClr val="dk1"/>
+          </a:effectRef>
+          <a:fontRef idx="minor">
+            <a:schemeClr val="dk1"/>
+          </a:fontRef>
+        </p:style>
+        <p:txBody>
+          <a:bodyPr rtlCol="0" anchor="ctr"/>
+          <a:lstStyle/>
+          <a:p>
+            <a:pPr algn="ctr"/>
+            <a:r>
+              <a:rPr lang="en-US" altLang="ko-KR" sz="1000" dirty="0"/>
+              <a:t>Connet </a:t>
+            </a:r>
+            <a:r>
+              <a:rPr lang="en-US" altLang="ko-KR" sz="1000" b="1" dirty="0"/>
+              <a:t>Offset</a:t>
+            </a:r>
+          </a:p>
+          <a:p>
+            <a:pPr algn="ctr"/>
+            <a:r>
+              <a:rPr lang="en-US" altLang="ko-KR" sz="1000" dirty="0"/>
+              <a:t>Topic</a:t>
+            </a:r>
+          </a:p>
+        </p:txBody>
+      </p:sp>
+      <p:sp>
+        <p:nvSpPr>
+          <p:cNvPr id="93" name="사각형: 둥근 모서리 54">
+            <a:extLst>
+              <a:ext uri="{FF2B5EF4-FFF2-40B4-BE49-F238E27FC236}">
+                <a16:creationId xmlns:a16="http://schemas.microsoft.com/office/drawing/2014/main" id="{AA825AF5-63B3-537E-6041-906B4A0938A3}"/>
+              </a:ext>
+            </a:extLst>
+          </p:cNvPr>
+          <p:cNvSpPr/>
+          <p:nvPr/>
+        </p:nvSpPr>
+        <p:spPr>
+          <a:xfrm>
+            <a:off x="7786810" y="3084537"/>
+            <a:ext cx="1126084" cy="447123"/>
+          </a:xfrm>
+          <a:prstGeom prst="roundRect">
+            <a:avLst/>
+          </a:prstGeom>
+          <a:ln w="12700"/>
+        </p:spPr>
+        <p:style>
+          <a:lnRef idx="2">
+            <a:schemeClr val="dk1"/>
+          </a:lnRef>
+          <a:fillRef idx="1">
+            <a:schemeClr val="lt1"/>
+          </a:fillRef>
+          <a:effectRef idx="0">
+            <a:schemeClr val="dk1"/>
+          </a:effectRef>
+          <a:fontRef idx="minor">
+            <a:schemeClr val="dk1"/>
+          </a:fontRef>
+        </p:style>
+        <p:txBody>
+          <a:bodyPr rtlCol="0" anchor="ctr"/>
+          <a:lstStyle/>
+          <a:p>
+            <a:pPr algn="ctr"/>
+            <a:r>
+              <a:rPr lang="en-US" altLang="ko-KR" sz="1000" dirty="0"/>
+              <a:t>Connet </a:t>
+            </a:r>
+            <a:r>
+              <a:rPr lang="en-US" altLang="ko-KR" sz="1000" b="1" dirty="0"/>
+              <a:t>Status</a:t>
+            </a:r>
+          </a:p>
+          <a:p>
+            <a:pPr algn="ctr"/>
+            <a:r>
+              <a:rPr lang="en-US" altLang="ko-KR" sz="1000" dirty="0"/>
+              <a:t>Topic</a:t>
+            </a:r>
+          </a:p>
+        </p:txBody>
+      </p:sp>
+      <p:sp>
+        <p:nvSpPr>
+          <p:cNvPr id="94" name="사각형: 둥근 모서리 6">
+            <a:extLst>
+              <a:ext uri="{FF2B5EF4-FFF2-40B4-BE49-F238E27FC236}">
+                <a16:creationId xmlns:a16="http://schemas.microsoft.com/office/drawing/2014/main" id="{ECFB8A18-F42F-3710-804C-F28439E7202A}"/>
+              </a:ext>
+            </a:extLst>
+          </p:cNvPr>
+          <p:cNvSpPr/>
+          <p:nvPr/>
+        </p:nvSpPr>
+        <p:spPr>
+          <a:xfrm>
+            <a:off x="6511954" y="3024788"/>
+            <a:ext cx="2453992" cy="1091673"/>
+          </a:xfrm>
+          <a:prstGeom prst="roundRect">
+            <a:avLst>
+              <a:gd name="adj" fmla="val 9896"/>
+            </a:avLst>
+          </a:prstGeom>
+          <a:noFill/>
+          <a:ln w="12700">
+            <a:prstDash val="dash"/>
+          </a:ln>
+        </p:spPr>
+        <p:style>
+          <a:lnRef idx="2">
+            <a:schemeClr val="dk1"/>
+          </a:lnRef>
+          <a:fillRef idx="1">
+            <a:schemeClr val="lt1"/>
+          </a:fillRef>
+          <a:effectRef idx="0">
+            <a:schemeClr val="dk1"/>
+          </a:effectRef>
+          <a:fontRef idx="minor">
+            <a:schemeClr val="dk1"/>
+          </a:fontRef>
+        </p:style>
+        <p:txBody>
+          <a:bodyPr rtlCol="0" anchor="b"/>
+          <a:lstStyle/>
+          <a:p>
+            <a:r>
+              <a:rPr lang="en-US" altLang="ko-KR" sz="1000" dirty="0"/>
+              <a:t>Connect Topic</a:t>
+            </a:r>
+            <a:endParaRPr lang="ko-KR" altLang="en-US" sz="1000" dirty="0"/>
+          </a:p>
+        </p:txBody>
+      </p:sp>
+      <p:cxnSp>
+        <p:nvCxnSpPr>
+          <p:cNvPr id="95" name="Elbow Connector 94">
+            <a:extLst>
+              <a:ext uri="{FF2B5EF4-FFF2-40B4-BE49-F238E27FC236}">
+                <a16:creationId xmlns:a16="http://schemas.microsoft.com/office/drawing/2014/main" id="{E88C5224-4885-E4DA-ADFA-529F68CCE939}"/>
+              </a:ext>
+            </a:extLst>
+          </p:cNvPr>
+          <p:cNvCxnSpPr>
+            <a:cxnSpLocks/>
+            <a:stCxn id="5" idx="0"/>
+            <a:endCxn id="88" idx="0"/>
+          </p:cNvCxnSpPr>
+          <p:nvPr/>
+        </p:nvCxnSpPr>
+        <p:spPr>
+          <a:xfrm rot="5400000" flipH="1" flipV="1">
+            <a:off x="5681929" y="-953048"/>
+            <a:ext cx="312451" cy="3804664"/>
+          </a:xfrm>
+          <a:prstGeom prst="bentConnector3">
+            <a:avLst>
+              <a:gd name="adj1" fmla="val 173163"/>
+            </a:avLst>
+          </a:prstGeom>
+          <a:ln>
+            <a:solidFill>
+              <a:schemeClr val="tx1"/>
+            </a:solidFill>
+            <a:prstDash val="dash"/>
+            <a:tailEnd type="triangle"/>
+          </a:ln>
+        </p:spPr>
+        <p:style>
+          <a:lnRef idx="1">
+            <a:schemeClr val="accent1"/>
+          </a:lnRef>
+          <a:fillRef idx="0">
+            <a:schemeClr val="accent1"/>
+          </a:fillRef>
+          <a:effectRef idx="0">
+            <a:schemeClr val="accent1"/>
+          </a:effectRef>
+          <a:fontRef idx="minor">
+            <a:schemeClr val="tx1"/>
+          </a:fontRef>
+        </p:style>
+      </p:cxnSp>
+      <p:cxnSp>
+        <p:nvCxnSpPr>
+          <p:cNvPr id="102" name="Elbow Connector 101">
+            <a:extLst>
+              <a:ext uri="{FF2B5EF4-FFF2-40B4-BE49-F238E27FC236}">
+                <a16:creationId xmlns:a16="http://schemas.microsoft.com/office/drawing/2014/main" id="{E5209FF6-BA12-4382-ABA3-1BCB3FD3B242}"/>
+              </a:ext>
+            </a:extLst>
+          </p:cNvPr>
+          <p:cNvCxnSpPr>
+            <a:cxnSpLocks/>
+            <a:stCxn id="22" idx="2"/>
+            <a:endCxn id="94" idx="2"/>
+          </p:cNvCxnSpPr>
+          <p:nvPr/>
+        </p:nvCxnSpPr>
+        <p:spPr>
+          <a:xfrm rot="5400000" flipH="1" flipV="1">
+            <a:off x="5835892" y="2216397"/>
+            <a:ext cx="2993" cy="3803121"/>
+          </a:xfrm>
+          <a:prstGeom prst="bentConnector3">
+            <a:avLst>
+              <a:gd name="adj1" fmla="val -7637822"/>
+            </a:avLst>
+          </a:prstGeom>
+          <a:ln>
+            <a:solidFill>
+              <a:schemeClr val="tx1"/>
+            </a:solidFill>
+            <a:prstDash val="dash"/>
+            <a:tailEnd type="triangle"/>
+          </a:ln>
+        </p:spPr>
+        <p:style>
+          <a:lnRef idx="1">
+            <a:schemeClr val="accent1"/>
+          </a:lnRef>
+          <a:fillRef idx="0">
+            <a:schemeClr val="accent1"/>
+          </a:fillRef>
+          <a:effectRef idx="0">
+            <a:schemeClr val="accent1"/>
+          </a:effectRef>
+          <a:fontRef idx="minor">
+            <a:schemeClr val="tx1"/>
+          </a:fontRef>
+        </p:style>
+      </p:cxnSp>
+      <p:cxnSp>
+        <p:nvCxnSpPr>
+          <p:cNvPr id="129" name="Straight Arrow Connector 128">
+            <a:extLst>
+              <a:ext uri="{FF2B5EF4-FFF2-40B4-BE49-F238E27FC236}">
+                <a16:creationId xmlns:a16="http://schemas.microsoft.com/office/drawing/2014/main" id="{5180BEEB-9E3A-E393-7DEB-D7C0C2BDDEB5}"/>
+              </a:ext>
+            </a:extLst>
+          </p:cNvPr>
+          <p:cNvCxnSpPr>
+            <a:cxnSpLocks/>
+            <a:endCxn id="38" idx="0"/>
+          </p:cNvCxnSpPr>
+          <p:nvPr/>
+        </p:nvCxnSpPr>
+        <p:spPr>
+          <a:xfrm>
+            <a:off x="4753657" y="1606572"/>
+            <a:ext cx="0" cy="630088"/>
+          </a:xfrm>
+          <a:prstGeom prst="straightConnector1">
+            <a:avLst/>
+          </a:prstGeom>
+          <a:ln>
+            <a:solidFill>
+              <a:schemeClr val="tx1"/>
+            </a:solidFill>
+            <a:prstDash val="dash"/>
+            <a:tailEnd type="triangle"/>
+          </a:ln>
+        </p:spPr>
+        <p:style>
+          <a:lnRef idx="1">
+            <a:schemeClr val="accent1"/>
+          </a:lnRef>
+          <a:fillRef idx="0">
+            <a:schemeClr val="accent1"/>
+          </a:fillRef>
+          <a:effectRef idx="0">
+            <a:schemeClr val="accent1"/>
+          </a:effectRef>
+          <a:fontRef idx="minor">
+            <a:schemeClr val="tx1"/>
+          </a:fontRef>
+        </p:style>
+      </p:cxnSp>
+      <p:cxnSp>
+        <p:nvCxnSpPr>
+          <p:cNvPr id="132" name="Straight Arrow Connector 131">
+            <a:extLst>
+              <a:ext uri="{FF2B5EF4-FFF2-40B4-BE49-F238E27FC236}">
+                <a16:creationId xmlns:a16="http://schemas.microsoft.com/office/drawing/2014/main" id="{FA9C2B6C-37C5-7482-644C-1FB22897512A}"/>
+              </a:ext>
+            </a:extLst>
+          </p:cNvPr>
+          <p:cNvCxnSpPr>
+            <a:cxnSpLocks/>
+          </p:cNvCxnSpPr>
+          <p:nvPr/>
+        </p:nvCxnSpPr>
+        <p:spPr>
+          <a:xfrm flipV="1">
+            <a:off x="4753657" y="2668708"/>
+            <a:ext cx="0" cy="730666"/>
+          </a:xfrm>
+          <a:prstGeom prst="straightConnector1">
+            <a:avLst/>
+          </a:prstGeom>
+          <a:ln>
+            <a:solidFill>
+              <a:schemeClr val="tx1"/>
+            </a:solidFill>
+            <a:prstDash val="dash"/>
+            <a:tailEnd type="triangle"/>
+          </a:ln>
+        </p:spPr>
+        <p:style>
+          <a:lnRef idx="1">
+            <a:schemeClr val="accent1"/>
+          </a:lnRef>
+          <a:fillRef idx="0">
+            <a:schemeClr val="accent1"/>
+          </a:fillRef>
+          <a:effectRef idx="0">
+            <a:schemeClr val="accent1"/>
+          </a:effectRef>
+          <a:fontRef idx="minor">
+            <a:schemeClr val="tx1"/>
+          </a:fontRef>
+        </p:style>
+      </p:cxnSp>
+    </p:spTree>
+    <p:extLst>
+      <p:ext uri="{BB962C8B-B14F-4D97-AF65-F5344CB8AC3E}">
+        <p14:creationId xmlns:p14="http://schemas.microsoft.com/office/powerpoint/2010/main" val="2157936094"/>
+      </p:ext>
+    </p:extLst>
+  </p:cSld>
+  <p:clrMapOvr>
+    <a:masterClrMapping/>
+  </p:clrMapOvr>
+</p:sld>
+</file>
+
+<file path=ppt/slides/slide6.xml><?xml version="1.0" encoding="utf-8"?>
+<p:sld xmlns:a="http://schemas.openxmlformats.org/drawingml/2006/main" xmlns:r="http://schemas.openxmlformats.org/officeDocument/2006/relationships" xmlns:p="http://schemas.openxmlformats.org/presentationml/2006/main">
+  <p:cSld>
+    <p:spTree>
+      <p:nvGrpSpPr>
+        <p:cNvPr id="1" name="">
+          <a:extLst>
+            <a:ext uri="{FF2B5EF4-FFF2-40B4-BE49-F238E27FC236}">
               <a16:creationId xmlns:a16="http://schemas.microsoft.com/office/drawing/2014/main" id="{E982B2DF-E09F-F2F2-93CB-3612C753EF2A}"/>
             </a:ext>
           </a:extLst>
@@ -14004,7 +16916,7 @@
 </p:sld>
 </file>
 
-<file path=ppt/slides/slide6.xml><?xml version="1.0" encoding="utf-8"?>
+<file path=ppt/slides/slide7.xml><?xml version="1.0" encoding="utf-8"?>
 <p:sld xmlns:a="http://schemas.openxmlformats.org/drawingml/2006/main" xmlns:r="http://schemas.openxmlformats.org/officeDocument/2006/relationships" xmlns:p="http://schemas.openxmlformats.org/presentationml/2006/main">
   <p:cSld>
     <p:spTree>
@@ -15522,7 +18434,7 @@
 </p:sld>
 </file>
 
-<file path=ppt/slides/slide7.xml><?xml version="1.0" encoding="utf-8"?>
+<file path=ppt/slides/slide8.xml><?xml version="1.0" encoding="utf-8"?>
 <p:sld xmlns:a="http://schemas.openxmlformats.org/drawingml/2006/main" xmlns:r="http://schemas.openxmlformats.org/officeDocument/2006/relationships" xmlns:p="http://schemas.openxmlformats.org/presentationml/2006/main">
   <p:cSld>
     <p:spTree>
@@ -16844,7 +19756,7 @@
 </p:sld>
 </file>
 
-<file path=ppt/slides/slide8.xml><?xml version="1.0" encoding="utf-8"?>
+<file path=ppt/slides/slide9.xml><?xml version="1.0" encoding="utf-8"?>
 <p:sld xmlns:a="http://schemas.openxmlformats.org/drawingml/2006/main" xmlns:r="http://schemas.openxmlformats.org/officeDocument/2006/relationships" xmlns:p="http://schemas.openxmlformats.org/presentationml/2006/main">
   <p:cSld>
     <p:spTree>
@@ -18086,855 +20998,6 @@
     <p:extLst>
       <p:ext uri="{BB962C8B-B14F-4D97-AF65-F5344CB8AC3E}">
         <p14:creationId xmlns:p14="http://schemas.microsoft.com/office/powerpoint/2010/main" val="158230606"/>
-      </p:ext>
-    </p:extLst>
-  </p:cSld>
-  <p:clrMapOvr>
-    <a:masterClrMapping/>
-  </p:clrMapOvr>
-</p:sld>
-</file>
-
-<file path=ppt/slides/slide9.xml><?xml version="1.0" encoding="utf-8"?>
-<p:sld xmlns:a="http://schemas.openxmlformats.org/drawingml/2006/main" xmlns:r="http://schemas.openxmlformats.org/officeDocument/2006/relationships" xmlns:p="http://schemas.openxmlformats.org/presentationml/2006/main">
-  <p:cSld>
-    <p:spTree>
-      <p:nvGrpSpPr>
-        <p:cNvPr id="1" name="">
-          <a:extLst>
-            <a:ext uri="{FF2B5EF4-FFF2-40B4-BE49-F238E27FC236}">
-              <a16:creationId xmlns:a16="http://schemas.microsoft.com/office/drawing/2014/main" id="{891155DC-AAD6-762E-B3B9-3E84542B0213}"/>
-            </a:ext>
-          </a:extLst>
-        </p:cNvPr>
-        <p:cNvGrpSpPr/>
-        <p:nvPr/>
-      </p:nvGrpSpPr>
-      <p:grpSpPr>
-        <a:xfrm>
-          <a:off x="0" y="0"/>
-          <a:ext cx="0" cy="0"/>
-          <a:chOff x="0" y="0"/>
-          <a:chExt cx="0" cy="0"/>
-        </a:xfrm>
-      </p:grpSpPr>
-      <p:sp>
-        <p:nvSpPr>
-          <p:cNvPr id="12" name="사각형: 둥근 모서리 6">
-            <a:extLst>
-              <a:ext uri="{FF2B5EF4-FFF2-40B4-BE49-F238E27FC236}">
-                <a16:creationId xmlns:a16="http://schemas.microsoft.com/office/drawing/2014/main" id="{26C58969-2C15-91C5-2B2B-CBC3CD34F966}"/>
-              </a:ext>
-            </a:extLst>
-          </p:cNvPr>
-          <p:cNvSpPr/>
-          <p:nvPr/>
-        </p:nvSpPr>
-        <p:spPr>
-          <a:xfrm>
-            <a:off x="2267744" y="411510"/>
-            <a:ext cx="4248472" cy="3946977"/>
-          </a:xfrm>
-          <a:prstGeom prst="roundRect">
-            <a:avLst>
-              <a:gd name="adj" fmla="val 2699"/>
-            </a:avLst>
-          </a:prstGeom>
-          <a:ln w="12700">
-            <a:prstDash val="dash"/>
-          </a:ln>
-        </p:spPr>
-        <p:style>
-          <a:lnRef idx="2">
-            <a:schemeClr val="dk1"/>
-          </a:lnRef>
-          <a:fillRef idx="1">
-            <a:schemeClr val="lt1"/>
-          </a:fillRef>
-          <a:effectRef idx="0">
-            <a:schemeClr val="dk1"/>
-          </a:effectRef>
-          <a:fontRef idx="minor">
-            <a:schemeClr val="dk1"/>
-          </a:fontRef>
-        </p:style>
-        <p:txBody>
-          <a:bodyPr rtlCol="0" anchor="b"/>
-          <a:lstStyle/>
-          <a:p>
-            <a:pPr algn="ctr"/>
-            <a:r>
-              <a:rPr lang="en-US" altLang="ko-KR" sz="1000" dirty="0"/>
-              <a:t>Kafka Connect Cluster</a:t>
-            </a:r>
-            <a:endParaRPr lang="ko-KR" altLang="en-US" sz="1000" dirty="0"/>
-          </a:p>
-        </p:txBody>
-      </p:sp>
-      <p:sp>
-        <p:nvSpPr>
-          <p:cNvPr id="2" name="사각형: 둥근 모서리 6">
-            <a:extLst>
-              <a:ext uri="{FF2B5EF4-FFF2-40B4-BE49-F238E27FC236}">
-                <a16:creationId xmlns:a16="http://schemas.microsoft.com/office/drawing/2014/main" id="{9A11FE0B-2E4C-8A37-C28D-FB899F31FF5E}"/>
-              </a:ext>
-            </a:extLst>
-          </p:cNvPr>
-          <p:cNvSpPr/>
-          <p:nvPr/>
-        </p:nvSpPr>
-        <p:spPr>
-          <a:xfrm>
-            <a:off x="2411759" y="545320"/>
-            <a:ext cx="3960433" cy="3466591"/>
-          </a:xfrm>
-          <a:prstGeom prst="roundRect">
-            <a:avLst>
-              <a:gd name="adj" fmla="val 4353"/>
-            </a:avLst>
-          </a:prstGeom>
-          <a:ln w="12700"/>
-        </p:spPr>
-        <p:style>
-          <a:lnRef idx="2">
-            <a:schemeClr val="dk1"/>
-          </a:lnRef>
-          <a:fillRef idx="1">
-            <a:schemeClr val="lt1"/>
-          </a:fillRef>
-          <a:effectRef idx="0">
-            <a:schemeClr val="dk1"/>
-          </a:effectRef>
-          <a:fontRef idx="minor">
-            <a:schemeClr val="dk1"/>
-          </a:fontRef>
-        </p:style>
-        <p:txBody>
-          <a:bodyPr rtlCol="0" anchor="b"/>
-          <a:lstStyle/>
-          <a:p>
-            <a:pPr algn="ctr"/>
-            <a:r>
-              <a:rPr lang="en-US" altLang="ko-KR" sz="1000" dirty="0"/>
-              <a:t>Worker</a:t>
-            </a:r>
-          </a:p>
-        </p:txBody>
-      </p:sp>
-      <p:sp>
-        <p:nvSpPr>
-          <p:cNvPr id="8" name="사각형: 둥근 모서리 54">
-            <a:extLst>
-              <a:ext uri="{FF2B5EF4-FFF2-40B4-BE49-F238E27FC236}">
-                <a16:creationId xmlns:a16="http://schemas.microsoft.com/office/drawing/2014/main" id="{75519C2B-7C46-BE63-B673-C531057C2524}"/>
-              </a:ext>
-            </a:extLst>
-          </p:cNvPr>
-          <p:cNvSpPr/>
-          <p:nvPr/>
-        </p:nvSpPr>
-        <p:spPr>
-          <a:xfrm>
-            <a:off x="2484672" y="606935"/>
-            <a:ext cx="1078312" cy="648072"/>
-          </a:xfrm>
-          <a:prstGeom prst="roundRect">
-            <a:avLst>
-              <a:gd name="adj" fmla="val 11768"/>
-            </a:avLst>
-          </a:prstGeom>
-          <a:solidFill>
-            <a:schemeClr val="bg1">
-              <a:lumMod val="95000"/>
-            </a:schemeClr>
-          </a:solidFill>
-          <a:ln w="12700"/>
-        </p:spPr>
-        <p:style>
-          <a:lnRef idx="2">
-            <a:schemeClr val="dk1"/>
-          </a:lnRef>
-          <a:fillRef idx="1">
-            <a:schemeClr val="lt1"/>
-          </a:fillRef>
-          <a:effectRef idx="0">
-            <a:schemeClr val="dk1"/>
-          </a:effectRef>
-          <a:fontRef idx="minor">
-            <a:schemeClr val="dk1"/>
-          </a:fontRef>
-        </p:style>
-        <p:txBody>
-          <a:bodyPr rtlCol="0" anchor="t"/>
-          <a:lstStyle/>
-          <a:p>
-            <a:r>
-              <a:rPr lang="en-US" altLang="ko-KR" sz="1000"/>
-              <a:t>Connector A</a:t>
-            </a:r>
-          </a:p>
-          <a:p>
-            <a:r>
-              <a:rPr lang="en-US" altLang="ko-KR" sz="1000"/>
-              <a:t>Instance</a:t>
-            </a:r>
-            <a:endParaRPr lang="ko-KR" altLang="en-US" sz="1000" dirty="0"/>
-          </a:p>
-        </p:txBody>
-      </p:sp>
-      <p:sp>
-        <p:nvSpPr>
-          <p:cNvPr id="14" name="사각형: 둥근 모서리 54">
-            <a:extLst>
-              <a:ext uri="{FF2B5EF4-FFF2-40B4-BE49-F238E27FC236}">
-                <a16:creationId xmlns:a16="http://schemas.microsoft.com/office/drawing/2014/main" id="{7DB35743-F088-7100-3426-0C8845826663}"/>
-              </a:ext>
-            </a:extLst>
-          </p:cNvPr>
-          <p:cNvSpPr/>
-          <p:nvPr/>
-        </p:nvSpPr>
-        <p:spPr>
-          <a:xfrm>
-            <a:off x="2484672" y="1342451"/>
-            <a:ext cx="1078312" cy="648072"/>
-          </a:xfrm>
-          <a:prstGeom prst="roundRect">
-            <a:avLst>
-              <a:gd name="adj" fmla="val 11768"/>
-            </a:avLst>
-          </a:prstGeom>
-          <a:solidFill>
-            <a:schemeClr val="bg1">
-              <a:lumMod val="95000"/>
-            </a:schemeClr>
-          </a:solidFill>
-          <a:ln w="12700"/>
-        </p:spPr>
-        <p:style>
-          <a:lnRef idx="2">
-            <a:schemeClr val="dk1"/>
-          </a:lnRef>
-          <a:fillRef idx="1">
-            <a:schemeClr val="lt1"/>
-          </a:fillRef>
-          <a:effectRef idx="0">
-            <a:schemeClr val="dk1"/>
-          </a:effectRef>
-          <a:fontRef idx="minor">
-            <a:schemeClr val="dk1"/>
-          </a:fontRef>
-        </p:style>
-        <p:txBody>
-          <a:bodyPr rtlCol="0" anchor="t"/>
-          <a:lstStyle/>
-          <a:p>
-            <a:r>
-              <a:rPr lang="en-US" altLang="ko-KR" sz="1000"/>
-              <a:t>Connector A</a:t>
-            </a:r>
-          </a:p>
-          <a:p>
-            <a:r>
-              <a:rPr lang="en-US" altLang="ko-KR" sz="1000"/>
-              <a:t>Task 1</a:t>
-            </a:r>
-          </a:p>
-          <a:p>
-            <a:r>
-              <a:rPr lang="en-US" altLang="ko-KR" sz="1000" dirty="0"/>
-              <a:t>Partition 1,2</a:t>
-            </a:r>
-            <a:endParaRPr lang="ko-KR" altLang="en-US" sz="1000" dirty="0"/>
-          </a:p>
-        </p:txBody>
-      </p:sp>
-      <p:sp>
-        <p:nvSpPr>
-          <p:cNvPr id="15" name="사각형: 둥근 모서리 54">
-            <a:extLst>
-              <a:ext uri="{FF2B5EF4-FFF2-40B4-BE49-F238E27FC236}">
-                <a16:creationId xmlns:a16="http://schemas.microsoft.com/office/drawing/2014/main" id="{E028A692-4EF6-065A-06B6-002FE76CF2CD}"/>
-              </a:ext>
-            </a:extLst>
-          </p:cNvPr>
-          <p:cNvSpPr/>
-          <p:nvPr/>
-        </p:nvSpPr>
-        <p:spPr>
-          <a:xfrm>
-            <a:off x="3852824" y="606935"/>
-            <a:ext cx="1078312" cy="648072"/>
-          </a:xfrm>
-          <a:prstGeom prst="roundRect">
-            <a:avLst>
-              <a:gd name="adj" fmla="val 11768"/>
-            </a:avLst>
-          </a:prstGeom>
-          <a:solidFill>
-            <a:schemeClr val="bg2">
-              <a:lumMod val="90000"/>
-            </a:schemeClr>
-          </a:solidFill>
-          <a:ln w="12700"/>
-        </p:spPr>
-        <p:style>
-          <a:lnRef idx="2">
-            <a:schemeClr val="dk1"/>
-          </a:lnRef>
-          <a:fillRef idx="1">
-            <a:schemeClr val="lt1"/>
-          </a:fillRef>
-          <a:effectRef idx="0">
-            <a:schemeClr val="dk1"/>
-          </a:effectRef>
-          <a:fontRef idx="minor">
-            <a:schemeClr val="dk1"/>
-          </a:fontRef>
-        </p:style>
-        <p:txBody>
-          <a:bodyPr rtlCol="0" anchor="t"/>
-          <a:lstStyle/>
-          <a:p>
-            <a:r>
-              <a:rPr lang="en-US" altLang="ko-KR" sz="1000"/>
-              <a:t>Connector B</a:t>
-            </a:r>
-          </a:p>
-          <a:p>
-            <a:r>
-              <a:rPr lang="en-US" altLang="ko-KR" sz="1000"/>
-              <a:t>Instance</a:t>
-            </a:r>
-            <a:endParaRPr lang="ko-KR" altLang="en-US" sz="1000" dirty="0"/>
-          </a:p>
-        </p:txBody>
-      </p:sp>
-      <p:sp>
-        <p:nvSpPr>
-          <p:cNvPr id="16" name="사각형: 둥근 모서리 54">
-            <a:extLst>
-              <a:ext uri="{FF2B5EF4-FFF2-40B4-BE49-F238E27FC236}">
-                <a16:creationId xmlns:a16="http://schemas.microsoft.com/office/drawing/2014/main" id="{08816188-6ECA-5CA7-0547-F513EC93F5D6}"/>
-              </a:ext>
-            </a:extLst>
-          </p:cNvPr>
-          <p:cNvSpPr/>
-          <p:nvPr/>
-        </p:nvSpPr>
-        <p:spPr>
-          <a:xfrm>
-            <a:off x="5220976" y="606935"/>
-            <a:ext cx="1078312" cy="648072"/>
-          </a:xfrm>
-          <a:prstGeom prst="roundRect">
-            <a:avLst>
-              <a:gd name="adj" fmla="val 11768"/>
-            </a:avLst>
-          </a:prstGeom>
-          <a:solidFill>
-            <a:schemeClr val="bg1">
-              <a:lumMod val="95000"/>
-            </a:schemeClr>
-          </a:solidFill>
-          <a:ln w="12700"/>
-        </p:spPr>
-        <p:style>
-          <a:lnRef idx="2">
-            <a:schemeClr val="dk1"/>
-          </a:lnRef>
-          <a:fillRef idx="1">
-            <a:schemeClr val="lt1"/>
-          </a:fillRef>
-          <a:effectRef idx="0">
-            <a:schemeClr val="dk1"/>
-          </a:effectRef>
-          <a:fontRef idx="minor">
-            <a:schemeClr val="dk1"/>
-          </a:fontRef>
-        </p:style>
-        <p:txBody>
-          <a:bodyPr rtlCol="0" anchor="t"/>
-          <a:lstStyle/>
-          <a:p>
-            <a:r>
-              <a:rPr lang="en-US" altLang="ko-KR" sz="1000"/>
-              <a:t>Connector A</a:t>
-            </a:r>
-          </a:p>
-          <a:p>
-            <a:r>
-              <a:rPr lang="en-US" altLang="ko-KR" sz="1000"/>
-              <a:t>Task 3</a:t>
-            </a:r>
-          </a:p>
-          <a:p>
-            <a:r>
-              <a:rPr lang="en-US" altLang="ko-KR" sz="1000" dirty="0"/>
-              <a:t>Partition 5,6</a:t>
-            </a:r>
-            <a:endParaRPr lang="ko-KR" altLang="en-US" sz="1000" dirty="0"/>
-          </a:p>
-        </p:txBody>
-      </p:sp>
-      <p:sp>
-        <p:nvSpPr>
-          <p:cNvPr id="17" name="사각형: 둥근 모서리 54">
-            <a:extLst>
-              <a:ext uri="{FF2B5EF4-FFF2-40B4-BE49-F238E27FC236}">
-                <a16:creationId xmlns:a16="http://schemas.microsoft.com/office/drawing/2014/main" id="{3543A398-2905-23AA-8DBD-99AFA401FC6D}"/>
-              </a:ext>
-            </a:extLst>
-          </p:cNvPr>
-          <p:cNvSpPr/>
-          <p:nvPr/>
-        </p:nvSpPr>
-        <p:spPr>
-          <a:xfrm>
-            <a:off x="2484672" y="2077967"/>
-            <a:ext cx="1078312" cy="648072"/>
-          </a:xfrm>
-          <a:prstGeom prst="roundRect">
-            <a:avLst>
-              <a:gd name="adj" fmla="val 11768"/>
-            </a:avLst>
-          </a:prstGeom>
-          <a:solidFill>
-            <a:schemeClr val="bg2">
-              <a:lumMod val="90000"/>
-            </a:schemeClr>
-          </a:solidFill>
-          <a:ln w="12700"/>
-        </p:spPr>
-        <p:style>
-          <a:lnRef idx="2">
-            <a:schemeClr val="dk1"/>
-          </a:lnRef>
-          <a:fillRef idx="1">
-            <a:schemeClr val="lt1"/>
-          </a:fillRef>
-          <a:effectRef idx="0">
-            <a:schemeClr val="dk1"/>
-          </a:effectRef>
-          <a:fontRef idx="minor">
-            <a:schemeClr val="dk1"/>
-          </a:fontRef>
-        </p:style>
-        <p:txBody>
-          <a:bodyPr rtlCol="0" anchor="t"/>
-          <a:lstStyle/>
-          <a:p>
-            <a:r>
-              <a:rPr lang="en-US" altLang="ko-KR" sz="1000"/>
-              <a:t>Connector B</a:t>
-            </a:r>
-          </a:p>
-          <a:p>
-            <a:r>
-              <a:rPr lang="en-US" altLang="ko-KR" sz="1000"/>
-              <a:t>Task 1</a:t>
-            </a:r>
-          </a:p>
-          <a:p>
-            <a:r>
-              <a:rPr lang="en-US" altLang="ko-KR" sz="1000" dirty="0"/>
-              <a:t>Partition 1,2,3</a:t>
-            </a:r>
-            <a:endParaRPr lang="ko-KR" altLang="en-US" sz="1000" dirty="0"/>
-          </a:p>
-        </p:txBody>
-      </p:sp>
-      <p:sp>
-        <p:nvSpPr>
-          <p:cNvPr id="18" name="사각형: 둥근 모서리 54">
-            <a:extLst>
-              <a:ext uri="{FF2B5EF4-FFF2-40B4-BE49-F238E27FC236}">
-                <a16:creationId xmlns:a16="http://schemas.microsoft.com/office/drawing/2014/main" id="{19B60079-97E5-3EAD-EE3F-76A200ECDC74}"/>
-              </a:ext>
-            </a:extLst>
-          </p:cNvPr>
-          <p:cNvSpPr/>
-          <p:nvPr/>
-        </p:nvSpPr>
-        <p:spPr>
-          <a:xfrm>
-            <a:off x="3852824" y="1342451"/>
-            <a:ext cx="1078312" cy="648072"/>
-          </a:xfrm>
-          <a:prstGeom prst="roundRect">
-            <a:avLst>
-              <a:gd name="adj" fmla="val 11768"/>
-            </a:avLst>
-          </a:prstGeom>
-          <a:solidFill>
-            <a:schemeClr val="bg1">
-              <a:lumMod val="95000"/>
-            </a:schemeClr>
-          </a:solidFill>
-          <a:ln w="12700"/>
-        </p:spPr>
-        <p:style>
-          <a:lnRef idx="2">
-            <a:schemeClr val="dk1"/>
-          </a:lnRef>
-          <a:fillRef idx="1">
-            <a:schemeClr val="lt1"/>
-          </a:fillRef>
-          <a:effectRef idx="0">
-            <a:schemeClr val="dk1"/>
-          </a:effectRef>
-          <a:fontRef idx="minor">
-            <a:schemeClr val="dk1"/>
-          </a:fontRef>
-        </p:style>
-        <p:txBody>
-          <a:bodyPr rtlCol="0" anchor="t"/>
-          <a:lstStyle/>
-          <a:p>
-            <a:r>
-              <a:rPr lang="en-US" altLang="ko-KR" sz="1000"/>
-              <a:t>Connector A</a:t>
-            </a:r>
-          </a:p>
-          <a:p>
-            <a:r>
-              <a:rPr lang="en-US" altLang="ko-KR" sz="1000"/>
-              <a:t>Task 2</a:t>
-            </a:r>
-          </a:p>
-          <a:p>
-            <a:r>
-              <a:rPr lang="en-US" altLang="ko-KR" sz="1000" dirty="0"/>
-              <a:t>Partition 3,4</a:t>
-            </a:r>
-            <a:endParaRPr lang="ko-KR" altLang="en-US" sz="1000" dirty="0"/>
-          </a:p>
-        </p:txBody>
-      </p:sp>
-      <p:sp>
-        <p:nvSpPr>
-          <p:cNvPr id="19" name="사각형: 둥근 모서리 54">
-            <a:extLst>
-              <a:ext uri="{FF2B5EF4-FFF2-40B4-BE49-F238E27FC236}">
-                <a16:creationId xmlns:a16="http://schemas.microsoft.com/office/drawing/2014/main" id="{FF2D342D-A938-5038-0E00-F29A8FD97B64}"/>
-              </a:ext>
-            </a:extLst>
-          </p:cNvPr>
-          <p:cNvSpPr/>
-          <p:nvPr/>
-        </p:nvSpPr>
-        <p:spPr>
-          <a:xfrm>
-            <a:off x="5220976" y="1348583"/>
-            <a:ext cx="1078312" cy="648072"/>
-          </a:xfrm>
-          <a:prstGeom prst="roundRect">
-            <a:avLst>
-              <a:gd name="adj" fmla="val 11768"/>
-            </a:avLst>
-          </a:prstGeom>
-          <a:solidFill>
-            <a:schemeClr val="bg2">
-              <a:lumMod val="90000"/>
-            </a:schemeClr>
-          </a:solidFill>
-          <a:ln w="12700"/>
-        </p:spPr>
-        <p:style>
-          <a:lnRef idx="2">
-            <a:schemeClr val="dk1"/>
-          </a:lnRef>
-          <a:fillRef idx="1">
-            <a:schemeClr val="lt1"/>
-          </a:fillRef>
-          <a:effectRef idx="0">
-            <a:schemeClr val="dk1"/>
-          </a:effectRef>
-          <a:fontRef idx="minor">
-            <a:schemeClr val="dk1"/>
-          </a:fontRef>
-        </p:style>
-        <p:txBody>
-          <a:bodyPr rtlCol="0" anchor="t"/>
-          <a:lstStyle/>
-          <a:p>
-            <a:r>
-              <a:rPr lang="en-US" altLang="ko-KR" sz="1000"/>
-              <a:t>Connector B</a:t>
-            </a:r>
-          </a:p>
-          <a:p>
-            <a:r>
-              <a:rPr lang="en-US" altLang="ko-KR" sz="1000"/>
-              <a:t>Task 2</a:t>
-            </a:r>
-          </a:p>
-          <a:p>
-            <a:r>
-              <a:rPr lang="en-US" altLang="ko-KR" sz="1000" dirty="0"/>
-              <a:t>Partition 5,6,7</a:t>
-            </a:r>
-            <a:endParaRPr lang="ko-KR" altLang="en-US" sz="1000" dirty="0"/>
-          </a:p>
-        </p:txBody>
-      </p:sp>
-      <p:cxnSp>
-        <p:nvCxnSpPr>
-          <p:cNvPr id="21" name="Straight Arrow Connector 20">
-            <a:extLst>
-              <a:ext uri="{FF2B5EF4-FFF2-40B4-BE49-F238E27FC236}">
-                <a16:creationId xmlns:a16="http://schemas.microsoft.com/office/drawing/2014/main" id="{D3AFDEEB-4628-A885-3FE7-28237DC9F3CC}"/>
-              </a:ext>
-            </a:extLst>
-          </p:cNvPr>
-          <p:cNvCxnSpPr>
-            <a:cxnSpLocks/>
-            <a:endCxn id="12" idx="0"/>
-          </p:cNvCxnSpPr>
-          <p:nvPr/>
-        </p:nvCxnSpPr>
-        <p:spPr>
-          <a:xfrm>
-            <a:off x="4391980" y="102879"/>
-            <a:ext cx="0" cy="308631"/>
-          </a:xfrm>
-          <a:prstGeom prst="straightConnector1">
-            <a:avLst/>
-          </a:prstGeom>
-          <a:ln>
-            <a:solidFill>
-              <a:schemeClr val="tx1"/>
-            </a:solidFill>
-            <a:tailEnd type="triangle"/>
-          </a:ln>
-        </p:spPr>
-        <p:style>
-          <a:lnRef idx="1">
-            <a:schemeClr val="accent1"/>
-          </a:lnRef>
-          <a:fillRef idx="0">
-            <a:schemeClr val="accent1"/>
-          </a:fillRef>
-          <a:effectRef idx="0">
-            <a:schemeClr val="accent1"/>
-          </a:effectRef>
-          <a:fontRef idx="minor">
-            <a:schemeClr val="tx1"/>
-          </a:fontRef>
-        </p:style>
-      </p:cxnSp>
-      <p:sp>
-        <p:nvSpPr>
-          <p:cNvPr id="22" name="TextBox 21">
-            <a:extLst>
-              <a:ext uri="{FF2B5EF4-FFF2-40B4-BE49-F238E27FC236}">
-                <a16:creationId xmlns:a16="http://schemas.microsoft.com/office/drawing/2014/main" id="{EE43FF27-2E11-742F-8C44-D4F2BAE31AC5}"/>
-              </a:ext>
-            </a:extLst>
-          </p:cNvPr>
-          <p:cNvSpPr txBox="1"/>
-          <p:nvPr/>
-        </p:nvSpPr>
-        <p:spPr>
-          <a:xfrm>
-            <a:off x="4391980" y="121960"/>
-            <a:ext cx="716863" cy="261610"/>
-          </a:xfrm>
-          <a:prstGeom prst="rect">
-            <a:avLst/>
-          </a:prstGeom>
-          <a:noFill/>
-        </p:spPr>
-        <p:txBody>
-          <a:bodyPr wrap="none" rtlCol="0">
-            <a:spAutoFit/>
-          </a:bodyPr>
-          <a:lstStyle/>
-          <a:p>
-            <a:r>
-              <a:rPr lang="en-KR" sz="1050" i="1"/>
-              <a:t>Rest API</a:t>
-            </a:r>
-          </a:p>
-        </p:txBody>
-      </p:sp>
-      <p:sp>
-        <p:nvSpPr>
-          <p:cNvPr id="4" name="사각형: 둥근 모서리 54">
-            <a:extLst>
-              <a:ext uri="{FF2B5EF4-FFF2-40B4-BE49-F238E27FC236}">
-                <a16:creationId xmlns:a16="http://schemas.microsoft.com/office/drawing/2014/main" id="{3282700C-7455-B766-A2DA-447AE04E3C52}"/>
-              </a:ext>
-            </a:extLst>
-          </p:cNvPr>
-          <p:cNvSpPr/>
-          <p:nvPr/>
-        </p:nvSpPr>
-        <p:spPr>
-          <a:xfrm>
-            <a:off x="2267744" y="4414827"/>
-            <a:ext cx="3816415" cy="527913"/>
-          </a:xfrm>
-          <a:prstGeom prst="roundRect">
-            <a:avLst/>
-          </a:prstGeom>
-          <a:noFill/>
-          <a:ln w="12700">
-            <a:noFill/>
-          </a:ln>
-        </p:spPr>
-        <p:style>
-          <a:lnRef idx="2">
-            <a:schemeClr val="dk1"/>
-          </a:lnRef>
-          <a:fillRef idx="1">
-            <a:schemeClr val="lt1"/>
-          </a:fillRef>
-          <a:effectRef idx="0">
-            <a:schemeClr val="dk1"/>
-          </a:effectRef>
-          <a:fontRef idx="minor">
-            <a:schemeClr val="dk1"/>
-          </a:fontRef>
-        </p:style>
-        <p:txBody>
-          <a:bodyPr rtlCol="0" anchor="ctr"/>
-          <a:lstStyle/>
-          <a:p>
-            <a:r>
-              <a:rPr lang="en-US" altLang="ko-KR" sz="1000" b="1" dirty="0"/>
-              <a:t>Worker</a:t>
-            </a:r>
-            <a:r>
-              <a:rPr lang="en-US" altLang="ko-KR" sz="1000" dirty="0"/>
-              <a:t> : Process</a:t>
-            </a:r>
-          </a:p>
-          <a:p>
-            <a:r>
-              <a:rPr lang="en-US" altLang="ko-KR" sz="1000" b="1" dirty="0"/>
-              <a:t>Connector Instance, Task </a:t>
-            </a:r>
-            <a:r>
-              <a:rPr lang="en-US" altLang="ko-KR" sz="1000" dirty="0"/>
-              <a:t>: Thread</a:t>
-            </a:r>
-          </a:p>
-          <a:p>
-            <a:r>
-              <a:rPr lang="en-US" altLang="ko-KR" sz="1000" b="1" dirty="0"/>
-              <a:t>Converter, Transforms </a:t>
-            </a:r>
-            <a:r>
-              <a:rPr lang="en-US" altLang="ko-KR" sz="1000" dirty="0"/>
-              <a:t>: Class</a:t>
-            </a:r>
-            <a:endParaRPr lang="ko-KR" altLang="en-US" sz="1000" dirty="0"/>
-          </a:p>
-        </p:txBody>
-      </p:sp>
-      <p:sp>
-        <p:nvSpPr>
-          <p:cNvPr id="23" name="사각형: 둥근 모서리 54">
-            <a:extLst>
-              <a:ext uri="{FF2B5EF4-FFF2-40B4-BE49-F238E27FC236}">
-                <a16:creationId xmlns:a16="http://schemas.microsoft.com/office/drawing/2014/main" id="{B41B3CDF-CC6F-FDF3-8E55-75E5DD59336C}"/>
-              </a:ext>
-            </a:extLst>
-          </p:cNvPr>
-          <p:cNvSpPr/>
-          <p:nvPr/>
-        </p:nvSpPr>
-        <p:spPr>
-          <a:xfrm>
-            <a:off x="2484672" y="2813483"/>
-            <a:ext cx="3814616" cy="340933"/>
-          </a:xfrm>
-          <a:prstGeom prst="roundRect">
-            <a:avLst/>
-          </a:prstGeom>
-          <a:ln w="12700"/>
-        </p:spPr>
-        <p:style>
-          <a:lnRef idx="2">
-            <a:schemeClr val="dk1"/>
-          </a:lnRef>
-          <a:fillRef idx="1">
-            <a:schemeClr val="lt1"/>
-          </a:fillRef>
-          <a:effectRef idx="0">
-            <a:schemeClr val="dk1"/>
-          </a:effectRef>
-          <a:fontRef idx="minor">
-            <a:schemeClr val="dk1"/>
-          </a:fontRef>
-        </p:style>
-        <p:txBody>
-          <a:bodyPr rtlCol="0" anchor="ctr"/>
-          <a:lstStyle/>
-          <a:p>
-            <a:pPr algn="ctr"/>
-            <a:r>
-              <a:rPr lang="en-US" altLang="ko-KR" sz="1000" dirty="0"/>
-              <a:t>Converter</a:t>
-            </a:r>
-            <a:endParaRPr lang="ko-KR" altLang="en-US" sz="1000" dirty="0"/>
-          </a:p>
-        </p:txBody>
-      </p:sp>
-      <p:sp>
-        <p:nvSpPr>
-          <p:cNvPr id="25" name="사각형: 둥근 모서리 54">
-            <a:extLst>
-              <a:ext uri="{FF2B5EF4-FFF2-40B4-BE49-F238E27FC236}">
-                <a16:creationId xmlns:a16="http://schemas.microsoft.com/office/drawing/2014/main" id="{F6A92BD1-500A-B953-A0C1-73060EB87557}"/>
-              </a:ext>
-            </a:extLst>
-          </p:cNvPr>
-          <p:cNvSpPr/>
-          <p:nvPr/>
-        </p:nvSpPr>
-        <p:spPr>
-          <a:xfrm>
-            <a:off x="2484672" y="3241860"/>
-            <a:ext cx="3814616" cy="340933"/>
-          </a:xfrm>
-          <a:prstGeom prst="roundRect">
-            <a:avLst/>
-          </a:prstGeom>
-          <a:ln w="12700"/>
-        </p:spPr>
-        <p:style>
-          <a:lnRef idx="2">
-            <a:schemeClr val="dk1"/>
-          </a:lnRef>
-          <a:fillRef idx="1">
-            <a:schemeClr val="lt1"/>
-          </a:fillRef>
-          <a:effectRef idx="0">
-            <a:schemeClr val="dk1"/>
-          </a:effectRef>
-          <a:fontRef idx="minor">
-            <a:schemeClr val="dk1"/>
-          </a:fontRef>
-        </p:style>
-        <p:txBody>
-          <a:bodyPr rtlCol="0" anchor="ctr"/>
-          <a:lstStyle/>
-          <a:p>
-            <a:pPr algn="ctr"/>
-            <a:r>
-              <a:rPr lang="en-US" altLang="ko-KR" sz="1000" dirty="0"/>
-              <a:t>Transform</a:t>
-            </a:r>
-            <a:endParaRPr lang="ko-KR" altLang="en-US" sz="1000" dirty="0"/>
-          </a:p>
-        </p:txBody>
-      </p:sp>
-    </p:spTree>
-    <p:extLst>
-      <p:ext uri="{BB962C8B-B14F-4D97-AF65-F5344CB8AC3E}">
-        <p14:creationId xmlns:p14="http://schemas.microsoft.com/office/powerpoint/2010/main" val="1417831421"/>
       </p:ext>
     </p:extLst>
   </p:cSld>
